--- a/lezioni/PASW05 - ereditarietà.pptx
+++ b/lezioni/PASW05 - ereditarietà.pptx
@@ -160,7 +160,7 @@
   </p:defaultTextStyle>
   <p:extLst>
     <p:ext uri="{EFAFB233-063F-42B5-8137-9DF3F51BA10A}">
-      <p15:sldGuideLst xmlns:p15="http://schemas.microsoft.com/office/powerpoint/2012/main" xmlns="">
+      <p15:sldGuideLst xmlns:p15="http://schemas.microsoft.com/office/powerpoint/2012/main">
         <p15:guide id="1" orient="horz" pos="2160" userDrawn="1">
           <p15:clr>
             <a:srgbClr val="A4A3A4"/>
@@ -259,7 +259,7 @@
           <a:p>
             <a:fld id="{537EE30C-6FCC-4D68-889C-61DBBB4BBB87}" type="datetimeFigureOut">
               <a:rPr lang="it-IT" smtClean="0"/>
-              <a:t>16/03/2018</a:t>
+              <a:t>19/03/2018</a:t>
             </a:fld>
             <a:endParaRPr lang="it-IT"/>
           </a:p>
@@ -548,7 +548,7 @@
           <p:cNvPr id="3" name="Rectangle 3">
             <a:extLst>
               <a:ext uri="{FF2B5EF4-FFF2-40B4-BE49-F238E27FC236}">
-                <a16:creationId xmlns:a16="http://schemas.microsoft.com/office/drawing/2014/main" xmlns="" id="{2F66F622-9F9E-4382-93EF-DB0B74488104}"/>
+                <a16:creationId xmlns:a16="http://schemas.microsoft.com/office/drawing/2014/main" id="{2F66F622-9F9E-4382-93EF-DB0B74488104}"/>
               </a:ext>
             </a:extLst>
           </p:cNvPr>
@@ -708,7 +708,7 @@
           <p:cNvPr id="6" name="Rectangle 9">
             <a:extLst>
               <a:ext uri="{FF2B5EF4-FFF2-40B4-BE49-F238E27FC236}">
-                <a16:creationId xmlns:a16="http://schemas.microsoft.com/office/drawing/2014/main" xmlns="" id="{7E561134-9D78-4D68-BD42-80BF509310A5}"/>
+                <a16:creationId xmlns:a16="http://schemas.microsoft.com/office/drawing/2014/main" id="{7E561134-9D78-4D68-BD42-80BF509310A5}"/>
               </a:ext>
             </a:extLst>
           </p:cNvPr>
@@ -900,7 +900,7 @@
           <p:cNvPr id="7" name="Rectangle 6">
             <a:extLst>
               <a:ext uri="{FF2B5EF4-FFF2-40B4-BE49-F238E27FC236}">
-                <a16:creationId xmlns:a16="http://schemas.microsoft.com/office/drawing/2014/main" xmlns="" id="{86B1687A-0E99-4710-92B1-FAE5E8BF1918}"/>
+                <a16:creationId xmlns:a16="http://schemas.microsoft.com/office/drawing/2014/main" id="{86B1687A-0E99-4710-92B1-FAE5E8BF1918}"/>
               </a:ext>
             </a:extLst>
           </p:cNvPr>
@@ -932,7 +932,7 @@
           <p:cNvPr id="8" name="Rectangle 7">
             <a:extLst>
               <a:ext uri="{FF2B5EF4-FFF2-40B4-BE49-F238E27FC236}">
-                <a16:creationId xmlns:a16="http://schemas.microsoft.com/office/drawing/2014/main" xmlns="" id="{07348C20-9313-41D9-A26D-888D50119FCE}"/>
+                <a16:creationId xmlns:a16="http://schemas.microsoft.com/office/drawing/2014/main" id="{07348C20-9313-41D9-A26D-888D50119FCE}"/>
               </a:ext>
             </a:extLst>
           </p:cNvPr>
@@ -972,7 +972,7 @@
           <p:cNvPr id="9" name="Rectangle 8">
             <a:extLst>
               <a:ext uri="{FF2B5EF4-FFF2-40B4-BE49-F238E27FC236}">
-                <a16:creationId xmlns:a16="http://schemas.microsoft.com/office/drawing/2014/main" xmlns="" id="{17DF38D8-FD9B-403B-AFDF-0E3716816A92}"/>
+                <a16:creationId xmlns:a16="http://schemas.microsoft.com/office/drawing/2014/main" id="{17DF38D8-FD9B-403B-AFDF-0E3716816A92}"/>
               </a:ext>
             </a:extLst>
           </p:cNvPr>
@@ -1004,7 +1004,7 @@
           <p:cNvPr id="10" name="Immagine 9">
             <a:extLst>
               <a:ext uri="{FF2B5EF4-FFF2-40B4-BE49-F238E27FC236}">
-                <a16:creationId xmlns:a16="http://schemas.microsoft.com/office/drawing/2014/main" xmlns="" id="{61875CDC-4DD2-4CB4-A697-E954F59E49A3}"/>
+                <a16:creationId xmlns:a16="http://schemas.microsoft.com/office/drawing/2014/main" id="{61875CDC-4DD2-4CB4-A697-E954F59E49A3}"/>
               </a:ext>
             </a:extLst>
           </p:cNvPr>
@@ -1143,7 +1143,7 @@
           <p:cNvPr id="4" name="Rectangle 8">
             <a:extLst>
               <a:ext uri="{FF2B5EF4-FFF2-40B4-BE49-F238E27FC236}">
-                <a16:creationId xmlns:a16="http://schemas.microsoft.com/office/drawing/2014/main" xmlns="" id="{9E52C8E3-80C1-4BE7-B818-E96F0B04B42A}"/>
+                <a16:creationId xmlns:a16="http://schemas.microsoft.com/office/drawing/2014/main" id="{9E52C8E3-80C1-4BE7-B818-E96F0B04B42A}"/>
               </a:ext>
             </a:extLst>
           </p:cNvPr>
@@ -1177,7 +1177,7 @@
           <p:cNvPr id="5" name="Rectangle 9">
             <a:extLst>
               <a:ext uri="{FF2B5EF4-FFF2-40B4-BE49-F238E27FC236}">
-                <a16:creationId xmlns:a16="http://schemas.microsoft.com/office/drawing/2014/main" xmlns="" id="{849478E4-0D5E-46BD-A68F-B08AD01E928E}"/>
+                <a16:creationId xmlns:a16="http://schemas.microsoft.com/office/drawing/2014/main" id="{849478E4-0D5E-46BD-A68F-B08AD01E928E}"/>
               </a:ext>
             </a:extLst>
           </p:cNvPr>
@@ -1214,7 +1214,7 @@
           <p:cNvPr id="6" name="Rectangle 10">
             <a:extLst>
               <a:ext uri="{FF2B5EF4-FFF2-40B4-BE49-F238E27FC236}">
-                <a16:creationId xmlns:a16="http://schemas.microsoft.com/office/drawing/2014/main" xmlns="" id="{9335DB8C-CA69-4668-89B4-347E6D84183B}"/>
+                <a16:creationId xmlns:a16="http://schemas.microsoft.com/office/drawing/2014/main" id="{9335DB8C-CA69-4668-89B4-347E6D84183B}"/>
               </a:ext>
             </a:extLst>
           </p:cNvPr>
@@ -1364,7 +1364,7 @@
           <p:cNvPr id="4" name="Rectangle 8">
             <a:extLst>
               <a:ext uri="{FF2B5EF4-FFF2-40B4-BE49-F238E27FC236}">
-                <a16:creationId xmlns:a16="http://schemas.microsoft.com/office/drawing/2014/main" xmlns="" id="{9D8C8A0F-FBFE-4985-92E1-DFF22EFFC8E1}"/>
+                <a16:creationId xmlns:a16="http://schemas.microsoft.com/office/drawing/2014/main" id="{9D8C8A0F-FBFE-4985-92E1-DFF22EFFC8E1}"/>
               </a:ext>
             </a:extLst>
           </p:cNvPr>
@@ -1398,7 +1398,7 @@
           <p:cNvPr id="5" name="Rectangle 9">
             <a:extLst>
               <a:ext uri="{FF2B5EF4-FFF2-40B4-BE49-F238E27FC236}">
-                <a16:creationId xmlns:a16="http://schemas.microsoft.com/office/drawing/2014/main" xmlns="" id="{D2DC04C4-23D9-476A-AC32-1499A51842F9}"/>
+                <a16:creationId xmlns:a16="http://schemas.microsoft.com/office/drawing/2014/main" id="{D2DC04C4-23D9-476A-AC32-1499A51842F9}"/>
               </a:ext>
             </a:extLst>
           </p:cNvPr>
@@ -1435,7 +1435,7 @@
           <p:cNvPr id="6" name="Rectangle 10">
             <a:extLst>
               <a:ext uri="{FF2B5EF4-FFF2-40B4-BE49-F238E27FC236}">
-                <a16:creationId xmlns:a16="http://schemas.microsoft.com/office/drawing/2014/main" xmlns="" id="{3786B024-AA57-423D-891C-4560A17A0EB2}"/>
+                <a16:creationId xmlns:a16="http://schemas.microsoft.com/office/drawing/2014/main" id="{3786B024-AA57-423D-891C-4560A17A0EB2}"/>
               </a:ext>
             </a:extLst>
           </p:cNvPr>
@@ -1605,7 +1605,7 @@
           <p:cNvPr id="4" name="Rectangle 8">
             <a:extLst>
               <a:ext uri="{FF2B5EF4-FFF2-40B4-BE49-F238E27FC236}">
-                <a16:creationId xmlns:a16="http://schemas.microsoft.com/office/drawing/2014/main" xmlns="" id="{1D340B96-E3AF-4CD1-B22D-D32EEB8D2F1F}"/>
+                <a16:creationId xmlns:a16="http://schemas.microsoft.com/office/drawing/2014/main" id="{1D340B96-E3AF-4CD1-B22D-D32EEB8D2F1F}"/>
               </a:ext>
             </a:extLst>
           </p:cNvPr>
@@ -1639,7 +1639,7 @@
           <p:cNvPr id="5" name="Rectangle 9">
             <a:extLst>
               <a:ext uri="{FF2B5EF4-FFF2-40B4-BE49-F238E27FC236}">
-                <a16:creationId xmlns:a16="http://schemas.microsoft.com/office/drawing/2014/main" xmlns="" id="{213B513D-9A35-40F7-A837-AA516FB48D32}"/>
+                <a16:creationId xmlns:a16="http://schemas.microsoft.com/office/drawing/2014/main" id="{213B513D-9A35-40F7-A837-AA516FB48D32}"/>
               </a:ext>
             </a:extLst>
           </p:cNvPr>
@@ -1676,7 +1676,7 @@
           <p:cNvPr id="6" name="Rectangle 10">
             <a:extLst>
               <a:ext uri="{FF2B5EF4-FFF2-40B4-BE49-F238E27FC236}">
-                <a16:creationId xmlns:a16="http://schemas.microsoft.com/office/drawing/2014/main" xmlns="" id="{7EAE5BB2-5EBD-48B3-849E-0B7233F44C55}"/>
+                <a16:creationId xmlns:a16="http://schemas.microsoft.com/office/drawing/2014/main" id="{7EAE5BB2-5EBD-48B3-849E-0B7233F44C55}"/>
               </a:ext>
             </a:extLst>
           </p:cNvPr>
@@ -1839,7 +1839,7 @@
           <p:cNvPr id="4" name="Rectangle 8">
             <a:extLst>
               <a:ext uri="{FF2B5EF4-FFF2-40B4-BE49-F238E27FC236}">
-                <a16:creationId xmlns:a16="http://schemas.microsoft.com/office/drawing/2014/main" xmlns="" id="{DA126054-C08B-4D94-A300-2C3AA9B3C6DF}"/>
+                <a16:creationId xmlns:a16="http://schemas.microsoft.com/office/drawing/2014/main" id="{DA126054-C08B-4D94-A300-2C3AA9B3C6DF}"/>
               </a:ext>
             </a:extLst>
           </p:cNvPr>
@@ -1873,7 +1873,7 @@
           <p:cNvPr id="5" name="Rectangle 9">
             <a:extLst>
               <a:ext uri="{FF2B5EF4-FFF2-40B4-BE49-F238E27FC236}">
-                <a16:creationId xmlns:a16="http://schemas.microsoft.com/office/drawing/2014/main" xmlns="" id="{8A4A711E-C3F0-4273-A209-19A6605B4266}"/>
+                <a16:creationId xmlns:a16="http://schemas.microsoft.com/office/drawing/2014/main" id="{8A4A711E-C3F0-4273-A209-19A6605B4266}"/>
               </a:ext>
             </a:extLst>
           </p:cNvPr>
@@ -1910,7 +1910,7 @@
           <p:cNvPr id="6" name="Rectangle 10">
             <a:extLst>
               <a:ext uri="{FF2B5EF4-FFF2-40B4-BE49-F238E27FC236}">
-                <a16:creationId xmlns:a16="http://schemas.microsoft.com/office/drawing/2014/main" xmlns="" id="{DB96D76D-2FEC-40C3-90E7-386B7605E0AC}"/>
+                <a16:creationId xmlns:a16="http://schemas.microsoft.com/office/drawing/2014/main" id="{DB96D76D-2FEC-40C3-90E7-386B7605E0AC}"/>
               </a:ext>
             </a:extLst>
           </p:cNvPr>
@@ -2171,7 +2171,7 @@
           <p:cNvPr id="5" name="Rectangle 8">
             <a:extLst>
               <a:ext uri="{FF2B5EF4-FFF2-40B4-BE49-F238E27FC236}">
-                <a16:creationId xmlns:a16="http://schemas.microsoft.com/office/drawing/2014/main" xmlns="" id="{FCD38C67-62DF-4C10-AFCD-27CD68F8AA38}"/>
+                <a16:creationId xmlns:a16="http://schemas.microsoft.com/office/drawing/2014/main" id="{FCD38C67-62DF-4C10-AFCD-27CD68F8AA38}"/>
               </a:ext>
             </a:extLst>
           </p:cNvPr>
@@ -2205,7 +2205,7 @@
           <p:cNvPr id="6" name="Rectangle 9">
             <a:extLst>
               <a:ext uri="{FF2B5EF4-FFF2-40B4-BE49-F238E27FC236}">
-                <a16:creationId xmlns:a16="http://schemas.microsoft.com/office/drawing/2014/main" xmlns="" id="{28B9B552-3A66-4287-9B84-5E3362AB736B}"/>
+                <a16:creationId xmlns:a16="http://schemas.microsoft.com/office/drawing/2014/main" id="{28B9B552-3A66-4287-9B84-5E3362AB736B}"/>
               </a:ext>
             </a:extLst>
           </p:cNvPr>
@@ -2242,7 +2242,7 @@
           <p:cNvPr id="7" name="Rectangle 10">
             <a:extLst>
               <a:ext uri="{FF2B5EF4-FFF2-40B4-BE49-F238E27FC236}">
-                <a16:creationId xmlns:a16="http://schemas.microsoft.com/office/drawing/2014/main" xmlns="" id="{C59D8FC8-C1C4-40C7-B6C5-AB5DB82240FE}"/>
+                <a16:creationId xmlns:a16="http://schemas.microsoft.com/office/drawing/2014/main" id="{C59D8FC8-C1C4-40C7-B6C5-AB5DB82240FE}"/>
               </a:ext>
             </a:extLst>
           </p:cNvPr>
@@ -2638,7 +2638,7 @@
           <p:cNvPr id="7" name="Rectangle 8">
             <a:extLst>
               <a:ext uri="{FF2B5EF4-FFF2-40B4-BE49-F238E27FC236}">
-                <a16:creationId xmlns:a16="http://schemas.microsoft.com/office/drawing/2014/main" xmlns="" id="{89C37FF2-54A3-4F0B-989F-CB2ED7AA4C9B}"/>
+                <a16:creationId xmlns:a16="http://schemas.microsoft.com/office/drawing/2014/main" id="{89C37FF2-54A3-4F0B-989F-CB2ED7AA4C9B}"/>
               </a:ext>
             </a:extLst>
           </p:cNvPr>
@@ -2672,7 +2672,7 @@
           <p:cNvPr id="8" name="Rectangle 9">
             <a:extLst>
               <a:ext uri="{FF2B5EF4-FFF2-40B4-BE49-F238E27FC236}">
-                <a16:creationId xmlns:a16="http://schemas.microsoft.com/office/drawing/2014/main" xmlns="" id="{313F494C-8E8A-412F-BDCE-9C60B5929130}"/>
+                <a16:creationId xmlns:a16="http://schemas.microsoft.com/office/drawing/2014/main" id="{313F494C-8E8A-412F-BDCE-9C60B5929130}"/>
               </a:ext>
             </a:extLst>
           </p:cNvPr>
@@ -2709,7 +2709,7 @@
           <p:cNvPr id="9" name="Rectangle 10">
             <a:extLst>
               <a:ext uri="{FF2B5EF4-FFF2-40B4-BE49-F238E27FC236}">
-                <a16:creationId xmlns:a16="http://schemas.microsoft.com/office/drawing/2014/main" xmlns="" id="{7A208440-759F-4A62-A738-9D4959051C1D}"/>
+                <a16:creationId xmlns:a16="http://schemas.microsoft.com/office/drawing/2014/main" id="{7A208440-759F-4A62-A738-9D4959051C1D}"/>
               </a:ext>
             </a:extLst>
           </p:cNvPr>
@@ -2802,7 +2802,7 @@
           <p:cNvPr id="3" name="Rectangle 8">
             <a:extLst>
               <a:ext uri="{FF2B5EF4-FFF2-40B4-BE49-F238E27FC236}">
-                <a16:creationId xmlns:a16="http://schemas.microsoft.com/office/drawing/2014/main" xmlns="" id="{6537270B-B5F3-458E-B27B-04BD7BC3B100}"/>
+                <a16:creationId xmlns:a16="http://schemas.microsoft.com/office/drawing/2014/main" id="{6537270B-B5F3-458E-B27B-04BD7BC3B100}"/>
               </a:ext>
             </a:extLst>
           </p:cNvPr>
@@ -2836,7 +2836,7 @@
           <p:cNvPr id="4" name="Rectangle 9">
             <a:extLst>
               <a:ext uri="{FF2B5EF4-FFF2-40B4-BE49-F238E27FC236}">
-                <a16:creationId xmlns:a16="http://schemas.microsoft.com/office/drawing/2014/main" xmlns="" id="{2CDE415C-E614-49E1-80DC-29BC1793A81C}"/>
+                <a16:creationId xmlns:a16="http://schemas.microsoft.com/office/drawing/2014/main" id="{2CDE415C-E614-49E1-80DC-29BC1793A81C}"/>
               </a:ext>
             </a:extLst>
           </p:cNvPr>
@@ -2873,7 +2873,7 @@
           <p:cNvPr id="5" name="Rectangle 10">
             <a:extLst>
               <a:ext uri="{FF2B5EF4-FFF2-40B4-BE49-F238E27FC236}">
-                <a16:creationId xmlns:a16="http://schemas.microsoft.com/office/drawing/2014/main" xmlns="" id="{1D7D2E0A-3A86-433B-B82C-85F8885D3EFB}"/>
+                <a16:creationId xmlns:a16="http://schemas.microsoft.com/office/drawing/2014/main" id="{1D7D2E0A-3A86-433B-B82C-85F8885D3EFB}"/>
               </a:ext>
             </a:extLst>
           </p:cNvPr>
@@ -2940,7 +2940,7 @@
           <p:cNvPr id="2" name="Rectangle 8">
             <a:extLst>
               <a:ext uri="{FF2B5EF4-FFF2-40B4-BE49-F238E27FC236}">
-                <a16:creationId xmlns:a16="http://schemas.microsoft.com/office/drawing/2014/main" xmlns="" id="{7FBD80C3-A2BB-4946-A617-8D7F2CC3829B}"/>
+                <a16:creationId xmlns:a16="http://schemas.microsoft.com/office/drawing/2014/main" id="{7FBD80C3-A2BB-4946-A617-8D7F2CC3829B}"/>
               </a:ext>
             </a:extLst>
           </p:cNvPr>
@@ -2974,7 +2974,7 @@
           <p:cNvPr id="3" name="Rectangle 9">
             <a:extLst>
               <a:ext uri="{FF2B5EF4-FFF2-40B4-BE49-F238E27FC236}">
-                <a16:creationId xmlns:a16="http://schemas.microsoft.com/office/drawing/2014/main" xmlns="" id="{FA6B80F5-2DC7-4B7D-915F-0B508F493576}"/>
+                <a16:creationId xmlns:a16="http://schemas.microsoft.com/office/drawing/2014/main" id="{FA6B80F5-2DC7-4B7D-915F-0B508F493576}"/>
               </a:ext>
             </a:extLst>
           </p:cNvPr>
@@ -3011,7 +3011,7 @@
           <p:cNvPr id="4" name="Rectangle 10">
             <a:extLst>
               <a:ext uri="{FF2B5EF4-FFF2-40B4-BE49-F238E27FC236}">
-                <a16:creationId xmlns:a16="http://schemas.microsoft.com/office/drawing/2014/main" xmlns="" id="{F8D739AF-76CB-43A0-A2FF-A94D176DFA47}"/>
+                <a16:creationId xmlns:a16="http://schemas.microsoft.com/office/drawing/2014/main" id="{F8D739AF-76CB-43A0-A2FF-A94D176DFA47}"/>
               </a:ext>
             </a:extLst>
           </p:cNvPr>
@@ -3258,7 +3258,7 @@
           <p:cNvPr id="5" name="Rectangle 8">
             <a:extLst>
               <a:ext uri="{FF2B5EF4-FFF2-40B4-BE49-F238E27FC236}">
-                <a16:creationId xmlns:a16="http://schemas.microsoft.com/office/drawing/2014/main" xmlns="" id="{A0E18068-52FD-4CA6-9585-2298365D2D15}"/>
+                <a16:creationId xmlns:a16="http://schemas.microsoft.com/office/drawing/2014/main" id="{A0E18068-52FD-4CA6-9585-2298365D2D15}"/>
               </a:ext>
             </a:extLst>
           </p:cNvPr>
@@ -3292,7 +3292,7 @@
           <p:cNvPr id="6" name="Rectangle 9">
             <a:extLst>
               <a:ext uri="{FF2B5EF4-FFF2-40B4-BE49-F238E27FC236}">
-                <a16:creationId xmlns:a16="http://schemas.microsoft.com/office/drawing/2014/main" xmlns="" id="{80E1311F-7D51-4AB7-BF56-57742D6D4750}"/>
+                <a16:creationId xmlns:a16="http://schemas.microsoft.com/office/drawing/2014/main" id="{80E1311F-7D51-4AB7-BF56-57742D6D4750}"/>
               </a:ext>
             </a:extLst>
           </p:cNvPr>
@@ -3329,7 +3329,7 @@
           <p:cNvPr id="7" name="Rectangle 10">
             <a:extLst>
               <a:ext uri="{FF2B5EF4-FFF2-40B4-BE49-F238E27FC236}">
-                <a16:creationId xmlns:a16="http://schemas.microsoft.com/office/drawing/2014/main" xmlns="" id="{6D6E048C-B1D6-4E34-8E93-D219EAF72B8F}"/>
+                <a16:creationId xmlns:a16="http://schemas.microsoft.com/office/drawing/2014/main" id="{6D6E048C-B1D6-4E34-8E93-D219EAF72B8F}"/>
               </a:ext>
             </a:extLst>
           </p:cNvPr>
@@ -3557,7 +3557,7 @@
           <p:cNvPr id="5" name="Rectangle 8">
             <a:extLst>
               <a:ext uri="{FF2B5EF4-FFF2-40B4-BE49-F238E27FC236}">
-                <a16:creationId xmlns:a16="http://schemas.microsoft.com/office/drawing/2014/main" xmlns="" id="{F3B43825-4DA7-40C3-B101-639D4DCBC380}"/>
+                <a16:creationId xmlns:a16="http://schemas.microsoft.com/office/drawing/2014/main" id="{F3B43825-4DA7-40C3-B101-639D4DCBC380}"/>
               </a:ext>
             </a:extLst>
           </p:cNvPr>
@@ -3591,7 +3591,7 @@
           <p:cNvPr id="6" name="Rectangle 9">
             <a:extLst>
               <a:ext uri="{FF2B5EF4-FFF2-40B4-BE49-F238E27FC236}">
-                <a16:creationId xmlns:a16="http://schemas.microsoft.com/office/drawing/2014/main" xmlns="" id="{865E6C1E-6B83-43F1-A72D-41117309B6E1}"/>
+                <a16:creationId xmlns:a16="http://schemas.microsoft.com/office/drawing/2014/main" id="{865E6C1E-6B83-43F1-A72D-41117309B6E1}"/>
               </a:ext>
             </a:extLst>
           </p:cNvPr>
@@ -3628,7 +3628,7 @@
           <p:cNvPr id="7" name="Rectangle 10">
             <a:extLst>
               <a:ext uri="{FF2B5EF4-FFF2-40B4-BE49-F238E27FC236}">
-                <a16:creationId xmlns:a16="http://schemas.microsoft.com/office/drawing/2014/main" xmlns="" id="{FE450D81-6DD3-4C35-B26D-CB269A11E1A4}"/>
+                <a16:creationId xmlns:a16="http://schemas.microsoft.com/office/drawing/2014/main" id="{FE450D81-6DD3-4C35-B26D-CB269A11E1A4}"/>
               </a:ext>
             </a:extLst>
           </p:cNvPr>
@@ -3703,7 +3703,7 @@
           <p:cNvPr id="6146" name="Rectangle 2">
             <a:extLst>
               <a:ext uri="{FF2B5EF4-FFF2-40B4-BE49-F238E27FC236}">
-                <a16:creationId xmlns:a16="http://schemas.microsoft.com/office/drawing/2014/main" xmlns="" id="{11773B77-5FEE-4CDC-9116-E72B4D80072E}"/>
+                <a16:creationId xmlns:a16="http://schemas.microsoft.com/office/drawing/2014/main" id="{11773B77-5FEE-4CDC-9116-E72B4D80072E}"/>
               </a:ext>
             </a:extLst>
           </p:cNvPr>
@@ -3777,7 +3777,7 @@
           <p:cNvPr id="6148" name="Text Box 4">
             <a:extLst>
               <a:ext uri="{FF2B5EF4-FFF2-40B4-BE49-F238E27FC236}">
-                <a16:creationId xmlns:a16="http://schemas.microsoft.com/office/drawing/2014/main" xmlns="" id="{693FB291-86A3-4054-9672-4B6DED5923A2}"/>
+                <a16:creationId xmlns:a16="http://schemas.microsoft.com/office/drawing/2014/main" id="{693FB291-86A3-4054-9672-4B6DED5923A2}"/>
               </a:ext>
             </a:extLst>
           </p:cNvPr>
@@ -3870,7 +3870,7 @@
           <p:cNvPr id="1030" name="Rectangle 6">
             <a:extLst>
               <a:ext uri="{FF2B5EF4-FFF2-40B4-BE49-F238E27FC236}">
-                <a16:creationId xmlns:a16="http://schemas.microsoft.com/office/drawing/2014/main" xmlns="" id="{2DBAABCF-16D2-47C9-BE26-0CCC54F1EB46}"/>
+                <a16:creationId xmlns:a16="http://schemas.microsoft.com/office/drawing/2014/main" id="{2DBAABCF-16D2-47C9-BE26-0CCC54F1EB46}"/>
               </a:ext>
             </a:extLst>
           </p:cNvPr>
@@ -4032,7 +4032,7 @@
           <p:cNvPr id="1031" name="Rectangle 7">
             <a:extLst>
               <a:ext uri="{FF2B5EF4-FFF2-40B4-BE49-F238E27FC236}">
-                <a16:creationId xmlns:a16="http://schemas.microsoft.com/office/drawing/2014/main" xmlns="" id="{73292A6C-FBA7-4442-8427-7A8A8F6168FC}"/>
+                <a16:creationId xmlns:a16="http://schemas.microsoft.com/office/drawing/2014/main" id="{73292A6C-FBA7-4442-8427-7A8A8F6168FC}"/>
               </a:ext>
             </a:extLst>
           </p:cNvPr>
@@ -4134,7 +4134,7 @@
           <p:cNvPr id="6152" name="Rectangle 8">
             <a:extLst>
               <a:ext uri="{FF2B5EF4-FFF2-40B4-BE49-F238E27FC236}">
-                <a16:creationId xmlns:a16="http://schemas.microsoft.com/office/drawing/2014/main" xmlns="" id="{53A60772-B15E-497F-AD24-089024883B66}"/>
+                <a16:creationId xmlns:a16="http://schemas.microsoft.com/office/drawing/2014/main" id="{53A60772-B15E-497F-AD24-089024883B66}"/>
               </a:ext>
             </a:extLst>
           </p:cNvPr>
@@ -4217,7 +4217,7 @@
           <p:cNvPr id="6153" name="Rectangle 9">
             <a:extLst>
               <a:ext uri="{FF2B5EF4-FFF2-40B4-BE49-F238E27FC236}">
-                <a16:creationId xmlns:a16="http://schemas.microsoft.com/office/drawing/2014/main" xmlns="" id="{CFEAE2EE-E388-4267-9303-123C161F474F}"/>
+                <a16:creationId xmlns:a16="http://schemas.microsoft.com/office/drawing/2014/main" id="{CFEAE2EE-E388-4267-9303-123C161F474F}"/>
               </a:ext>
             </a:extLst>
           </p:cNvPr>
@@ -4304,7 +4304,7 @@
           <p:cNvPr id="6154" name="Rectangle 10">
             <a:extLst>
               <a:ext uri="{FF2B5EF4-FFF2-40B4-BE49-F238E27FC236}">
-                <a16:creationId xmlns:a16="http://schemas.microsoft.com/office/drawing/2014/main" xmlns="" id="{A93910EE-4A98-46A9-A410-F7F1F0BA786C}"/>
+                <a16:creationId xmlns:a16="http://schemas.microsoft.com/office/drawing/2014/main" id="{A93910EE-4A98-46A9-A410-F7F1F0BA786C}"/>
               </a:ext>
             </a:extLst>
           </p:cNvPr>
@@ -4391,7 +4391,7 @@
           <p:cNvPr id="1035" name="Rectangle 11">
             <a:extLst>
               <a:ext uri="{FF2B5EF4-FFF2-40B4-BE49-F238E27FC236}">
-                <a16:creationId xmlns:a16="http://schemas.microsoft.com/office/drawing/2014/main" xmlns="" id="{34F2246F-A59A-4D4C-8D97-ED0D528D3F6C}"/>
+                <a16:creationId xmlns:a16="http://schemas.microsoft.com/office/drawing/2014/main" id="{34F2246F-A59A-4D4C-8D97-ED0D528D3F6C}"/>
               </a:ext>
             </a:extLst>
           </p:cNvPr>
@@ -4553,7 +4553,7 @@
           <p:cNvPr id="3" name="Immagine 2">
             <a:extLst>
               <a:ext uri="{FF2B5EF4-FFF2-40B4-BE49-F238E27FC236}">
-                <a16:creationId xmlns:a16="http://schemas.microsoft.com/office/drawing/2014/main" xmlns="" id="{7E02A79F-BC85-4F79-988F-880CEF01FDEE}"/>
+                <a16:creationId xmlns:a16="http://schemas.microsoft.com/office/drawing/2014/main" id="{7E02A79F-BC85-4F79-988F-880CEF01FDEE}"/>
               </a:ext>
             </a:extLst>
           </p:cNvPr>
@@ -5033,7 +5033,7 @@
           <p:cNvPr id="4" name="Rectangle 7">
             <a:extLst>
               <a:ext uri="{FF2B5EF4-FFF2-40B4-BE49-F238E27FC236}">
-                <a16:creationId xmlns:a16="http://schemas.microsoft.com/office/drawing/2014/main" xmlns="" id="{69D2DA75-9C1A-462F-BE98-0D4187F89D6B}"/>
+                <a16:creationId xmlns:a16="http://schemas.microsoft.com/office/drawing/2014/main" id="{69D2DA75-9C1A-462F-BE98-0D4187F89D6B}"/>
               </a:ext>
             </a:extLst>
           </p:cNvPr>
@@ -5066,7 +5066,7 @@
           <p:cNvPr id="8194" name="Rectangle 2">
             <a:extLst>
               <a:ext uri="{FF2B5EF4-FFF2-40B4-BE49-F238E27FC236}">
-                <a16:creationId xmlns:a16="http://schemas.microsoft.com/office/drawing/2014/main" xmlns="" id="{B74884C2-CF73-446F-AD74-880598EB12F3}"/>
+                <a16:creationId xmlns:a16="http://schemas.microsoft.com/office/drawing/2014/main" id="{B74884C2-CF73-446F-AD74-880598EB12F3}"/>
               </a:ext>
             </a:extLst>
           </p:cNvPr>
@@ -5091,16 +5091,12 @@
               <a:defRPr/>
             </a:pPr>
             <a:r>
-              <a:rPr lang="it-IT" sz="2800" dirty="0" err="1" smtClean="0"/>
+              <a:rPr lang="it-IT" sz="2800" dirty="0" err="1"/>
               <a:t>oop</a:t>
             </a:r>
             <a:r>
-              <a:rPr lang="it-IT" sz="2800" dirty="0" smtClean="0"/>
+              <a:rPr lang="it-IT" sz="2800" dirty="0"/>
               <a:t>: ereditarietà</a:t>
-            </a:r>
-            <a:r>
-              <a:rPr lang="it-IT" sz="2800" dirty="0"/>
-              <a:t/>
             </a:r>
             <a:br>
               <a:rPr lang="it-IT" sz="2800" dirty="0"/>
@@ -5171,18 +5167,9 @@
           <a:p>
             <a:pPr eaLnBrk="1" hangingPunct="1"/>
             <a:r>
-              <a:rPr lang="it-IT" altLang="it-IT" dirty="0" smtClean="0"/>
-              <a:t>costruttori </a:t>
-            </a:r>
-            <a:r>
-              <a:rPr lang="it-IT" altLang="it-IT" dirty="0" smtClean="0"/>
-              <a:t>nelle </a:t>
-            </a:r>
-            <a:r>
-              <a:rPr lang="it-IT" altLang="it-IT" dirty="0" smtClean="0"/>
-              <a:t>classi derivate</a:t>
-            </a:r>
-            <a:endParaRPr lang="it-IT" altLang="it-IT" dirty="0" smtClean="0"/>
+              <a:rPr lang="it-IT" altLang="it-IT" dirty="0"/>
+              <a:t>costruttori nelle classi derivate</a:t>
+            </a:r>
           </a:p>
         </p:txBody>
       </p:sp>
@@ -5207,15 +5194,11 @@
               </a:lnSpc>
             </a:pPr>
             <a:r>
-              <a:rPr lang="it-IT" altLang="it-IT" dirty="0" smtClean="0"/>
-              <a:t>un </a:t>
-            </a:r>
-            <a:r>
-              <a:rPr lang="it-IT" altLang="it-IT" dirty="0" smtClean="0"/>
-              <a:t>costruttore della classe base </a:t>
-            </a:r>
-            <a:r>
-              <a:rPr lang="it-IT" altLang="it-IT" b="1" i="1" dirty="0" smtClean="0"/>
+              <a:rPr lang="it-IT" altLang="it-IT" dirty="0"/>
+              <a:t>un costruttore della classe base </a:t>
+            </a:r>
+            <a:r>
+              <a:rPr lang="it-IT" altLang="it-IT" b="1" i="1" dirty="0"/>
               <a:t>non viene ereditato</a:t>
             </a:r>
           </a:p>
@@ -5226,19 +5209,15 @@
               </a:lnSpc>
             </a:pPr>
             <a:r>
-              <a:rPr lang="it-IT" altLang="it-IT" dirty="0" smtClean="0"/>
-              <a:t>può </a:t>
-            </a:r>
-            <a:r>
-              <a:rPr lang="it-IT" altLang="it-IT" dirty="0" smtClean="0"/>
-              <a:t>essere </a:t>
-            </a:r>
-            <a:r>
-              <a:rPr lang="it-IT" altLang="it-IT" b="1" i="1" dirty="0" smtClean="0"/>
+              <a:rPr lang="it-IT" altLang="it-IT" dirty="0"/>
+              <a:t>può essere </a:t>
+            </a:r>
+            <a:r>
+              <a:rPr lang="it-IT" altLang="it-IT" b="1" i="1" dirty="0"/>
               <a:t>invocato</a:t>
             </a:r>
             <a:r>
-              <a:rPr lang="it-IT" altLang="it-IT" dirty="0" smtClean="0"/>
+              <a:rPr lang="it-IT" altLang="it-IT" dirty="0"/>
               <a:t> nella definizione del costruttore della classe derivata per inizializzare le variabili ereditate </a:t>
             </a:r>
           </a:p>
@@ -5249,23 +5228,19 @@
               </a:lnSpc>
             </a:pPr>
             <a:r>
-              <a:rPr lang="it-IT" altLang="it-IT" dirty="0" smtClean="0"/>
-              <a:t>se </a:t>
-            </a:r>
-            <a:r>
-              <a:rPr lang="it-IT" altLang="it-IT" dirty="0" smtClean="0"/>
-              <a:t>non è invocato, il costruttore di </a:t>
-            </a:r>
-            <a:r>
-              <a:rPr lang="it-IT" altLang="it-IT" b="1" i="1" dirty="0" smtClean="0"/>
+              <a:rPr lang="it-IT" altLang="it-IT" dirty="0"/>
+              <a:t>se non è invocato, il costruttore di </a:t>
+            </a:r>
+            <a:r>
+              <a:rPr lang="it-IT" altLang="it-IT" b="1" i="1" dirty="0"/>
               <a:t>default</a:t>
             </a:r>
             <a:r>
-              <a:rPr lang="it-IT" altLang="it-IT" dirty="0" smtClean="0"/>
+              <a:rPr lang="it-IT" altLang="it-IT" dirty="0"/>
               <a:t> della classe base viene invocato </a:t>
             </a:r>
             <a:r>
-              <a:rPr lang="it-IT" altLang="it-IT" b="1" i="1" dirty="0" smtClean="0"/>
+              <a:rPr lang="it-IT" altLang="it-IT" b="1" i="1" dirty="0"/>
               <a:t>automaticamente</a:t>
             </a:r>
           </a:p>
@@ -5416,7 +5391,7 @@
           <a:p>
             <a:pPr eaLnBrk="1" hangingPunct="1"/>
             <a:r>
-              <a:rPr lang="it-IT" altLang="it-IT" smtClean="0"/>
+              <a:rPr lang="it-IT" altLang="it-IT"/>
               <a:t>Alberto Ferrari</a:t>
             </a:r>
           </a:p>
@@ -5469,26 +5444,9 @@
           <a:p>
             <a:pPr eaLnBrk="1" hangingPunct="1"/>
             <a:r>
-              <a:rPr lang="it-IT" altLang="it-IT" dirty="0" smtClean="0"/>
-              <a:t>ordine </a:t>
-            </a:r>
-            <a:r>
-              <a:rPr lang="it-IT" altLang="it-IT" dirty="0" smtClean="0"/>
-              <a:t>di </a:t>
-            </a:r>
-            <a:r>
-              <a:rPr lang="it-IT" altLang="it-IT" dirty="0" smtClean="0"/>
-              <a:t>chiamata </a:t>
-            </a:r>
-            <a:r>
-              <a:rPr lang="it-IT" altLang="it-IT" dirty="0" smtClean="0"/>
-              <a:t>dei </a:t>
-            </a:r>
-            <a:r>
-              <a:rPr lang="it-IT" altLang="it-IT" dirty="0" smtClean="0"/>
-              <a:t>costruttori</a:t>
-            </a:r>
-            <a:endParaRPr lang="it-IT" altLang="it-IT" dirty="0" smtClean="0"/>
+              <a:rPr lang="it-IT" altLang="it-IT" dirty="0"/>
+              <a:t>ordine di chiamata dei costruttori</a:t>
+            </a:r>
           </a:p>
         </p:txBody>
       </p:sp>
@@ -5509,28 +5467,14 @@
           <a:p>
             <a:pPr eaLnBrk="1" hangingPunct="1"/>
             <a:r>
-              <a:rPr lang="it-IT" altLang="it-IT" sz="2800" dirty="0" smtClean="0"/>
-              <a:t>la </a:t>
-            </a:r>
-            <a:r>
-              <a:rPr lang="it-IT" altLang="it-IT" sz="2800" dirty="0" smtClean="0"/>
-              <a:t>chiamata del costruttore della classe base è la prima azione del costruttore della classe derivata</a:t>
-            </a:r>
-          </a:p>
-          <a:p>
-            <a:r>
-              <a:rPr lang="it-IT" altLang="it-IT" sz="2800" dirty="0" smtClean="0"/>
+              <a:rPr lang="it-IT" altLang="it-IT" sz="2800" dirty="0"/>
+              <a:t>la chiamata del costruttore della classe base è la prima azione del costruttore della classe derivata</a:t>
+            </a:r>
+          </a:p>
+          <a:p>
+            <a:r>
+              <a:rPr lang="it-IT" altLang="it-IT" sz="2800" dirty="0"/>
               <a:t>se A</a:t>
-            </a:r>
-            <a:r>
-              <a:rPr lang="it-IT" altLang="it-IT" sz="2800" dirty="0" smtClean="0">
-                <a:sym typeface="Symbol"/>
-              </a:rPr>
-              <a:t></a:t>
-            </a:r>
-            <a:r>
-              <a:rPr lang="it-IT" altLang="it-IT" sz="2800" dirty="0" smtClean="0"/>
-              <a:t>B</a:t>
             </a:r>
             <a:r>
               <a:rPr lang="it-IT" altLang="it-IT" sz="2800" dirty="0">
@@ -5539,12 +5483,18 @@
               <a:t></a:t>
             </a:r>
             <a:r>
-              <a:rPr lang="it-IT" altLang="it-IT" sz="2800" dirty="0" smtClean="0"/>
-              <a:t>C </a:t>
-            </a:r>
-            <a:r>
-              <a:rPr lang="it-IT" altLang="it-IT" sz="2800" dirty="0" smtClean="0"/>
-              <a:t>quando viene creato un oggetto di classe C prima viene chiamato un costruttore della classe A, poi un costruttore della classe B, poi vengono intraprese le rimanenti azioni del costruttore di classe C</a:t>
+              <a:rPr lang="it-IT" altLang="it-IT" sz="2800" dirty="0"/>
+              <a:t>B</a:t>
+            </a:r>
+            <a:r>
+              <a:rPr lang="it-IT" altLang="it-IT" sz="2800" dirty="0">
+                <a:sym typeface="Symbol"/>
+              </a:rPr>
+              <a:t></a:t>
+            </a:r>
+            <a:r>
+              <a:rPr lang="it-IT" altLang="it-IT" sz="2800" dirty="0"/>
+              <a:t>C quando viene creato un oggetto di classe C prima viene chiamato un costruttore della classe A, poi un costruttore della classe B, poi vengono intraprese le rimanenti azioni del costruttore di classe C</a:t>
             </a:r>
           </a:p>
         </p:txBody>
@@ -5694,7 +5644,7 @@
           <a:p>
             <a:pPr eaLnBrk="1" hangingPunct="1"/>
             <a:r>
-              <a:rPr lang="it-IT" altLang="it-IT" smtClean="0"/>
+              <a:rPr lang="it-IT" altLang="it-IT"/>
               <a:t>Alberto Ferrari</a:t>
             </a:r>
           </a:p>
@@ -5747,26 +5697,9 @@
           <a:p>
             <a:pPr eaLnBrk="1" hangingPunct="1"/>
             <a:r>
-              <a:rPr lang="it-IT" altLang="it-IT" dirty="0" smtClean="0"/>
-              <a:t>uso </a:t>
-            </a:r>
-            <a:r>
-              <a:rPr lang="it-IT" altLang="it-IT" dirty="0" smtClean="0"/>
-              <a:t>dei </a:t>
-            </a:r>
-            <a:r>
-              <a:rPr lang="it-IT" altLang="it-IT" dirty="0" smtClean="0"/>
-              <a:t>membri privati </a:t>
-            </a:r>
-            <a:r>
-              <a:rPr lang="it-IT" altLang="it-IT" dirty="0" smtClean="0"/>
-              <a:t>della </a:t>
-            </a:r>
-            <a:r>
-              <a:rPr lang="it-IT" altLang="it-IT" dirty="0" smtClean="0"/>
-              <a:t>classe base</a:t>
-            </a:r>
-            <a:endParaRPr lang="it-IT" altLang="it-IT" dirty="0" smtClean="0"/>
+              <a:rPr lang="it-IT" altLang="it-IT" dirty="0"/>
+              <a:t>uso dei membri privati della classe base</a:t>
+            </a:r>
           </a:p>
         </p:txBody>
       </p:sp>
@@ -5785,123 +5718,94 @@
           <a:bodyPr/>
           <a:lstStyle/>
           <a:p>
-            <a:pPr eaLnBrk="1" hangingPunct="1">
-              <a:lnSpc>
-                <a:spcPct val="80000"/>
-              </a:lnSpc>
-            </a:pPr>
-            <a:r>
-              <a:rPr lang="it-IT" altLang="it-IT" sz="2800" dirty="0" smtClean="0"/>
+            <a:pPr eaLnBrk="1" hangingPunct="1"/>
+            <a:r>
+              <a:rPr lang="it-IT" altLang="it-IT" sz="2800" dirty="0"/>
               <a:t>i </a:t>
             </a:r>
             <a:r>
-              <a:rPr lang="it-IT" altLang="it-IT" sz="2800" b="1" i="1" dirty="0" smtClean="0"/>
+              <a:rPr lang="it-IT" altLang="it-IT" sz="2800" b="1" i="1" dirty="0"/>
               <a:t>membri privati </a:t>
             </a:r>
             <a:r>
-              <a:rPr lang="it-IT" altLang="it-IT" sz="2800" dirty="0" smtClean="0"/>
+              <a:rPr lang="it-IT" altLang="it-IT" sz="2800" dirty="0"/>
               <a:t>della classe base </a:t>
             </a:r>
             <a:r>
-              <a:rPr lang="it-IT" altLang="it-IT" sz="2800" b="1" i="1" dirty="0" smtClean="0"/>
+              <a:rPr lang="it-IT" altLang="it-IT" sz="2800" b="1" i="1" dirty="0"/>
               <a:t>non sono referenziabili </a:t>
             </a:r>
             <a:r>
-              <a:rPr lang="it-IT" altLang="it-IT" sz="2800" dirty="0" smtClean="0"/>
-              <a:t>nelle definizioni delle funzioni membro della classe </a:t>
-            </a:r>
-            <a:r>
-              <a:rPr lang="it-IT" altLang="it-IT" sz="2800" dirty="0" smtClean="0"/>
-              <a:t>derivata</a:t>
-            </a:r>
-          </a:p>
-          <a:p>
-            <a:pPr lvl="1">
-              <a:lnSpc>
-                <a:spcPct val="80000"/>
-              </a:lnSpc>
-            </a:pPr>
-            <a:r>
-              <a:rPr lang="it-IT" altLang="it-IT" dirty="0" smtClean="0"/>
-              <a:t>verrebbe </a:t>
-            </a:r>
-            <a:r>
-              <a:rPr lang="it-IT" altLang="it-IT" dirty="0" smtClean="0"/>
-              <a:t>violato il principio di </a:t>
-            </a:r>
-            <a:r>
-              <a:rPr lang="it-IT" altLang="it-IT" b="1" i="1" dirty="0" smtClean="0"/>
+              <a:rPr lang="it-IT" altLang="it-IT" sz="2800" dirty="0"/>
+              <a:t>nelle definizioni delle funzioni membro della classe derivata</a:t>
+            </a:r>
+          </a:p>
+          <a:p>
+            <a:pPr lvl="1"/>
+            <a:r>
+              <a:rPr lang="it-IT" altLang="it-IT" dirty="0"/>
+              <a:t>verrebbe violato il principio di </a:t>
+            </a:r>
+            <a:r>
+              <a:rPr lang="it-IT" altLang="it-IT" b="1" i="1" dirty="0"/>
               <a:t>incapsulamento</a:t>
             </a:r>
           </a:p>
           <a:p>
-            <a:pPr eaLnBrk="1" hangingPunct="1">
-              <a:lnSpc>
-                <a:spcPct val="80000"/>
-              </a:lnSpc>
-            </a:pPr>
-            <a:r>
-              <a:rPr lang="it-IT" altLang="it-IT" sz="2800" dirty="0" smtClean="0"/>
+            <a:pPr eaLnBrk="1" hangingPunct="1"/>
+            <a:r>
+              <a:rPr lang="it-IT" altLang="it-IT" sz="2800" dirty="0"/>
+              <a:t>le funzioni membro della classe derivata possono accedere alle variabili membro private della classe base tramite le funzioni </a:t>
+            </a:r>
+            <a:r>
+              <a:rPr lang="it-IT" altLang="it-IT" sz="2800" b="1" i="1" dirty="0" err="1"/>
+              <a:t>accessor</a:t>
+            </a:r>
+            <a:r>
+              <a:rPr lang="it-IT" altLang="it-IT" sz="2800" dirty="0"/>
+              <a:t> e </a:t>
+            </a:r>
+            <a:r>
+              <a:rPr lang="it-IT" altLang="it-IT" sz="2800" b="1" i="1" dirty="0"/>
+              <a:t>mutator </a:t>
+            </a:r>
+            <a:r>
+              <a:rPr lang="it-IT" altLang="it-IT" sz="2800" i="1" dirty="0"/>
+              <a:t>(se presenti)</a:t>
+            </a:r>
+          </a:p>
+          <a:p>
+            <a:pPr eaLnBrk="1" hangingPunct="1"/>
+            <a:r>
+              <a:rPr lang="it-IT" altLang="it-IT" sz="2800" dirty="0"/>
               <a:t>le </a:t>
             </a:r>
             <a:r>
-              <a:rPr lang="it-IT" altLang="it-IT" sz="2800" dirty="0" smtClean="0"/>
-              <a:t>funzioni membro della classe derivata possono accedere alle variabili membro private della classe base tramite le funzioni </a:t>
-            </a:r>
-            <a:r>
-              <a:rPr lang="it-IT" altLang="it-IT" sz="2800" b="1" i="1" dirty="0" err="1" smtClean="0"/>
-              <a:t>accessor</a:t>
-            </a:r>
-            <a:r>
-              <a:rPr lang="it-IT" altLang="it-IT" sz="2800" dirty="0" smtClean="0"/>
-              <a:t> e </a:t>
-            </a:r>
-            <a:r>
-              <a:rPr lang="it-IT" altLang="it-IT" sz="2800" b="1" i="1" dirty="0" smtClean="0"/>
-              <a:t>mutator </a:t>
-            </a:r>
-            <a:r>
-              <a:rPr lang="it-IT" altLang="it-IT" sz="2800" i="1" dirty="0" smtClean="0"/>
-              <a:t>(se presenti)</a:t>
-            </a:r>
-            <a:endParaRPr lang="it-IT" altLang="it-IT" sz="2800" i="1" dirty="0" smtClean="0"/>
-          </a:p>
-          <a:p>
-            <a:pPr eaLnBrk="1" hangingPunct="1">
-              <a:lnSpc>
-                <a:spcPct val="80000"/>
-              </a:lnSpc>
-            </a:pPr>
-            <a:r>
-              <a:rPr lang="it-IT" altLang="it-IT" sz="2800" dirty="0" smtClean="0"/>
-              <a:t>le </a:t>
-            </a:r>
-            <a:r>
-              <a:rPr lang="it-IT" altLang="it-IT" sz="2800" b="1" i="1" dirty="0" smtClean="0"/>
+              <a:rPr lang="it-IT" altLang="it-IT" sz="2800" b="1" i="1" dirty="0"/>
               <a:t>funzioni membro private </a:t>
             </a:r>
             <a:r>
-              <a:rPr lang="it-IT" altLang="it-IT" sz="2800" dirty="0" smtClean="0"/>
+              <a:rPr lang="it-IT" altLang="it-IT" sz="2800" dirty="0"/>
               <a:t>della classe base </a:t>
             </a:r>
             <a:r>
-              <a:rPr lang="it-IT" altLang="it-IT" sz="2800" b="1" i="1" dirty="0" smtClean="0"/>
+              <a:rPr lang="it-IT" altLang="it-IT" sz="2800" b="1" i="1" dirty="0"/>
               <a:t>non</a:t>
             </a:r>
             <a:r>
-              <a:rPr lang="it-IT" altLang="it-IT" sz="2800" dirty="0" smtClean="0"/>
+              <a:rPr lang="it-IT" altLang="it-IT" sz="2800" dirty="0"/>
               <a:t> sono </a:t>
             </a:r>
             <a:r>
-              <a:rPr lang="it-IT" altLang="it-IT" sz="2800" b="1" i="1" dirty="0" smtClean="0"/>
+              <a:rPr lang="it-IT" altLang="it-IT" sz="2800" b="1" i="1" dirty="0"/>
               <a:t>accessibili</a:t>
             </a:r>
             <a:r>
-              <a:rPr lang="it-IT" altLang="it-IT" sz="2800" dirty="0" smtClean="0"/>
+              <a:rPr lang="it-IT" altLang="it-IT" sz="2800" dirty="0"/>
               <a:t> </a:t>
             </a:r>
             <a:r>
-              <a:rPr lang="it-IT" altLang="it-IT" sz="2800" i="1" dirty="0" smtClean="0"/>
+              <a:rPr lang="it-IT" altLang="it-IT" sz="2800" i="1" dirty="0"/>
               <a:t>(di fatto non sono ereditate)</a:t>
             </a:r>
           </a:p>
@@ -6052,7 +5956,7 @@
           <a:p>
             <a:pPr eaLnBrk="1" hangingPunct="1"/>
             <a:r>
-              <a:rPr lang="it-IT" altLang="it-IT" smtClean="0"/>
+              <a:rPr lang="it-IT" altLang="it-IT"/>
               <a:t>Alberto Ferrari</a:t>
             </a:r>
           </a:p>
@@ -6105,20 +6009,16 @@
           <a:p>
             <a:pPr eaLnBrk="1" hangingPunct="1"/>
             <a:r>
-              <a:rPr lang="it-IT" altLang="it-IT" dirty="0" smtClean="0"/>
-              <a:t>Il </a:t>
-            </a:r>
-            <a:r>
-              <a:rPr lang="it-IT" altLang="it-IT" dirty="0" smtClean="0"/>
-              <a:t>qualificatore </a:t>
-            </a:r>
-            <a:r>
-              <a:rPr lang="it-IT" altLang="it-IT" dirty="0" err="1" smtClean="0">
+              <a:rPr lang="it-IT" altLang="it-IT" dirty="0"/>
+              <a:t>il qualificatore </a:t>
+            </a:r>
+            <a:r>
+              <a:rPr lang="it-IT" altLang="it-IT" dirty="0" err="1">
                 <a:latin typeface="Times New Roman" pitchFamily="18" charset="0"/>
               </a:rPr>
               <a:t>protected</a:t>
             </a:r>
-            <a:endParaRPr lang="it-IT" altLang="it-IT" dirty="0" smtClean="0">
+            <a:endParaRPr lang="it-IT" altLang="it-IT" dirty="0">
               <a:latin typeface="Times New Roman" pitchFamily="18" charset="0"/>
             </a:endParaRPr>
           </a:p>
@@ -6141,118 +6041,102 @@
           <a:p>
             <a:pPr eaLnBrk="1" hangingPunct="1"/>
             <a:r>
-              <a:rPr lang="it-IT" altLang="it-IT" sz="2800" dirty="0" smtClean="0"/>
-              <a:t>una </a:t>
-            </a:r>
-            <a:r>
-              <a:rPr lang="it-IT" altLang="it-IT" sz="2800" dirty="0" smtClean="0"/>
-              <a:t>variabile o funzione membro qualificata come </a:t>
-            </a:r>
-            <a:r>
-              <a:rPr lang="it-IT" altLang="it-IT" sz="2800" b="1" i="1" dirty="0" err="1" smtClean="0">
+              <a:rPr lang="it-IT" altLang="it-IT" sz="2800" dirty="0"/>
+              <a:t>una variabile o funzione membro qualificata come </a:t>
+            </a:r>
+            <a:r>
+              <a:rPr lang="it-IT" altLang="it-IT" sz="2800" b="1" i="1" dirty="0" err="1">
                 <a:latin typeface="Times New Roman" pitchFamily="18" charset="0"/>
               </a:rPr>
               <a:t>protected</a:t>
             </a:r>
             <a:r>
-              <a:rPr lang="it-IT" altLang="it-IT" sz="2800" dirty="0" smtClean="0"/>
+              <a:rPr lang="it-IT" altLang="it-IT" sz="2800" dirty="0"/>
               <a:t> può essere referenziata nelle funzioni membro di una classe derivata</a:t>
             </a:r>
           </a:p>
           <a:p>
             <a:pPr eaLnBrk="1" hangingPunct="1"/>
             <a:r>
-              <a:rPr lang="it-IT" altLang="it-IT" sz="2800" dirty="0" smtClean="0"/>
-              <a:t>le </a:t>
-            </a:r>
-            <a:r>
-              <a:rPr lang="it-IT" altLang="it-IT" sz="2800" dirty="0" smtClean="0"/>
-              <a:t>variabili membro </a:t>
-            </a:r>
-            <a:r>
-              <a:rPr lang="it-IT" altLang="it-IT" sz="2800" b="1" i="1" dirty="0" err="1" smtClean="0">
+              <a:rPr lang="it-IT" altLang="it-IT" sz="2800" dirty="0"/>
+              <a:t>le variabili membro </a:t>
+            </a:r>
+            <a:r>
+              <a:rPr lang="it-IT" altLang="it-IT" sz="2800" b="1" i="1" dirty="0" err="1">
                 <a:latin typeface="Times New Roman" pitchFamily="18" charset="0"/>
               </a:rPr>
               <a:t>protected</a:t>
             </a:r>
             <a:r>
-              <a:rPr lang="it-IT" altLang="it-IT" sz="2800" dirty="0" smtClean="0"/>
+              <a:rPr lang="it-IT" altLang="it-IT" sz="2800" dirty="0"/>
               <a:t> agiscono come se fossero </a:t>
             </a:r>
             <a:r>
-              <a:rPr lang="it-IT" altLang="it-IT" sz="2800" b="1" i="1" dirty="0" err="1" smtClean="0">
+              <a:rPr lang="it-IT" altLang="it-IT" sz="2800" b="1" i="1" dirty="0" err="1">
                 <a:latin typeface="Times New Roman" pitchFamily="18" charset="0"/>
               </a:rPr>
               <a:t>protected</a:t>
             </a:r>
             <a:r>
-              <a:rPr lang="it-IT" altLang="it-IT" sz="2800" dirty="0" smtClean="0"/>
+              <a:rPr lang="it-IT" altLang="it-IT" sz="2800" dirty="0"/>
               <a:t> in ogni classe derivata</a:t>
             </a:r>
           </a:p>
           <a:p>
             <a:pPr eaLnBrk="1" hangingPunct="1"/>
             <a:r>
-              <a:rPr lang="it-IT" altLang="it-IT" sz="2800" dirty="0" smtClean="0"/>
-              <a:t>molti </a:t>
-            </a:r>
-            <a:r>
-              <a:rPr lang="it-IT" altLang="it-IT" sz="2800" dirty="0" smtClean="0"/>
-              <a:t>ritengono che l’uso di variabili membro </a:t>
-            </a:r>
-            <a:r>
-              <a:rPr lang="it-IT" altLang="it-IT" sz="2800" i="1" dirty="0" err="1" smtClean="0">
+              <a:rPr lang="it-IT" altLang="it-IT" sz="2800" dirty="0"/>
+              <a:t>molti ritengono che l’uso di variabili membro </a:t>
+            </a:r>
+            <a:r>
+              <a:rPr lang="it-IT" altLang="it-IT" sz="2800" i="1" dirty="0" err="1">
                 <a:latin typeface="Times New Roman" pitchFamily="18" charset="0"/>
               </a:rPr>
               <a:t>protected</a:t>
             </a:r>
             <a:r>
-              <a:rPr lang="it-IT" altLang="it-IT" sz="2800" dirty="0" smtClean="0"/>
+              <a:rPr lang="it-IT" altLang="it-IT" sz="2800" dirty="0"/>
               <a:t> </a:t>
             </a:r>
             <a:r>
-              <a:rPr lang="it-IT" altLang="it-IT" sz="2800" b="1" i="1" dirty="0" smtClean="0"/>
+              <a:rPr lang="it-IT" altLang="it-IT" sz="2800" b="1" i="1" dirty="0"/>
               <a:t>comprometta</a:t>
             </a:r>
             <a:r>
-              <a:rPr lang="it-IT" altLang="it-IT" sz="2800" dirty="0" smtClean="0"/>
+              <a:rPr lang="it-IT" altLang="it-IT" sz="2800" dirty="0"/>
               <a:t> l’</a:t>
             </a:r>
             <a:r>
-              <a:rPr lang="it-IT" altLang="it-IT" sz="2800" b="1" i="1" dirty="0" smtClean="0"/>
+              <a:rPr lang="it-IT" altLang="it-IT" sz="2800" b="1" i="1" dirty="0"/>
               <a:t>incapsulamento</a:t>
             </a:r>
           </a:p>
           <a:p>
             <a:pPr eaLnBrk="1" hangingPunct="1"/>
             <a:r>
-              <a:rPr lang="it-IT" altLang="it-IT" sz="2800" dirty="0" smtClean="0"/>
-              <a:t>è buona </a:t>
-            </a:r>
-            <a:r>
-              <a:rPr lang="it-IT" altLang="it-IT" sz="2800" dirty="0" smtClean="0"/>
-              <a:t>norma utilizzare </a:t>
-            </a:r>
-            <a:r>
-              <a:rPr lang="it-IT" altLang="it-IT" sz="2800" dirty="0" err="1" smtClean="0">
+              <a:rPr lang="it-IT" altLang="it-IT" sz="2800" dirty="0"/>
+              <a:t>è buona norma utilizzare </a:t>
+            </a:r>
+            <a:r>
+              <a:rPr lang="it-IT" altLang="it-IT" sz="2800" dirty="0" err="1">
                 <a:latin typeface="Times New Roman" pitchFamily="18" charset="0"/>
               </a:rPr>
               <a:t>protected</a:t>
             </a:r>
             <a:r>
-              <a:rPr lang="it-IT" altLang="it-IT" sz="2800" dirty="0" smtClean="0"/>
+              <a:rPr lang="it-IT" altLang="it-IT" sz="2800" dirty="0"/>
               <a:t> </a:t>
             </a:r>
             <a:r>
-              <a:rPr lang="it-IT" altLang="it-IT" sz="2800" b="1" i="1" dirty="0" smtClean="0"/>
+              <a:rPr lang="it-IT" altLang="it-IT" sz="2800" b="1" i="1" dirty="0"/>
               <a:t>solo</a:t>
             </a:r>
             <a:r>
-              <a:rPr lang="it-IT" altLang="it-IT" sz="2800" dirty="0" smtClean="0"/>
+              <a:rPr lang="it-IT" altLang="it-IT" sz="2800" dirty="0"/>
               <a:t> quando assolutamente </a:t>
             </a:r>
             <a:r>
-              <a:rPr lang="it-IT" altLang="it-IT" sz="2800" b="1" i="1" dirty="0" smtClean="0"/>
+              <a:rPr lang="it-IT" altLang="it-IT" sz="2800" b="1" i="1" dirty="0"/>
               <a:t>necessario</a:t>
             </a:r>
           </a:p>
@@ -6403,7 +6287,7 @@
           <a:p>
             <a:pPr eaLnBrk="1" hangingPunct="1"/>
             <a:r>
-              <a:rPr lang="it-IT" altLang="it-IT" smtClean="0"/>
+              <a:rPr lang="it-IT" altLang="it-IT"/>
               <a:t>Alberto Ferrari</a:t>
             </a:r>
           </a:p>
@@ -6456,27 +6340,23 @@
           <a:p>
             <a:pPr eaLnBrk="1" hangingPunct="1"/>
             <a:r>
-              <a:rPr lang="it-IT" altLang="it-IT" dirty="0" smtClean="0"/>
+              <a:rPr lang="it-IT" altLang="it-IT" dirty="0"/>
               <a:t>ridefinizione (</a:t>
             </a:r>
             <a:r>
-              <a:rPr lang="it-IT" altLang="it-IT" dirty="0" err="1" smtClean="0"/>
+              <a:rPr lang="it-IT" altLang="it-IT" dirty="0" err="1"/>
               <a:t>overriding</a:t>
             </a:r>
             <a:r>
-              <a:rPr lang="it-IT" altLang="it-IT" dirty="0" smtClean="0"/>
-              <a:t>) e </a:t>
-            </a:r>
-            <a:r>
-              <a:rPr lang="it-IT" altLang="it-IT" dirty="0" smtClean="0"/>
-              <a:t>sovraccarico (</a:t>
-            </a:r>
-            <a:r>
-              <a:rPr lang="it-IT" altLang="it-IT" dirty="0" err="1" smtClean="0"/>
+              <a:rPr lang="it-IT" altLang="it-IT" dirty="0"/>
+              <a:t>) e sovraccarico (</a:t>
+            </a:r>
+            <a:r>
+              <a:rPr lang="it-IT" altLang="it-IT" dirty="0" err="1"/>
               <a:t>overloading</a:t>
             </a:r>
             <a:r>
-              <a:rPr lang="it-IT" altLang="it-IT" dirty="0" smtClean="0"/>
+              <a:rPr lang="it-IT" altLang="it-IT" dirty="0"/>
               <a:t>)</a:t>
             </a:r>
           </a:p>
@@ -6499,82 +6379,64 @@
           <a:p>
             <a:pPr eaLnBrk="1" hangingPunct="1"/>
             <a:r>
-              <a:rPr lang="it-IT" altLang="it-IT" dirty="0" smtClean="0"/>
-              <a:t>una </a:t>
-            </a:r>
-            <a:r>
-              <a:rPr lang="it-IT" altLang="it-IT" dirty="0" smtClean="0"/>
-              <a:t>funzione </a:t>
-            </a:r>
-            <a:r>
-              <a:rPr lang="it-IT" altLang="it-IT" b="1" i="1" dirty="0" smtClean="0"/>
+              <a:rPr lang="it-IT" altLang="it-IT" dirty="0"/>
+              <a:t>una funzione </a:t>
+            </a:r>
+            <a:r>
+              <a:rPr lang="it-IT" altLang="it-IT" b="1" i="1" dirty="0"/>
               <a:t>ridefinita</a:t>
             </a:r>
             <a:r>
-              <a:rPr lang="it-IT" altLang="it-IT" dirty="0" smtClean="0"/>
+              <a:rPr lang="it-IT" altLang="it-IT" dirty="0"/>
               <a:t> in una classe derivata ha lo </a:t>
             </a:r>
             <a:r>
-              <a:rPr lang="it-IT" altLang="it-IT" b="1" i="1" dirty="0" smtClean="0"/>
+              <a:rPr lang="it-IT" altLang="it-IT" b="1" i="1" dirty="0"/>
               <a:t>stesso numero e tipo di parametri</a:t>
             </a:r>
             <a:r>
-              <a:rPr lang="it-IT" altLang="it-IT" dirty="0" smtClean="0"/>
-              <a:t> della funzione della classe </a:t>
-            </a:r>
-            <a:r>
-              <a:rPr lang="it-IT" altLang="it-IT" dirty="0" smtClean="0"/>
-              <a:t>base (</a:t>
-            </a:r>
-            <a:r>
-              <a:rPr lang="it-IT" altLang="it-IT" b="1" i="1" dirty="0" err="1" smtClean="0"/>
+              <a:rPr lang="it-IT" altLang="it-IT" dirty="0"/>
+              <a:t> della funzione della classe base (</a:t>
+            </a:r>
+            <a:r>
+              <a:rPr lang="it-IT" altLang="it-IT" b="1" i="1" dirty="0" err="1"/>
               <a:t>overriding</a:t>
             </a:r>
             <a:r>
-              <a:rPr lang="it-IT" altLang="it-IT" dirty="0" smtClean="0"/>
+              <a:rPr lang="it-IT" altLang="it-IT" dirty="0"/>
               <a:t>)</a:t>
             </a:r>
-            <a:endParaRPr lang="it-IT" altLang="it-IT" dirty="0" smtClean="0"/>
           </a:p>
           <a:p>
             <a:pPr eaLnBrk="1" hangingPunct="1"/>
             <a:r>
-              <a:rPr lang="it-IT" altLang="it-IT" dirty="0" smtClean="0"/>
-              <a:t>una </a:t>
-            </a:r>
-            <a:r>
-              <a:rPr lang="it-IT" altLang="it-IT" dirty="0" smtClean="0"/>
-              <a:t>funzione </a:t>
-            </a:r>
-            <a:r>
-              <a:rPr lang="it-IT" altLang="it-IT" b="1" i="1" dirty="0" smtClean="0"/>
+              <a:rPr lang="it-IT" altLang="it-IT" dirty="0"/>
+              <a:t>una funzione </a:t>
+            </a:r>
+            <a:r>
+              <a:rPr lang="it-IT" altLang="it-IT" b="1" i="1" dirty="0"/>
               <a:t>sovraccaricata</a:t>
             </a:r>
             <a:r>
-              <a:rPr lang="it-IT" altLang="it-IT" dirty="0" smtClean="0"/>
+              <a:rPr lang="it-IT" altLang="it-IT" dirty="0"/>
               <a:t> in una classe derivata ha un </a:t>
             </a:r>
             <a:r>
-              <a:rPr lang="it-IT" altLang="it-IT" b="1" i="1" dirty="0" smtClean="0"/>
+              <a:rPr lang="it-IT" altLang="it-IT" b="1" i="1" dirty="0"/>
               <a:t>diverso numero e/o tipo di parametri </a:t>
             </a:r>
             <a:r>
-              <a:rPr lang="it-IT" altLang="it-IT" dirty="0" smtClean="0"/>
-              <a:t>rispetto alla funzione della classe base e la classe derivata ha entrambe le </a:t>
-            </a:r>
-            <a:r>
-              <a:rPr lang="it-IT" altLang="it-IT" dirty="0" smtClean="0"/>
-              <a:t>funzioni (</a:t>
-            </a:r>
-            <a:r>
-              <a:rPr lang="it-IT" altLang="it-IT" b="1" i="1" dirty="0" err="1" smtClean="0"/>
+              <a:rPr lang="it-IT" altLang="it-IT" dirty="0"/>
+              <a:t>rispetto alla funzione della classe base e la classe derivata ha entrambe le funzioni (</a:t>
+            </a:r>
+            <a:r>
+              <a:rPr lang="it-IT" altLang="it-IT" b="1" i="1" dirty="0" err="1"/>
               <a:t>overloading</a:t>
             </a:r>
             <a:r>
-              <a:rPr lang="it-IT" altLang="it-IT" dirty="0" smtClean="0"/>
+              <a:rPr lang="it-IT" altLang="it-IT" dirty="0"/>
               <a:t>)</a:t>
             </a:r>
-            <a:endParaRPr lang="it-IT" altLang="it-IT" dirty="0" smtClean="0"/>
           </a:p>
         </p:txBody>
       </p:sp>
@@ -6723,7 +6585,7 @@
           <a:p>
             <a:pPr eaLnBrk="1" hangingPunct="1"/>
             <a:r>
-              <a:rPr lang="it-IT" altLang="it-IT" smtClean="0"/>
+              <a:rPr lang="it-IT" altLang="it-IT"/>
               <a:t>Alberto Ferrari</a:t>
             </a:r>
           </a:p>
@@ -6776,26 +6638,9 @@
           <a:p>
             <a:pPr eaLnBrk="1" hangingPunct="1"/>
             <a:r>
-              <a:rPr lang="it-IT" altLang="it-IT" dirty="0" smtClean="0"/>
-              <a:t>accesso </a:t>
-            </a:r>
-            <a:r>
-              <a:rPr lang="it-IT" altLang="it-IT" dirty="0" smtClean="0"/>
-              <a:t>a una </a:t>
-            </a:r>
-            <a:r>
-              <a:rPr lang="it-IT" altLang="it-IT" dirty="0" smtClean="0"/>
-              <a:t>funzione </a:t>
-            </a:r>
-            <a:r>
-              <a:rPr lang="it-IT" altLang="it-IT" dirty="0" smtClean="0"/>
-              <a:t>della </a:t>
-            </a:r>
-            <a:r>
-              <a:rPr lang="it-IT" altLang="it-IT" dirty="0" smtClean="0"/>
-              <a:t>classe base ridefinita</a:t>
-            </a:r>
-            <a:endParaRPr lang="it-IT" altLang="it-IT" dirty="0" smtClean="0"/>
+              <a:rPr lang="it-IT" altLang="it-IT" dirty="0"/>
+              <a:t>accesso a una funzione della classe base ridefinita</a:t>
+            </a:r>
           </a:p>
         </p:txBody>
       </p:sp>
@@ -6821,64 +6666,52 @@
           <a:p>
             <a:pPr eaLnBrk="1" hangingPunct="1"/>
             <a:r>
-              <a:rPr lang="it-IT" altLang="it-IT" sz="2800" dirty="0" smtClean="0"/>
-              <a:t>una </a:t>
-            </a:r>
-            <a:r>
-              <a:rPr lang="it-IT" altLang="it-IT" sz="2800" dirty="0" smtClean="0"/>
-              <a:t>classe derivata può ridefinire una funzione della classe base</a:t>
+              <a:rPr lang="it-IT" altLang="it-IT" sz="2800" dirty="0"/>
+              <a:t>una classe derivata può ridefinire una funzione della classe base</a:t>
             </a:r>
           </a:p>
           <a:p>
             <a:pPr eaLnBrk="1" hangingPunct="1"/>
             <a:r>
-              <a:rPr lang="it-IT" altLang="it-IT" sz="2800" dirty="0" smtClean="0"/>
-              <a:t>è possibile </a:t>
-            </a:r>
-            <a:r>
-              <a:rPr lang="it-IT" altLang="it-IT" sz="2800" dirty="0" smtClean="0"/>
-              <a:t>invocare su un oggetto della classe derivata la </a:t>
-            </a:r>
-            <a:r>
-              <a:rPr lang="it-IT" altLang="it-IT" sz="2800" b="1" i="1" dirty="0" smtClean="0"/>
+              <a:rPr lang="it-IT" altLang="it-IT" sz="2800" dirty="0"/>
+              <a:t>è possibile invocare su un oggetto della classe derivata la </a:t>
+            </a:r>
+            <a:r>
+              <a:rPr lang="it-IT" altLang="it-IT" sz="2800" b="1" i="1" dirty="0"/>
               <a:t>versione</a:t>
             </a:r>
             <a:r>
-              <a:rPr lang="it-IT" altLang="it-IT" sz="2800" dirty="0" smtClean="0"/>
+              <a:rPr lang="it-IT" altLang="it-IT" sz="2800" dirty="0"/>
               <a:t> della funzione data nella </a:t>
             </a:r>
             <a:r>
-              <a:rPr lang="it-IT" altLang="it-IT" sz="2800" b="1" i="1" dirty="0" smtClean="0"/>
+              <a:rPr lang="it-IT" altLang="it-IT" sz="2800" b="1" i="1" dirty="0"/>
               <a:t>classe base</a:t>
             </a:r>
           </a:p>
           <a:p>
             <a:pPr eaLnBrk="1" hangingPunct="1"/>
             <a:r>
-              <a:rPr lang="it-IT" altLang="it-IT" sz="2800" dirty="0" smtClean="0"/>
-              <a:t>si </a:t>
-            </a:r>
-            <a:r>
-              <a:rPr lang="it-IT" altLang="it-IT" sz="2800" dirty="0" smtClean="0"/>
-              <a:t>utilizza l’operatore ::, che in questo caso è </a:t>
-            </a:r>
-            <a:r>
-              <a:rPr lang="it-IT" altLang="it-IT" sz="2800" b="1" i="1" dirty="0" smtClean="0"/>
+              <a:rPr lang="it-IT" altLang="it-IT" sz="2800" dirty="0"/>
+              <a:t>si utilizza l’operatore ::, che in questo caso è </a:t>
+            </a:r>
+            <a:r>
+              <a:rPr lang="it-IT" altLang="it-IT" sz="2800" b="1" i="1" dirty="0"/>
               <a:t>obbligatorio</a:t>
             </a:r>
             <a:r>
-              <a:rPr lang="it-IT" altLang="it-IT" sz="2800" dirty="0" smtClean="0"/>
+              <a:rPr lang="it-IT" altLang="it-IT" sz="2800" dirty="0"/>
               <a:t>, altrimenti la funzione chiamante continuerebbe in realtà a chiamare se stessa generando un </a:t>
             </a:r>
             <a:r>
-              <a:rPr lang="it-IT" altLang="it-IT" sz="2800" dirty="0" err="1" smtClean="0"/>
+              <a:rPr lang="it-IT" altLang="it-IT" sz="2800" dirty="0" err="1"/>
               <a:t>loop</a:t>
             </a:r>
-            <a:endParaRPr lang="it-IT" altLang="it-IT" sz="2800" dirty="0" smtClean="0"/>
+            <a:endParaRPr lang="it-IT" altLang="it-IT" sz="2800" dirty="0"/>
           </a:p>
           <a:p>
             <a:pPr eaLnBrk="1" hangingPunct="1"/>
-            <a:endParaRPr lang="it-IT" altLang="it-IT" sz="2800" dirty="0" smtClean="0"/>
+            <a:endParaRPr lang="it-IT" altLang="it-IT" sz="2800" dirty="0"/>
           </a:p>
         </p:txBody>
       </p:sp>
@@ -7027,7 +6860,7 @@
           <a:p>
             <a:pPr eaLnBrk="1" hangingPunct="1"/>
             <a:r>
-              <a:rPr lang="it-IT" altLang="it-IT" smtClean="0"/>
+              <a:rPr lang="it-IT" altLang="it-IT"/>
               <a:t>Alberto Ferrari</a:t>
             </a:r>
           </a:p>
@@ -7080,26 +6913,22 @@
           <a:p>
             <a:pPr eaLnBrk="1" hangingPunct="1"/>
             <a:r>
-              <a:rPr lang="it-IT" altLang="it-IT" dirty="0" smtClean="0"/>
-              <a:t>relazione </a:t>
-            </a:r>
-            <a:r>
-              <a:rPr lang="it-IT" altLang="it-IT" dirty="0" smtClean="0"/>
-              <a:t>“</a:t>
-            </a:r>
-            <a:r>
-              <a:rPr lang="it-IT" altLang="it-IT" dirty="0" err="1" smtClean="0"/>
+              <a:rPr lang="it-IT" altLang="it-IT" dirty="0"/>
+              <a:t>relazione “</a:t>
+            </a:r>
+            <a:r>
+              <a:rPr lang="it-IT" altLang="it-IT" dirty="0" err="1"/>
               <a:t>is</a:t>
             </a:r>
             <a:r>
-              <a:rPr lang="it-IT" altLang="it-IT" dirty="0" smtClean="0"/>
+              <a:rPr lang="it-IT" altLang="it-IT" dirty="0"/>
               <a:t> a”</a:t>
             </a:r>
             <a:r>
-              <a:rPr lang="en-US" altLang="it-IT" dirty="0" smtClean="0"/>
+              <a:rPr lang="en-US" altLang="it-IT" dirty="0"/>
               <a:t> </a:t>
             </a:r>
-            <a:endParaRPr lang="it-IT" altLang="it-IT" dirty="0" smtClean="0"/>
+            <a:endParaRPr lang="it-IT" altLang="it-IT" dirty="0"/>
           </a:p>
         </p:txBody>
       </p:sp>
@@ -7120,73 +6949,69 @@
           <a:p>
             <a:pPr eaLnBrk="1" hangingPunct="1"/>
             <a:r>
-              <a:rPr lang="it-IT" altLang="it-IT" dirty="0" smtClean="0"/>
+              <a:rPr lang="it-IT" altLang="it-IT" dirty="0"/>
               <a:t>un </a:t>
             </a:r>
             <a:r>
-              <a:rPr lang="it-IT" altLang="it-IT" b="1" i="1" dirty="0" smtClean="0"/>
+              <a:rPr lang="it-IT" altLang="it-IT" b="1" i="1" dirty="0"/>
               <a:t>oggetto</a:t>
             </a:r>
             <a:r>
-              <a:rPr lang="it-IT" altLang="it-IT" dirty="0" smtClean="0"/>
+              <a:rPr lang="it-IT" altLang="it-IT" dirty="0"/>
               <a:t> di una classe </a:t>
             </a:r>
             <a:r>
-              <a:rPr lang="it-IT" altLang="it-IT" b="1" i="1" dirty="0" smtClean="0"/>
+              <a:rPr lang="it-IT" altLang="it-IT" b="1" i="1" dirty="0"/>
               <a:t>derivata</a:t>
             </a:r>
             <a:r>
-              <a:rPr lang="it-IT" altLang="it-IT" dirty="0" smtClean="0"/>
+              <a:rPr lang="it-IT" altLang="it-IT" dirty="0"/>
               <a:t> può essere usato </a:t>
             </a:r>
             <a:r>
-              <a:rPr lang="it-IT" altLang="it-IT" b="1" i="1" dirty="0" smtClean="0"/>
+              <a:rPr lang="it-IT" altLang="it-IT" b="1" i="1" dirty="0"/>
               <a:t>ovunque</a:t>
             </a:r>
             <a:r>
-              <a:rPr lang="it-IT" altLang="it-IT" dirty="0" smtClean="0"/>
+              <a:rPr lang="it-IT" altLang="it-IT" dirty="0"/>
               <a:t> può essere usato un </a:t>
             </a:r>
             <a:r>
-              <a:rPr lang="it-IT" altLang="it-IT" b="1" i="1" dirty="0" smtClean="0"/>
+              <a:rPr lang="it-IT" altLang="it-IT" b="1" i="1" dirty="0"/>
               <a:t>oggetto</a:t>
             </a:r>
             <a:r>
-              <a:rPr lang="it-IT" altLang="it-IT" dirty="0" smtClean="0"/>
+              <a:rPr lang="it-IT" altLang="it-IT" dirty="0"/>
               <a:t> della classe </a:t>
             </a:r>
             <a:r>
-              <a:rPr lang="it-IT" altLang="it-IT" b="1" i="1" dirty="0" smtClean="0"/>
+              <a:rPr lang="it-IT" altLang="it-IT" b="1" i="1" dirty="0"/>
               <a:t>base</a:t>
             </a:r>
           </a:p>
           <a:p>
             <a:pPr eaLnBrk="1" hangingPunct="1"/>
             <a:r>
-              <a:rPr lang="it-IT" altLang="it-IT" dirty="0" smtClean="0"/>
-              <a:t>un </a:t>
-            </a:r>
-            <a:r>
-              <a:rPr lang="it-IT" altLang="it-IT" dirty="0" smtClean="0"/>
-              <a:t>oggetto di una classe derivata ha </a:t>
-            </a:r>
-            <a:r>
-              <a:rPr lang="it-IT" altLang="it-IT" b="1" i="1" dirty="0" smtClean="0"/>
+              <a:rPr lang="it-IT" altLang="it-IT" dirty="0"/>
+              <a:t>un oggetto di una classe derivata ha </a:t>
+            </a:r>
+            <a:r>
+              <a:rPr lang="it-IT" altLang="it-IT" b="1" i="1" dirty="0"/>
               <a:t>più di un tipo</a:t>
             </a:r>
           </a:p>
           <a:p>
             <a:pPr eaLnBrk="1" hangingPunct="1"/>
             <a:r>
-              <a:rPr lang="it-IT" altLang="it-IT" b="1" i="1" dirty="0" smtClean="0"/>
+              <a:rPr lang="it-IT" altLang="it-IT" b="1" i="1" dirty="0"/>
               <a:t>Cane </a:t>
             </a:r>
             <a:r>
-              <a:rPr lang="it-IT" altLang="it-IT" b="1" i="1" dirty="0" err="1" smtClean="0"/>
+              <a:rPr lang="it-IT" altLang="it-IT" b="1" i="1" dirty="0" err="1"/>
               <a:t>is</a:t>
             </a:r>
             <a:r>
-              <a:rPr lang="it-IT" altLang="it-IT" b="1" i="1" dirty="0" smtClean="0"/>
+              <a:rPr lang="it-IT" altLang="it-IT" b="1" i="1" dirty="0"/>
               <a:t> a Animale</a:t>
             </a:r>
           </a:p>
@@ -7337,7 +7162,7 @@
           <a:p>
             <a:pPr eaLnBrk="1" hangingPunct="1"/>
             <a:r>
-              <a:rPr lang="it-IT" altLang="it-IT" smtClean="0"/>
+              <a:rPr lang="it-IT" altLang="it-IT"/>
               <a:t>Alberto Ferrari</a:t>
             </a:r>
           </a:p>
@@ -7390,18 +7215,9 @@
           <a:p>
             <a:pPr eaLnBrk="1" hangingPunct="1"/>
             <a:r>
-              <a:rPr lang="it-IT" altLang="it-IT" dirty="0" smtClean="0"/>
-              <a:t>funzioni </a:t>
-            </a:r>
-            <a:r>
-              <a:rPr lang="it-IT" altLang="it-IT" dirty="0" smtClean="0"/>
-              <a:t>che non </a:t>
-            </a:r>
-            <a:r>
-              <a:rPr lang="it-IT" altLang="it-IT" dirty="0" smtClean="0"/>
-              <a:t>vengono ereditate</a:t>
-            </a:r>
-            <a:endParaRPr lang="it-IT" altLang="it-IT" dirty="0" smtClean="0"/>
+              <a:rPr lang="it-IT" altLang="it-IT" dirty="0"/>
+              <a:t>funzioni che non vengono ereditate</a:t>
+            </a:r>
           </a:p>
         </p:txBody>
       </p:sp>
@@ -7426,15 +7242,11 @@
               </a:lnSpc>
             </a:pPr>
             <a:r>
-              <a:rPr lang="it-IT" altLang="it-IT" dirty="0" smtClean="0"/>
-              <a:t>oltre </a:t>
-            </a:r>
-            <a:r>
-              <a:rPr lang="it-IT" altLang="it-IT" dirty="0" smtClean="0"/>
-              <a:t>alle funzioni membro private </a:t>
-            </a:r>
-            <a:r>
-              <a:rPr lang="it-IT" altLang="it-IT" b="1" i="1" dirty="0" smtClean="0"/>
+              <a:rPr lang="it-IT" altLang="it-IT" dirty="0"/>
+              <a:t>oltre alle funzioni membro private </a:t>
+            </a:r>
+            <a:r>
+              <a:rPr lang="it-IT" altLang="it-IT" b="1" i="1" dirty="0"/>
               <a:t>non vengono ereditati</a:t>
             </a:r>
           </a:p>
@@ -7445,10 +7257,9 @@
               </a:lnSpc>
             </a:pPr>
             <a:r>
-              <a:rPr lang="it-IT" altLang="it-IT" b="1" i="1" dirty="0" smtClean="0"/>
+              <a:rPr lang="it-IT" altLang="it-IT" b="1" i="1" dirty="0"/>
               <a:t>costruttori</a:t>
             </a:r>
-            <a:endParaRPr lang="it-IT" altLang="it-IT" b="1" i="1" dirty="0" smtClean="0"/>
           </a:p>
           <a:p>
             <a:pPr lvl="1" eaLnBrk="1" hangingPunct="1">
@@ -7457,10 +7268,9 @@
               </a:lnSpc>
             </a:pPr>
             <a:r>
-              <a:rPr lang="it-IT" altLang="it-IT" b="1" i="1" dirty="0" smtClean="0"/>
+              <a:rPr lang="it-IT" altLang="it-IT" b="1" i="1" dirty="0"/>
               <a:t>distruttori</a:t>
             </a:r>
-            <a:endParaRPr lang="it-IT" altLang="it-IT" b="1" i="1" dirty="0" smtClean="0"/>
           </a:p>
           <a:p>
             <a:pPr lvl="1" eaLnBrk="1" hangingPunct="1">
@@ -7469,12 +7279,8 @@
               </a:lnSpc>
             </a:pPr>
             <a:r>
-              <a:rPr lang="it-IT" altLang="it-IT" b="1" i="1" dirty="0" smtClean="0"/>
-              <a:t>costruttori </a:t>
-            </a:r>
-            <a:r>
-              <a:rPr lang="it-IT" altLang="it-IT" b="1" i="1" dirty="0" smtClean="0"/>
-              <a:t>di copia </a:t>
+              <a:rPr lang="it-IT" altLang="it-IT" b="1" i="1" dirty="0"/>
+              <a:t>costruttori di copia </a:t>
             </a:r>
           </a:p>
           <a:p>
@@ -7484,12 +7290,8 @@
               </a:lnSpc>
             </a:pPr>
             <a:r>
-              <a:rPr lang="it-IT" altLang="it-IT" b="1" i="1" dirty="0" smtClean="0"/>
-              <a:t>operatori </a:t>
-            </a:r>
-            <a:r>
-              <a:rPr lang="it-IT" altLang="it-IT" b="1" i="1" dirty="0" smtClean="0"/>
-              <a:t>di assegnamento</a:t>
+              <a:rPr lang="it-IT" altLang="it-IT" b="1" i="1" dirty="0"/>
+              <a:t>operatori di assegnamento</a:t>
             </a:r>
           </a:p>
           <a:p>
@@ -7499,15 +7301,11 @@
               </a:lnSpc>
             </a:pPr>
             <a:r>
-              <a:rPr lang="it-IT" altLang="it-IT" dirty="0" smtClean="0"/>
-              <a:t>se </a:t>
-            </a:r>
-            <a:r>
-              <a:rPr lang="it-IT" altLang="it-IT" dirty="0" smtClean="0"/>
-              <a:t>non vengono definiti vengono creati quelli di </a:t>
-            </a:r>
-            <a:r>
-              <a:rPr lang="it-IT" altLang="it-IT" b="1" i="1" dirty="0" smtClean="0"/>
+              <a:rPr lang="it-IT" altLang="it-IT" dirty="0"/>
+              <a:t>se non vengono definiti vengono creati quelli di </a:t>
+            </a:r>
+            <a:r>
+              <a:rPr lang="it-IT" altLang="it-IT" b="1" i="1" dirty="0"/>
               <a:t>default</a:t>
             </a:r>
           </a:p>
@@ -7517,7 +7315,7 @@
                 <a:spcPct val="90000"/>
               </a:lnSpc>
             </a:pPr>
-            <a:endParaRPr lang="it-IT" altLang="it-IT" dirty="0" smtClean="0"/>
+            <a:endParaRPr lang="it-IT" altLang="it-IT" dirty="0"/>
           </a:p>
         </p:txBody>
       </p:sp>
@@ -7666,7 +7464,7 @@
           <a:p>
             <a:pPr eaLnBrk="1" hangingPunct="1"/>
             <a:r>
-              <a:rPr lang="it-IT" altLang="it-IT" smtClean="0"/>
+              <a:rPr lang="it-IT" altLang="it-IT"/>
               <a:t>Alberto Ferrari</a:t>
             </a:r>
           </a:p>
@@ -7719,18 +7517,9 @@
           <a:p>
             <a:pPr eaLnBrk="1" hangingPunct="1"/>
             <a:r>
-              <a:rPr lang="it-IT" altLang="it-IT" dirty="0" smtClean="0"/>
-              <a:t>distruttori </a:t>
-            </a:r>
-            <a:r>
-              <a:rPr lang="it-IT" altLang="it-IT" dirty="0" smtClean="0"/>
-              <a:t>in </a:t>
-            </a:r>
-            <a:r>
-              <a:rPr lang="it-IT" altLang="it-IT" dirty="0" smtClean="0"/>
-              <a:t>classi derivate</a:t>
-            </a:r>
-            <a:endParaRPr lang="it-IT" altLang="it-IT" dirty="0" smtClean="0"/>
+              <a:rPr lang="it-IT" altLang="it-IT" dirty="0"/>
+              <a:t>distruttori in classi derivate</a:t>
+            </a:r>
           </a:p>
         </p:txBody>
       </p:sp>
@@ -7751,45 +7540,41 @@
           <a:p>
             <a:pPr eaLnBrk="1" hangingPunct="1"/>
             <a:r>
-              <a:rPr lang="it-IT" altLang="it-IT" sz="2800" dirty="0" smtClean="0"/>
-              <a:t>quando </a:t>
-            </a:r>
-            <a:r>
-              <a:rPr lang="it-IT" altLang="it-IT" sz="2800" dirty="0" smtClean="0"/>
-              <a:t>il </a:t>
-            </a:r>
-            <a:r>
-              <a:rPr lang="it-IT" altLang="it-IT" sz="2800" b="1" i="1" dirty="0" smtClean="0"/>
+              <a:rPr lang="it-IT" altLang="it-IT" sz="2800" dirty="0"/>
+              <a:t>quando il </a:t>
+            </a:r>
+            <a:r>
+              <a:rPr lang="it-IT" altLang="it-IT" sz="2800" b="1" i="1" dirty="0"/>
               <a:t>distruttore</a:t>
             </a:r>
             <a:r>
-              <a:rPr lang="it-IT" altLang="it-IT" sz="2800" dirty="0" smtClean="0"/>
+              <a:rPr lang="it-IT" altLang="it-IT" sz="2800" dirty="0"/>
               <a:t> di una </a:t>
             </a:r>
             <a:r>
-              <a:rPr lang="it-IT" altLang="it-IT" sz="2800" b="1" i="1" dirty="0" smtClean="0"/>
+              <a:rPr lang="it-IT" altLang="it-IT" sz="2800" b="1" i="1" dirty="0"/>
               <a:t>classe derivata </a:t>
             </a:r>
             <a:r>
-              <a:rPr lang="it-IT" altLang="it-IT" sz="2800" dirty="0" smtClean="0"/>
+              <a:rPr lang="it-IT" altLang="it-IT" sz="2800" dirty="0"/>
               <a:t>è invocato, viene invocato </a:t>
             </a:r>
             <a:r>
-              <a:rPr lang="it-IT" altLang="it-IT" sz="2800" b="1" i="1" dirty="0" smtClean="0"/>
+              <a:rPr lang="it-IT" altLang="it-IT" sz="2800" b="1" i="1" dirty="0"/>
               <a:t>automaticamente</a:t>
             </a:r>
             <a:r>
-              <a:rPr lang="it-IT" altLang="it-IT" sz="2800" dirty="0" smtClean="0"/>
+              <a:rPr lang="it-IT" altLang="it-IT" sz="2800" dirty="0"/>
               <a:t> il distruttore della </a:t>
             </a:r>
             <a:r>
-              <a:rPr lang="it-IT" altLang="it-IT" sz="2800" b="1" i="1" dirty="0" smtClean="0"/>
+              <a:rPr lang="it-IT" altLang="it-IT" sz="2800" b="1" i="1" dirty="0"/>
               <a:t>classe base </a:t>
             </a:r>
           </a:p>
           <a:p>
             <a:r>
-              <a:rPr lang="it-IT" altLang="it-IT" sz="2800" dirty="0" smtClean="0"/>
+              <a:rPr lang="it-IT" altLang="it-IT" sz="2800" dirty="0"/>
               <a:t>se A</a:t>
             </a:r>
             <a:r>
@@ -7799,7 +7584,7 @@
               <a:t></a:t>
             </a:r>
             <a:r>
-              <a:rPr lang="it-IT" altLang="it-IT" sz="2800" dirty="0" smtClean="0"/>
+              <a:rPr lang="it-IT" altLang="it-IT" sz="2800" dirty="0"/>
               <a:t>B</a:t>
             </a:r>
             <a:r>
@@ -7809,23 +7594,15 @@
               <a:t></a:t>
             </a:r>
             <a:r>
-              <a:rPr lang="it-IT" altLang="it-IT" sz="2800" dirty="0" smtClean="0"/>
-              <a:t>C</a:t>
-            </a:r>
-            <a:r>
-              <a:rPr lang="it-IT" altLang="it-IT" sz="2800" dirty="0" smtClean="0"/>
-              <a:t>, quando termina lo scope di un oggetto di classe C viene chiamato prima il distruttore della classe C, poi quello della classe B, infine quello della classe A</a:t>
+              <a:rPr lang="it-IT" altLang="it-IT" sz="2800" dirty="0"/>
+              <a:t>C, quando termina lo scope di un oggetto di classe C viene chiamato prima il distruttore della classe C, poi quello della classe B, infine quello della classe A</a:t>
             </a:r>
           </a:p>
           <a:p>
             <a:pPr eaLnBrk="1" hangingPunct="1"/>
             <a:r>
-              <a:rPr lang="it-IT" altLang="it-IT" sz="2800" dirty="0" smtClean="0"/>
-              <a:t>i </a:t>
-            </a:r>
-            <a:r>
-              <a:rPr lang="it-IT" altLang="it-IT" sz="2800" dirty="0" smtClean="0"/>
-              <a:t>distruttori sono chiamati in ordine inverso rispetto ai costruttori</a:t>
+              <a:rPr lang="it-IT" altLang="it-IT" sz="2800" dirty="0"/>
+              <a:t>i distruttori sono chiamati in ordine inverso rispetto ai costruttori</a:t>
             </a:r>
           </a:p>
         </p:txBody>
@@ -7975,7 +7752,7 @@
           <a:p>
             <a:pPr eaLnBrk="1" hangingPunct="1"/>
             <a:r>
-              <a:rPr lang="it-IT" altLang="it-IT" smtClean="0"/>
+              <a:rPr lang="it-IT" altLang="it-IT"/>
               <a:t>Alberto Ferrari</a:t>
             </a:r>
           </a:p>
@@ -8028,18 +7805,9 @@
           <a:p>
             <a:pPr eaLnBrk="1" hangingPunct="1"/>
             <a:r>
-              <a:rPr lang="it-IT" altLang="it-IT" dirty="0" smtClean="0"/>
-              <a:t>relazioni </a:t>
-            </a:r>
-            <a:r>
-              <a:rPr lang="it-IT" altLang="it-IT" dirty="0" smtClean="0"/>
-              <a:t>tra </a:t>
-            </a:r>
-            <a:r>
-              <a:rPr lang="it-IT" altLang="it-IT" dirty="0" smtClean="0"/>
-              <a:t>oggetti</a:t>
-            </a:r>
-            <a:endParaRPr lang="it-IT" altLang="it-IT" dirty="0" smtClean="0"/>
+              <a:rPr lang="it-IT" altLang="it-IT" dirty="0"/>
+              <a:t>relazioni tra oggetti</a:t>
+            </a:r>
           </a:p>
         </p:txBody>
       </p:sp>
@@ -8060,92 +7828,76 @@
           <a:p>
             <a:pPr eaLnBrk="1" hangingPunct="1"/>
             <a:r>
-              <a:rPr lang="it-IT" altLang="it-IT" dirty="0" smtClean="0"/>
-              <a:t>relazione </a:t>
-            </a:r>
-            <a:r>
-              <a:rPr lang="it-IT" altLang="it-IT" dirty="0" smtClean="0"/>
-              <a:t>“</a:t>
-            </a:r>
-            <a:r>
-              <a:rPr lang="it-IT" altLang="it-IT" b="1" i="1" dirty="0" err="1" smtClean="0"/>
+              <a:rPr lang="it-IT" altLang="it-IT" dirty="0"/>
+              <a:t>relazione “</a:t>
+            </a:r>
+            <a:r>
+              <a:rPr lang="it-IT" altLang="it-IT" b="1" i="1" dirty="0" err="1"/>
               <a:t>is</a:t>
             </a:r>
             <a:r>
-              <a:rPr lang="it-IT" altLang="it-IT" b="1" i="1" dirty="0" smtClean="0"/>
+              <a:rPr lang="it-IT" altLang="it-IT" b="1" i="1" dirty="0"/>
               <a:t> a</a:t>
             </a:r>
             <a:r>
-              <a:rPr lang="it-IT" altLang="it-IT" dirty="0" smtClean="0"/>
+              <a:rPr lang="it-IT" altLang="it-IT" dirty="0"/>
               <a:t>”</a:t>
             </a:r>
           </a:p>
           <a:p>
             <a:pPr lvl="1" eaLnBrk="1" hangingPunct="1"/>
             <a:r>
-              <a:rPr lang="it-IT" altLang="it-IT" dirty="0" smtClean="0"/>
-              <a:t>esempio</a:t>
-            </a:r>
-            <a:r>
-              <a:rPr lang="it-IT" altLang="it-IT" dirty="0" smtClean="0"/>
-              <a:t>: un Gatto </a:t>
-            </a:r>
-            <a:r>
-              <a:rPr lang="it-IT" altLang="it-IT" b="1" i="1" dirty="0" err="1" smtClean="0"/>
+              <a:rPr lang="it-IT" altLang="it-IT" dirty="0"/>
+              <a:t>esempio: un Gatto </a:t>
+            </a:r>
+            <a:r>
+              <a:rPr lang="it-IT" altLang="it-IT" b="1" i="1" dirty="0" err="1"/>
               <a:t>is</a:t>
             </a:r>
             <a:r>
-              <a:rPr lang="it-IT" altLang="it-IT" b="1" i="1" dirty="0" smtClean="0"/>
+              <a:rPr lang="it-IT" altLang="it-IT" b="1" i="1" dirty="0"/>
               <a:t> a</a:t>
             </a:r>
             <a:r>
-              <a:rPr lang="it-IT" altLang="it-IT" dirty="0" smtClean="0"/>
+              <a:rPr lang="it-IT" altLang="it-IT" dirty="0"/>
               <a:t> Animale</a:t>
             </a:r>
           </a:p>
           <a:p>
             <a:pPr eaLnBrk="1" hangingPunct="1"/>
             <a:r>
-              <a:rPr lang="it-IT" altLang="it-IT" dirty="0" smtClean="0"/>
-              <a:t>relazione </a:t>
-            </a:r>
-            <a:r>
-              <a:rPr lang="it-IT" altLang="it-IT" dirty="0" smtClean="0"/>
-              <a:t>“</a:t>
-            </a:r>
-            <a:r>
-              <a:rPr lang="it-IT" altLang="it-IT" b="1" i="1" dirty="0" err="1" smtClean="0"/>
+              <a:rPr lang="it-IT" altLang="it-IT" dirty="0"/>
+              <a:t>relazione “</a:t>
+            </a:r>
+            <a:r>
+              <a:rPr lang="it-IT" altLang="it-IT" b="1" i="1" dirty="0" err="1"/>
               <a:t>has</a:t>
             </a:r>
             <a:r>
-              <a:rPr lang="it-IT" altLang="it-IT" b="1" i="1" dirty="0" smtClean="0"/>
+              <a:rPr lang="it-IT" altLang="it-IT" b="1" i="1" dirty="0"/>
               <a:t> a</a:t>
             </a:r>
             <a:r>
-              <a:rPr lang="it-IT" altLang="it-IT" dirty="0" smtClean="0"/>
+              <a:rPr lang="it-IT" altLang="it-IT" dirty="0"/>
               <a:t>”</a:t>
             </a:r>
           </a:p>
           <a:p>
             <a:pPr lvl="1" eaLnBrk="1" hangingPunct="1"/>
             <a:r>
-              <a:rPr lang="it-IT" altLang="it-IT" dirty="0" smtClean="0"/>
-              <a:t>esempio</a:t>
-            </a:r>
-            <a:r>
-              <a:rPr lang="it-IT" altLang="it-IT" dirty="0" smtClean="0"/>
-              <a:t>: an Computer </a:t>
-            </a:r>
-            <a:r>
-              <a:rPr lang="it-IT" altLang="it-IT" b="1" i="1" dirty="0" err="1" smtClean="0"/>
+              <a:rPr lang="it-IT" altLang="it-IT" dirty="0"/>
+              <a:t>esempio: an Computer </a:t>
+            </a:r>
+            <a:r>
+              <a:rPr lang="it-IT" altLang="it-IT" b="1" i="1" dirty="0" err="1"/>
               <a:t>has</a:t>
             </a:r>
             <a:r>
-              <a:rPr lang="it-IT" altLang="it-IT" b="1" i="1" dirty="0" smtClean="0"/>
+              <a:rPr lang="it-IT" altLang="it-IT" b="1" i="1" dirty="0"/>
               <a:t> a</a:t>
             </a:r>
             <a:r>
-              <a:rPr lang="it-IT" altLang="it-IT" dirty="0" smtClean="0"/>
+              <a:rPr lang="it-IT" altLang="it-IT" dirty="0"/>
               <a:t> Processore</a:t>
             </a:r>
           </a:p>
@@ -8296,7 +8048,7 @@
           <a:p>
             <a:pPr eaLnBrk="1" hangingPunct="1"/>
             <a:r>
-              <a:rPr lang="it-IT" altLang="it-IT" smtClean="0"/>
+              <a:rPr lang="it-IT" altLang="it-IT"/>
               <a:t>Alberto Ferrari</a:t>
             </a:r>
           </a:p>
@@ -8349,10 +8101,9 @@
           <a:p>
             <a:pPr eaLnBrk="1" hangingPunct="1"/>
             <a:r>
-              <a:rPr lang="it-IT" altLang="it-IT" dirty="0" smtClean="0"/>
+              <a:rPr lang="it-IT" altLang="it-IT" dirty="0"/>
               <a:t>ereditarietà</a:t>
             </a:r>
-            <a:endParaRPr lang="it-IT" altLang="it-IT" dirty="0" smtClean="0"/>
           </a:p>
         </p:txBody>
       </p:sp>
@@ -8377,27 +8128,23 @@
               </a:lnSpc>
             </a:pPr>
             <a:r>
-              <a:rPr lang="it-IT" altLang="it-IT" dirty="0" smtClean="0"/>
-              <a:t>una </a:t>
-            </a:r>
-            <a:r>
-              <a:rPr lang="it-IT" altLang="it-IT" dirty="0" smtClean="0"/>
-              <a:t>nuova classe (</a:t>
-            </a:r>
-            <a:r>
-              <a:rPr lang="it-IT" altLang="it-IT" b="1" dirty="0" smtClean="0"/>
+              <a:rPr lang="it-IT" altLang="it-IT" dirty="0"/>
+              <a:t>una nuova classe (</a:t>
+            </a:r>
+            <a:r>
+              <a:rPr lang="it-IT" altLang="it-IT" b="1" dirty="0"/>
               <a:t>classe derivata</a:t>
             </a:r>
             <a:r>
-              <a:rPr lang="it-IT" altLang="it-IT" dirty="0" smtClean="0"/>
+              <a:rPr lang="it-IT" altLang="it-IT" dirty="0"/>
               <a:t>) viene creata a partire da una classe esistente (</a:t>
             </a:r>
             <a:r>
-              <a:rPr lang="it-IT" altLang="it-IT" b="1" dirty="0" smtClean="0"/>
+              <a:rPr lang="it-IT" altLang="it-IT" b="1" dirty="0"/>
               <a:t>classe base</a:t>
             </a:r>
             <a:r>
-              <a:rPr lang="it-IT" altLang="it-IT" dirty="0" smtClean="0"/>
+              <a:rPr lang="it-IT" altLang="it-IT" dirty="0"/>
               <a:t>)</a:t>
             </a:r>
           </a:p>
@@ -8408,19 +8155,15 @@
               </a:lnSpc>
             </a:pPr>
             <a:r>
-              <a:rPr lang="it-IT" altLang="it-IT" dirty="0" smtClean="0"/>
-              <a:t>la </a:t>
-            </a:r>
-            <a:r>
-              <a:rPr lang="it-IT" altLang="it-IT" dirty="0" smtClean="0"/>
-              <a:t>classe derivata </a:t>
-            </a:r>
-            <a:r>
-              <a:rPr lang="it-IT" altLang="it-IT" b="1" dirty="0" smtClean="0"/>
+              <a:rPr lang="it-IT" altLang="it-IT" dirty="0"/>
+              <a:t>la classe derivata </a:t>
+            </a:r>
+            <a:r>
+              <a:rPr lang="it-IT" altLang="it-IT" b="1" dirty="0"/>
               <a:t>eredita</a:t>
             </a:r>
             <a:r>
-              <a:rPr lang="it-IT" altLang="it-IT" dirty="0" smtClean="0"/>
+              <a:rPr lang="it-IT" altLang="it-IT" dirty="0"/>
               <a:t> le variabili membro e le funzioni membro della classe base</a:t>
             </a:r>
           </a:p>
@@ -8431,26 +8174,17 @@
               </a:lnSpc>
             </a:pPr>
             <a:r>
-              <a:rPr lang="it-IT" altLang="it-IT" dirty="0" smtClean="0"/>
-              <a:t>la </a:t>
-            </a:r>
-            <a:r>
-              <a:rPr lang="it-IT" altLang="it-IT" dirty="0" smtClean="0"/>
-              <a:t>classe derivata può </a:t>
-            </a:r>
-            <a:r>
-              <a:rPr lang="it-IT" altLang="it-IT" b="1" dirty="0" smtClean="0"/>
+              <a:rPr lang="it-IT" altLang="it-IT" dirty="0"/>
+              <a:t>la classe derivata può </a:t>
+            </a:r>
+            <a:r>
+              <a:rPr lang="it-IT" altLang="it-IT" b="1" dirty="0"/>
               <a:t>aggiungere</a:t>
             </a:r>
             <a:r>
-              <a:rPr lang="it-IT" altLang="it-IT" dirty="0" smtClean="0"/>
-              <a:t> variabili membro e funzioni </a:t>
-            </a:r>
-            <a:r>
-              <a:rPr lang="it-IT" altLang="it-IT" dirty="0" smtClean="0"/>
-              <a:t>membro</a:t>
-            </a:r>
-            <a:endParaRPr lang="it-IT" altLang="it-IT" dirty="0" smtClean="0"/>
+              <a:rPr lang="it-IT" altLang="it-IT" dirty="0"/>
+              <a:t> variabili membro e funzioni membro</a:t>
+            </a:r>
           </a:p>
           <a:p>
             <a:pPr eaLnBrk="1" hangingPunct="1">
@@ -8458,7 +8192,7 @@
                 <a:spcPct val="90000"/>
               </a:lnSpc>
             </a:pPr>
-            <a:endParaRPr lang="it-IT" altLang="it-IT" dirty="0" smtClean="0"/>
+            <a:endParaRPr lang="it-IT" altLang="it-IT" dirty="0"/>
           </a:p>
         </p:txBody>
       </p:sp>
@@ -8607,7 +8341,7 @@
           <a:p>
             <a:pPr eaLnBrk="1" hangingPunct="1"/>
             <a:r>
-              <a:rPr lang="it-IT" altLang="it-IT" smtClean="0"/>
+              <a:rPr lang="it-IT" altLang="it-IT"/>
               <a:t>Alberto Ferrari</a:t>
             </a:r>
           </a:p>
@@ -8660,18 +8394,9 @@
           <a:p>
             <a:pPr eaLnBrk="1" hangingPunct="1"/>
             <a:r>
-              <a:rPr lang="it-IT" altLang="it-IT" dirty="0" smtClean="0"/>
-              <a:t>ereditarietà protetta </a:t>
-            </a:r>
-            <a:r>
-              <a:rPr lang="it-IT" altLang="it-IT" dirty="0" smtClean="0"/>
-              <a:t>e </a:t>
-            </a:r>
-            <a:r>
-              <a:rPr lang="it-IT" altLang="it-IT" dirty="0" smtClean="0"/>
-              <a:t>privata </a:t>
-            </a:r>
-            <a:endParaRPr lang="it-IT" altLang="it-IT" dirty="0" smtClean="0"/>
+              <a:rPr lang="it-IT" altLang="it-IT" dirty="0"/>
+              <a:t>ereditarietà protetta e privata </a:t>
+            </a:r>
           </a:p>
         </p:txBody>
       </p:sp>
@@ -8696,15 +8421,11 @@
               </a:lnSpc>
             </a:pPr>
             <a:r>
-              <a:rPr lang="it-IT" altLang="it-IT" b="1" i="1" dirty="0" smtClean="0"/>
-              <a:t>ereditarietà </a:t>
-            </a:r>
-            <a:r>
-              <a:rPr lang="it-IT" altLang="it-IT" b="1" i="1" dirty="0" smtClean="0"/>
-              <a:t>protetta</a:t>
-            </a:r>
-            <a:r>
-              <a:rPr lang="it-IT" altLang="it-IT" dirty="0" smtClean="0"/>
+              <a:rPr lang="it-IT" altLang="it-IT" b="1" i="1" dirty="0"/>
+              <a:t>ereditarietà protetta</a:t>
+            </a:r>
+            <a:r>
+              <a:rPr lang="it-IT" altLang="it-IT" dirty="0"/>
               <a:t>: i membri pubblici della classe base sono protetti nella classe derivata quando sono ereditati</a:t>
             </a:r>
           </a:p>
@@ -8715,12 +8436,8 @@
               </a:lnSpc>
             </a:pPr>
             <a:r>
-              <a:rPr lang="it-IT" altLang="it-IT" dirty="0" smtClean="0"/>
-              <a:t>ereditarietà </a:t>
-            </a:r>
-            <a:r>
-              <a:rPr lang="it-IT" altLang="it-IT" dirty="0" smtClean="0"/>
-              <a:t>privata: nessun membro della classe base può essere referenziato nella classe derivata</a:t>
+              <a:rPr lang="it-IT" altLang="it-IT" dirty="0"/>
+              <a:t>ereditarietà privata: nessun membro della classe base può essere referenziato nella classe derivata</a:t>
             </a:r>
           </a:p>
           <a:p>
@@ -8730,19 +8447,15 @@
               </a:lnSpc>
             </a:pPr>
             <a:r>
-              <a:rPr lang="it-IT" altLang="it-IT" dirty="0" smtClean="0"/>
-              <a:t>la </a:t>
-            </a:r>
-            <a:r>
-              <a:rPr lang="it-IT" altLang="it-IT" dirty="0" smtClean="0"/>
-              <a:t>relazione “</a:t>
-            </a:r>
-            <a:r>
-              <a:rPr lang="it-IT" altLang="it-IT" dirty="0" err="1" smtClean="0"/>
+              <a:rPr lang="it-IT" altLang="it-IT" dirty="0"/>
+              <a:t>la relazione “</a:t>
+            </a:r>
+            <a:r>
+              <a:rPr lang="it-IT" altLang="it-IT" dirty="0" err="1"/>
               <a:t>is</a:t>
             </a:r>
             <a:r>
-              <a:rPr lang="it-IT" altLang="it-IT" dirty="0" smtClean="0"/>
+              <a:rPr lang="it-IT" altLang="it-IT" dirty="0"/>
               <a:t> a” non è valida</a:t>
             </a:r>
           </a:p>
@@ -8753,12 +8466,8 @@
               </a:lnSpc>
             </a:pPr>
             <a:r>
-              <a:rPr lang="it-IT" altLang="it-IT" dirty="0" smtClean="0"/>
-              <a:t>sono </a:t>
-            </a:r>
-            <a:r>
-              <a:rPr lang="it-IT" altLang="it-IT" dirty="0" smtClean="0"/>
-              <a:t>raramente usate</a:t>
+              <a:rPr lang="it-IT" altLang="it-IT" dirty="0"/>
+              <a:t>sono raramente usate</a:t>
             </a:r>
           </a:p>
         </p:txBody>
@@ -8908,7 +8617,7 @@
           <a:p>
             <a:pPr eaLnBrk="1" hangingPunct="1"/>
             <a:r>
-              <a:rPr lang="it-IT" altLang="it-IT" smtClean="0"/>
+              <a:rPr lang="it-IT" altLang="it-IT"/>
               <a:t>Alberto Ferrari</a:t>
             </a:r>
           </a:p>
@@ -8960,12 +8669,8 @@
           <a:lstStyle/>
           <a:p>
             <a:r>
-              <a:rPr lang="it-IT" altLang="it-IT" dirty="0" smtClean="0"/>
-              <a:t>gerarchia </a:t>
-            </a:r>
-            <a:r>
-              <a:rPr lang="it-IT" altLang="it-IT" dirty="0" smtClean="0"/>
-              <a:t>di classi</a:t>
+              <a:rPr lang="it-IT" altLang="it-IT" dirty="0"/>
+              <a:t>gerarchia di classi</a:t>
             </a:r>
           </a:p>
         </p:txBody>
@@ -8986,122 +8691,96 @@
           <a:lstStyle/>
           <a:p>
             <a:r>
-              <a:rPr lang="it-IT" altLang="it-IT" sz="1800" dirty="0" smtClean="0"/>
-              <a:t>l’ereditarietà </a:t>
-            </a:r>
-            <a:r>
-              <a:rPr lang="it-IT" altLang="it-IT" sz="1800" dirty="0" smtClean="0"/>
-              <a:t>può estendersi a più livelli generando quindi una </a:t>
-            </a:r>
-            <a:r>
-              <a:rPr lang="it-IT" altLang="it-IT" sz="1800" b="1" i="1" dirty="0" smtClean="0"/>
-              <a:t>gerarchia di </a:t>
-            </a:r>
-            <a:r>
-              <a:rPr lang="it-IT" altLang="it-IT" sz="1800" b="1" i="1" dirty="0" smtClean="0"/>
-              <a:t>classi</a:t>
-            </a:r>
-            <a:endParaRPr lang="it-IT" altLang="it-IT" sz="1800" i="1" dirty="0" smtClean="0"/>
-          </a:p>
-          <a:p>
-            <a:r>
-              <a:rPr lang="it-IT" altLang="it-IT" sz="1800" dirty="0" smtClean="0"/>
-              <a:t>una </a:t>
-            </a:r>
-            <a:r>
-              <a:rPr lang="it-IT" altLang="it-IT" sz="1800" dirty="0" smtClean="0"/>
-              <a:t>classe derivata può, a sua volta, essere base di nuove </a:t>
-            </a:r>
-            <a:r>
-              <a:rPr lang="it-IT" altLang="it-IT" sz="1800" dirty="0" smtClean="0"/>
-              <a:t>sottoclassi</a:t>
-            </a:r>
-            <a:endParaRPr lang="it-IT" altLang="it-IT" sz="1800" dirty="0" smtClean="0"/>
-          </a:p>
-          <a:p>
-            <a:r>
-              <a:rPr lang="it-IT" altLang="it-IT" sz="1800" b="1" i="1" dirty="0" smtClean="0"/>
+              <a:rPr lang="it-IT" altLang="it-IT" sz="1800" dirty="0"/>
+              <a:t>l’ereditarietà può estendersi a più livelli generando quindi una </a:t>
+            </a:r>
+            <a:r>
+              <a:rPr lang="it-IT" altLang="it-IT" sz="1800" b="1" i="1" dirty="0"/>
+              <a:t>gerarchia di classi</a:t>
+            </a:r>
+            <a:endParaRPr lang="it-IT" altLang="it-IT" sz="1800" i="1" dirty="0"/>
+          </a:p>
+          <a:p>
+            <a:r>
+              <a:rPr lang="it-IT" altLang="it-IT" sz="1800" dirty="0"/>
+              <a:t>una classe derivata può, a sua volta, essere base di nuove sottoclassi</a:t>
+            </a:r>
+          </a:p>
+          <a:p>
+            <a:r>
+              <a:rPr lang="it-IT" altLang="it-IT" sz="1800" b="1" i="1" dirty="0"/>
               <a:t>Sportivo</a:t>
             </a:r>
             <a:r>
-              <a:rPr lang="it-IT" altLang="it-IT" sz="1800" dirty="0" smtClean="0"/>
+              <a:rPr lang="it-IT" altLang="it-IT" sz="1800" dirty="0"/>
               <a:t> è </a:t>
             </a:r>
             <a:r>
-              <a:rPr lang="it-IT" altLang="it-IT" sz="1800" i="1" dirty="0" smtClean="0"/>
+              <a:rPr lang="it-IT" altLang="it-IT" sz="1800" i="1" dirty="0"/>
               <a:t>sottoclasse</a:t>
             </a:r>
             <a:r>
-              <a:rPr lang="it-IT" altLang="it-IT" sz="1800" dirty="0" smtClean="0"/>
+              <a:rPr lang="it-IT" altLang="it-IT" sz="1800" dirty="0"/>
               <a:t> di </a:t>
             </a:r>
             <a:r>
-              <a:rPr lang="it-IT" altLang="it-IT" sz="1800" b="1" i="1" dirty="0" smtClean="0"/>
+              <a:rPr lang="it-IT" altLang="it-IT" sz="1800" b="1" i="1" dirty="0"/>
               <a:t>Persona</a:t>
             </a:r>
             <a:r>
-              <a:rPr lang="it-IT" altLang="it-IT" sz="1800" dirty="0" smtClean="0"/>
+              <a:rPr lang="it-IT" altLang="it-IT" sz="1800" dirty="0"/>
               <a:t> ed è </a:t>
             </a:r>
             <a:r>
-              <a:rPr lang="it-IT" altLang="it-IT" sz="1800" i="1" dirty="0" smtClean="0"/>
+              <a:rPr lang="it-IT" altLang="it-IT" sz="1800" i="1" dirty="0"/>
               <a:t>superclasse</a:t>
             </a:r>
             <a:r>
-              <a:rPr lang="it-IT" altLang="it-IT" sz="1800" dirty="0" smtClean="0"/>
+              <a:rPr lang="it-IT" altLang="it-IT" sz="1800" dirty="0"/>
               <a:t> di </a:t>
             </a:r>
             <a:r>
-              <a:rPr lang="it-IT" altLang="it-IT" sz="1800" b="1" i="1" dirty="0" smtClean="0"/>
+              <a:rPr lang="it-IT" altLang="it-IT" sz="1800" b="1" i="1" dirty="0"/>
               <a:t>Nuotatore</a:t>
             </a:r>
             <a:r>
-              <a:rPr lang="it-IT" altLang="it-IT" sz="1800" dirty="0" smtClean="0"/>
+              <a:rPr lang="it-IT" altLang="it-IT" sz="1800" dirty="0"/>
               <a:t>, </a:t>
             </a:r>
             <a:r>
-              <a:rPr lang="it-IT" altLang="it-IT" sz="1800" b="1" i="1" dirty="0" smtClean="0"/>
+              <a:rPr lang="it-IT" altLang="it-IT" sz="1800" b="1" i="1" dirty="0"/>
               <a:t>Motociclista</a:t>
             </a:r>
             <a:r>
-              <a:rPr lang="it-IT" altLang="it-IT" sz="1800" dirty="0" smtClean="0"/>
+              <a:rPr lang="it-IT" altLang="it-IT" sz="1800" dirty="0"/>
               <a:t> e </a:t>
             </a:r>
             <a:r>
-              <a:rPr lang="it-IT" altLang="it-IT" sz="1800" b="1" i="1" dirty="0" smtClean="0"/>
+              <a:rPr lang="it-IT" altLang="it-IT" sz="1800" b="1" i="1" dirty="0"/>
               <a:t>Calciatore</a:t>
             </a:r>
-            <a:endParaRPr lang="it-IT" altLang="it-IT" sz="1800" b="1" i="1" dirty="0" smtClean="0"/>
-          </a:p>
-          <a:p>
-            <a:r>
-              <a:rPr lang="it-IT" altLang="it-IT" sz="1800" dirty="0" smtClean="0"/>
-              <a:t>nella </a:t>
-            </a:r>
-            <a:r>
-              <a:rPr lang="it-IT" altLang="it-IT" sz="1800" dirty="0" smtClean="0"/>
-              <a:t>parte alta della gerarchia troviamo le </a:t>
-            </a:r>
-            <a:r>
-              <a:rPr lang="it-IT" altLang="it-IT" sz="1800" b="1" i="1" dirty="0" smtClean="0"/>
+          </a:p>
+          <a:p>
+            <a:r>
+              <a:rPr lang="it-IT" altLang="it-IT" sz="1800" dirty="0"/>
+              <a:t>nella parte alta della gerarchia troviamo le </a:t>
+            </a:r>
+            <a:r>
+              <a:rPr lang="it-IT" altLang="it-IT" sz="1800" b="1" i="1" dirty="0"/>
               <a:t>classi generiche</a:t>
             </a:r>
             <a:r>
-              <a:rPr lang="it-IT" altLang="it-IT" sz="1800" dirty="0" smtClean="0"/>
+              <a:rPr lang="it-IT" altLang="it-IT" sz="1800" dirty="0"/>
               <a:t>, scendendo aumenta il </a:t>
             </a:r>
             <a:r>
-              <a:rPr lang="it-IT" altLang="it-IT" sz="1800" b="1" i="1" dirty="0" smtClean="0"/>
-              <a:t>livello di </a:t>
-            </a:r>
-            <a:r>
-              <a:rPr lang="it-IT" altLang="it-IT" sz="1800" b="1" i="1" dirty="0" smtClean="0"/>
-              <a:t>specializzazione</a:t>
-            </a:r>
-            <a:endParaRPr lang="it-IT" altLang="it-IT" sz="1800" dirty="0" smtClean="0"/>
-          </a:p>
-          <a:p>
-            <a:endParaRPr lang="it-IT" altLang="it-IT" sz="1800" dirty="0" smtClean="0"/>
+              <a:rPr lang="it-IT" altLang="it-IT" sz="1800" b="1" i="1" dirty="0"/>
+              <a:t>livello di specializzazione</a:t>
+            </a:r>
+            <a:endParaRPr lang="it-IT" altLang="it-IT" sz="1800" dirty="0"/>
+          </a:p>
+          <a:p>
+            <a:endParaRPr lang="it-IT" altLang="it-IT" sz="1800" dirty="0"/>
           </a:p>
         </p:txBody>
       </p:sp>
@@ -9250,7 +8929,7 @@
           <a:p>
             <a:pPr eaLnBrk="1" hangingPunct="1"/>
             <a:r>
-              <a:rPr lang="it-IT" altLang="it-IT" smtClean="0"/>
+              <a:rPr lang="it-IT" altLang="it-IT"/>
               <a:t>Alberto Ferrari</a:t>
             </a:r>
           </a:p>
@@ -9334,10 +9013,9 @@
           <a:p>
             <a:pPr eaLnBrk="1" hangingPunct="1"/>
             <a:r>
-              <a:rPr lang="it-IT" altLang="it-IT" dirty="0" smtClean="0"/>
+              <a:rPr lang="it-IT" altLang="it-IT" dirty="0"/>
               <a:t>ereditarietà multipla</a:t>
             </a:r>
-            <a:endParaRPr lang="it-IT" altLang="it-IT" dirty="0" smtClean="0"/>
           </a:p>
         </p:txBody>
       </p:sp>
@@ -9358,80 +9036,68 @@
           <a:p>
             <a:pPr eaLnBrk="1" hangingPunct="1"/>
             <a:r>
-              <a:rPr lang="it-IT" altLang="it-IT" sz="2400" dirty="0" smtClean="0"/>
-              <a:t>una </a:t>
-            </a:r>
-            <a:r>
-              <a:rPr lang="it-IT" altLang="it-IT" sz="2400" dirty="0" smtClean="0"/>
-              <a:t>classe derivata può avere </a:t>
-            </a:r>
-            <a:r>
-              <a:rPr lang="it-IT" altLang="it-IT" sz="2400" b="1" i="1" dirty="0" smtClean="0"/>
+              <a:rPr lang="it-IT" altLang="it-IT" sz="2400" dirty="0"/>
+              <a:t>una classe derivata può avere </a:t>
+            </a:r>
+            <a:r>
+              <a:rPr lang="it-IT" altLang="it-IT" sz="2400" b="1" i="1" dirty="0"/>
               <a:t>più di una classe base</a:t>
             </a:r>
           </a:p>
           <a:p>
             <a:pPr eaLnBrk="1" hangingPunct="1"/>
             <a:r>
-              <a:rPr lang="it-IT" altLang="it-IT" sz="2400" dirty="0" smtClean="0"/>
-              <a:t>possono </a:t>
-            </a:r>
-            <a:r>
-              <a:rPr lang="it-IT" altLang="it-IT" sz="2400" dirty="0" smtClean="0"/>
-              <a:t>esserci situazioni </a:t>
-            </a:r>
-            <a:r>
-              <a:rPr lang="it-IT" altLang="it-IT" sz="2400" b="1" i="1" dirty="0" smtClean="0"/>
+              <a:rPr lang="it-IT" altLang="it-IT" sz="2400" dirty="0"/>
+              <a:t>possono esserci situazioni </a:t>
+            </a:r>
+            <a:r>
+              <a:rPr lang="it-IT" altLang="it-IT" sz="2400" b="1" i="1" dirty="0"/>
               <a:t>ambigue</a:t>
             </a:r>
           </a:p>
           <a:p>
             <a:pPr eaLnBrk="1" hangingPunct="1"/>
             <a:r>
-              <a:rPr lang="it-IT" altLang="it-IT" sz="2400" dirty="0" smtClean="0"/>
-              <a:t>richiede </a:t>
-            </a:r>
-            <a:r>
-              <a:rPr lang="it-IT" altLang="it-IT" sz="2400" dirty="0" smtClean="0"/>
-              <a:t>una </a:t>
-            </a:r>
-            <a:r>
-              <a:rPr lang="it-IT" altLang="it-IT" sz="2400" b="1" i="1" dirty="0" smtClean="0"/>
+              <a:rPr lang="it-IT" altLang="it-IT" sz="2400" dirty="0"/>
+              <a:t>richiede una </a:t>
+            </a:r>
+            <a:r>
+              <a:rPr lang="it-IT" altLang="it-IT" sz="2400" b="1" i="1" dirty="0"/>
               <a:t>conoscenza</a:t>
             </a:r>
             <a:r>
-              <a:rPr lang="it-IT" altLang="it-IT" sz="2400" dirty="0" smtClean="0"/>
+              <a:rPr lang="it-IT" altLang="it-IT" sz="2400" dirty="0"/>
               <a:t> </a:t>
             </a:r>
             <a:r>
-              <a:rPr lang="it-IT" altLang="it-IT" sz="2400" b="1" i="1" dirty="0" smtClean="0"/>
+              <a:rPr lang="it-IT" altLang="it-IT" sz="2400" b="1" i="1" dirty="0"/>
               <a:t>approfondita</a:t>
             </a:r>
             <a:r>
-              <a:rPr lang="it-IT" altLang="it-IT" sz="2400" dirty="0" smtClean="0"/>
+              <a:rPr lang="it-IT" altLang="it-IT" sz="2400" dirty="0"/>
               <a:t> del linguaggio</a:t>
             </a:r>
           </a:p>
           <a:p>
             <a:pPr eaLnBrk="1" hangingPunct="1"/>
             <a:r>
-              <a:rPr lang="it-IT" altLang="it-IT" sz="2400" dirty="0" smtClean="0"/>
+              <a:rPr lang="it-IT" altLang="it-IT" sz="2400" dirty="0"/>
               <a:t>in </a:t>
             </a:r>
             <a:r>
-              <a:rPr lang="it-IT" altLang="it-IT" sz="2400" b="1" i="1" dirty="0" smtClean="0"/>
+              <a:rPr lang="it-IT" altLang="it-IT" sz="2400" b="1" i="1" dirty="0"/>
               <a:t>alcuni linguaggi </a:t>
             </a:r>
             <a:r>
-              <a:rPr lang="it-IT" altLang="it-IT" sz="2400" dirty="0" smtClean="0"/>
+              <a:rPr lang="it-IT" altLang="it-IT" sz="2400" dirty="0"/>
               <a:t>(es Java) </a:t>
             </a:r>
             <a:r>
-              <a:rPr lang="it-IT" altLang="it-IT" sz="2400" b="1" i="1" dirty="0" smtClean="0"/>
+              <a:rPr lang="it-IT" altLang="it-IT" sz="2400" b="1" i="1" dirty="0"/>
               <a:t>non è ammessa</a:t>
             </a:r>
             <a:r>
-              <a:rPr lang="it-IT" altLang="it-IT" sz="2400" dirty="0" smtClean="0"/>
+              <a:rPr lang="it-IT" altLang="it-IT" sz="2400" dirty="0"/>
               <a:t> l’ereditarietà multipla</a:t>
             </a:r>
           </a:p>
@@ -9582,7 +9248,7 @@
           <a:p>
             <a:pPr eaLnBrk="1" hangingPunct="1"/>
             <a:r>
-              <a:rPr lang="it-IT" altLang="it-IT" smtClean="0"/>
+              <a:rPr lang="it-IT" altLang="it-IT"/>
               <a:t>Alberto Ferrari</a:t>
             </a:r>
           </a:p>
@@ -9666,18 +9332,9 @@
           <a:p>
             <a:pPr eaLnBrk="1" hangingPunct="1"/>
             <a:r>
-              <a:rPr lang="it-IT" altLang="it-IT" dirty="0" smtClean="0"/>
-              <a:t>ridefinizione </a:t>
-            </a:r>
-            <a:r>
-              <a:rPr lang="it-IT" altLang="it-IT" dirty="0" smtClean="0"/>
-              <a:t>delle </a:t>
-            </a:r>
-            <a:r>
-              <a:rPr lang="it-IT" altLang="it-IT" dirty="0" smtClean="0"/>
-              <a:t>funzioni membro ereditate</a:t>
-            </a:r>
-            <a:endParaRPr lang="it-IT" altLang="it-IT" dirty="0" smtClean="0"/>
+              <a:rPr lang="it-IT" altLang="it-IT" dirty="0"/>
+              <a:t>ridefinizione delle funzioni membro ereditate</a:t>
+            </a:r>
           </a:p>
         </p:txBody>
       </p:sp>
@@ -9698,102 +9355,82 @@
           <a:p>
             <a:pPr eaLnBrk="1" hangingPunct="1"/>
             <a:r>
-              <a:rPr lang="it-IT" altLang="it-IT" sz="2400" dirty="0" smtClean="0"/>
-              <a:t>una </a:t>
-            </a:r>
-            <a:r>
-              <a:rPr lang="it-IT" altLang="it-IT" sz="2400" dirty="0" smtClean="0"/>
-              <a:t>classe derivata può </a:t>
-            </a:r>
-            <a:r>
-              <a:rPr lang="it-IT" altLang="it-IT" sz="2400" b="1" i="1" dirty="0" smtClean="0"/>
+              <a:rPr lang="it-IT" altLang="it-IT" sz="2400" dirty="0"/>
+              <a:t>una classe derivata può </a:t>
+            </a:r>
+            <a:r>
+              <a:rPr lang="it-IT" altLang="it-IT" sz="2400" b="1" i="1" dirty="0"/>
               <a:t>cambiare la definizione </a:t>
             </a:r>
             <a:r>
-              <a:rPr lang="it-IT" altLang="it-IT" sz="2400" dirty="0" smtClean="0"/>
+              <a:rPr lang="it-IT" altLang="it-IT" sz="2400" dirty="0"/>
               <a:t>di una funzione membro ereditata</a:t>
             </a:r>
           </a:p>
           <a:p>
             <a:pPr eaLnBrk="1" hangingPunct="1"/>
             <a:r>
-              <a:rPr lang="it-IT" altLang="it-IT" sz="2400" dirty="0" smtClean="0"/>
-              <a:t>in </a:t>
-            </a:r>
-            <a:r>
-              <a:rPr lang="it-IT" altLang="it-IT" sz="2400" dirty="0" smtClean="0"/>
-              <a:t>questo caso la definizione della classe derivata deve contenere la dichiarazione della funzione membro ereditata</a:t>
+              <a:rPr lang="it-IT" altLang="it-IT" sz="2400" dirty="0"/>
+              <a:t>in questo caso la definizione della classe derivata deve contenere la dichiarazione della funzione membro ereditata</a:t>
             </a:r>
           </a:p>
           <a:p>
             <a:pPr eaLnBrk="1" hangingPunct="1"/>
             <a:r>
-              <a:rPr lang="it-IT" altLang="it-IT" sz="2400" dirty="0" smtClean="0"/>
-              <a:t>possiamo </a:t>
-            </a:r>
-            <a:r>
-              <a:rPr lang="it-IT" altLang="it-IT" sz="2400" dirty="0" smtClean="0"/>
-              <a:t>avere ereditarietà per</a:t>
+              <a:rPr lang="it-IT" altLang="it-IT" sz="2400" dirty="0"/>
+              <a:t>possiamo avere ereditarietà per</a:t>
             </a:r>
           </a:p>
           <a:p>
             <a:pPr lvl="1" eaLnBrk="1" hangingPunct="1"/>
             <a:r>
-              <a:rPr lang="it-IT" altLang="it-IT" sz="2000" b="1" i="1" dirty="0" smtClean="0"/>
+              <a:rPr lang="it-IT" altLang="it-IT" sz="2000" b="1" i="1" dirty="0"/>
               <a:t>estensione</a:t>
             </a:r>
             <a:r>
-              <a:rPr lang="it-IT" altLang="it-IT" sz="2000" dirty="0" smtClean="0"/>
+              <a:rPr lang="it-IT" altLang="it-IT" sz="2000" dirty="0"/>
               <a:t> </a:t>
             </a:r>
             <a:br>
-              <a:rPr lang="it-IT" altLang="it-IT" sz="2000" dirty="0" smtClean="0"/>
+              <a:rPr lang="it-IT" altLang="it-IT" sz="2000" dirty="0"/>
             </a:br>
             <a:r>
-              <a:rPr lang="it-IT" altLang="it-IT" sz="2000" dirty="0" smtClean="0"/>
+              <a:rPr lang="it-IT" altLang="it-IT" sz="2000" dirty="0"/>
               <a:t>(</a:t>
             </a:r>
             <a:r>
-              <a:rPr lang="it-IT" altLang="it-IT" sz="2000" b="1" i="1" dirty="0" smtClean="0"/>
+              <a:rPr lang="it-IT" altLang="it-IT" sz="2000" b="1" i="1" dirty="0"/>
               <a:t>aggiunta</a:t>
             </a:r>
             <a:r>
-              <a:rPr lang="it-IT" altLang="it-IT" sz="2000" dirty="0" smtClean="0"/>
+              <a:rPr lang="it-IT" altLang="it-IT" sz="2000" dirty="0"/>
               <a:t> di nuove variabili e/o funzioni)</a:t>
             </a:r>
           </a:p>
           <a:p>
             <a:pPr lvl="1" eaLnBrk="1" hangingPunct="1"/>
             <a:r>
-              <a:rPr lang="it-IT" altLang="it-IT" sz="2000" b="1" i="1" dirty="0" smtClean="0"/>
+              <a:rPr lang="it-IT" altLang="it-IT" sz="2000" b="1" i="1" dirty="0"/>
               <a:t>ridefinizione</a:t>
             </a:r>
-            <a:r>
-              <a:rPr lang="it-IT" altLang="it-IT" sz="2000" dirty="0" smtClean="0"/>
-              <a:t/>
-            </a:r>
             <a:br>
-              <a:rPr lang="it-IT" altLang="it-IT" sz="2000" dirty="0" smtClean="0"/>
+              <a:rPr lang="it-IT" altLang="it-IT" sz="2000" dirty="0"/>
             </a:br>
             <a:r>
-              <a:rPr lang="it-IT" altLang="it-IT" sz="2000" dirty="0" smtClean="0"/>
+              <a:rPr lang="it-IT" altLang="it-IT" sz="2000" dirty="0"/>
               <a:t>(</a:t>
             </a:r>
             <a:r>
-              <a:rPr lang="it-IT" altLang="it-IT" sz="2000" b="1" i="1" dirty="0" err="1" smtClean="0"/>
+              <a:rPr lang="it-IT" altLang="it-IT" sz="2000" b="1" i="1" dirty="0" err="1"/>
               <a:t>overriding</a:t>
             </a:r>
             <a:r>
-              <a:rPr lang="it-IT" altLang="it-IT" sz="2000" b="1" i="1" dirty="0" smtClean="0"/>
+              <a:rPr lang="it-IT" altLang="it-IT" sz="2000" b="1" i="1" dirty="0"/>
               <a:t> </a:t>
             </a:r>
             <a:r>
-              <a:rPr lang="it-IT" altLang="it-IT" sz="2000" dirty="0" smtClean="0"/>
-              <a:t>di </a:t>
-            </a:r>
-            <a:r>
-              <a:rPr lang="it-IT" altLang="it-IT" sz="2000" dirty="0" smtClean="0"/>
-              <a:t>funzioni)</a:t>
+              <a:rPr lang="it-IT" altLang="it-IT" sz="2000" dirty="0"/>
+              <a:t>di funzioni)</a:t>
             </a:r>
           </a:p>
         </p:txBody>
@@ -9943,7 +9580,7 @@
           <a:p>
             <a:pPr eaLnBrk="1" hangingPunct="1"/>
             <a:r>
-              <a:rPr lang="it-IT" altLang="it-IT" smtClean="0"/>
+              <a:rPr lang="it-IT" altLang="it-IT"/>
               <a:t>Alberto Ferrari</a:t>
             </a:r>
           </a:p>
@@ -9996,18 +9633,9 @@
           <a:p>
             <a:pPr eaLnBrk="1" hangingPunct="1"/>
             <a:r>
-              <a:rPr lang="it-IT" altLang="it-IT" dirty="0" smtClean="0"/>
-              <a:t>ereditarietà </a:t>
-            </a:r>
-            <a:r>
-              <a:rPr lang="it-IT" altLang="it-IT" dirty="0" smtClean="0"/>
-              <a:t>e </a:t>
-            </a:r>
-            <a:r>
-              <a:rPr lang="it-IT" altLang="it-IT" dirty="0" smtClean="0"/>
-              <a:t>riuso</a:t>
-            </a:r>
-            <a:endParaRPr lang="it-IT" altLang="it-IT" dirty="0" smtClean="0"/>
+              <a:rPr lang="it-IT" altLang="it-IT" dirty="0"/>
+              <a:t>ereditarietà e riuso</a:t>
+            </a:r>
           </a:p>
         </p:txBody>
       </p:sp>
@@ -10028,38 +9656,30 @@
           <a:p>
             <a:pPr eaLnBrk="1" hangingPunct="1"/>
             <a:r>
-              <a:rPr lang="it-IT" altLang="it-IT" dirty="0" smtClean="0"/>
-              <a:t>la </a:t>
-            </a:r>
-            <a:r>
-              <a:rPr lang="it-IT" altLang="it-IT" dirty="0" smtClean="0"/>
-              <a:t>classe base contiene il </a:t>
-            </a:r>
-            <a:r>
-              <a:rPr lang="it-IT" altLang="it-IT" b="1" i="1" dirty="0" smtClean="0"/>
+              <a:rPr lang="it-IT" altLang="it-IT" dirty="0"/>
+              <a:t>la classe base contiene il </a:t>
+            </a:r>
+            <a:r>
+              <a:rPr lang="it-IT" altLang="it-IT" b="1" i="1" dirty="0"/>
               <a:t>codice comune </a:t>
             </a:r>
             <a:r>
-              <a:rPr lang="it-IT" altLang="it-IT" dirty="0" smtClean="0"/>
+              <a:rPr lang="it-IT" altLang="it-IT" dirty="0"/>
               <a:t>alle classi derivate</a:t>
             </a:r>
           </a:p>
           <a:p>
             <a:pPr eaLnBrk="1" hangingPunct="1"/>
             <a:r>
-              <a:rPr lang="it-IT" altLang="it-IT" dirty="0" smtClean="0"/>
-              <a:t>l’ereditarietà </a:t>
-            </a:r>
-            <a:r>
-              <a:rPr lang="it-IT" altLang="it-IT" dirty="0" smtClean="0"/>
-              <a:t>consente di </a:t>
-            </a:r>
-            <a:r>
-              <a:rPr lang="it-IT" altLang="it-IT" b="1" i="1" dirty="0" smtClean="0"/>
+              <a:rPr lang="it-IT" altLang="it-IT" dirty="0"/>
+              <a:t>l’ereditarietà consente di </a:t>
+            </a:r>
+            <a:r>
+              <a:rPr lang="it-IT" altLang="it-IT" b="1" i="1" dirty="0"/>
               <a:t>riusare</a:t>
             </a:r>
             <a:r>
-              <a:rPr lang="it-IT" altLang="it-IT" dirty="0" smtClean="0"/>
+              <a:rPr lang="it-IT" altLang="it-IT" dirty="0"/>
               <a:t> il codice della classe base</a:t>
             </a:r>
           </a:p>
@@ -10210,7 +9830,7 @@
           <a:p>
             <a:pPr eaLnBrk="1" hangingPunct="1"/>
             <a:r>
-              <a:rPr lang="it-IT" altLang="it-IT" smtClean="0"/>
+              <a:rPr lang="it-IT" altLang="it-IT"/>
               <a:t>Alberto Ferrari</a:t>
             </a:r>
           </a:p>
@@ -10262,7 +9882,7 @@
           <a:lstStyle/>
           <a:p>
             <a:r>
-              <a:rPr lang="it-IT" altLang="it-IT" smtClean="0"/>
+              <a:rPr lang="it-IT" altLang="it-IT"/>
               <a:t>Un esempio senza ereditarietà</a:t>
             </a:r>
           </a:p>
@@ -10289,7 +9909,13 @@
                 <a:tableStyleId>{5940675A-B579-460E-94D1-54222C63F5DA}</a:tableStyleId>
               </a:tblPr>
               <a:tblGrid>
-                <a:gridCol w="4438651"/>
+                <a:gridCol w="4438651">
+                  <a:extLst>
+                    <a:ext uri="{9D8B030D-6E8A-4147-A177-3AD203B41FA5}">
+                      <a16:colId xmlns:a16="http://schemas.microsoft.com/office/drawing/2014/main" val="20000"/>
+                    </a:ext>
+                  </a:extLst>
+                </a:gridCol>
               </a:tblGrid>
               <a:tr h="370745">
                 <a:tc>
@@ -10298,14 +9924,18 @@
                     <a:lstStyle/>
                     <a:p>
                       <a:r>
-                        <a:rPr lang="it-IT" sz="1800" dirty="0" smtClean="0"/>
+                        <a:rPr lang="it-IT" sz="1800" dirty="0"/>
                         <a:t>Animale</a:t>
                       </a:r>
-                      <a:endParaRPr lang="it-IT" sz="1800" dirty="0"/>
                     </a:p>
                   </a:txBody>
                   <a:tcPr marL="121920" marR="121920" marT="45708" marB="45708"/>
                 </a:tc>
+                <a:extLst>
+                  <a:ext uri="{0D108BD9-81ED-4DB2-BD59-A6C34878D82A}">
+                    <a16:rowId xmlns:a16="http://schemas.microsoft.com/office/drawing/2014/main" val="10000"/>
+                  </a:ext>
+                </a:extLst>
               </a:tr>
               <a:tr h="639916">
                 <a:tc>
@@ -10318,14 +9948,14 @@
                         <a:buChar char="-"/>
                       </a:pPr>
                       <a:r>
-                        <a:rPr lang="it-IT" sz="1800" dirty="0" smtClean="0"/>
+                        <a:rPr lang="it-IT" sz="1800" dirty="0"/>
                         <a:t>altezza:</a:t>
                       </a:r>
                       <a:r>
-                        <a:rPr lang="it-IT" sz="1800" dirty="0" err="1" smtClean="0"/>
+                        <a:rPr lang="it-IT" sz="1800" dirty="0" err="1"/>
                         <a:t>int</a:t>
                       </a:r>
-                      <a:endParaRPr lang="it-IT" sz="1800" dirty="0" smtClean="0"/>
+                      <a:endParaRPr lang="it-IT" sz="1800" dirty="0"/>
                     </a:p>
                     <a:p>
                       <a:pPr>
@@ -10333,11 +9963,11 @@
                         <a:buChar char="-"/>
                       </a:pPr>
                       <a:r>
-                        <a:rPr lang="it-IT" sz="1800" dirty="0" smtClean="0"/>
+                        <a:rPr lang="it-IT" sz="1800" dirty="0"/>
                         <a:t>peso:</a:t>
                       </a:r>
                       <a:r>
-                        <a:rPr lang="it-IT" sz="1800" dirty="0" err="1" smtClean="0"/>
+                        <a:rPr lang="it-IT" sz="1800" dirty="0" err="1"/>
                         <a:t>int</a:t>
                       </a:r>
                       <a:endParaRPr lang="it-IT" sz="1800" dirty="0"/>
@@ -10345,6 +9975,11 @@
                   </a:txBody>
                   <a:tcPr marL="121920" marR="121920" marT="45708" marB="45708"/>
                 </a:tc>
+                <a:extLst>
+                  <a:ext uri="{0D108BD9-81ED-4DB2-BD59-A6C34878D82A}">
+                    <a16:rowId xmlns:a16="http://schemas.microsoft.com/office/drawing/2014/main" val="10001"/>
+                  </a:ext>
+                </a:extLst>
               </a:tr>
               <a:tr h="1462664">
                 <a:tc>
@@ -10353,91 +9988,91 @@
                     <a:lstStyle/>
                     <a:p>
                       <a:r>
-                        <a:rPr lang="it-IT" sz="1800" dirty="0" err="1" smtClean="0"/>
+                        <a:rPr lang="it-IT" sz="1800" dirty="0" err="1"/>
                         <a:t>+setAltezza</a:t>
                       </a:r>
                       <a:r>
-                        <a:rPr lang="it-IT" sz="1800" dirty="0" smtClean="0"/>
+                        <a:rPr lang="it-IT" sz="1800" dirty="0"/>
                         <a:t>(</a:t>
                       </a:r>
                       <a:r>
-                        <a:rPr lang="it-IT" sz="1800" dirty="0" err="1" smtClean="0"/>
+                        <a:rPr lang="it-IT" sz="1800" dirty="0" err="1"/>
                         <a:t>int</a:t>
                       </a:r>
                       <a:r>
-                        <a:rPr lang="it-IT" sz="1800" dirty="0" smtClean="0"/>
+                        <a:rPr lang="it-IT" sz="1800" dirty="0"/>
                         <a:t>):</a:t>
                       </a:r>
                       <a:r>
-                        <a:rPr lang="it-IT" sz="1800" dirty="0" err="1" smtClean="0"/>
+                        <a:rPr lang="it-IT" sz="1800" dirty="0" err="1"/>
                         <a:t>void</a:t>
                       </a:r>
-                      <a:endParaRPr lang="it-IT" sz="1800" dirty="0" smtClean="0"/>
+                      <a:endParaRPr lang="it-IT" sz="1800" dirty="0"/>
                     </a:p>
                     <a:p>
                       <a:r>
-                        <a:rPr lang="it-IT" sz="1800" dirty="0" err="1" smtClean="0"/>
+                        <a:rPr lang="it-IT" sz="1800" dirty="0" err="1"/>
                         <a:t>+setPeso</a:t>
                       </a:r>
                       <a:r>
-                        <a:rPr lang="it-IT" sz="1800" dirty="0" smtClean="0"/>
+                        <a:rPr lang="it-IT" sz="1800" dirty="0"/>
                         <a:t>(</a:t>
                       </a:r>
                       <a:r>
-                        <a:rPr lang="it-IT" sz="1800" dirty="0" err="1" smtClean="0"/>
+                        <a:rPr lang="it-IT" sz="1800" dirty="0" err="1"/>
                         <a:t>int</a:t>
                       </a:r>
                       <a:r>
-                        <a:rPr lang="it-IT" sz="1800" dirty="0" smtClean="0"/>
+                        <a:rPr lang="it-IT" sz="1800" dirty="0"/>
                         <a:t>):</a:t>
                       </a:r>
                       <a:r>
-                        <a:rPr lang="it-IT" sz="1800" dirty="0" err="1" smtClean="0"/>
+                        <a:rPr lang="it-IT" sz="1800" dirty="0" err="1"/>
                         <a:t>void</a:t>
                       </a:r>
-                      <a:endParaRPr lang="it-IT" sz="1800" dirty="0" smtClean="0"/>
+                      <a:endParaRPr lang="it-IT" sz="1800" dirty="0"/>
                     </a:p>
                     <a:p>
                       <a:r>
-                        <a:rPr lang="it-IT" sz="1800" dirty="0" err="1" smtClean="0"/>
+                        <a:rPr lang="it-IT" sz="1800" dirty="0" err="1"/>
                         <a:t>+getAltezza</a:t>
                       </a:r>
                       <a:r>
-                        <a:rPr lang="it-IT" sz="1800" dirty="0" smtClean="0"/>
+                        <a:rPr lang="it-IT" sz="1800" dirty="0"/>
                         <a:t>():</a:t>
                       </a:r>
                       <a:r>
-                        <a:rPr lang="it-IT" sz="1800" dirty="0" err="1" smtClean="0"/>
+                        <a:rPr lang="it-IT" sz="1800" dirty="0" err="1"/>
                         <a:t>int</a:t>
                       </a:r>
-                      <a:endParaRPr lang="it-IT" sz="1800" dirty="0" smtClean="0"/>
+                      <a:endParaRPr lang="it-IT" sz="1800" dirty="0"/>
                     </a:p>
                     <a:p>
                       <a:r>
-                        <a:rPr lang="it-IT" sz="1800" dirty="0" err="1" smtClean="0"/>
+                        <a:rPr lang="it-IT" sz="1800" dirty="0" err="1"/>
                         <a:t>+getPeso</a:t>
                       </a:r>
                       <a:r>
-                        <a:rPr lang="it-IT" sz="1800" dirty="0" smtClean="0"/>
+                        <a:rPr lang="it-IT" sz="1800" dirty="0"/>
                         <a:t>():</a:t>
                       </a:r>
                       <a:r>
-                        <a:rPr lang="it-IT" sz="1800" dirty="0" err="1" smtClean="0"/>
+                        <a:rPr lang="it-IT" sz="1800" dirty="0" err="1"/>
                         <a:t>int</a:t>
                       </a:r>
-                      <a:endParaRPr lang="it-IT" sz="1800" dirty="0" smtClean="0"/>
+                      <a:endParaRPr lang="it-IT" sz="1800" dirty="0"/>
                     </a:p>
                     <a:p>
                       <a:r>
-                        <a:rPr lang="it-IT" sz="1800" dirty="0" err="1" smtClean="0"/>
+                        <a:rPr lang="it-IT" sz="1800" dirty="0" err="1"/>
                         <a:t>+visualizza</a:t>
                       </a:r>
                       <a:r>
-                        <a:rPr lang="it-IT" sz="1800" dirty="0" smtClean="0"/>
+                        <a:rPr lang="it-IT" sz="1800" dirty="0"/>
                         <a:t>():</a:t>
                       </a:r>
                       <a:r>
-                        <a:rPr lang="it-IT" sz="1800" dirty="0" err="1" smtClean="0"/>
+                        <a:rPr lang="it-IT" sz="1800" dirty="0" err="1"/>
                         <a:t>void</a:t>
                       </a:r>
                       <a:endParaRPr lang="it-IT" sz="1800" dirty="0"/>
@@ -10445,6 +10080,11 @@
                   </a:txBody>
                   <a:tcPr marL="121920" marR="121920" marT="45708" marB="45708"/>
                 </a:tc>
+                <a:extLst>
+                  <a:ext uri="{0D108BD9-81ED-4DB2-BD59-A6C34878D82A}">
+                    <a16:rowId xmlns:a16="http://schemas.microsoft.com/office/drawing/2014/main" val="10002"/>
+                  </a:ext>
+                </a:extLst>
               </a:tr>
             </a:tbl>
           </a:graphicData>
@@ -10595,7 +10235,7 @@
           <a:p>
             <a:pPr eaLnBrk="1" hangingPunct="1"/>
             <a:r>
-              <a:rPr lang="it-IT" altLang="it-IT" smtClean="0"/>
+              <a:rPr lang="it-IT" altLang="it-IT"/>
               <a:t>Alberto Ferrari</a:t>
             </a:r>
           </a:p>
@@ -10620,7 +10260,13 @@
                 <a:tableStyleId>{5940675A-B579-460E-94D1-54222C63F5DA}</a:tableStyleId>
               </a:tblPr>
               <a:tblGrid>
-                <a:gridCol w="4438651"/>
+                <a:gridCol w="4438651">
+                  <a:extLst>
+                    <a:ext uri="{9D8B030D-6E8A-4147-A177-3AD203B41FA5}">
+                      <a16:colId xmlns:a16="http://schemas.microsoft.com/office/drawing/2014/main" val="20000"/>
+                    </a:ext>
+                  </a:extLst>
+                </a:gridCol>
               </a:tblGrid>
               <a:tr h="370840">
                 <a:tc>
@@ -10629,14 +10275,18 @@
                     <a:lstStyle/>
                     <a:p>
                       <a:r>
-                        <a:rPr lang="it-IT" dirty="0" smtClean="0"/>
+                        <a:rPr lang="it-IT" dirty="0"/>
                         <a:t>Cane</a:t>
                       </a:r>
-                      <a:endParaRPr lang="it-IT" dirty="0"/>
                     </a:p>
                   </a:txBody>
                   <a:tcPr marL="121920" marR="121920"/>
                 </a:tc>
+                <a:extLst>
+                  <a:ext uri="{0D108BD9-81ED-4DB2-BD59-A6C34878D82A}">
+                    <a16:rowId xmlns:a16="http://schemas.microsoft.com/office/drawing/2014/main" val="10000"/>
+                  </a:ext>
+                </a:extLst>
               </a:tr>
               <a:tr h="370840">
                 <a:tc>
@@ -10649,14 +10299,14 @@
                         <a:buChar char="-"/>
                       </a:pPr>
                       <a:r>
-                        <a:rPr lang="it-IT" dirty="0" smtClean="0"/>
+                        <a:rPr lang="it-IT" dirty="0"/>
                         <a:t>altezza:</a:t>
                       </a:r>
                       <a:r>
-                        <a:rPr lang="it-IT" dirty="0" err="1" smtClean="0"/>
+                        <a:rPr lang="it-IT" dirty="0" err="1"/>
                         <a:t>int</a:t>
                       </a:r>
-                      <a:endParaRPr lang="it-IT" dirty="0" smtClean="0"/>
+                      <a:endParaRPr lang="it-IT" dirty="0"/>
                     </a:p>
                     <a:p>
                       <a:pPr>
@@ -10664,14 +10314,14 @@
                         <a:buChar char="-"/>
                       </a:pPr>
                       <a:r>
-                        <a:rPr lang="it-IT" dirty="0" smtClean="0"/>
+                        <a:rPr lang="it-IT" dirty="0"/>
                         <a:t>peso:</a:t>
                       </a:r>
                       <a:r>
-                        <a:rPr lang="it-IT" dirty="0" err="1" smtClean="0"/>
+                        <a:rPr lang="it-IT" dirty="0" err="1"/>
                         <a:t>int</a:t>
                       </a:r>
-                      <a:endParaRPr lang="it-IT" dirty="0" smtClean="0"/>
+                      <a:endParaRPr lang="it-IT" dirty="0"/>
                     </a:p>
                     <a:p>
                       <a:pPr>
@@ -10679,11 +10329,11 @@
                         <a:buChar char="-"/>
                       </a:pPr>
                       <a:r>
-                        <a:rPr lang="it-IT" dirty="0" smtClean="0"/>
+                        <a:rPr lang="it-IT" dirty="0"/>
                         <a:t>nome:</a:t>
                       </a:r>
                       <a:r>
-                        <a:rPr lang="it-IT" dirty="0" err="1" smtClean="0"/>
+                        <a:rPr lang="it-IT" dirty="0" err="1"/>
                         <a:t>string</a:t>
                       </a:r>
                       <a:endParaRPr lang="it-IT" dirty="0"/>
@@ -10691,6 +10341,11 @@
                   </a:txBody>
                   <a:tcPr marL="121920" marR="121920"/>
                 </a:tc>
+                <a:extLst>
+                  <a:ext uri="{0D108BD9-81ED-4DB2-BD59-A6C34878D82A}">
+                    <a16:rowId xmlns:a16="http://schemas.microsoft.com/office/drawing/2014/main" val="10001"/>
+                  </a:ext>
+                </a:extLst>
               </a:tr>
               <a:tr h="370840">
                 <a:tc>
@@ -10699,106 +10354,106 @@
                     <a:lstStyle/>
                     <a:p>
                       <a:r>
-                        <a:rPr lang="it-IT" dirty="0" err="1" smtClean="0"/>
+                        <a:rPr lang="it-IT" dirty="0" err="1"/>
                         <a:t>+setAltezza</a:t>
                       </a:r>
                       <a:r>
-                        <a:rPr lang="it-IT" dirty="0" smtClean="0"/>
+                        <a:rPr lang="it-IT" dirty="0"/>
                         <a:t>(</a:t>
                       </a:r>
                       <a:r>
-                        <a:rPr lang="it-IT" dirty="0" err="1" smtClean="0"/>
+                        <a:rPr lang="it-IT" dirty="0" err="1"/>
                         <a:t>int</a:t>
                       </a:r>
                       <a:r>
-                        <a:rPr lang="it-IT" dirty="0" smtClean="0"/>
+                        <a:rPr lang="it-IT" dirty="0"/>
                         <a:t>):</a:t>
                       </a:r>
                       <a:r>
-                        <a:rPr lang="it-IT" dirty="0" err="1" smtClean="0"/>
+                        <a:rPr lang="it-IT" dirty="0" err="1"/>
                         <a:t>void</a:t>
                       </a:r>
-                      <a:endParaRPr lang="it-IT" dirty="0" smtClean="0"/>
+                      <a:endParaRPr lang="it-IT" dirty="0"/>
                     </a:p>
                     <a:p>
                       <a:r>
-                        <a:rPr lang="it-IT" dirty="0" err="1" smtClean="0"/>
+                        <a:rPr lang="it-IT" dirty="0" err="1"/>
                         <a:t>+setPeso</a:t>
                       </a:r>
                       <a:r>
-                        <a:rPr lang="it-IT" dirty="0" smtClean="0"/>
+                        <a:rPr lang="it-IT" dirty="0"/>
                         <a:t>(</a:t>
                       </a:r>
                       <a:r>
-                        <a:rPr lang="it-IT" dirty="0" err="1" smtClean="0"/>
+                        <a:rPr lang="it-IT" dirty="0" err="1"/>
                         <a:t>int</a:t>
                       </a:r>
                       <a:r>
-                        <a:rPr lang="it-IT" dirty="0" smtClean="0"/>
+                        <a:rPr lang="it-IT" dirty="0"/>
                         <a:t>):</a:t>
                       </a:r>
                       <a:r>
-                        <a:rPr lang="it-IT" dirty="0" err="1" smtClean="0"/>
+                        <a:rPr lang="it-IT" dirty="0" err="1"/>
                         <a:t>void</a:t>
                       </a:r>
-                      <a:endParaRPr lang="it-IT" dirty="0" smtClean="0"/>
+                      <a:endParaRPr lang="it-IT" dirty="0"/>
                     </a:p>
                     <a:p>
                       <a:r>
-                        <a:rPr lang="it-IT" dirty="0" err="1" smtClean="0"/>
+                        <a:rPr lang="it-IT" dirty="0" err="1"/>
                         <a:t>+getAltezza</a:t>
                       </a:r>
                       <a:r>
-                        <a:rPr lang="it-IT" dirty="0" smtClean="0"/>
+                        <a:rPr lang="it-IT" dirty="0"/>
                         <a:t>():</a:t>
                       </a:r>
                       <a:r>
-                        <a:rPr lang="it-IT" dirty="0" err="1" smtClean="0"/>
+                        <a:rPr lang="it-IT" dirty="0" err="1"/>
                         <a:t>int</a:t>
                       </a:r>
-                      <a:endParaRPr lang="it-IT" dirty="0" smtClean="0"/>
+                      <a:endParaRPr lang="it-IT" dirty="0"/>
                     </a:p>
                     <a:p>
                       <a:r>
-                        <a:rPr lang="it-IT" dirty="0" err="1" smtClean="0"/>
+                        <a:rPr lang="it-IT" dirty="0" err="1"/>
                         <a:t>+getPeso</a:t>
                       </a:r>
                       <a:r>
-                        <a:rPr lang="it-IT" dirty="0" smtClean="0"/>
+                        <a:rPr lang="it-IT" dirty="0"/>
                         <a:t>():</a:t>
                       </a:r>
                       <a:r>
-                        <a:rPr lang="it-IT" dirty="0" err="1" smtClean="0"/>
+                        <a:rPr lang="it-IT" dirty="0" err="1"/>
                         <a:t>int</a:t>
                       </a:r>
-                      <a:endParaRPr lang="it-IT" dirty="0" smtClean="0"/>
+                      <a:endParaRPr lang="it-IT" dirty="0"/>
                     </a:p>
                     <a:p>
                       <a:r>
-                        <a:rPr lang="it-IT" dirty="0" err="1" smtClean="0"/>
+                        <a:rPr lang="it-IT" dirty="0" err="1"/>
                         <a:t>+getNome</a:t>
                       </a:r>
                       <a:r>
-                        <a:rPr lang="it-IT" dirty="0" smtClean="0"/>
+                        <a:rPr lang="it-IT" dirty="0"/>
                         <a:t>():</a:t>
                       </a:r>
                       <a:r>
-                        <a:rPr lang="it-IT" dirty="0" err="1" smtClean="0"/>
+                        <a:rPr lang="it-IT" dirty="0" err="1"/>
                         <a:t>string</a:t>
                       </a:r>
-                      <a:endParaRPr lang="it-IT" dirty="0" smtClean="0"/>
+                      <a:endParaRPr lang="it-IT" dirty="0"/>
                     </a:p>
                     <a:p>
                       <a:r>
-                        <a:rPr lang="it-IT" dirty="0" err="1" smtClean="0"/>
+                        <a:rPr lang="it-IT" dirty="0" err="1"/>
                         <a:t>+visualizza</a:t>
                       </a:r>
                       <a:r>
-                        <a:rPr lang="it-IT" dirty="0" smtClean="0"/>
+                        <a:rPr lang="it-IT" dirty="0"/>
                         <a:t>():</a:t>
                       </a:r>
                       <a:r>
-                        <a:rPr lang="it-IT" dirty="0" err="1" smtClean="0"/>
+                        <a:rPr lang="it-IT" dirty="0" err="1"/>
                         <a:t>void</a:t>
                       </a:r>
                       <a:endParaRPr lang="it-IT" dirty="0"/>
@@ -10806,6 +10461,11 @@
                   </a:txBody>
                   <a:tcPr marL="121920" marR="121920"/>
                 </a:tc>
+                <a:extLst>
+                  <a:ext uri="{0D108BD9-81ED-4DB2-BD59-A6C34878D82A}">
+                    <a16:rowId xmlns:a16="http://schemas.microsoft.com/office/drawing/2014/main" val="10002"/>
+                  </a:ext>
+                </a:extLst>
               </a:tr>
             </a:tbl>
           </a:graphicData>
@@ -10857,7 +10517,7 @@
           <a:lstStyle/>
           <a:p>
             <a:r>
-              <a:rPr lang="it-IT" altLang="it-IT" smtClean="0"/>
+              <a:rPr lang="it-IT" altLang="it-IT"/>
               <a:t>Un esempio con ereditarietà</a:t>
             </a:r>
           </a:p>
@@ -10884,7 +10544,13 @@
                 <a:tableStyleId>{5940675A-B579-460E-94D1-54222C63F5DA}</a:tableStyleId>
               </a:tblPr>
               <a:tblGrid>
-                <a:gridCol w="4438651"/>
+                <a:gridCol w="4438651">
+                  <a:extLst>
+                    <a:ext uri="{9D8B030D-6E8A-4147-A177-3AD203B41FA5}">
+                      <a16:colId xmlns:a16="http://schemas.microsoft.com/office/drawing/2014/main" val="20000"/>
+                    </a:ext>
+                  </a:extLst>
+                </a:gridCol>
               </a:tblGrid>
               <a:tr h="370745">
                 <a:tc>
@@ -10893,14 +10559,18 @@
                     <a:lstStyle/>
                     <a:p>
                       <a:r>
-                        <a:rPr lang="it-IT" sz="1800" dirty="0" smtClean="0"/>
+                        <a:rPr lang="it-IT" sz="1800" dirty="0"/>
                         <a:t>Animale</a:t>
                       </a:r>
-                      <a:endParaRPr lang="it-IT" sz="1800" dirty="0"/>
                     </a:p>
                   </a:txBody>
                   <a:tcPr marL="121920" marR="121920" marT="45708" marB="45708"/>
                 </a:tc>
+                <a:extLst>
+                  <a:ext uri="{0D108BD9-81ED-4DB2-BD59-A6C34878D82A}">
+                    <a16:rowId xmlns:a16="http://schemas.microsoft.com/office/drawing/2014/main" val="10000"/>
+                  </a:ext>
+                </a:extLst>
               </a:tr>
               <a:tr h="639916">
                 <a:tc>
@@ -10913,14 +10583,14 @@
                         <a:buChar char="-"/>
                       </a:pPr>
                       <a:r>
-                        <a:rPr lang="it-IT" sz="1800" dirty="0" smtClean="0"/>
+                        <a:rPr lang="it-IT" sz="1800" dirty="0"/>
                         <a:t>altezza:</a:t>
                       </a:r>
                       <a:r>
-                        <a:rPr lang="it-IT" sz="1800" dirty="0" err="1" smtClean="0"/>
+                        <a:rPr lang="it-IT" sz="1800" dirty="0" err="1"/>
                         <a:t>int</a:t>
                       </a:r>
-                      <a:endParaRPr lang="it-IT" sz="1800" dirty="0" smtClean="0"/>
+                      <a:endParaRPr lang="it-IT" sz="1800" dirty="0"/>
                     </a:p>
                     <a:p>
                       <a:pPr>
@@ -10928,11 +10598,11 @@
                         <a:buChar char="-"/>
                       </a:pPr>
                       <a:r>
-                        <a:rPr lang="it-IT" sz="1800" dirty="0" smtClean="0"/>
+                        <a:rPr lang="it-IT" sz="1800" dirty="0"/>
                         <a:t>peso:</a:t>
                       </a:r>
                       <a:r>
-                        <a:rPr lang="it-IT" sz="1800" dirty="0" err="1" smtClean="0"/>
+                        <a:rPr lang="it-IT" sz="1800" dirty="0" err="1"/>
                         <a:t>int</a:t>
                       </a:r>
                       <a:endParaRPr lang="it-IT" sz="1800" dirty="0"/>
@@ -10940,6 +10610,11 @@
                   </a:txBody>
                   <a:tcPr marL="121920" marR="121920" marT="45708" marB="45708"/>
                 </a:tc>
+                <a:extLst>
+                  <a:ext uri="{0D108BD9-81ED-4DB2-BD59-A6C34878D82A}">
+                    <a16:rowId xmlns:a16="http://schemas.microsoft.com/office/drawing/2014/main" val="10001"/>
+                  </a:ext>
+                </a:extLst>
               </a:tr>
               <a:tr h="1462664">
                 <a:tc>
@@ -10948,91 +10623,91 @@
                     <a:lstStyle/>
                     <a:p>
                       <a:r>
-                        <a:rPr lang="it-IT" sz="1800" dirty="0" err="1" smtClean="0"/>
+                        <a:rPr lang="it-IT" sz="1800" dirty="0" err="1"/>
                         <a:t>+setAltezza</a:t>
                       </a:r>
                       <a:r>
-                        <a:rPr lang="it-IT" sz="1800" dirty="0" smtClean="0"/>
+                        <a:rPr lang="it-IT" sz="1800" dirty="0"/>
                         <a:t>(</a:t>
                       </a:r>
                       <a:r>
-                        <a:rPr lang="it-IT" sz="1800" dirty="0" err="1" smtClean="0"/>
+                        <a:rPr lang="it-IT" sz="1800" dirty="0" err="1"/>
                         <a:t>int</a:t>
                       </a:r>
                       <a:r>
-                        <a:rPr lang="it-IT" sz="1800" dirty="0" smtClean="0"/>
+                        <a:rPr lang="it-IT" sz="1800" dirty="0"/>
                         <a:t>):</a:t>
                       </a:r>
                       <a:r>
-                        <a:rPr lang="it-IT" sz="1800" dirty="0" err="1" smtClean="0"/>
+                        <a:rPr lang="it-IT" sz="1800" dirty="0" err="1"/>
                         <a:t>void</a:t>
                       </a:r>
-                      <a:endParaRPr lang="it-IT" sz="1800" dirty="0" smtClean="0"/>
+                      <a:endParaRPr lang="it-IT" sz="1800" dirty="0"/>
                     </a:p>
                     <a:p>
                       <a:r>
-                        <a:rPr lang="it-IT" sz="1800" dirty="0" err="1" smtClean="0"/>
+                        <a:rPr lang="it-IT" sz="1800" dirty="0" err="1"/>
                         <a:t>+setPeso</a:t>
                       </a:r>
                       <a:r>
-                        <a:rPr lang="it-IT" sz="1800" dirty="0" smtClean="0"/>
+                        <a:rPr lang="it-IT" sz="1800" dirty="0"/>
                         <a:t>(</a:t>
                       </a:r>
                       <a:r>
-                        <a:rPr lang="it-IT" sz="1800" dirty="0" err="1" smtClean="0"/>
+                        <a:rPr lang="it-IT" sz="1800" dirty="0" err="1"/>
                         <a:t>int</a:t>
                       </a:r>
                       <a:r>
-                        <a:rPr lang="it-IT" sz="1800" dirty="0" smtClean="0"/>
+                        <a:rPr lang="it-IT" sz="1800" dirty="0"/>
                         <a:t>):</a:t>
                       </a:r>
                       <a:r>
-                        <a:rPr lang="it-IT" sz="1800" dirty="0" err="1" smtClean="0"/>
+                        <a:rPr lang="it-IT" sz="1800" dirty="0" err="1"/>
                         <a:t>void</a:t>
                       </a:r>
-                      <a:endParaRPr lang="it-IT" sz="1800" dirty="0" smtClean="0"/>
+                      <a:endParaRPr lang="it-IT" sz="1800" dirty="0"/>
                     </a:p>
                     <a:p>
                       <a:r>
-                        <a:rPr lang="it-IT" sz="1800" dirty="0" err="1" smtClean="0"/>
+                        <a:rPr lang="it-IT" sz="1800" dirty="0" err="1"/>
                         <a:t>+getAltezza</a:t>
                       </a:r>
                       <a:r>
-                        <a:rPr lang="it-IT" sz="1800" dirty="0" smtClean="0"/>
+                        <a:rPr lang="it-IT" sz="1800" dirty="0"/>
                         <a:t>():</a:t>
                       </a:r>
                       <a:r>
-                        <a:rPr lang="it-IT" sz="1800" dirty="0" err="1" smtClean="0"/>
+                        <a:rPr lang="it-IT" sz="1800" dirty="0" err="1"/>
                         <a:t>int</a:t>
                       </a:r>
-                      <a:endParaRPr lang="it-IT" sz="1800" dirty="0" smtClean="0"/>
+                      <a:endParaRPr lang="it-IT" sz="1800" dirty="0"/>
                     </a:p>
                     <a:p>
                       <a:r>
-                        <a:rPr lang="it-IT" sz="1800" dirty="0" err="1" smtClean="0"/>
+                        <a:rPr lang="it-IT" sz="1800" dirty="0" err="1"/>
                         <a:t>+getPeso</a:t>
                       </a:r>
                       <a:r>
-                        <a:rPr lang="it-IT" sz="1800" dirty="0" smtClean="0"/>
+                        <a:rPr lang="it-IT" sz="1800" dirty="0"/>
                         <a:t>():</a:t>
                       </a:r>
                       <a:r>
-                        <a:rPr lang="it-IT" sz="1800" dirty="0" err="1" smtClean="0"/>
+                        <a:rPr lang="it-IT" sz="1800" dirty="0" err="1"/>
                         <a:t>int</a:t>
                       </a:r>
-                      <a:endParaRPr lang="it-IT" sz="1800" dirty="0" smtClean="0"/>
+                      <a:endParaRPr lang="it-IT" sz="1800" dirty="0"/>
                     </a:p>
                     <a:p>
                       <a:r>
-                        <a:rPr lang="it-IT" sz="1800" dirty="0" err="1" smtClean="0"/>
+                        <a:rPr lang="it-IT" sz="1800" dirty="0" err="1"/>
                         <a:t>+visualizza</a:t>
                       </a:r>
                       <a:r>
-                        <a:rPr lang="it-IT" sz="1800" dirty="0" smtClean="0"/>
+                        <a:rPr lang="it-IT" sz="1800" dirty="0"/>
                         <a:t>():</a:t>
                       </a:r>
                       <a:r>
-                        <a:rPr lang="it-IT" sz="1800" dirty="0" err="1" smtClean="0"/>
+                        <a:rPr lang="it-IT" sz="1800" dirty="0" err="1"/>
                         <a:t>void</a:t>
                       </a:r>
                       <a:endParaRPr lang="it-IT" sz="1800" dirty="0"/>
@@ -11040,6 +10715,11 @@
                   </a:txBody>
                   <a:tcPr marL="121920" marR="121920" marT="45708" marB="45708"/>
                 </a:tc>
+                <a:extLst>
+                  <a:ext uri="{0D108BD9-81ED-4DB2-BD59-A6C34878D82A}">
+                    <a16:rowId xmlns:a16="http://schemas.microsoft.com/office/drawing/2014/main" val="10002"/>
+                  </a:ext>
+                </a:extLst>
               </a:tr>
             </a:tbl>
           </a:graphicData>
@@ -11190,7 +10870,7 @@
           <a:p>
             <a:pPr eaLnBrk="1" hangingPunct="1"/>
             <a:r>
-              <a:rPr lang="it-IT" altLang="it-IT" smtClean="0"/>
+              <a:rPr lang="it-IT" altLang="it-IT"/>
               <a:t>Alberto Ferrari</a:t>
             </a:r>
           </a:p>
@@ -11215,7 +10895,13 @@
                 <a:tableStyleId>{5940675A-B579-460E-94D1-54222C63F5DA}</a:tableStyleId>
               </a:tblPr>
               <a:tblGrid>
-                <a:gridCol w="4438651"/>
+                <a:gridCol w="4438651">
+                  <a:extLst>
+                    <a:ext uri="{9D8B030D-6E8A-4147-A177-3AD203B41FA5}">
+                      <a16:colId xmlns:a16="http://schemas.microsoft.com/office/drawing/2014/main" val="20000"/>
+                    </a:ext>
+                  </a:extLst>
+                </a:gridCol>
               </a:tblGrid>
               <a:tr h="370670">
                 <a:tc>
@@ -11224,14 +10910,18 @@
                     <a:lstStyle/>
                     <a:p>
                       <a:r>
-                        <a:rPr lang="it-IT" sz="1800" dirty="0" smtClean="0"/>
+                        <a:rPr lang="it-IT" sz="1800" dirty="0"/>
                         <a:t>Cane</a:t>
                       </a:r>
-                      <a:endParaRPr lang="it-IT" sz="1800" dirty="0"/>
                     </a:p>
                   </a:txBody>
                   <a:tcPr marL="121920" marR="121920" marT="45699" marB="45699"/>
                 </a:tc>
+                <a:extLst>
+                  <a:ext uri="{0D108BD9-81ED-4DB2-BD59-A6C34878D82A}">
+                    <a16:rowId xmlns:a16="http://schemas.microsoft.com/office/drawing/2014/main" val="10000"/>
+                  </a:ext>
+                </a:extLst>
               </a:tr>
               <a:tr h="370670">
                 <a:tc>
@@ -11244,11 +10934,11 @@
                         <a:buChar char="-"/>
                       </a:pPr>
                       <a:r>
-                        <a:rPr lang="it-IT" sz="1800" dirty="0" smtClean="0"/>
+                        <a:rPr lang="it-IT" sz="1800" dirty="0"/>
                         <a:t>nome:</a:t>
                       </a:r>
                       <a:r>
-                        <a:rPr lang="it-IT" sz="1800" dirty="0" err="1" smtClean="0"/>
+                        <a:rPr lang="it-IT" sz="1800" dirty="0" err="1"/>
                         <a:t>string</a:t>
                       </a:r>
                       <a:endParaRPr lang="it-IT" sz="1800" dirty="0"/>
@@ -11256,6 +10946,11 @@
                   </a:txBody>
                   <a:tcPr marL="121920" marR="121920" marT="45699" marB="45699"/>
                 </a:tc>
+                <a:extLst>
+                  <a:ext uri="{0D108BD9-81ED-4DB2-BD59-A6C34878D82A}">
+                    <a16:rowId xmlns:a16="http://schemas.microsoft.com/office/drawing/2014/main" val="10001"/>
+                  </a:ext>
+                </a:extLst>
               </a:tr>
               <a:tr h="639786">
                 <a:tc>
@@ -11264,30 +10959,30 @@
                     <a:lstStyle/>
                     <a:p>
                       <a:r>
-                        <a:rPr lang="it-IT" sz="1800" dirty="0" err="1" smtClean="0"/>
+                        <a:rPr lang="it-IT" sz="1800" dirty="0" err="1"/>
                         <a:t>+getNome</a:t>
                       </a:r>
                       <a:r>
-                        <a:rPr lang="it-IT" sz="1800" dirty="0" smtClean="0"/>
+                        <a:rPr lang="it-IT" sz="1800" dirty="0"/>
                         <a:t>():</a:t>
                       </a:r>
                       <a:r>
-                        <a:rPr lang="it-IT" sz="1800" dirty="0" err="1" smtClean="0"/>
+                        <a:rPr lang="it-IT" sz="1800" dirty="0" err="1"/>
                         <a:t>string</a:t>
                       </a:r>
-                      <a:endParaRPr lang="it-IT" sz="1800" dirty="0" smtClean="0"/>
+                      <a:endParaRPr lang="it-IT" sz="1800" dirty="0"/>
                     </a:p>
                     <a:p>
                       <a:r>
-                        <a:rPr lang="it-IT" sz="1800" dirty="0" err="1" smtClean="0"/>
+                        <a:rPr lang="it-IT" sz="1800" dirty="0" err="1"/>
                         <a:t>+visualizza</a:t>
                       </a:r>
                       <a:r>
-                        <a:rPr lang="it-IT" sz="1800" dirty="0" smtClean="0"/>
+                        <a:rPr lang="it-IT" sz="1800" dirty="0"/>
                         <a:t>():</a:t>
                       </a:r>
                       <a:r>
-                        <a:rPr lang="it-IT" sz="1800" dirty="0" err="1" smtClean="0"/>
+                        <a:rPr lang="it-IT" sz="1800" dirty="0" err="1"/>
                         <a:t>void</a:t>
                       </a:r>
                       <a:endParaRPr lang="it-IT" sz="1800" dirty="0"/>
@@ -11295,6 +10990,11 @@
                   </a:txBody>
                   <a:tcPr marL="121920" marR="121920" marT="45699" marB="45699"/>
                 </a:tc>
+                <a:extLst>
+                  <a:ext uri="{0D108BD9-81ED-4DB2-BD59-A6C34878D82A}">
+                    <a16:rowId xmlns:a16="http://schemas.microsoft.com/office/drawing/2014/main" val="10002"/>
+                  </a:ext>
+                </a:extLst>
               </a:tr>
             </a:tbl>
           </a:graphicData>
@@ -11319,7 +11019,13 @@
                 <a:tableStyleId>{5940675A-B579-460E-94D1-54222C63F5DA}</a:tableStyleId>
               </a:tblPr>
               <a:tblGrid>
-                <a:gridCol w="4438651"/>
+                <a:gridCol w="4438651">
+                  <a:extLst>
+                    <a:ext uri="{9D8B030D-6E8A-4147-A177-3AD203B41FA5}">
+                      <a16:colId xmlns:a16="http://schemas.microsoft.com/office/drawing/2014/main" val="20000"/>
+                    </a:ext>
+                  </a:extLst>
+                </a:gridCol>
               </a:tblGrid>
               <a:tr h="370946">
                 <a:tc>
@@ -11328,14 +11034,18 @@
                     <a:lstStyle/>
                     <a:p>
                       <a:r>
-                        <a:rPr lang="it-IT" sz="1800" dirty="0" smtClean="0"/>
+                        <a:rPr lang="it-IT" sz="1800" dirty="0"/>
                         <a:t>Gatto</a:t>
                       </a:r>
-                      <a:endParaRPr lang="it-IT" sz="1800" dirty="0"/>
                     </a:p>
                   </a:txBody>
                   <a:tcPr marL="121920" marR="121920" marT="45733" marB="45733"/>
                 </a:tc>
+                <a:extLst>
+                  <a:ext uri="{0D108BD9-81ED-4DB2-BD59-A6C34878D82A}">
+                    <a16:rowId xmlns:a16="http://schemas.microsoft.com/office/drawing/2014/main" val="10000"/>
+                  </a:ext>
+                </a:extLst>
               </a:tr>
               <a:tr h="370946">
                 <a:tc>
@@ -11352,6 +11062,11 @@
                   </a:txBody>
                   <a:tcPr marL="121920" marR="121920" marT="45733" marB="45733"/>
                 </a:tc>
+                <a:extLst>
+                  <a:ext uri="{0D108BD9-81ED-4DB2-BD59-A6C34878D82A}">
+                    <a16:rowId xmlns:a16="http://schemas.microsoft.com/office/drawing/2014/main" val="10001"/>
+                  </a:ext>
+                </a:extLst>
               </a:tr>
               <a:tr h="370946">
                 <a:tc>
@@ -11360,15 +11075,15 @@
                     <a:lstStyle/>
                     <a:p>
                       <a:r>
-                        <a:rPr lang="it-IT" sz="1800" dirty="0" err="1" smtClean="0"/>
+                        <a:rPr lang="it-IT" sz="1800" dirty="0" err="1"/>
                         <a:t>+visualizza</a:t>
                       </a:r>
                       <a:r>
-                        <a:rPr lang="it-IT" sz="1800" dirty="0" smtClean="0"/>
+                        <a:rPr lang="it-IT" sz="1800" dirty="0"/>
                         <a:t>():</a:t>
                       </a:r>
                       <a:r>
-                        <a:rPr lang="it-IT" sz="1800" dirty="0" err="1" smtClean="0"/>
+                        <a:rPr lang="it-IT" sz="1800" dirty="0" err="1"/>
                         <a:t>void</a:t>
                       </a:r>
                       <a:endParaRPr lang="it-IT" sz="1800" dirty="0"/>
@@ -11376,6 +11091,11 @@
                   </a:txBody>
                   <a:tcPr marL="121920" marR="121920" marT="45733" marB="45733"/>
                 </a:tc>
+                <a:extLst>
+                  <a:ext uri="{0D108BD9-81ED-4DB2-BD59-A6C34878D82A}">
+                    <a16:rowId xmlns:a16="http://schemas.microsoft.com/office/drawing/2014/main" val="10002"/>
+                  </a:ext>
+                </a:extLst>
               </a:tr>
             </a:tbl>
           </a:graphicData>
@@ -11495,14 +11215,14 @@
           <a:lstStyle/>
           <a:p>
             <a:r>
-              <a:rPr lang="it-IT" altLang="it-IT" smtClean="0"/>
+              <a:rPr lang="it-IT" altLang="it-IT"/>
               <a:t>Le classi della gerarchia in C++</a:t>
             </a:r>
             <a:br>
-              <a:rPr lang="it-IT" altLang="it-IT" smtClean="0"/>
+              <a:rPr lang="it-IT" altLang="it-IT"/>
             </a:br>
             <a:r>
-              <a:rPr lang="it-IT" altLang="it-IT" smtClean="0"/>
+              <a:rPr lang="it-IT" altLang="it-IT"/>
               <a:t>Animale</a:t>
             </a:r>
           </a:p>
@@ -11528,11 +11248,25 @@
               <a:buNone/>
             </a:pPr>
             <a:r>
-              <a:rPr lang="en-US" altLang="it-IT" sz="1600" b="1" smtClean="0">
+              <a:rPr lang="en-US" altLang="it-IT" sz="1600" b="1" dirty="0">
                 <a:latin typeface="Courier New" pitchFamily="49" charset="0"/>
                 <a:cs typeface="Courier New" pitchFamily="49" charset="0"/>
               </a:rPr>
-              <a:t>class Animale </a:t>
+              <a:t>class </a:t>
+            </a:r>
+            <a:r>
+              <a:rPr lang="en-US" altLang="it-IT" sz="1600" b="1" dirty="0" err="1">
+                <a:latin typeface="Courier New" pitchFamily="49" charset="0"/>
+                <a:cs typeface="Courier New" pitchFamily="49" charset="0"/>
+              </a:rPr>
+              <a:t>Animale</a:t>
+            </a:r>
+            <a:r>
+              <a:rPr lang="en-US" altLang="it-IT" sz="1600" b="1" dirty="0">
+                <a:latin typeface="Courier New" pitchFamily="49" charset="0"/>
+                <a:cs typeface="Courier New" pitchFamily="49" charset="0"/>
+              </a:rPr>
+              <a:t> </a:t>
             </a:r>
           </a:p>
           <a:p>
@@ -11541,7 +11275,7 @@
               <a:buNone/>
             </a:pPr>
             <a:r>
-              <a:rPr lang="en-US" altLang="it-IT" sz="1600" b="1" smtClean="0">
+              <a:rPr lang="en-US" altLang="it-IT" sz="1600" b="1" dirty="0">
                 <a:latin typeface="Courier New" pitchFamily="49" charset="0"/>
                 <a:cs typeface="Courier New" pitchFamily="49" charset="0"/>
               </a:rPr>
@@ -11554,11 +11288,81 @@
               <a:buNone/>
             </a:pPr>
             <a:r>
-              <a:rPr lang="en-US" altLang="it-IT" sz="1600" b="1" smtClean="0">
+              <a:rPr lang="en-US" altLang="it-IT" sz="1600" b="1" dirty="0">
                 <a:latin typeface="Courier New" pitchFamily="49" charset="0"/>
                 <a:cs typeface="Courier New" pitchFamily="49" charset="0"/>
               </a:rPr>
-              <a:t>public:  Animale( const int = 0, const int = 0 );  </a:t>
+              <a:t>public:  </a:t>
+            </a:r>
+            <a:r>
+              <a:rPr lang="en-US" altLang="it-IT" sz="1600" b="1" dirty="0" err="1">
+                <a:latin typeface="Courier New" pitchFamily="49" charset="0"/>
+                <a:cs typeface="Courier New" pitchFamily="49" charset="0"/>
+              </a:rPr>
+              <a:t>Animale</a:t>
+            </a:r>
+            <a:r>
+              <a:rPr lang="en-US" altLang="it-IT" sz="1600" b="1" dirty="0">
+                <a:latin typeface="Courier New" pitchFamily="49" charset="0"/>
+                <a:cs typeface="Courier New" pitchFamily="49" charset="0"/>
+              </a:rPr>
+              <a:t>( </a:t>
+            </a:r>
+            <a:r>
+              <a:rPr lang="en-US" altLang="it-IT" sz="1600" b="1" dirty="0" err="1">
+                <a:latin typeface="Courier New" pitchFamily="49" charset="0"/>
+                <a:cs typeface="Courier New" pitchFamily="49" charset="0"/>
+              </a:rPr>
+              <a:t>const</a:t>
+            </a:r>
+            <a:r>
+              <a:rPr lang="en-US" altLang="it-IT" sz="1600" b="1" dirty="0">
+                <a:latin typeface="Courier New" pitchFamily="49" charset="0"/>
+                <a:cs typeface="Courier New" pitchFamily="49" charset="0"/>
+              </a:rPr>
+              <a:t> </a:t>
+            </a:r>
+            <a:r>
+              <a:rPr lang="en-US" altLang="it-IT" sz="1600" b="1" dirty="0" err="1">
+                <a:latin typeface="Courier New" pitchFamily="49" charset="0"/>
+                <a:cs typeface="Courier New" pitchFamily="49" charset="0"/>
+              </a:rPr>
+              <a:t>int</a:t>
+            </a:r>
+            <a:r>
+              <a:rPr lang="en-US" altLang="it-IT" sz="1600" b="1" dirty="0">
+                <a:latin typeface="Courier New" pitchFamily="49" charset="0"/>
+                <a:cs typeface="Courier New" pitchFamily="49" charset="0"/>
+              </a:rPr>
+              <a:t> = 0, </a:t>
+            </a:r>
+            <a:r>
+              <a:rPr lang="en-US" altLang="it-IT" sz="1600" b="1" dirty="0" err="1">
+                <a:latin typeface="Courier New" pitchFamily="49" charset="0"/>
+                <a:cs typeface="Courier New" pitchFamily="49" charset="0"/>
+              </a:rPr>
+              <a:t>const</a:t>
+            </a:r>
+            <a:r>
+              <a:rPr lang="en-US" altLang="it-IT" sz="1600" b="1" dirty="0">
+                <a:latin typeface="Courier New" pitchFamily="49" charset="0"/>
+                <a:cs typeface="Courier New" pitchFamily="49" charset="0"/>
+              </a:rPr>
+              <a:t> </a:t>
+            </a:r>
+            <a:r>
+              <a:rPr lang="en-US" altLang="it-IT" sz="1600" b="1" dirty="0" err="1">
+                <a:latin typeface="Courier New" pitchFamily="49" charset="0"/>
+                <a:cs typeface="Courier New" pitchFamily="49" charset="0"/>
+              </a:rPr>
+              <a:t>int</a:t>
+            </a:r>
+            <a:r>
+              <a:rPr lang="en-US" altLang="it-IT" sz="1600" b="1" dirty="0">
+                <a:latin typeface="Courier New" pitchFamily="49" charset="0"/>
+                <a:cs typeface="Courier New" pitchFamily="49" charset="0"/>
+              </a:rPr>
+              <a:t> = 0 );  </a:t>
             </a:r>
           </a:p>
           <a:p>
@@ -11567,11 +11371,39 @@
               <a:buNone/>
             </a:pPr>
             <a:r>
-              <a:rPr lang="en-US" altLang="it-IT" sz="1600" b="1" smtClean="0">
+              <a:rPr lang="en-US" altLang="it-IT" sz="1600" b="1" dirty="0">
                 <a:latin typeface="Courier New" pitchFamily="49" charset="0"/>
                 <a:cs typeface="Courier New" pitchFamily="49" charset="0"/>
               </a:rPr>
-              <a:t>void setAltezza( int );  </a:t>
+              <a:t>void </a:t>
+            </a:r>
+            <a:r>
+              <a:rPr lang="en-US" altLang="it-IT" sz="1600" b="1" dirty="0" err="1">
+                <a:latin typeface="Courier New" pitchFamily="49" charset="0"/>
+                <a:cs typeface="Courier New" pitchFamily="49" charset="0"/>
+              </a:rPr>
+              <a:t>setAltezza</a:t>
+            </a:r>
+            <a:r>
+              <a:rPr lang="en-US" altLang="it-IT" sz="1600" b="1" dirty="0">
+                <a:latin typeface="Courier New" pitchFamily="49" charset="0"/>
+                <a:cs typeface="Courier New" pitchFamily="49" charset="0"/>
+              </a:rPr>
+              <a:t>( </a:t>
+            </a:r>
+            <a:r>
+              <a:rPr lang="en-US" altLang="it-IT" sz="1600" b="1" dirty="0" err="1">
+                <a:latin typeface="Courier New" pitchFamily="49" charset="0"/>
+                <a:cs typeface="Courier New" pitchFamily="49" charset="0"/>
+              </a:rPr>
+              <a:t>int</a:t>
+            </a:r>
+            <a:r>
+              <a:rPr lang="en-US" altLang="it-IT" sz="1600" b="1" dirty="0">
+                <a:latin typeface="Courier New" pitchFamily="49" charset="0"/>
+                <a:cs typeface="Courier New" pitchFamily="49" charset="0"/>
+              </a:rPr>
+              <a:t> );  </a:t>
             </a:r>
           </a:p>
           <a:p>
@@ -11580,11 +11412,32 @@
               <a:buNone/>
             </a:pPr>
             <a:r>
-              <a:rPr lang="en-US" altLang="it-IT" sz="1600" b="1" smtClean="0">
+              <a:rPr lang="en-US" altLang="it-IT" sz="1600" b="1" dirty="0" err="1">
                 <a:latin typeface="Courier New" pitchFamily="49" charset="0"/>
                 <a:cs typeface="Courier New" pitchFamily="49" charset="0"/>
               </a:rPr>
-              <a:t>int getAltezza();  </a:t>
+              <a:t>int</a:t>
+            </a:r>
+            <a:r>
+              <a:rPr lang="en-US" altLang="it-IT" sz="1600" b="1" dirty="0">
+                <a:latin typeface="Courier New" pitchFamily="49" charset="0"/>
+                <a:cs typeface="Courier New" pitchFamily="49" charset="0"/>
+              </a:rPr>
+              <a:t> </a:t>
+            </a:r>
+            <a:r>
+              <a:rPr lang="en-US" altLang="it-IT" sz="1600" b="1" dirty="0" err="1">
+                <a:latin typeface="Courier New" pitchFamily="49" charset="0"/>
+                <a:cs typeface="Courier New" pitchFamily="49" charset="0"/>
+              </a:rPr>
+              <a:t>getAltezza</a:t>
+            </a:r>
+            <a:r>
+              <a:rPr lang="en-US" altLang="it-IT" sz="1600" b="1" dirty="0">
+                <a:latin typeface="Courier New" pitchFamily="49" charset="0"/>
+                <a:cs typeface="Courier New" pitchFamily="49" charset="0"/>
+              </a:rPr>
+              <a:t>();  </a:t>
             </a:r>
           </a:p>
           <a:p>
@@ -11593,11 +11446,39 @@
               <a:buNone/>
             </a:pPr>
             <a:r>
-              <a:rPr lang="en-US" altLang="it-IT" sz="1600" b="1" smtClean="0">
+              <a:rPr lang="en-US" altLang="it-IT" sz="1600" b="1" dirty="0">
                 <a:latin typeface="Courier New" pitchFamily="49" charset="0"/>
                 <a:cs typeface="Courier New" pitchFamily="49" charset="0"/>
               </a:rPr>
-              <a:t>void setPeso( int );  </a:t>
+              <a:t>void </a:t>
+            </a:r>
+            <a:r>
+              <a:rPr lang="en-US" altLang="it-IT" sz="1600" b="1" dirty="0" err="1">
+                <a:latin typeface="Courier New" pitchFamily="49" charset="0"/>
+                <a:cs typeface="Courier New" pitchFamily="49" charset="0"/>
+              </a:rPr>
+              <a:t>setPeso</a:t>
+            </a:r>
+            <a:r>
+              <a:rPr lang="en-US" altLang="it-IT" sz="1600" b="1" dirty="0">
+                <a:latin typeface="Courier New" pitchFamily="49" charset="0"/>
+                <a:cs typeface="Courier New" pitchFamily="49" charset="0"/>
+              </a:rPr>
+              <a:t>( </a:t>
+            </a:r>
+            <a:r>
+              <a:rPr lang="en-US" altLang="it-IT" sz="1600" b="1" dirty="0" err="1">
+                <a:latin typeface="Courier New" pitchFamily="49" charset="0"/>
+                <a:cs typeface="Courier New" pitchFamily="49" charset="0"/>
+              </a:rPr>
+              <a:t>int</a:t>
+            </a:r>
+            <a:r>
+              <a:rPr lang="en-US" altLang="it-IT" sz="1600" b="1" dirty="0">
+                <a:latin typeface="Courier New" pitchFamily="49" charset="0"/>
+                <a:cs typeface="Courier New" pitchFamily="49" charset="0"/>
+              </a:rPr>
+              <a:t> );  </a:t>
             </a:r>
           </a:p>
           <a:p>
@@ -11606,11 +11487,32 @@
               <a:buNone/>
             </a:pPr>
             <a:r>
-              <a:rPr lang="en-US" altLang="it-IT" sz="1600" b="1" smtClean="0">
+              <a:rPr lang="en-US" altLang="it-IT" sz="1600" b="1" dirty="0" err="1">
                 <a:latin typeface="Courier New" pitchFamily="49" charset="0"/>
                 <a:cs typeface="Courier New" pitchFamily="49" charset="0"/>
               </a:rPr>
-              <a:t>int getPeso();  </a:t>
+              <a:t>int</a:t>
+            </a:r>
+            <a:r>
+              <a:rPr lang="en-US" altLang="it-IT" sz="1600" b="1" dirty="0">
+                <a:latin typeface="Courier New" pitchFamily="49" charset="0"/>
+                <a:cs typeface="Courier New" pitchFamily="49" charset="0"/>
+              </a:rPr>
+              <a:t> </a:t>
+            </a:r>
+            <a:r>
+              <a:rPr lang="en-US" altLang="it-IT" sz="1600" b="1" dirty="0" err="1">
+                <a:latin typeface="Courier New" pitchFamily="49" charset="0"/>
+                <a:cs typeface="Courier New" pitchFamily="49" charset="0"/>
+              </a:rPr>
+              <a:t>getPeso</a:t>
+            </a:r>
+            <a:r>
+              <a:rPr lang="en-US" altLang="it-IT" sz="1600" b="1" dirty="0">
+                <a:latin typeface="Courier New" pitchFamily="49" charset="0"/>
+                <a:cs typeface="Courier New" pitchFamily="49" charset="0"/>
+              </a:rPr>
+              <a:t>();  </a:t>
             </a:r>
           </a:p>
           <a:p>
@@ -11619,11 +11521,39 @@
               <a:buNone/>
             </a:pPr>
             <a:r>
-              <a:rPr lang="en-US" altLang="it-IT" sz="1600" b="1" smtClean="0">
+              <a:rPr lang="en-US" altLang="it-IT" sz="1600" b="1" dirty="0">
                 <a:latin typeface="Courier New" pitchFamily="49" charset="0"/>
                 <a:cs typeface="Courier New" pitchFamily="49" charset="0"/>
               </a:rPr>
-              <a:t>void visualizza(); </a:t>
+              <a:t>void </a:t>
+            </a:r>
+            <a:r>
+              <a:rPr lang="en-US" altLang="it-IT" sz="1600" b="1" dirty="0" err="1">
+                <a:latin typeface="Courier New" pitchFamily="49" charset="0"/>
+                <a:cs typeface="Courier New" pitchFamily="49" charset="0"/>
+              </a:rPr>
+              <a:t>visualizza</a:t>
+            </a:r>
+            <a:r>
+              <a:rPr lang="en-US" altLang="it-IT" sz="1600" b="1" dirty="0">
+                <a:latin typeface="Courier New" pitchFamily="49" charset="0"/>
+                <a:cs typeface="Courier New" pitchFamily="49" charset="0"/>
+              </a:rPr>
+              <a:t>() </a:t>
+            </a:r>
+            <a:r>
+              <a:rPr lang="en-US" altLang="it-IT" sz="1600" b="1" dirty="0" err="1">
+                <a:latin typeface="Courier New" pitchFamily="49" charset="0"/>
+                <a:cs typeface="Courier New" pitchFamily="49" charset="0"/>
+              </a:rPr>
+              <a:t>const</a:t>
+            </a:r>
+            <a:r>
+              <a:rPr lang="en-US" altLang="it-IT" sz="1600" b="1" dirty="0">
+                <a:latin typeface="Courier New" pitchFamily="49" charset="0"/>
+                <a:cs typeface="Courier New" pitchFamily="49" charset="0"/>
+              </a:rPr>
+              <a:t>; </a:t>
             </a:r>
           </a:p>
           <a:p>
@@ -11632,7 +11562,7 @@
               <a:buNone/>
             </a:pPr>
             <a:r>
-              <a:rPr lang="en-US" altLang="it-IT" sz="1600" b="1" smtClean="0">
+              <a:rPr lang="en-US" altLang="it-IT" sz="1600" b="1" dirty="0">
                 <a:latin typeface="Courier New" pitchFamily="49" charset="0"/>
                 <a:cs typeface="Courier New" pitchFamily="49" charset="0"/>
               </a:rPr>
@@ -11645,11 +11575,32 @@
               <a:buNone/>
             </a:pPr>
             <a:r>
-              <a:rPr lang="en-US" altLang="it-IT" sz="1600" b="1" smtClean="0">
+              <a:rPr lang="en-US" altLang="it-IT" sz="1600" b="1" dirty="0" err="1">
                 <a:latin typeface="Courier New" pitchFamily="49" charset="0"/>
                 <a:cs typeface="Courier New" pitchFamily="49" charset="0"/>
               </a:rPr>
-              <a:t>int altezza;  </a:t>
+              <a:t>int</a:t>
+            </a:r>
+            <a:r>
+              <a:rPr lang="en-US" altLang="it-IT" sz="1600" b="1" dirty="0">
+                <a:latin typeface="Courier New" pitchFamily="49" charset="0"/>
+                <a:cs typeface="Courier New" pitchFamily="49" charset="0"/>
+              </a:rPr>
+              <a:t> </a:t>
+            </a:r>
+            <a:r>
+              <a:rPr lang="en-US" altLang="it-IT" sz="1600" b="1" dirty="0" err="1">
+                <a:latin typeface="Courier New" pitchFamily="49" charset="0"/>
+                <a:cs typeface="Courier New" pitchFamily="49" charset="0"/>
+              </a:rPr>
+              <a:t>altezza</a:t>
+            </a:r>
+            <a:r>
+              <a:rPr lang="en-US" altLang="it-IT" sz="1600" b="1" dirty="0">
+                <a:latin typeface="Courier New" pitchFamily="49" charset="0"/>
+                <a:cs typeface="Courier New" pitchFamily="49" charset="0"/>
+              </a:rPr>
+              <a:t>;  </a:t>
             </a:r>
           </a:p>
           <a:p>
@@ -11658,11 +11609,18 @@
               <a:buNone/>
             </a:pPr>
             <a:r>
-              <a:rPr lang="en-US" altLang="it-IT" sz="1600" b="1" smtClean="0">
+              <a:rPr lang="en-US" altLang="it-IT" sz="1600" b="1" dirty="0" err="1">
                 <a:latin typeface="Courier New" pitchFamily="49" charset="0"/>
                 <a:cs typeface="Courier New" pitchFamily="49" charset="0"/>
               </a:rPr>
-              <a:t>int peso;</a:t>
+              <a:t>int</a:t>
+            </a:r>
+            <a:r>
+              <a:rPr lang="en-US" altLang="it-IT" sz="1600" b="1" dirty="0">
+                <a:latin typeface="Courier New" pitchFamily="49" charset="0"/>
+                <a:cs typeface="Courier New" pitchFamily="49" charset="0"/>
+              </a:rPr>
+              <a:t> peso;</a:t>
             </a:r>
           </a:p>
           <a:p>
@@ -11671,13 +11629,13 @@
               <a:buNone/>
             </a:pPr>
             <a:r>
-              <a:rPr lang="en-US" altLang="it-IT" sz="1600" b="1" smtClean="0">
+              <a:rPr lang="en-US" altLang="it-IT" sz="1600" b="1" dirty="0">
                 <a:latin typeface="Courier New" pitchFamily="49" charset="0"/>
                 <a:cs typeface="Courier New" pitchFamily="49" charset="0"/>
               </a:rPr>
               <a:t>};</a:t>
             </a:r>
-            <a:endParaRPr lang="it-IT" altLang="it-IT" sz="1600" b="1" smtClean="0">
+            <a:endParaRPr lang="it-IT" altLang="it-IT" sz="1600" b="1" dirty="0">
               <a:latin typeface="Courier New" pitchFamily="49" charset="0"/>
               <a:cs typeface="Courier New" pitchFamily="49" charset="0"/>
             </a:endParaRPr>
@@ -11829,7 +11787,7 @@
           <a:p>
             <a:pPr eaLnBrk="1" hangingPunct="1"/>
             <a:r>
-              <a:rPr lang="it-IT" altLang="it-IT" smtClean="0"/>
+              <a:rPr lang="it-IT" altLang="it-IT"/>
               <a:t>Alberto Ferrari</a:t>
             </a:r>
           </a:p>
@@ -11881,14 +11839,14 @@
           <a:lstStyle/>
           <a:p>
             <a:r>
-              <a:rPr lang="it-IT" altLang="it-IT" smtClean="0"/>
+              <a:rPr lang="it-IT" altLang="it-IT"/>
               <a:t>Le classi della gerarchia in C++</a:t>
             </a:r>
             <a:br>
-              <a:rPr lang="it-IT" altLang="it-IT" smtClean="0"/>
+              <a:rPr lang="it-IT" altLang="it-IT"/>
             </a:br>
             <a:r>
-              <a:rPr lang="it-IT" altLang="it-IT" smtClean="0"/>
+              <a:rPr lang="it-IT" altLang="it-IT"/>
               <a:t>Cane</a:t>
             </a:r>
           </a:p>
@@ -11914,12 +11872,23 @@
               <a:buNone/>
             </a:pPr>
             <a:r>
-              <a:rPr lang="en-US" altLang="it-IT" sz="1400" b="1" smtClean="0">
+              <a:rPr lang="en-US" altLang="it-IT" sz="1400" b="1" dirty="0">
                 <a:latin typeface="Courier New" pitchFamily="49" charset="0"/>
                 <a:cs typeface="Courier New" pitchFamily="49" charset="0"/>
               </a:rPr>
-              <a:t>class Cane: public Animale</a:t>
-            </a:r>
+              <a:t>class Cane: public </a:t>
+            </a:r>
+            <a:r>
+              <a:rPr lang="en-US" altLang="it-IT" sz="1400" b="1" dirty="0" err="1">
+                <a:latin typeface="Courier New" pitchFamily="49" charset="0"/>
+                <a:cs typeface="Courier New" pitchFamily="49" charset="0"/>
+              </a:rPr>
+              <a:t>Animale</a:t>
+            </a:r>
+            <a:endParaRPr lang="en-US" altLang="it-IT" sz="1400" b="1" dirty="0">
+              <a:latin typeface="Courier New" pitchFamily="49" charset="0"/>
+              <a:cs typeface="Courier New" pitchFamily="49" charset="0"/>
+            </a:endParaRPr>
           </a:p>
           <a:p>
             <a:pPr>
@@ -11927,7 +11896,7 @@
               <a:buNone/>
             </a:pPr>
             <a:r>
-              <a:rPr lang="en-US" altLang="it-IT" sz="1400" b="1" smtClean="0">
+              <a:rPr lang="en-US" altLang="it-IT" sz="1400" b="1" dirty="0">
                 <a:latin typeface="Courier New" pitchFamily="49" charset="0"/>
                 <a:cs typeface="Courier New" pitchFamily="49" charset="0"/>
               </a:rPr>
@@ -11940,7 +11909,7 @@
               <a:buNone/>
             </a:pPr>
             <a:r>
-              <a:rPr lang="en-US" altLang="it-IT" sz="1400" b="1" smtClean="0">
+              <a:rPr lang="en-US" altLang="it-IT" sz="1400" b="1" dirty="0">
                 <a:latin typeface="Courier New" pitchFamily="49" charset="0"/>
                 <a:cs typeface="Courier New" pitchFamily="49" charset="0"/>
               </a:rPr>
@@ -11953,11 +11922,67 @@
               <a:buNone/>
             </a:pPr>
             <a:r>
-              <a:rPr lang="en-US" altLang="it-IT" sz="1400" b="1" smtClean="0">
+              <a:rPr lang="en-US" altLang="it-IT" sz="1400" b="1" dirty="0">
                 <a:latin typeface="Courier New" pitchFamily="49" charset="0"/>
                 <a:cs typeface="Courier New" pitchFamily="49" charset="0"/>
               </a:rPr>
-              <a:t>Cane( const int = 0 , const int = 0, string = "Bill");  </a:t>
+              <a:t>Cane( </a:t>
+            </a:r>
+            <a:r>
+              <a:rPr lang="en-US" altLang="it-IT" sz="1400" b="1" dirty="0" err="1">
+                <a:latin typeface="Courier New" pitchFamily="49" charset="0"/>
+                <a:cs typeface="Courier New" pitchFamily="49" charset="0"/>
+              </a:rPr>
+              <a:t>const</a:t>
+            </a:r>
+            <a:r>
+              <a:rPr lang="en-US" altLang="it-IT" sz="1400" b="1" dirty="0">
+                <a:latin typeface="Courier New" pitchFamily="49" charset="0"/>
+                <a:cs typeface="Courier New" pitchFamily="49" charset="0"/>
+              </a:rPr>
+              <a:t> </a:t>
+            </a:r>
+            <a:r>
+              <a:rPr lang="en-US" altLang="it-IT" sz="1400" b="1" dirty="0" err="1">
+                <a:latin typeface="Courier New" pitchFamily="49" charset="0"/>
+                <a:cs typeface="Courier New" pitchFamily="49" charset="0"/>
+              </a:rPr>
+              <a:t>int</a:t>
+            </a:r>
+            <a:r>
+              <a:rPr lang="en-US" altLang="it-IT" sz="1400" b="1" dirty="0">
+                <a:latin typeface="Courier New" pitchFamily="49" charset="0"/>
+                <a:cs typeface="Courier New" pitchFamily="49" charset="0"/>
+              </a:rPr>
+              <a:t> = 0 , </a:t>
+            </a:r>
+            <a:r>
+              <a:rPr lang="en-US" altLang="it-IT" sz="1400" b="1" dirty="0" err="1">
+                <a:latin typeface="Courier New" pitchFamily="49" charset="0"/>
+                <a:cs typeface="Courier New" pitchFamily="49" charset="0"/>
+              </a:rPr>
+              <a:t>const</a:t>
+            </a:r>
+            <a:r>
+              <a:rPr lang="en-US" altLang="it-IT" sz="1400" b="1" dirty="0">
+                <a:latin typeface="Courier New" pitchFamily="49" charset="0"/>
+                <a:cs typeface="Courier New" pitchFamily="49" charset="0"/>
+              </a:rPr>
+              <a:t> </a:t>
+            </a:r>
+            <a:r>
+              <a:rPr lang="en-US" altLang="it-IT" sz="1400" b="1" dirty="0" err="1">
+                <a:latin typeface="Courier New" pitchFamily="49" charset="0"/>
+                <a:cs typeface="Courier New" pitchFamily="49" charset="0"/>
+              </a:rPr>
+              <a:t>int</a:t>
+            </a:r>
+            <a:r>
+              <a:rPr lang="en-US" altLang="it-IT" sz="1400" b="1" dirty="0">
+                <a:latin typeface="Courier New" pitchFamily="49" charset="0"/>
+                <a:cs typeface="Courier New" pitchFamily="49" charset="0"/>
+              </a:rPr>
+              <a:t> = 0, string = "Bill");  </a:t>
             </a:r>
           </a:p>
           <a:p>
@@ -11966,11 +11991,25 @@
               <a:buNone/>
             </a:pPr>
             <a:r>
-              <a:rPr lang="en-US" altLang="it-IT" sz="1400" b="1" smtClean="0">
+              <a:rPr lang="en-US" altLang="it-IT" sz="1400" b="1" dirty="0">
                 <a:latin typeface="Courier New" pitchFamily="49" charset="0"/>
                 <a:cs typeface="Courier New" pitchFamily="49" charset="0"/>
               </a:rPr>
-              <a:t>void visualizza();  </a:t>
+              <a:t>void </a:t>
+            </a:r>
+            <a:r>
+              <a:rPr lang="en-US" altLang="it-IT" sz="1400" b="1" dirty="0" err="1">
+                <a:latin typeface="Courier New" pitchFamily="49" charset="0"/>
+                <a:cs typeface="Courier New" pitchFamily="49" charset="0"/>
+              </a:rPr>
+              <a:t>visualizza</a:t>
+            </a:r>
+            <a:r>
+              <a:rPr lang="en-US" altLang="it-IT" sz="1400" b="1" dirty="0">
+                <a:latin typeface="Courier New" pitchFamily="49" charset="0"/>
+                <a:cs typeface="Courier New" pitchFamily="49" charset="0"/>
+              </a:rPr>
+              <a:t>();  </a:t>
             </a:r>
           </a:p>
           <a:p>
@@ -11979,11 +12018,25 @@
               <a:buNone/>
             </a:pPr>
             <a:r>
-              <a:rPr lang="en-US" altLang="it-IT" sz="1400" b="1" smtClean="0">
+              <a:rPr lang="en-US" altLang="it-IT" sz="1400" b="1" dirty="0">
                 <a:latin typeface="Courier New" pitchFamily="49" charset="0"/>
                 <a:cs typeface="Courier New" pitchFamily="49" charset="0"/>
               </a:rPr>
-              <a:t>void setNome( string ); </a:t>
+              <a:t>void </a:t>
+            </a:r>
+            <a:r>
+              <a:rPr lang="en-US" altLang="it-IT" sz="1400" b="1" dirty="0" err="1">
+                <a:latin typeface="Courier New" pitchFamily="49" charset="0"/>
+                <a:cs typeface="Courier New" pitchFamily="49" charset="0"/>
+              </a:rPr>
+              <a:t>setNome</a:t>
+            </a:r>
+            <a:r>
+              <a:rPr lang="en-US" altLang="it-IT" sz="1400" b="1" dirty="0">
+                <a:latin typeface="Courier New" pitchFamily="49" charset="0"/>
+                <a:cs typeface="Courier New" pitchFamily="49" charset="0"/>
+              </a:rPr>
+              <a:t>( string ); </a:t>
             </a:r>
           </a:p>
           <a:p>
@@ -11992,7 +12045,7 @@
               <a:buNone/>
             </a:pPr>
             <a:r>
-              <a:rPr lang="en-US" altLang="it-IT" sz="1400" b="1" smtClean="0">
+              <a:rPr lang="en-US" altLang="it-IT" sz="1400" b="1" dirty="0">
                 <a:latin typeface="Courier New" pitchFamily="49" charset="0"/>
                 <a:cs typeface="Courier New" pitchFamily="49" charset="0"/>
               </a:rPr>
@@ -12005,11 +12058,25 @@
               <a:buNone/>
             </a:pPr>
             <a:r>
-              <a:rPr lang="en-US" altLang="it-IT" sz="1400" b="1" smtClean="0">
+              <a:rPr lang="en-US" altLang="it-IT" sz="1400" b="1" dirty="0">
                 <a:latin typeface="Courier New" pitchFamily="49" charset="0"/>
                 <a:cs typeface="Courier New" pitchFamily="49" charset="0"/>
               </a:rPr>
-              <a:t>string nome;</a:t>
+              <a:t>string </a:t>
+            </a:r>
+            <a:r>
+              <a:rPr lang="en-US" altLang="it-IT" sz="1400" b="1" dirty="0" err="1">
+                <a:latin typeface="Courier New" pitchFamily="49" charset="0"/>
+                <a:cs typeface="Courier New" pitchFamily="49" charset="0"/>
+              </a:rPr>
+              <a:t>nome</a:t>
+            </a:r>
+            <a:r>
+              <a:rPr lang="en-US" altLang="it-IT" sz="1400" b="1" dirty="0">
+                <a:latin typeface="Courier New" pitchFamily="49" charset="0"/>
+                <a:cs typeface="Courier New" pitchFamily="49" charset="0"/>
+              </a:rPr>
+              <a:t>;</a:t>
             </a:r>
           </a:p>
           <a:p>
@@ -12018,7 +12085,7 @@
               <a:buNone/>
             </a:pPr>
             <a:r>
-              <a:rPr lang="en-US" altLang="it-IT" sz="1400" b="1" smtClean="0">
+              <a:rPr lang="en-US" altLang="it-IT" sz="1400" b="1" dirty="0">
                 <a:latin typeface="Courier New" pitchFamily="49" charset="0"/>
                 <a:cs typeface="Courier New" pitchFamily="49" charset="0"/>
               </a:rPr>
@@ -12031,7 +12098,7 @@
               <a:buNone/>
             </a:pPr>
             <a:r>
-              <a:rPr lang="en-US" altLang="it-IT" sz="1400" b="1" smtClean="0">
+              <a:rPr lang="en-US" altLang="it-IT" sz="1400" b="1" dirty="0">
                 <a:latin typeface="Courier New" pitchFamily="49" charset="0"/>
                 <a:cs typeface="Courier New" pitchFamily="49" charset="0"/>
               </a:rPr>
@@ -12044,11 +12111,81 @@
               <a:buNone/>
             </a:pPr>
             <a:r>
-              <a:rPr lang="it-IT" altLang="it-IT" sz="1400" b="1" smtClean="0">
+              <a:rPr lang="it-IT" altLang="it-IT" sz="1400" b="1" dirty="0">
                 <a:latin typeface="Courier New" pitchFamily="49" charset="0"/>
                 <a:cs typeface="Courier New" pitchFamily="49" charset="0"/>
               </a:rPr>
-              <a:t>Cane::Cane( const int a, const int p, string n ): Animale( a, p)</a:t>
+              <a:t>Cane::Cane( </a:t>
+            </a:r>
+            <a:r>
+              <a:rPr lang="it-IT" altLang="it-IT" sz="1400" b="1" dirty="0" err="1">
+                <a:latin typeface="Courier New" pitchFamily="49" charset="0"/>
+                <a:cs typeface="Courier New" pitchFamily="49" charset="0"/>
+              </a:rPr>
+              <a:t>const</a:t>
+            </a:r>
+            <a:r>
+              <a:rPr lang="it-IT" altLang="it-IT" sz="1400" b="1" dirty="0">
+                <a:latin typeface="Courier New" pitchFamily="49" charset="0"/>
+                <a:cs typeface="Courier New" pitchFamily="49" charset="0"/>
+              </a:rPr>
+              <a:t> </a:t>
+            </a:r>
+            <a:r>
+              <a:rPr lang="it-IT" altLang="it-IT" sz="1400" b="1" dirty="0" err="1">
+                <a:latin typeface="Courier New" pitchFamily="49" charset="0"/>
+                <a:cs typeface="Courier New" pitchFamily="49" charset="0"/>
+              </a:rPr>
+              <a:t>int</a:t>
+            </a:r>
+            <a:r>
+              <a:rPr lang="it-IT" altLang="it-IT" sz="1400" b="1" dirty="0">
+                <a:latin typeface="Courier New" pitchFamily="49" charset="0"/>
+                <a:cs typeface="Courier New" pitchFamily="49" charset="0"/>
+              </a:rPr>
+              <a:t> a, </a:t>
+            </a:r>
+            <a:r>
+              <a:rPr lang="it-IT" altLang="it-IT" sz="1400" b="1" dirty="0" err="1">
+                <a:latin typeface="Courier New" pitchFamily="49" charset="0"/>
+                <a:cs typeface="Courier New" pitchFamily="49" charset="0"/>
+              </a:rPr>
+              <a:t>const</a:t>
+            </a:r>
+            <a:r>
+              <a:rPr lang="it-IT" altLang="it-IT" sz="1400" b="1" dirty="0">
+                <a:latin typeface="Courier New" pitchFamily="49" charset="0"/>
+                <a:cs typeface="Courier New" pitchFamily="49" charset="0"/>
+              </a:rPr>
+              <a:t> </a:t>
+            </a:r>
+            <a:r>
+              <a:rPr lang="it-IT" altLang="it-IT" sz="1400" b="1" dirty="0" err="1">
+                <a:latin typeface="Courier New" pitchFamily="49" charset="0"/>
+                <a:cs typeface="Courier New" pitchFamily="49" charset="0"/>
+              </a:rPr>
+              <a:t>int</a:t>
+            </a:r>
+            <a:r>
+              <a:rPr lang="it-IT" altLang="it-IT" sz="1400" b="1" dirty="0">
+                <a:latin typeface="Courier New" pitchFamily="49" charset="0"/>
+                <a:cs typeface="Courier New" pitchFamily="49" charset="0"/>
+              </a:rPr>
+              <a:t> p, </a:t>
+            </a:r>
+            <a:r>
+              <a:rPr lang="it-IT" altLang="it-IT" sz="1400" b="1" dirty="0" err="1">
+                <a:latin typeface="Courier New" pitchFamily="49" charset="0"/>
+                <a:cs typeface="Courier New" pitchFamily="49" charset="0"/>
+              </a:rPr>
+              <a:t>string</a:t>
+            </a:r>
+            <a:r>
+              <a:rPr lang="it-IT" altLang="it-IT" sz="1400" b="1" dirty="0">
+                <a:latin typeface="Courier New" pitchFamily="49" charset="0"/>
+                <a:cs typeface="Courier New" pitchFamily="49" charset="0"/>
+              </a:rPr>
+              <a:t> n ): Animale( a, p)</a:t>
             </a:r>
           </a:p>
           <a:p>
@@ -12057,7 +12194,7 @@
               <a:buNone/>
             </a:pPr>
             <a:r>
-              <a:rPr lang="it-IT" altLang="it-IT" sz="1400" b="1" smtClean="0">
+              <a:rPr lang="it-IT" altLang="it-IT" sz="1400" b="1" dirty="0">
                 <a:latin typeface="Courier New" pitchFamily="49" charset="0"/>
                 <a:cs typeface="Courier New" pitchFamily="49" charset="0"/>
               </a:rPr>
@@ -12070,11 +12207,25 @@
               <a:buNone/>
             </a:pPr>
             <a:r>
-              <a:rPr lang="it-IT" altLang="it-IT" sz="1400" b="1" smtClean="0">
+              <a:rPr lang="it-IT" altLang="it-IT" sz="1400" b="1" dirty="0">
                 <a:latin typeface="Courier New" pitchFamily="49" charset="0"/>
                 <a:cs typeface="Courier New" pitchFamily="49" charset="0"/>
               </a:rPr>
-              <a:t>	setNome( n );</a:t>
+              <a:t>	</a:t>
+            </a:r>
+            <a:r>
+              <a:rPr lang="it-IT" altLang="it-IT" sz="1400" b="1" dirty="0" err="1">
+                <a:latin typeface="Courier New" pitchFamily="49" charset="0"/>
+                <a:cs typeface="Courier New" pitchFamily="49" charset="0"/>
+              </a:rPr>
+              <a:t>setNome</a:t>
+            </a:r>
+            <a:r>
+              <a:rPr lang="it-IT" altLang="it-IT" sz="1400" b="1" dirty="0">
+                <a:latin typeface="Courier New" pitchFamily="49" charset="0"/>
+                <a:cs typeface="Courier New" pitchFamily="49" charset="0"/>
+              </a:rPr>
+              <a:t>( n );</a:t>
             </a:r>
           </a:p>
           <a:p>
@@ -12083,7 +12234,7 @@
               <a:buNone/>
             </a:pPr>
             <a:r>
-              <a:rPr lang="it-IT" altLang="it-IT" sz="1400" b="1" smtClean="0">
+              <a:rPr lang="it-IT" altLang="it-IT" sz="1400" b="1" dirty="0">
                 <a:latin typeface="Courier New" pitchFamily="49" charset="0"/>
                 <a:cs typeface="Courier New" pitchFamily="49" charset="0"/>
               </a:rPr>
@@ -12096,11 +12247,18 @@
               <a:buNone/>
             </a:pPr>
             <a:r>
-              <a:rPr lang="it-IT" altLang="it-IT" sz="1400" b="1" smtClean="0">
+              <a:rPr lang="it-IT" altLang="it-IT" sz="1400" b="1" dirty="0" err="1">
                 <a:latin typeface="Courier New" pitchFamily="49" charset="0"/>
                 <a:cs typeface="Courier New" pitchFamily="49" charset="0"/>
               </a:rPr>
-              <a:t>void Cane::visualizza()</a:t>
+              <a:t>void</a:t>
+            </a:r>
+            <a:r>
+              <a:rPr lang="it-IT" altLang="it-IT" sz="1400" b="1" dirty="0">
+                <a:latin typeface="Courier New" pitchFamily="49" charset="0"/>
+                <a:cs typeface="Courier New" pitchFamily="49" charset="0"/>
+              </a:rPr>
+              <a:t> Cane::visualizza()</a:t>
             </a:r>
           </a:p>
           <a:p>
@@ -12109,11 +12267,39 @@
               <a:buNone/>
             </a:pPr>
             <a:r>
-              <a:rPr lang="it-IT" altLang="it-IT" sz="1400" b="1" smtClean="0">
+              <a:rPr lang="it-IT" altLang="it-IT" sz="1400" b="1" dirty="0">
                 <a:latin typeface="Courier New" pitchFamily="49" charset="0"/>
                 <a:cs typeface="Courier New" pitchFamily="49" charset="0"/>
               </a:rPr>
-              <a:t>{  cout &lt;&lt; "Sono un cane di nome: " &lt;&lt; nome &lt;&lt; endl;  Animale::visualizza();</a:t>
+              <a:t>{  </a:t>
+            </a:r>
+            <a:r>
+              <a:rPr lang="it-IT" altLang="it-IT" sz="1400" b="1" dirty="0" err="1">
+                <a:latin typeface="Courier New" pitchFamily="49" charset="0"/>
+                <a:cs typeface="Courier New" pitchFamily="49" charset="0"/>
+              </a:rPr>
+              <a:t>cout</a:t>
+            </a:r>
+            <a:r>
+              <a:rPr lang="it-IT" altLang="it-IT" sz="1400" b="1" dirty="0">
+                <a:latin typeface="Courier New" pitchFamily="49" charset="0"/>
+                <a:cs typeface="Courier New" pitchFamily="49" charset="0"/>
+              </a:rPr>
+              <a:t> &lt;&lt; "Sono un cane di nome: " &lt;&lt; nome &lt;&lt; </a:t>
+            </a:r>
+            <a:r>
+              <a:rPr lang="it-IT" altLang="it-IT" sz="1400" b="1" dirty="0" err="1">
+                <a:latin typeface="Courier New" pitchFamily="49" charset="0"/>
+                <a:cs typeface="Courier New" pitchFamily="49" charset="0"/>
+              </a:rPr>
+              <a:t>endl</a:t>
+            </a:r>
+            <a:r>
+              <a:rPr lang="it-IT" altLang="it-IT" sz="1400" b="1" dirty="0">
+                <a:latin typeface="Courier New" pitchFamily="49" charset="0"/>
+                <a:cs typeface="Courier New" pitchFamily="49" charset="0"/>
+              </a:rPr>
+              <a:t>;  Animale::visualizza();</a:t>
             </a:r>
           </a:p>
           <a:p>
@@ -12122,7 +12308,7 @@
               <a:buNone/>
             </a:pPr>
             <a:r>
-              <a:rPr lang="it-IT" altLang="it-IT" sz="1400" b="1" smtClean="0">
+              <a:rPr lang="it-IT" altLang="it-IT" sz="1400" b="1" dirty="0">
                 <a:latin typeface="Courier New" pitchFamily="49" charset="0"/>
                 <a:cs typeface="Courier New" pitchFamily="49" charset="0"/>
               </a:rPr>
@@ -12276,7 +12462,7 @@
           <a:p>
             <a:pPr eaLnBrk="1" hangingPunct="1"/>
             <a:r>
-              <a:rPr lang="it-IT" altLang="it-IT" smtClean="0"/>
+              <a:rPr lang="it-IT" altLang="it-IT"/>
               <a:t>Alberto Ferrari</a:t>
             </a:r>
           </a:p>
@@ -12328,14 +12514,14 @@
           <a:lstStyle/>
           <a:p>
             <a:r>
-              <a:rPr lang="it-IT" altLang="it-IT" smtClean="0"/>
+              <a:rPr lang="it-IT" altLang="it-IT"/>
               <a:t>Le classi della gerarchia in C++</a:t>
             </a:r>
             <a:br>
-              <a:rPr lang="it-IT" altLang="it-IT" smtClean="0"/>
+              <a:rPr lang="it-IT" altLang="it-IT"/>
             </a:br>
             <a:r>
-              <a:rPr lang="it-IT" altLang="it-IT" smtClean="0"/>
+              <a:rPr lang="it-IT" altLang="it-IT"/>
               <a:t>Gatto</a:t>
             </a:r>
           </a:p>
@@ -12361,7 +12547,7 @@
               <a:buNone/>
             </a:pPr>
             <a:r>
-              <a:rPr lang="en-US" altLang="it-IT" sz="1600" b="1" smtClean="0">
+              <a:rPr lang="en-US" altLang="it-IT" sz="1600" b="1">
                 <a:latin typeface="Courier New" pitchFamily="49" charset="0"/>
                 <a:cs typeface="Courier New" pitchFamily="49" charset="0"/>
               </a:rPr>
@@ -12374,7 +12560,7 @@
               <a:buNone/>
             </a:pPr>
             <a:r>
-              <a:rPr lang="en-US" altLang="it-IT" sz="1600" b="1" smtClean="0">
+              <a:rPr lang="en-US" altLang="it-IT" sz="1600" b="1">
                 <a:latin typeface="Courier New" pitchFamily="49" charset="0"/>
                 <a:cs typeface="Courier New" pitchFamily="49" charset="0"/>
               </a:rPr>
@@ -12387,7 +12573,7 @@
               <a:buNone/>
             </a:pPr>
             <a:r>
-              <a:rPr lang="en-US" altLang="it-IT" sz="1600" b="1" smtClean="0">
+              <a:rPr lang="en-US" altLang="it-IT" sz="1600" b="1">
                 <a:latin typeface="Courier New" pitchFamily="49" charset="0"/>
                 <a:cs typeface="Courier New" pitchFamily="49" charset="0"/>
               </a:rPr>
@@ -12400,7 +12586,7 @@
               <a:buNone/>
             </a:pPr>
             <a:r>
-              <a:rPr lang="en-US" altLang="it-IT" sz="1600" b="1" smtClean="0">
+              <a:rPr lang="en-US" altLang="it-IT" sz="1600" b="1">
                 <a:latin typeface="Courier New" pitchFamily="49" charset="0"/>
                 <a:cs typeface="Courier New" pitchFamily="49" charset="0"/>
               </a:rPr>
@@ -12413,7 +12599,7 @@
               <a:buNone/>
             </a:pPr>
             <a:r>
-              <a:rPr lang="en-US" altLang="it-IT" sz="1600" b="1" smtClean="0">
+              <a:rPr lang="en-US" altLang="it-IT" sz="1600" b="1">
                 <a:latin typeface="Courier New" pitchFamily="49" charset="0"/>
                 <a:cs typeface="Courier New" pitchFamily="49" charset="0"/>
               </a:rPr>
@@ -12426,7 +12612,7 @@
               <a:buNone/>
             </a:pPr>
             <a:r>
-              <a:rPr lang="en-US" altLang="it-IT" sz="1600" b="1" smtClean="0">
+              <a:rPr lang="en-US" altLang="it-IT" sz="1600" b="1">
                 <a:latin typeface="Courier New" pitchFamily="49" charset="0"/>
                 <a:cs typeface="Courier New" pitchFamily="49" charset="0"/>
               </a:rPr>
@@ -12438,7 +12624,7 @@
               <a:buFont typeface="Wingdings" pitchFamily="2" charset="2"/>
               <a:buNone/>
             </a:pPr>
-            <a:endParaRPr lang="en-US" altLang="it-IT" sz="1600" b="1" smtClean="0">
+            <a:endParaRPr lang="en-US" altLang="it-IT" sz="1600" b="1">
               <a:latin typeface="Courier New" pitchFamily="49" charset="0"/>
               <a:cs typeface="Courier New" pitchFamily="49" charset="0"/>
             </a:endParaRPr>
@@ -12449,7 +12635,7 @@
               <a:buNone/>
             </a:pPr>
             <a:r>
-              <a:rPr lang="it-IT" altLang="it-IT" sz="1600" b="1" smtClean="0">
+              <a:rPr lang="it-IT" altLang="it-IT" sz="1600" b="1">
                 <a:latin typeface="Courier New" pitchFamily="49" charset="0"/>
                 <a:cs typeface="Courier New" pitchFamily="49" charset="0"/>
               </a:rPr>
@@ -12462,7 +12648,7 @@
               <a:buNone/>
             </a:pPr>
             <a:r>
-              <a:rPr lang="it-IT" altLang="it-IT" sz="1600" b="1" smtClean="0">
+              <a:rPr lang="it-IT" altLang="it-IT" sz="1600" b="1">
                 <a:latin typeface="Courier New" pitchFamily="49" charset="0"/>
                 <a:cs typeface="Courier New" pitchFamily="49" charset="0"/>
               </a:rPr>
@@ -12475,7 +12661,7 @@
               <a:buNone/>
             </a:pPr>
             <a:r>
-              <a:rPr lang="it-IT" altLang="it-IT" sz="1600" b="1" smtClean="0">
+              <a:rPr lang="it-IT" altLang="it-IT" sz="1600" b="1">
                 <a:latin typeface="Courier New" pitchFamily="49" charset="0"/>
                 <a:cs typeface="Courier New" pitchFamily="49" charset="0"/>
               </a:rPr>
@@ -12488,7 +12674,7 @@
               <a:buNone/>
             </a:pPr>
             <a:r>
-              <a:rPr lang="it-IT" altLang="it-IT" sz="1600" b="1" smtClean="0">
+              <a:rPr lang="it-IT" altLang="it-IT" sz="1600" b="1">
                 <a:latin typeface="Courier New" pitchFamily="49" charset="0"/>
                 <a:cs typeface="Courier New" pitchFamily="49" charset="0"/>
               </a:rPr>
@@ -12501,7 +12687,7 @@
               <a:buNone/>
             </a:pPr>
             <a:r>
-              <a:rPr lang="it-IT" altLang="it-IT" sz="1600" b="1" smtClean="0">
+              <a:rPr lang="it-IT" altLang="it-IT" sz="1600" b="1">
                 <a:latin typeface="Courier New" pitchFamily="49" charset="0"/>
                 <a:cs typeface="Courier New" pitchFamily="49" charset="0"/>
               </a:rPr>
@@ -12514,7 +12700,7 @@
               <a:buNone/>
             </a:pPr>
             <a:r>
-              <a:rPr lang="it-IT" altLang="it-IT" sz="1600" b="1" smtClean="0">
+              <a:rPr lang="it-IT" altLang="it-IT" sz="1600" b="1">
                 <a:latin typeface="Courier New" pitchFamily="49" charset="0"/>
                 <a:cs typeface="Courier New" pitchFamily="49" charset="0"/>
               </a:rPr>
@@ -12527,7 +12713,7 @@
               <a:buNone/>
             </a:pPr>
             <a:r>
-              <a:rPr lang="it-IT" altLang="it-IT" sz="1600" b="1" smtClean="0">
+              <a:rPr lang="it-IT" altLang="it-IT" sz="1600" b="1">
                 <a:latin typeface="Courier New" pitchFamily="49" charset="0"/>
                 <a:cs typeface="Courier New" pitchFamily="49" charset="0"/>
               </a:rPr>
@@ -12681,7 +12867,7 @@
           <a:p>
             <a:pPr eaLnBrk="1" hangingPunct="1"/>
             <a:r>
-              <a:rPr lang="it-IT" altLang="it-IT" smtClean="0"/>
+              <a:rPr lang="it-IT" altLang="it-IT"/>
               <a:t>Alberto Ferrari</a:t>
             </a:r>
           </a:p>
@@ -13417,7 +13603,7 @@
   </a:extraClrSchemeLst>
   <a:extLst>
     <a:ext uri="{05A4C25C-085E-4340-85A3-A5531E510DB2}">
-      <thm15:themeFamily xmlns:thm15="http://schemas.microsoft.com/office/thememl/2012/main" xmlns="" name="Presentazione standard1" id="{720784A3-3107-4508-B7A9-1EAB53AA14F5}" vid="{4D31596E-AA56-4C77-BB0E-A09A90A0996D}"/>
+      <thm15:themeFamily xmlns:thm15="http://schemas.microsoft.com/office/thememl/2012/main" name="Presentazione standard1" id="{720784A3-3107-4508-B7A9-1EAB53AA14F5}" vid="{4D31596E-AA56-4C77-BB0E-A09A90A0996D}"/>
     </a:ext>
   </a:extLst>
 </a:theme>
@@ -13712,7 +13898,7 @@
   <a:extraClrSchemeLst/>
   <a:extLst>
     <a:ext uri="{05A4C25C-085E-4340-85A3-A5531E510DB2}">
-      <thm15:themeFamily xmlns:thm15="http://schemas.microsoft.com/office/thememl/2012/main" xmlns="" name="Office Theme" id="{62F939B6-93AF-4DB8-9C6B-D6C7DFDC589F}" vid="{4A3C46E8-61CC-4603-A589-7422A47A8E4A}"/>
+      <thm15:themeFamily xmlns:thm15="http://schemas.microsoft.com/office/thememl/2012/main" name="Office Theme" id="{62F939B6-93AF-4DB8-9C6B-D6C7DFDC589F}" vid="{4A3C46E8-61CC-4603-A589-7422A47A8E4A}"/>
     </a:ext>
   </a:extLst>
 </a:theme>

--- a/lezioni/PASW05 - ereditarietà.pptx
+++ b/lezioni/PASW05 - ereditarietà.pptx
@@ -5,7 +5,7 @@
     <p:sldMasterId id="2147483649" r:id="rId1"/>
   </p:sldMasterIdLst>
   <p:notesMasterIdLst>
-    <p:notesMasterId r:id="rId35"/>
+    <p:notesMasterId r:id="rId37"/>
   </p:notesMasterIdLst>
   <p:sldIdLst>
     <p:sldId id="258" r:id="rId2"/>
@@ -30,17 +30,19 @@
     <p:sldId id="280" r:id="rId21"/>
     <p:sldId id="281" r:id="rId22"/>
     <p:sldId id="282" r:id="rId23"/>
-    <p:sldId id="292" r:id="rId24"/>
-    <p:sldId id="293" r:id="rId25"/>
-    <p:sldId id="294" r:id="rId26"/>
-    <p:sldId id="296" r:id="rId27"/>
-    <p:sldId id="295" r:id="rId28"/>
-    <p:sldId id="297" r:id="rId29"/>
-    <p:sldId id="298" r:id="rId30"/>
-    <p:sldId id="299" r:id="rId31"/>
-    <p:sldId id="300" r:id="rId32"/>
-    <p:sldId id="301" r:id="rId33"/>
-    <p:sldId id="302" r:id="rId34"/>
+    <p:sldId id="303" r:id="rId24"/>
+    <p:sldId id="304" r:id="rId25"/>
+    <p:sldId id="292" r:id="rId26"/>
+    <p:sldId id="293" r:id="rId27"/>
+    <p:sldId id="294" r:id="rId28"/>
+    <p:sldId id="296" r:id="rId29"/>
+    <p:sldId id="295" r:id="rId30"/>
+    <p:sldId id="297" r:id="rId31"/>
+    <p:sldId id="298" r:id="rId32"/>
+    <p:sldId id="299" r:id="rId33"/>
+    <p:sldId id="300" r:id="rId34"/>
+    <p:sldId id="301" r:id="rId35"/>
+    <p:sldId id="302" r:id="rId36"/>
   </p:sldIdLst>
   <p:sldSz cx="12192000" cy="6858000"/>
   <p:notesSz cx="6858000" cy="9144000"/>
@@ -270,7 +272,7 @@
           <a:p>
             <a:fld id="{537EE30C-6FCC-4D68-889C-61DBBB4BBB87}" type="datetimeFigureOut">
               <a:rPr lang="it-IT" smtClean="0"/>
-              <a:t>21/03/2018</a:t>
+              <a:t>22/03/2018</a:t>
             </a:fld>
             <a:endParaRPr lang="it-IT"/>
           </a:p>
@@ -9160,6 +9162,1876 @@
       </p:grpSpPr>
       <p:sp>
         <p:nvSpPr>
+          <p:cNvPr id="2" name="Titolo 1">
+            <a:extLst>
+              <a:ext uri="{FF2B5EF4-FFF2-40B4-BE49-F238E27FC236}">
+                <a16:creationId xmlns:a16="http://schemas.microsoft.com/office/drawing/2014/main" id="{C93AAA58-F075-4956-B5AB-6A45EBC95FA4}"/>
+              </a:ext>
+            </a:extLst>
+          </p:cNvPr>
+          <p:cNvSpPr>
+            <a:spLocks noGrp="1"/>
+          </p:cNvSpPr>
+          <p:nvPr>
+            <p:ph type="title"/>
+          </p:nvPr>
+        </p:nvSpPr>
+        <p:spPr/>
+        <p:txBody>
+          <a:bodyPr/>
+          <a:lstStyle/>
+          <a:p>
+            <a:r>
+              <a:rPr lang="it-IT" dirty="0"/>
+              <a:t>esempio: ereditarietà multipla</a:t>
+            </a:r>
+          </a:p>
+        </p:txBody>
+      </p:sp>
+      <p:sp>
+        <p:nvSpPr>
+          <p:cNvPr id="3" name="Segnaposto contenuto 2">
+            <a:extLst>
+              <a:ext uri="{FF2B5EF4-FFF2-40B4-BE49-F238E27FC236}">
+                <a16:creationId xmlns:a16="http://schemas.microsoft.com/office/drawing/2014/main" id="{61EC2CAD-5A8C-4B29-8878-E2532700ADAC}"/>
+              </a:ext>
+            </a:extLst>
+          </p:cNvPr>
+          <p:cNvSpPr>
+            <a:spLocks noGrp="1"/>
+          </p:cNvSpPr>
+          <p:nvPr>
+            <p:ph sz="half" idx="1"/>
+          </p:nvPr>
+        </p:nvSpPr>
+        <p:spPr/>
+        <p:txBody>
+          <a:bodyPr/>
+          <a:lstStyle/>
+          <a:p>
+            <a:pPr marL="0" indent="0">
+              <a:buNone/>
+            </a:pPr>
+            <a:r>
+              <a:rPr lang="it-IT" sz="1600" b="1" dirty="0">
+                <a:latin typeface="Courier New" panose="02070309020205020404" pitchFamily="49" charset="0"/>
+                <a:cs typeface="Courier New" panose="02070309020205020404" pitchFamily="49" charset="0"/>
+              </a:rPr>
+              <a:t>class </a:t>
+            </a:r>
+            <a:r>
+              <a:rPr lang="it-IT" sz="1600" b="1" dirty="0" err="1">
+                <a:latin typeface="Courier New" panose="02070309020205020404" pitchFamily="49" charset="0"/>
+                <a:cs typeface="Courier New" panose="02070309020205020404" pitchFamily="49" charset="0"/>
+              </a:rPr>
+              <a:t>MiaData</a:t>
+            </a:r>
+            <a:r>
+              <a:rPr lang="it-IT" sz="1600" b="1" dirty="0">
+                <a:latin typeface="Courier New" panose="02070309020205020404" pitchFamily="49" charset="0"/>
+                <a:cs typeface="Courier New" panose="02070309020205020404" pitchFamily="49" charset="0"/>
+              </a:rPr>
+              <a:t> {</a:t>
+            </a:r>
+          </a:p>
+          <a:p>
+            <a:pPr marL="0" indent="0">
+              <a:buNone/>
+            </a:pPr>
+            <a:r>
+              <a:rPr lang="it-IT" sz="1600" b="1" dirty="0">
+                <a:latin typeface="Courier New" panose="02070309020205020404" pitchFamily="49" charset="0"/>
+                <a:cs typeface="Courier New" panose="02070309020205020404" pitchFamily="49" charset="0"/>
+              </a:rPr>
+              <a:t>  public:</a:t>
+            </a:r>
+          </a:p>
+          <a:p>
+            <a:pPr marL="0" indent="0">
+              <a:buNone/>
+            </a:pPr>
+            <a:r>
+              <a:rPr lang="it-IT" sz="1600" b="1" dirty="0">
+                <a:latin typeface="Courier New" panose="02070309020205020404" pitchFamily="49" charset="0"/>
+                <a:cs typeface="Courier New" panose="02070309020205020404" pitchFamily="49" charset="0"/>
+              </a:rPr>
+              <a:t>    </a:t>
+            </a:r>
+            <a:r>
+              <a:rPr lang="it-IT" sz="1600" b="1" dirty="0" err="1">
+                <a:latin typeface="Courier New" panose="02070309020205020404" pitchFamily="49" charset="0"/>
+                <a:cs typeface="Courier New" panose="02070309020205020404" pitchFamily="49" charset="0"/>
+              </a:rPr>
+              <a:t>MiaData</a:t>
+            </a:r>
+            <a:r>
+              <a:rPr lang="it-IT" sz="1600" b="1" dirty="0">
+                <a:latin typeface="Courier New" panose="02070309020205020404" pitchFamily="49" charset="0"/>
+                <a:cs typeface="Courier New" panose="02070309020205020404" pitchFamily="49" charset="0"/>
+              </a:rPr>
+              <a:t>();</a:t>
+            </a:r>
+          </a:p>
+          <a:p>
+            <a:pPr marL="0" indent="0">
+              <a:buNone/>
+            </a:pPr>
+            <a:r>
+              <a:rPr lang="it-IT" sz="1600" b="1" dirty="0">
+                <a:latin typeface="Courier New" panose="02070309020205020404" pitchFamily="49" charset="0"/>
+                <a:cs typeface="Courier New" panose="02070309020205020404" pitchFamily="49" charset="0"/>
+              </a:rPr>
+              <a:t>    </a:t>
+            </a:r>
+            <a:r>
+              <a:rPr lang="it-IT" sz="1600" b="1" dirty="0" err="1">
+                <a:latin typeface="Courier New" panose="02070309020205020404" pitchFamily="49" charset="0"/>
+                <a:cs typeface="Courier New" panose="02070309020205020404" pitchFamily="49" charset="0"/>
+              </a:rPr>
+              <a:t>MiaData</a:t>
+            </a:r>
+            <a:r>
+              <a:rPr lang="it-IT" sz="1600" b="1" dirty="0">
+                <a:latin typeface="Courier New" panose="02070309020205020404" pitchFamily="49" charset="0"/>
+                <a:cs typeface="Courier New" panose="02070309020205020404" pitchFamily="49" charset="0"/>
+              </a:rPr>
+              <a:t>(</a:t>
+            </a:r>
+            <a:r>
+              <a:rPr lang="it-IT" sz="1600" b="1" dirty="0" err="1">
+                <a:latin typeface="Courier New" panose="02070309020205020404" pitchFamily="49" charset="0"/>
+                <a:cs typeface="Courier New" panose="02070309020205020404" pitchFamily="49" charset="0"/>
+              </a:rPr>
+              <a:t>int</a:t>
+            </a:r>
+            <a:r>
+              <a:rPr lang="it-IT" sz="1600" b="1" dirty="0">
+                <a:latin typeface="Courier New" panose="02070309020205020404" pitchFamily="49" charset="0"/>
+                <a:cs typeface="Courier New" panose="02070309020205020404" pitchFamily="49" charset="0"/>
+              </a:rPr>
+              <a:t> </a:t>
+            </a:r>
+            <a:r>
+              <a:rPr lang="it-IT" sz="1600" b="1" dirty="0" err="1">
+                <a:latin typeface="Courier New" panose="02070309020205020404" pitchFamily="49" charset="0"/>
+                <a:cs typeface="Courier New" panose="02070309020205020404" pitchFamily="49" charset="0"/>
+              </a:rPr>
+              <a:t>anno,int</a:t>
+            </a:r>
+            <a:r>
+              <a:rPr lang="it-IT" sz="1600" b="1" dirty="0">
+                <a:latin typeface="Courier New" panose="02070309020205020404" pitchFamily="49" charset="0"/>
+                <a:cs typeface="Courier New" panose="02070309020205020404" pitchFamily="49" charset="0"/>
+              </a:rPr>
+              <a:t> </a:t>
+            </a:r>
+            <a:r>
+              <a:rPr lang="it-IT" sz="1600" b="1" dirty="0" err="1">
+                <a:latin typeface="Courier New" panose="02070309020205020404" pitchFamily="49" charset="0"/>
+                <a:cs typeface="Courier New" panose="02070309020205020404" pitchFamily="49" charset="0"/>
+              </a:rPr>
+              <a:t>mese,int</a:t>
+            </a:r>
+            <a:r>
+              <a:rPr lang="it-IT" sz="1600" b="1" dirty="0">
+                <a:latin typeface="Courier New" panose="02070309020205020404" pitchFamily="49" charset="0"/>
+                <a:cs typeface="Courier New" panose="02070309020205020404" pitchFamily="49" charset="0"/>
+              </a:rPr>
+              <a:t> giorno);</a:t>
+            </a:r>
+          </a:p>
+          <a:p>
+            <a:pPr marL="0" indent="0">
+              <a:buNone/>
+            </a:pPr>
+            <a:r>
+              <a:rPr lang="it-IT" sz="1600" b="1" dirty="0">
+                <a:latin typeface="Courier New" panose="02070309020205020404" pitchFamily="49" charset="0"/>
+                <a:cs typeface="Courier New" panose="02070309020205020404" pitchFamily="49" charset="0"/>
+              </a:rPr>
+              <a:t>    … (</a:t>
+            </a:r>
+            <a:r>
+              <a:rPr lang="it-IT" sz="1600" b="1" dirty="0" err="1">
+                <a:latin typeface="Courier New" panose="02070309020205020404" pitchFamily="49" charset="0"/>
+                <a:cs typeface="Courier New" panose="02070309020205020404" pitchFamily="49" charset="0"/>
+              </a:rPr>
+              <a:t>getter</a:t>
+            </a:r>
+            <a:r>
+              <a:rPr lang="it-IT" sz="1600" b="1" dirty="0">
+                <a:latin typeface="Courier New" panose="02070309020205020404" pitchFamily="49" charset="0"/>
+                <a:cs typeface="Courier New" panose="02070309020205020404" pitchFamily="49" charset="0"/>
+              </a:rPr>
+              <a:t> e setter) …</a:t>
+            </a:r>
+          </a:p>
+          <a:p>
+            <a:pPr marL="0" indent="0">
+              <a:buNone/>
+            </a:pPr>
+            <a:r>
+              <a:rPr lang="it-IT" sz="1600" b="1" dirty="0">
+                <a:latin typeface="Courier New" panose="02070309020205020404" pitchFamily="49" charset="0"/>
+                <a:cs typeface="Courier New" panose="02070309020205020404" pitchFamily="49" charset="0"/>
+              </a:rPr>
+              <a:t>    </a:t>
+            </a:r>
+            <a:r>
+              <a:rPr lang="it-IT" sz="1600" b="1" dirty="0" err="1">
+                <a:latin typeface="Courier New" panose="02070309020205020404" pitchFamily="49" charset="0"/>
+                <a:cs typeface="Courier New" panose="02070309020205020404" pitchFamily="49" charset="0"/>
+              </a:rPr>
+              <a:t>void</a:t>
+            </a:r>
+            <a:r>
+              <a:rPr lang="it-IT" sz="1600" b="1" dirty="0">
+                <a:latin typeface="Courier New" panose="02070309020205020404" pitchFamily="49" charset="0"/>
+                <a:cs typeface="Courier New" panose="02070309020205020404" pitchFamily="49" charset="0"/>
+              </a:rPr>
+              <a:t> stampa() </a:t>
+            </a:r>
+            <a:r>
+              <a:rPr lang="it-IT" sz="1600" b="1" dirty="0" err="1">
+                <a:latin typeface="Courier New" panose="02070309020205020404" pitchFamily="49" charset="0"/>
+                <a:cs typeface="Courier New" panose="02070309020205020404" pitchFamily="49" charset="0"/>
+              </a:rPr>
+              <a:t>const</a:t>
+            </a:r>
+            <a:r>
+              <a:rPr lang="it-IT" sz="1600" b="1" dirty="0">
+                <a:latin typeface="Courier New" panose="02070309020205020404" pitchFamily="49" charset="0"/>
+                <a:cs typeface="Courier New" panose="02070309020205020404" pitchFamily="49" charset="0"/>
+              </a:rPr>
+              <a:t>;</a:t>
+            </a:r>
+          </a:p>
+          <a:p>
+            <a:pPr marL="0" indent="0">
+              <a:buNone/>
+            </a:pPr>
+            <a:r>
+              <a:rPr lang="it-IT" sz="1600" b="1" dirty="0">
+                <a:latin typeface="Courier New" panose="02070309020205020404" pitchFamily="49" charset="0"/>
+                <a:cs typeface="Courier New" panose="02070309020205020404" pitchFamily="49" charset="0"/>
+              </a:rPr>
+              <a:t>  private:</a:t>
+            </a:r>
+          </a:p>
+          <a:p>
+            <a:pPr marL="0" indent="0">
+              <a:buNone/>
+            </a:pPr>
+            <a:r>
+              <a:rPr lang="it-IT" sz="1600" b="1" dirty="0">
+                <a:latin typeface="Courier New" panose="02070309020205020404" pitchFamily="49" charset="0"/>
+                <a:cs typeface="Courier New" panose="02070309020205020404" pitchFamily="49" charset="0"/>
+              </a:rPr>
+              <a:t>    </a:t>
+            </a:r>
+            <a:r>
+              <a:rPr lang="it-IT" sz="1600" b="1" dirty="0" err="1">
+                <a:latin typeface="Courier New" panose="02070309020205020404" pitchFamily="49" charset="0"/>
+                <a:cs typeface="Courier New" panose="02070309020205020404" pitchFamily="49" charset="0"/>
+              </a:rPr>
+              <a:t>int</a:t>
+            </a:r>
+            <a:r>
+              <a:rPr lang="it-IT" sz="1600" b="1" dirty="0">
+                <a:latin typeface="Courier New" panose="02070309020205020404" pitchFamily="49" charset="0"/>
+                <a:cs typeface="Courier New" panose="02070309020205020404" pitchFamily="49" charset="0"/>
+              </a:rPr>
+              <a:t> anno;</a:t>
+            </a:r>
+          </a:p>
+          <a:p>
+            <a:pPr marL="0" indent="0">
+              <a:buNone/>
+            </a:pPr>
+            <a:r>
+              <a:rPr lang="it-IT" sz="1600" b="1" dirty="0">
+                <a:latin typeface="Courier New" panose="02070309020205020404" pitchFamily="49" charset="0"/>
+                <a:cs typeface="Courier New" panose="02070309020205020404" pitchFamily="49" charset="0"/>
+              </a:rPr>
+              <a:t>    </a:t>
+            </a:r>
+            <a:r>
+              <a:rPr lang="it-IT" sz="1600" b="1" dirty="0" err="1">
+                <a:latin typeface="Courier New" panose="02070309020205020404" pitchFamily="49" charset="0"/>
+                <a:cs typeface="Courier New" panose="02070309020205020404" pitchFamily="49" charset="0"/>
+              </a:rPr>
+              <a:t>int</a:t>
+            </a:r>
+            <a:r>
+              <a:rPr lang="it-IT" sz="1600" b="1" dirty="0">
+                <a:latin typeface="Courier New" panose="02070309020205020404" pitchFamily="49" charset="0"/>
+                <a:cs typeface="Courier New" panose="02070309020205020404" pitchFamily="49" charset="0"/>
+              </a:rPr>
+              <a:t> mese;</a:t>
+            </a:r>
+          </a:p>
+          <a:p>
+            <a:pPr marL="0" indent="0">
+              <a:buNone/>
+            </a:pPr>
+            <a:r>
+              <a:rPr lang="it-IT" sz="1600" b="1" dirty="0">
+                <a:latin typeface="Courier New" panose="02070309020205020404" pitchFamily="49" charset="0"/>
+                <a:cs typeface="Courier New" panose="02070309020205020404" pitchFamily="49" charset="0"/>
+              </a:rPr>
+              <a:t>    </a:t>
+            </a:r>
+            <a:r>
+              <a:rPr lang="it-IT" sz="1600" b="1" dirty="0" err="1">
+                <a:latin typeface="Courier New" panose="02070309020205020404" pitchFamily="49" charset="0"/>
+                <a:cs typeface="Courier New" panose="02070309020205020404" pitchFamily="49" charset="0"/>
+              </a:rPr>
+              <a:t>int</a:t>
+            </a:r>
+            <a:r>
+              <a:rPr lang="it-IT" sz="1600" b="1" dirty="0">
+                <a:latin typeface="Courier New" panose="02070309020205020404" pitchFamily="49" charset="0"/>
+                <a:cs typeface="Courier New" panose="02070309020205020404" pitchFamily="49" charset="0"/>
+              </a:rPr>
+              <a:t> giorno;</a:t>
+            </a:r>
+          </a:p>
+          <a:p>
+            <a:pPr marL="0" indent="0">
+              <a:buNone/>
+            </a:pPr>
+            <a:r>
+              <a:rPr lang="it-IT" sz="1600" b="1" dirty="0">
+                <a:latin typeface="Courier New" panose="02070309020205020404" pitchFamily="49" charset="0"/>
+                <a:cs typeface="Courier New" panose="02070309020205020404" pitchFamily="49" charset="0"/>
+              </a:rPr>
+              <a:t>};</a:t>
+            </a:r>
+          </a:p>
+        </p:txBody>
+      </p:sp>
+      <p:sp>
+        <p:nvSpPr>
+          <p:cNvPr id="4" name="Segnaposto contenuto 3">
+            <a:extLst>
+              <a:ext uri="{FF2B5EF4-FFF2-40B4-BE49-F238E27FC236}">
+                <a16:creationId xmlns:a16="http://schemas.microsoft.com/office/drawing/2014/main" id="{47E08A9F-F465-4B3C-AF7C-8E230B59768D}"/>
+              </a:ext>
+            </a:extLst>
+          </p:cNvPr>
+          <p:cNvSpPr>
+            <a:spLocks noGrp="1"/>
+          </p:cNvSpPr>
+          <p:nvPr>
+            <p:ph sz="half" idx="2"/>
+          </p:nvPr>
+        </p:nvSpPr>
+        <p:spPr/>
+        <p:txBody>
+          <a:bodyPr/>
+          <a:lstStyle/>
+          <a:p>
+            <a:pPr marL="0" indent="0">
+              <a:buNone/>
+            </a:pPr>
+            <a:r>
+              <a:rPr lang="it-IT" sz="1600" b="1" dirty="0">
+                <a:latin typeface="Courier New" panose="02070309020205020404" pitchFamily="49" charset="0"/>
+                <a:cs typeface="Courier New" panose="02070309020205020404" pitchFamily="49" charset="0"/>
+              </a:rPr>
+              <a:t>class </a:t>
+            </a:r>
+            <a:r>
+              <a:rPr lang="it-IT" sz="1600" b="1" dirty="0" err="1">
+                <a:latin typeface="Courier New" panose="02070309020205020404" pitchFamily="49" charset="0"/>
+                <a:cs typeface="Courier New" panose="02070309020205020404" pitchFamily="49" charset="0"/>
+              </a:rPr>
+              <a:t>MiaOra</a:t>
+            </a:r>
+            <a:r>
+              <a:rPr lang="it-IT" sz="1600" b="1" dirty="0">
+                <a:latin typeface="Courier New" panose="02070309020205020404" pitchFamily="49" charset="0"/>
+                <a:cs typeface="Courier New" panose="02070309020205020404" pitchFamily="49" charset="0"/>
+              </a:rPr>
+              <a:t> {</a:t>
+            </a:r>
+          </a:p>
+          <a:p>
+            <a:pPr marL="0" indent="0">
+              <a:buNone/>
+            </a:pPr>
+            <a:r>
+              <a:rPr lang="it-IT" sz="1600" b="1" dirty="0">
+                <a:latin typeface="Courier New" panose="02070309020205020404" pitchFamily="49" charset="0"/>
+                <a:cs typeface="Courier New" panose="02070309020205020404" pitchFamily="49" charset="0"/>
+              </a:rPr>
+              <a:t>  public:</a:t>
+            </a:r>
+          </a:p>
+          <a:p>
+            <a:pPr marL="0" indent="0">
+              <a:buNone/>
+            </a:pPr>
+            <a:r>
+              <a:rPr lang="it-IT" sz="1600" b="1" dirty="0">
+                <a:latin typeface="Courier New" panose="02070309020205020404" pitchFamily="49" charset="0"/>
+                <a:cs typeface="Courier New" panose="02070309020205020404" pitchFamily="49" charset="0"/>
+              </a:rPr>
+              <a:t>    </a:t>
+            </a:r>
+            <a:r>
+              <a:rPr lang="it-IT" sz="1600" b="1" dirty="0" err="1">
+                <a:latin typeface="Courier New" panose="02070309020205020404" pitchFamily="49" charset="0"/>
+                <a:cs typeface="Courier New" panose="02070309020205020404" pitchFamily="49" charset="0"/>
+              </a:rPr>
+              <a:t>MiaOra</a:t>
+            </a:r>
+            <a:r>
+              <a:rPr lang="it-IT" sz="1600" b="1" dirty="0">
+                <a:latin typeface="Courier New" panose="02070309020205020404" pitchFamily="49" charset="0"/>
+                <a:cs typeface="Courier New" panose="02070309020205020404" pitchFamily="49" charset="0"/>
+              </a:rPr>
+              <a:t>();</a:t>
+            </a:r>
+          </a:p>
+          <a:p>
+            <a:pPr marL="0" indent="0">
+              <a:buNone/>
+            </a:pPr>
+            <a:r>
+              <a:rPr lang="it-IT" sz="1600" b="1" dirty="0">
+                <a:latin typeface="Courier New" panose="02070309020205020404" pitchFamily="49" charset="0"/>
+                <a:cs typeface="Courier New" panose="02070309020205020404" pitchFamily="49" charset="0"/>
+              </a:rPr>
+              <a:t>    </a:t>
+            </a:r>
+            <a:r>
+              <a:rPr lang="it-IT" sz="1600" b="1" dirty="0" err="1">
+                <a:latin typeface="Courier New" panose="02070309020205020404" pitchFamily="49" charset="0"/>
+                <a:cs typeface="Courier New" panose="02070309020205020404" pitchFamily="49" charset="0"/>
+              </a:rPr>
+              <a:t>MiaOra</a:t>
+            </a:r>
+            <a:r>
+              <a:rPr lang="it-IT" sz="1600" b="1" dirty="0">
+                <a:latin typeface="Courier New" panose="02070309020205020404" pitchFamily="49" charset="0"/>
+                <a:cs typeface="Courier New" panose="02070309020205020404" pitchFamily="49" charset="0"/>
+              </a:rPr>
+              <a:t>(</a:t>
+            </a:r>
+            <a:r>
+              <a:rPr lang="it-IT" sz="1600" b="1" dirty="0" err="1">
+                <a:latin typeface="Courier New" panose="02070309020205020404" pitchFamily="49" charset="0"/>
+                <a:cs typeface="Courier New" panose="02070309020205020404" pitchFamily="49" charset="0"/>
+              </a:rPr>
+              <a:t>int</a:t>
+            </a:r>
+            <a:r>
+              <a:rPr lang="it-IT" sz="1600" b="1" dirty="0">
+                <a:latin typeface="Courier New" panose="02070309020205020404" pitchFamily="49" charset="0"/>
+                <a:cs typeface="Courier New" panose="02070309020205020404" pitchFamily="49" charset="0"/>
+              </a:rPr>
+              <a:t> minuto, </a:t>
+            </a:r>
+            <a:r>
+              <a:rPr lang="it-IT" sz="1600" b="1" dirty="0" err="1">
+                <a:latin typeface="Courier New" panose="02070309020205020404" pitchFamily="49" charset="0"/>
+                <a:cs typeface="Courier New" panose="02070309020205020404" pitchFamily="49" charset="0"/>
+              </a:rPr>
+              <a:t>int</a:t>
+            </a:r>
+            <a:r>
+              <a:rPr lang="it-IT" sz="1600" b="1" dirty="0">
+                <a:latin typeface="Courier New" panose="02070309020205020404" pitchFamily="49" charset="0"/>
+                <a:cs typeface="Courier New" panose="02070309020205020404" pitchFamily="49" charset="0"/>
+              </a:rPr>
+              <a:t> secondo);</a:t>
+            </a:r>
+          </a:p>
+          <a:p>
+            <a:pPr marL="0" indent="0">
+              <a:buNone/>
+            </a:pPr>
+            <a:r>
+              <a:rPr lang="it-IT" sz="1600" b="1" dirty="0">
+                <a:latin typeface="Courier New" panose="02070309020205020404" pitchFamily="49" charset="0"/>
+                <a:cs typeface="Courier New" panose="02070309020205020404" pitchFamily="49" charset="0"/>
+              </a:rPr>
+              <a:t>    … (</a:t>
+            </a:r>
+            <a:r>
+              <a:rPr lang="it-IT" sz="1600" b="1" dirty="0" err="1">
+                <a:latin typeface="Courier New" panose="02070309020205020404" pitchFamily="49" charset="0"/>
+                <a:cs typeface="Courier New" panose="02070309020205020404" pitchFamily="49" charset="0"/>
+              </a:rPr>
+              <a:t>getter</a:t>
+            </a:r>
+            <a:r>
+              <a:rPr lang="it-IT" sz="1600" b="1" dirty="0">
+                <a:latin typeface="Courier New" panose="02070309020205020404" pitchFamily="49" charset="0"/>
+                <a:cs typeface="Courier New" panose="02070309020205020404" pitchFamily="49" charset="0"/>
+              </a:rPr>
+              <a:t> e setter) …</a:t>
+            </a:r>
+          </a:p>
+          <a:p>
+            <a:pPr marL="0" indent="0">
+              <a:buNone/>
+            </a:pPr>
+            <a:r>
+              <a:rPr lang="it-IT" sz="1600" b="1" dirty="0">
+                <a:latin typeface="Courier New" panose="02070309020205020404" pitchFamily="49" charset="0"/>
+                <a:cs typeface="Courier New" panose="02070309020205020404" pitchFamily="49" charset="0"/>
+              </a:rPr>
+              <a:t>    </a:t>
+            </a:r>
+            <a:r>
+              <a:rPr lang="it-IT" sz="1600" b="1" dirty="0" err="1">
+                <a:latin typeface="Courier New" panose="02070309020205020404" pitchFamily="49" charset="0"/>
+                <a:cs typeface="Courier New" panose="02070309020205020404" pitchFamily="49" charset="0"/>
+              </a:rPr>
+              <a:t>void</a:t>
+            </a:r>
+            <a:r>
+              <a:rPr lang="it-IT" sz="1600" b="1" dirty="0">
+                <a:latin typeface="Courier New" panose="02070309020205020404" pitchFamily="49" charset="0"/>
+                <a:cs typeface="Courier New" panose="02070309020205020404" pitchFamily="49" charset="0"/>
+              </a:rPr>
+              <a:t> stampa() </a:t>
+            </a:r>
+            <a:r>
+              <a:rPr lang="it-IT" sz="1600" b="1" dirty="0" err="1">
+                <a:latin typeface="Courier New" panose="02070309020205020404" pitchFamily="49" charset="0"/>
+                <a:cs typeface="Courier New" panose="02070309020205020404" pitchFamily="49" charset="0"/>
+              </a:rPr>
+              <a:t>const</a:t>
+            </a:r>
+            <a:r>
+              <a:rPr lang="it-IT" sz="1600" b="1" dirty="0">
+                <a:latin typeface="Courier New" panose="02070309020205020404" pitchFamily="49" charset="0"/>
+                <a:cs typeface="Courier New" panose="02070309020205020404" pitchFamily="49" charset="0"/>
+              </a:rPr>
+              <a:t>;</a:t>
+            </a:r>
+          </a:p>
+          <a:p>
+            <a:pPr marL="0" indent="0">
+              <a:buNone/>
+            </a:pPr>
+            <a:r>
+              <a:rPr lang="it-IT" sz="1600" b="1" dirty="0">
+                <a:latin typeface="Courier New" panose="02070309020205020404" pitchFamily="49" charset="0"/>
+                <a:cs typeface="Courier New" panose="02070309020205020404" pitchFamily="49" charset="0"/>
+              </a:rPr>
+              <a:t>  private:</a:t>
+            </a:r>
+          </a:p>
+          <a:p>
+            <a:pPr marL="0" indent="0">
+              <a:buNone/>
+            </a:pPr>
+            <a:r>
+              <a:rPr lang="it-IT" sz="1600" b="1" dirty="0">
+                <a:latin typeface="Courier New" panose="02070309020205020404" pitchFamily="49" charset="0"/>
+                <a:cs typeface="Courier New" panose="02070309020205020404" pitchFamily="49" charset="0"/>
+              </a:rPr>
+              <a:t>    </a:t>
+            </a:r>
+            <a:r>
+              <a:rPr lang="it-IT" sz="1600" b="1" dirty="0" err="1">
+                <a:latin typeface="Courier New" panose="02070309020205020404" pitchFamily="49" charset="0"/>
+                <a:cs typeface="Courier New" panose="02070309020205020404" pitchFamily="49" charset="0"/>
+              </a:rPr>
+              <a:t>int</a:t>
+            </a:r>
+            <a:r>
+              <a:rPr lang="it-IT" sz="1600" b="1" dirty="0">
+                <a:latin typeface="Courier New" panose="02070309020205020404" pitchFamily="49" charset="0"/>
+                <a:cs typeface="Courier New" panose="02070309020205020404" pitchFamily="49" charset="0"/>
+              </a:rPr>
+              <a:t> minuto;</a:t>
+            </a:r>
+          </a:p>
+          <a:p>
+            <a:pPr marL="0" indent="0">
+              <a:buNone/>
+            </a:pPr>
+            <a:r>
+              <a:rPr lang="it-IT" sz="1600" b="1" dirty="0">
+                <a:latin typeface="Courier New" panose="02070309020205020404" pitchFamily="49" charset="0"/>
+                <a:cs typeface="Courier New" panose="02070309020205020404" pitchFamily="49" charset="0"/>
+              </a:rPr>
+              <a:t>    </a:t>
+            </a:r>
+            <a:r>
+              <a:rPr lang="it-IT" sz="1600" b="1" dirty="0" err="1">
+                <a:latin typeface="Courier New" panose="02070309020205020404" pitchFamily="49" charset="0"/>
+                <a:cs typeface="Courier New" panose="02070309020205020404" pitchFamily="49" charset="0"/>
+              </a:rPr>
+              <a:t>int</a:t>
+            </a:r>
+            <a:r>
+              <a:rPr lang="it-IT" sz="1600" b="1" dirty="0">
+                <a:latin typeface="Courier New" panose="02070309020205020404" pitchFamily="49" charset="0"/>
+                <a:cs typeface="Courier New" panose="02070309020205020404" pitchFamily="49" charset="0"/>
+              </a:rPr>
+              <a:t> secondo;</a:t>
+            </a:r>
+          </a:p>
+          <a:p>
+            <a:pPr marL="0" indent="0">
+              <a:buNone/>
+            </a:pPr>
+            <a:r>
+              <a:rPr lang="it-IT" sz="1600" b="1" dirty="0">
+                <a:latin typeface="Courier New" panose="02070309020205020404" pitchFamily="49" charset="0"/>
+                <a:cs typeface="Courier New" panose="02070309020205020404" pitchFamily="49" charset="0"/>
+              </a:rPr>
+              <a:t>};</a:t>
+            </a:r>
+          </a:p>
+        </p:txBody>
+      </p:sp>
+      <p:sp>
+        <p:nvSpPr>
+          <p:cNvPr id="5" name="Segnaposto piè di pagina 4">
+            <a:extLst>
+              <a:ext uri="{FF2B5EF4-FFF2-40B4-BE49-F238E27FC236}">
+                <a16:creationId xmlns:a16="http://schemas.microsoft.com/office/drawing/2014/main" id="{2B8F0DB9-FA45-4D34-9A5D-F6498312443B}"/>
+              </a:ext>
+            </a:extLst>
+          </p:cNvPr>
+          <p:cNvSpPr>
+            <a:spLocks noGrp="1"/>
+          </p:cNvSpPr>
+          <p:nvPr>
+            <p:ph type="ftr" sz="quarter" idx="11"/>
+          </p:nvPr>
+        </p:nvSpPr>
+        <p:spPr/>
+        <p:txBody>
+          <a:bodyPr/>
+          <a:lstStyle/>
+          <a:p>
+            <a:pPr>
+              <a:defRPr/>
+            </a:pPr>
+            <a:r>
+              <a:rPr lang="it-IT"/>
+              <a:t>Alberto Ferrari – Programmazione di applicazioni SW</a:t>
+            </a:r>
+            <a:endParaRPr lang="it-IT" dirty="0"/>
+          </a:p>
+        </p:txBody>
+      </p:sp>
+    </p:spTree>
+    <p:extLst>
+      <p:ext uri="{BB962C8B-B14F-4D97-AF65-F5344CB8AC3E}">
+        <p14:creationId xmlns:p14="http://schemas.microsoft.com/office/powerpoint/2010/main" val="2811981962"/>
+      </p:ext>
+    </p:extLst>
+  </p:cSld>
+  <p:clrMapOvr>
+    <a:masterClrMapping/>
+  </p:clrMapOvr>
+</p:sld>
+</file>
+
+<file path=ppt/slides/slide24.xml><?xml version="1.0" encoding="utf-8"?>
+<p:sld xmlns:a="http://schemas.openxmlformats.org/drawingml/2006/main" xmlns:r="http://schemas.openxmlformats.org/officeDocument/2006/relationships" xmlns:p="http://schemas.openxmlformats.org/presentationml/2006/main">
+  <p:cSld>
+    <p:spTree>
+      <p:nvGrpSpPr>
+        <p:cNvPr id="1" name=""/>
+        <p:cNvGrpSpPr/>
+        <p:nvPr/>
+      </p:nvGrpSpPr>
+      <p:grpSpPr>
+        <a:xfrm>
+          <a:off x="0" y="0"/>
+          <a:ext cx="0" cy="0"/>
+          <a:chOff x="0" y="0"/>
+          <a:chExt cx="0" cy="0"/>
+        </a:xfrm>
+      </p:grpSpPr>
+      <p:sp>
+        <p:nvSpPr>
+          <p:cNvPr id="2" name="Titolo 1">
+            <a:extLst>
+              <a:ext uri="{FF2B5EF4-FFF2-40B4-BE49-F238E27FC236}">
+                <a16:creationId xmlns:a16="http://schemas.microsoft.com/office/drawing/2014/main" id="{C93AAA58-F075-4956-B5AB-6A45EBC95FA4}"/>
+              </a:ext>
+            </a:extLst>
+          </p:cNvPr>
+          <p:cNvSpPr>
+            <a:spLocks noGrp="1"/>
+          </p:cNvSpPr>
+          <p:nvPr>
+            <p:ph type="title"/>
+          </p:nvPr>
+        </p:nvSpPr>
+        <p:spPr/>
+        <p:txBody>
+          <a:bodyPr/>
+          <a:lstStyle/>
+          <a:p>
+            <a:r>
+              <a:rPr lang="it-IT" dirty="0"/>
+              <a:t>esempio: ereditarietà multipla</a:t>
+            </a:r>
+          </a:p>
+        </p:txBody>
+      </p:sp>
+      <p:sp>
+        <p:nvSpPr>
+          <p:cNvPr id="3" name="Segnaposto contenuto 2">
+            <a:extLst>
+              <a:ext uri="{FF2B5EF4-FFF2-40B4-BE49-F238E27FC236}">
+                <a16:creationId xmlns:a16="http://schemas.microsoft.com/office/drawing/2014/main" id="{61EC2CAD-5A8C-4B29-8878-E2532700ADAC}"/>
+              </a:ext>
+            </a:extLst>
+          </p:cNvPr>
+          <p:cNvSpPr>
+            <a:spLocks noGrp="1"/>
+          </p:cNvSpPr>
+          <p:nvPr>
+            <p:ph sz="half" idx="1"/>
+          </p:nvPr>
+        </p:nvSpPr>
+        <p:spPr/>
+        <p:txBody>
+          <a:bodyPr/>
+          <a:lstStyle/>
+          <a:p>
+            <a:pPr marL="0" indent="0">
+              <a:buNone/>
+            </a:pPr>
+            <a:r>
+              <a:rPr lang="it-IT" sz="1600" b="1" dirty="0">
+                <a:latin typeface="Courier New" panose="02070309020205020404" pitchFamily="49" charset="0"/>
+                <a:cs typeface="Courier New" panose="02070309020205020404" pitchFamily="49" charset="0"/>
+              </a:rPr>
+              <a:t>class </a:t>
+            </a:r>
+            <a:r>
+              <a:rPr lang="it-IT" sz="1600" b="1" dirty="0" err="1">
+                <a:latin typeface="Courier New" panose="02070309020205020404" pitchFamily="49" charset="0"/>
+                <a:cs typeface="Courier New" panose="02070309020205020404" pitchFamily="49" charset="0"/>
+              </a:rPr>
+              <a:t>MiaDataOra</a:t>
+            </a:r>
+            <a:r>
+              <a:rPr lang="it-IT" sz="1600" b="1" dirty="0">
+                <a:latin typeface="Courier New" panose="02070309020205020404" pitchFamily="49" charset="0"/>
+                <a:cs typeface="Courier New" panose="02070309020205020404" pitchFamily="49" charset="0"/>
+              </a:rPr>
+              <a:t> : public </a:t>
+            </a:r>
+            <a:r>
+              <a:rPr lang="it-IT" sz="1600" b="1" dirty="0" err="1">
+                <a:latin typeface="Courier New" panose="02070309020205020404" pitchFamily="49" charset="0"/>
+                <a:cs typeface="Courier New" panose="02070309020205020404" pitchFamily="49" charset="0"/>
+              </a:rPr>
+              <a:t>MiaData</a:t>
+            </a:r>
+            <a:r>
+              <a:rPr lang="it-IT" sz="1600" b="1" dirty="0">
+                <a:latin typeface="Courier New" panose="02070309020205020404" pitchFamily="49" charset="0"/>
+                <a:cs typeface="Courier New" panose="02070309020205020404" pitchFamily="49" charset="0"/>
+              </a:rPr>
+              <a:t>, </a:t>
+            </a:r>
+          </a:p>
+          <a:p>
+            <a:pPr marL="0" indent="0">
+              <a:buNone/>
+            </a:pPr>
+            <a:r>
+              <a:rPr lang="it-IT" sz="1600" b="1" dirty="0">
+                <a:latin typeface="Courier New" panose="02070309020205020404" pitchFamily="49" charset="0"/>
+                <a:cs typeface="Courier New" panose="02070309020205020404" pitchFamily="49" charset="0"/>
+              </a:rPr>
+              <a:t>                   public </a:t>
+            </a:r>
+            <a:r>
+              <a:rPr lang="it-IT" sz="1600" b="1" dirty="0" err="1">
+                <a:latin typeface="Courier New" panose="02070309020205020404" pitchFamily="49" charset="0"/>
+                <a:cs typeface="Courier New" panose="02070309020205020404" pitchFamily="49" charset="0"/>
+              </a:rPr>
+              <a:t>MiaOra</a:t>
+            </a:r>
+            <a:endParaRPr lang="it-IT" sz="1600" b="1" dirty="0">
+              <a:latin typeface="Courier New" panose="02070309020205020404" pitchFamily="49" charset="0"/>
+              <a:cs typeface="Courier New" panose="02070309020205020404" pitchFamily="49" charset="0"/>
+            </a:endParaRPr>
+          </a:p>
+          <a:p>
+            <a:pPr marL="0" indent="0">
+              <a:buNone/>
+            </a:pPr>
+            <a:r>
+              <a:rPr lang="it-IT" sz="1600" b="1" dirty="0">
+                <a:latin typeface="Courier New" panose="02070309020205020404" pitchFamily="49" charset="0"/>
+                <a:cs typeface="Courier New" panose="02070309020205020404" pitchFamily="49" charset="0"/>
+              </a:rPr>
+              <a:t>{</a:t>
+            </a:r>
+          </a:p>
+          <a:p>
+            <a:pPr marL="0" indent="0">
+              <a:buNone/>
+            </a:pPr>
+            <a:r>
+              <a:rPr lang="it-IT" sz="1600" b="1" dirty="0">
+                <a:latin typeface="Courier New" panose="02070309020205020404" pitchFamily="49" charset="0"/>
+                <a:cs typeface="Courier New" panose="02070309020205020404" pitchFamily="49" charset="0"/>
+              </a:rPr>
+              <a:t>  public:</a:t>
+            </a:r>
+          </a:p>
+          <a:p>
+            <a:pPr marL="0" indent="0">
+              <a:buNone/>
+            </a:pPr>
+            <a:r>
+              <a:rPr lang="it-IT" sz="1600" b="1" dirty="0">
+                <a:latin typeface="Courier New" panose="02070309020205020404" pitchFamily="49" charset="0"/>
+                <a:cs typeface="Courier New" panose="02070309020205020404" pitchFamily="49" charset="0"/>
+              </a:rPr>
+              <a:t>    </a:t>
+            </a:r>
+            <a:r>
+              <a:rPr lang="it-IT" sz="1600" b="1" dirty="0" err="1">
+                <a:latin typeface="Courier New" panose="02070309020205020404" pitchFamily="49" charset="0"/>
+                <a:cs typeface="Courier New" panose="02070309020205020404" pitchFamily="49" charset="0"/>
+              </a:rPr>
+              <a:t>MiaDataOra</a:t>
+            </a:r>
+            <a:r>
+              <a:rPr lang="it-IT" sz="1600" b="1" dirty="0">
+                <a:latin typeface="Courier New" panose="02070309020205020404" pitchFamily="49" charset="0"/>
+                <a:cs typeface="Courier New" panose="02070309020205020404" pitchFamily="49" charset="0"/>
+              </a:rPr>
+              <a:t>();</a:t>
+            </a:r>
+          </a:p>
+          <a:p>
+            <a:pPr marL="0" indent="0">
+              <a:buNone/>
+            </a:pPr>
+            <a:r>
+              <a:rPr lang="it-IT" sz="1600" b="1" dirty="0">
+                <a:latin typeface="Courier New" panose="02070309020205020404" pitchFamily="49" charset="0"/>
+                <a:cs typeface="Courier New" panose="02070309020205020404" pitchFamily="49" charset="0"/>
+              </a:rPr>
+              <a:t>    </a:t>
+            </a:r>
+            <a:r>
+              <a:rPr lang="it-IT" sz="1600" b="1" dirty="0" err="1">
+                <a:latin typeface="Courier New" panose="02070309020205020404" pitchFamily="49" charset="0"/>
+                <a:cs typeface="Courier New" panose="02070309020205020404" pitchFamily="49" charset="0"/>
+              </a:rPr>
+              <a:t>MiaDataOra</a:t>
+            </a:r>
+            <a:r>
+              <a:rPr lang="it-IT" sz="1600" b="1" dirty="0">
+                <a:latin typeface="Courier New" panose="02070309020205020404" pitchFamily="49" charset="0"/>
+                <a:cs typeface="Courier New" panose="02070309020205020404" pitchFamily="49" charset="0"/>
+              </a:rPr>
+              <a:t>(</a:t>
+            </a:r>
+            <a:r>
+              <a:rPr lang="it-IT" sz="1600" b="1" dirty="0" err="1">
+                <a:latin typeface="Courier New" panose="02070309020205020404" pitchFamily="49" charset="0"/>
+                <a:cs typeface="Courier New" panose="02070309020205020404" pitchFamily="49" charset="0"/>
+              </a:rPr>
+              <a:t>int</a:t>
+            </a:r>
+            <a:r>
+              <a:rPr lang="it-IT" sz="1600" b="1" dirty="0">
+                <a:latin typeface="Courier New" panose="02070309020205020404" pitchFamily="49" charset="0"/>
+                <a:cs typeface="Courier New" panose="02070309020205020404" pitchFamily="49" charset="0"/>
+              </a:rPr>
+              <a:t> </a:t>
+            </a:r>
+            <a:r>
+              <a:rPr lang="it-IT" sz="1600" b="1" dirty="0" err="1">
+                <a:latin typeface="Courier New" panose="02070309020205020404" pitchFamily="49" charset="0"/>
+                <a:cs typeface="Courier New" panose="02070309020205020404" pitchFamily="49" charset="0"/>
+              </a:rPr>
+              <a:t>anno,int</a:t>
+            </a:r>
+            <a:r>
+              <a:rPr lang="it-IT" sz="1600" b="1" dirty="0">
+                <a:latin typeface="Courier New" panose="02070309020205020404" pitchFamily="49" charset="0"/>
+                <a:cs typeface="Courier New" panose="02070309020205020404" pitchFamily="49" charset="0"/>
+              </a:rPr>
+              <a:t> mese,</a:t>
+            </a:r>
+          </a:p>
+          <a:p>
+            <a:pPr marL="0" indent="0">
+              <a:buNone/>
+            </a:pPr>
+            <a:r>
+              <a:rPr lang="it-IT" sz="1600" b="1" dirty="0">
+                <a:latin typeface="Courier New" panose="02070309020205020404" pitchFamily="49" charset="0"/>
+                <a:cs typeface="Courier New" panose="02070309020205020404" pitchFamily="49" charset="0"/>
+              </a:rPr>
+              <a:t>        </a:t>
+            </a:r>
+            <a:r>
+              <a:rPr lang="it-IT" sz="1600" b="1" dirty="0" err="1">
+                <a:latin typeface="Courier New" panose="02070309020205020404" pitchFamily="49" charset="0"/>
+                <a:cs typeface="Courier New" panose="02070309020205020404" pitchFamily="49" charset="0"/>
+              </a:rPr>
+              <a:t>int</a:t>
+            </a:r>
+            <a:r>
+              <a:rPr lang="it-IT" sz="1600" b="1" dirty="0">
+                <a:latin typeface="Courier New" panose="02070309020205020404" pitchFamily="49" charset="0"/>
+                <a:cs typeface="Courier New" panose="02070309020205020404" pitchFamily="49" charset="0"/>
+              </a:rPr>
+              <a:t> giorno, </a:t>
+            </a:r>
+            <a:r>
+              <a:rPr lang="it-IT" sz="1600" b="1" dirty="0" err="1">
+                <a:latin typeface="Courier New" panose="02070309020205020404" pitchFamily="49" charset="0"/>
+                <a:cs typeface="Courier New" panose="02070309020205020404" pitchFamily="49" charset="0"/>
+              </a:rPr>
+              <a:t>int</a:t>
+            </a:r>
+            <a:r>
+              <a:rPr lang="it-IT" sz="1600" b="1" dirty="0">
+                <a:latin typeface="Courier New" panose="02070309020205020404" pitchFamily="49" charset="0"/>
+                <a:cs typeface="Courier New" panose="02070309020205020404" pitchFamily="49" charset="0"/>
+              </a:rPr>
+              <a:t> ora, </a:t>
+            </a:r>
+            <a:r>
+              <a:rPr lang="it-IT" sz="1600" b="1" dirty="0" err="1">
+                <a:latin typeface="Courier New" panose="02070309020205020404" pitchFamily="49" charset="0"/>
+                <a:cs typeface="Courier New" panose="02070309020205020404" pitchFamily="49" charset="0"/>
+              </a:rPr>
+              <a:t>int</a:t>
+            </a:r>
+            <a:r>
+              <a:rPr lang="it-IT" sz="1600" b="1" dirty="0">
+                <a:latin typeface="Courier New" panose="02070309020205020404" pitchFamily="49" charset="0"/>
+                <a:cs typeface="Courier New" panose="02070309020205020404" pitchFamily="49" charset="0"/>
+              </a:rPr>
+              <a:t> minuto,   </a:t>
+            </a:r>
+          </a:p>
+          <a:p>
+            <a:pPr marL="0" indent="0">
+              <a:buNone/>
+            </a:pPr>
+            <a:r>
+              <a:rPr lang="it-IT" sz="1600" b="1" dirty="0">
+                <a:latin typeface="Courier New" panose="02070309020205020404" pitchFamily="49" charset="0"/>
+                <a:cs typeface="Courier New" panose="02070309020205020404" pitchFamily="49" charset="0"/>
+              </a:rPr>
+              <a:t>        </a:t>
+            </a:r>
+            <a:r>
+              <a:rPr lang="it-IT" sz="1600" b="1" dirty="0" err="1">
+                <a:latin typeface="Courier New" panose="02070309020205020404" pitchFamily="49" charset="0"/>
+                <a:cs typeface="Courier New" panose="02070309020205020404" pitchFamily="49" charset="0"/>
+              </a:rPr>
+              <a:t>std</a:t>
+            </a:r>
+            <a:r>
+              <a:rPr lang="it-IT" sz="1600" b="1" dirty="0">
+                <a:latin typeface="Courier New" panose="02070309020205020404" pitchFamily="49" charset="0"/>
+                <a:cs typeface="Courier New" panose="02070309020205020404" pitchFamily="49" charset="0"/>
+              </a:rPr>
+              <a:t>::</a:t>
+            </a:r>
+            <a:r>
+              <a:rPr lang="it-IT" sz="1600" b="1" dirty="0" err="1">
+                <a:latin typeface="Courier New" panose="02070309020205020404" pitchFamily="49" charset="0"/>
+                <a:cs typeface="Courier New" panose="02070309020205020404" pitchFamily="49" charset="0"/>
+              </a:rPr>
+              <a:t>string</a:t>
+            </a:r>
+            <a:r>
+              <a:rPr lang="it-IT" sz="1600" b="1" dirty="0">
+                <a:latin typeface="Courier New" panose="02070309020205020404" pitchFamily="49" charset="0"/>
+                <a:cs typeface="Courier New" panose="02070309020205020404" pitchFamily="49" charset="0"/>
+              </a:rPr>
+              <a:t> </a:t>
+            </a:r>
+            <a:r>
+              <a:rPr lang="it-IT" sz="1600" b="1" dirty="0" err="1">
+                <a:latin typeface="Courier New" panose="02070309020205020404" pitchFamily="49" charset="0"/>
+                <a:cs typeface="Courier New" panose="02070309020205020404" pitchFamily="49" charset="0"/>
+              </a:rPr>
+              <a:t>giornoSett</a:t>
+            </a:r>
+            <a:r>
+              <a:rPr lang="it-IT" sz="1600" b="1" dirty="0">
+                <a:latin typeface="Courier New" panose="02070309020205020404" pitchFamily="49" charset="0"/>
+                <a:cs typeface="Courier New" panose="02070309020205020404" pitchFamily="49" charset="0"/>
+              </a:rPr>
+              <a:t>);</a:t>
+            </a:r>
+          </a:p>
+          <a:p>
+            <a:pPr marL="0" indent="0">
+              <a:buNone/>
+            </a:pPr>
+            <a:r>
+              <a:rPr lang="it-IT" sz="1600" b="1" dirty="0">
+                <a:latin typeface="Courier New" panose="02070309020205020404" pitchFamily="49" charset="0"/>
+                <a:cs typeface="Courier New" panose="02070309020205020404" pitchFamily="49" charset="0"/>
+              </a:rPr>
+              <a:t> … (</a:t>
+            </a:r>
+            <a:r>
+              <a:rPr lang="it-IT" sz="1600" b="1" dirty="0" err="1">
+                <a:latin typeface="Courier New" panose="02070309020205020404" pitchFamily="49" charset="0"/>
+                <a:cs typeface="Courier New" panose="02070309020205020404" pitchFamily="49" charset="0"/>
+              </a:rPr>
+              <a:t>getter</a:t>
+            </a:r>
+            <a:r>
+              <a:rPr lang="it-IT" sz="1600" b="1" dirty="0">
+                <a:latin typeface="Courier New" panose="02070309020205020404" pitchFamily="49" charset="0"/>
+                <a:cs typeface="Courier New" panose="02070309020205020404" pitchFamily="49" charset="0"/>
+              </a:rPr>
+              <a:t> e setter) …</a:t>
+            </a:r>
+          </a:p>
+          <a:p>
+            <a:pPr marL="0" indent="0">
+              <a:buNone/>
+            </a:pPr>
+            <a:r>
+              <a:rPr lang="it-IT" sz="1600" b="1" dirty="0">
+                <a:latin typeface="Courier New" panose="02070309020205020404" pitchFamily="49" charset="0"/>
+                <a:cs typeface="Courier New" panose="02070309020205020404" pitchFamily="49" charset="0"/>
+              </a:rPr>
+              <a:t>        </a:t>
+            </a:r>
+            <a:r>
+              <a:rPr lang="it-IT" sz="1600" b="1" dirty="0" err="1">
+                <a:latin typeface="Courier New" panose="02070309020205020404" pitchFamily="49" charset="0"/>
+                <a:cs typeface="Courier New" panose="02070309020205020404" pitchFamily="49" charset="0"/>
+              </a:rPr>
+              <a:t>void</a:t>
+            </a:r>
+            <a:r>
+              <a:rPr lang="it-IT" sz="1600" b="1" dirty="0">
+                <a:latin typeface="Courier New" panose="02070309020205020404" pitchFamily="49" charset="0"/>
+                <a:cs typeface="Courier New" panose="02070309020205020404" pitchFamily="49" charset="0"/>
+              </a:rPr>
+              <a:t> stampa() </a:t>
+            </a:r>
+            <a:r>
+              <a:rPr lang="it-IT" sz="1600" b="1" dirty="0" err="1">
+                <a:latin typeface="Courier New" panose="02070309020205020404" pitchFamily="49" charset="0"/>
+                <a:cs typeface="Courier New" panose="02070309020205020404" pitchFamily="49" charset="0"/>
+              </a:rPr>
+              <a:t>const</a:t>
+            </a:r>
+            <a:r>
+              <a:rPr lang="it-IT" sz="1600" b="1" dirty="0">
+                <a:latin typeface="Courier New" panose="02070309020205020404" pitchFamily="49" charset="0"/>
+                <a:cs typeface="Courier New" panose="02070309020205020404" pitchFamily="49" charset="0"/>
+              </a:rPr>
+              <a:t>;</a:t>
+            </a:r>
+          </a:p>
+          <a:p>
+            <a:pPr marL="0" indent="0">
+              <a:buNone/>
+            </a:pPr>
+            <a:r>
+              <a:rPr lang="it-IT" sz="1600" b="1" dirty="0">
+                <a:latin typeface="Courier New" panose="02070309020205020404" pitchFamily="49" charset="0"/>
+                <a:cs typeface="Courier New" panose="02070309020205020404" pitchFamily="49" charset="0"/>
+              </a:rPr>
+              <a:t>    private:</a:t>
+            </a:r>
+          </a:p>
+          <a:p>
+            <a:pPr marL="0" indent="0">
+              <a:buNone/>
+            </a:pPr>
+            <a:r>
+              <a:rPr lang="it-IT" sz="1600" b="1" dirty="0">
+                <a:latin typeface="Courier New" panose="02070309020205020404" pitchFamily="49" charset="0"/>
+                <a:cs typeface="Courier New" panose="02070309020205020404" pitchFamily="49" charset="0"/>
+              </a:rPr>
+              <a:t>        </a:t>
+            </a:r>
+            <a:r>
+              <a:rPr lang="it-IT" sz="1600" b="1" dirty="0" err="1">
+                <a:latin typeface="Courier New" panose="02070309020205020404" pitchFamily="49" charset="0"/>
+                <a:cs typeface="Courier New" panose="02070309020205020404" pitchFamily="49" charset="0"/>
+              </a:rPr>
+              <a:t>std</a:t>
+            </a:r>
+            <a:r>
+              <a:rPr lang="it-IT" sz="1600" b="1" dirty="0">
+                <a:latin typeface="Courier New" panose="02070309020205020404" pitchFamily="49" charset="0"/>
+                <a:cs typeface="Courier New" panose="02070309020205020404" pitchFamily="49" charset="0"/>
+              </a:rPr>
+              <a:t>::</a:t>
+            </a:r>
+            <a:r>
+              <a:rPr lang="it-IT" sz="1600" b="1" dirty="0" err="1">
+                <a:latin typeface="Courier New" panose="02070309020205020404" pitchFamily="49" charset="0"/>
+                <a:cs typeface="Courier New" panose="02070309020205020404" pitchFamily="49" charset="0"/>
+              </a:rPr>
+              <a:t>string</a:t>
+            </a:r>
+            <a:r>
+              <a:rPr lang="it-IT" sz="1600" b="1" dirty="0">
+                <a:latin typeface="Courier New" panose="02070309020205020404" pitchFamily="49" charset="0"/>
+                <a:cs typeface="Courier New" panose="02070309020205020404" pitchFamily="49" charset="0"/>
+              </a:rPr>
+              <a:t> </a:t>
+            </a:r>
+            <a:r>
+              <a:rPr lang="it-IT" sz="1600" b="1" dirty="0" err="1">
+                <a:latin typeface="Courier New" panose="02070309020205020404" pitchFamily="49" charset="0"/>
+                <a:cs typeface="Courier New" panose="02070309020205020404" pitchFamily="49" charset="0"/>
+              </a:rPr>
+              <a:t>giornoSett</a:t>
+            </a:r>
+            <a:r>
+              <a:rPr lang="it-IT" sz="1600" b="1" dirty="0">
+                <a:latin typeface="Courier New" panose="02070309020205020404" pitchFamily="49" charset="0"/>
+                <a:cs typeface="Courier New" panose="02070309020205020404" pitchFamily="49" charset="0"/>
+              </a:rPr>
+              <a:t>;</a:t>
+            </a:r>
+          </a:p>
+          <a:p>
+            <a:pPr marL="0" indent="0">
+              <a:buNone/>
+            </a:pPr>
+            <a:r>
+              <a:rPr lang="it-IT" sz="1600" b="1" dirty="0">
+                <a:latin typeface="Courier New" panose="02070309020205020404" pitchFamily="49" charset="0"/>
+                <a:cs typeface="Courier New" panose="02070309020205020404" pitchFamily="49" charset="0"/>
+              </a:rPr>
+              <a:t>};</a:t>
+            </a:r>
+          </a:p>
+        </p:txBody>
+      </p:sp>
+      <p:sp>
+        <p:nvSpPr>
+          <p:cNvPr id="4" name="Segnaposto contenuto 3">
+            <a:extLst>
+              <a:ext uri="{FF2B5EF4-FFF2-40B4-BE49-F238E27FC236}">
+                <a16:creationId xmlns:a16="http://schemas.microsoft.com/office/drawing/2014/main" id="{47E08A9F-F465-4B3C-AF7C-8E230B59768D}"/>
+              </a:ext>
+            </a:extLst>
+          </p:cNvPr>
+          <p:cNvSpPr>
+            <a:spLocks noGrp="1"/>
+          </p:cNvSpPr>
+          <p:nvPr>
+            <p:ph sz="half" idx="2"/>
+          </p:nvPr>
+        </p:nvSpPr>
+        <p:spPr/>
+        <p:txBody>
+          <a:bodyPr/>
+          <a:lstStyle/>
+          <a:p>
+            <a:pPr marL="0" indent="0">
+              <a:buNone/>
+            </a:pPr>
+            <a:r>
+              <a:rPr lang="it-IT" sz="1400" b="1" dirty="0" err="1">
+                <a:latin typeface="Courier New" panose="02070309020205020404" pitchFamily="49" charset="0"/>
+                <a:cs typeface="Courier New" panose="02070309020205020404" pitchFamily="49" charset="0"/>
+              </a:rPr>
+              <a:t>MiaDataOra</a:t>
+            </a:r>
+            <a:r>
+              <a:rPr lang="it-IT" sz="1400" b="1" dirty="0">
+                <a:latin typeface="Courier New" panose="02070309020205020404" pitchFamily="49" charset="0"/>
+                <a:cs typeface="Courier New" panose="02070309020205020404" pitchFamily="49" charset="0"/>
+              </a:rPr>
+              <a:t>::</a:t>
+            </a:r>
+            <a:r>
+              <a:rPr lang="it-IT" sz="1400" b="1" dirty="0" err="1">
+                <a:latin typeface="Courier New" panose="02070309020205020404" pitchFamily="49" charset="0"/>
+                <a:cs typeface="Courier New" panose="02070309020205020404" pitchFamily="49" charset="0"/>
+              </a:rPr>
+              <a:t>MiaDataOra</a:t>
+            </a:r>
+            <a:r>
+              <a:rPr lang="it-IT" sz="1400" b="1" dirty="0">
+                <a:latin typeface="Courier New" panose="02070309020205020404" pitchFamily="49" charset="0"/>
+                <a:cs typeface="Courier New" panose="02070309020205020404" pitchFamily="49" charset="0"/>
+              </a:rPr>
+              <a:t>(): </a:t>
+            </a:r>
+            <a:r>
+              <a:rPr lang="it-IT" sz="1400" b="1" dirty="0" err="1">
+                <a:latin typeface="Courier New" panose="02070309020205020404" pitchFamily="49" charset="0"/>
+                <a:cs typeface="Courier New" panose="02070309020205020404" pitchFamily="49" charset="0"/>
+              </a:rPr>
+              <a:t>MiaData</a:t>
+            </a:r>
+            <a:r>
+              <a:rPr lang="it-IT" sz="1400" b="1" dirty="0">
+                <a:latin typeface="Courier New" panose="02070309020205020404" pitchFamily="49" charset="0"/>
+                <a:cs typeface="Courier New" panose="02070309020205020404" pitchFamily="49" charset="0"/>
+              </a:rPr>
+              <a:t>(), </a:t>
+            </a:r>
+            <a:r>
+              <a:rPr lang="it-IT" sz="1400" b="1" dirty="0" err="1">
+                <a:latin typeface="Courier New" panose="02070309020205020404" pitchFamily="49" charset="0"/>
+                <a:cs typeface="Courier New" panose="02070309020205020404" pitchFamily="49" charset="0"/>
+              </a:rPr>
+              <a:t>MiaOra</a:t>
+            </a:r>
+            <a:r>
+              <a:rPr lang="it-IT" sz="1400" b="1" dirty="0">
+                <a:latin typeface="Courier New" panose="02070309020205020404" pitchFamily="49" charset="0"/>
+                <a:cs typeface="Courier New" panose="02070309020205020404" pitchFamily="49" charset="0"/>
+              </a:rPr>
+              <a:t>() {</a:t>
+            </a:r>
+          </a:p>
+          <a:p>
+            <a:pPr marL="0" indent="0">
+              <a:buNone/>
+            </a:pPr>
+            <a:r>
+              <a:rPr lang="it-IT" sz="1400" b="1" dirty="0">
+                <a:latin typeface="Courier New" panose="02070309020205020404" pitchFamily="49" charset="0"/>
+                <a:cs typeface="Courier New" panose="02070309020205020404" pitchFamily="49" charset="0"/>
+              </a:rPr>
+              <a:t>    </a:t>
+            </a:r>
+            <a:r>
+              <a:rPr lang="it-IT" sz="1400" b="1" dirty="0" err="1">
+                <a:latin typeface="Courier New" panose="02070309020205020404" pitchFamily="49" charset="0"/>
+                <a:cs typeface="Courier New" panose="02070309020205020404" pitchFamily="49" charset="0"/>
+              </a:rPr>
+              <a:t>this</a:t>
+            </a:r>
+            <a:r>
+              <a:rPr lang="it-IT" sz="1400" b="1" dirty="0">
+                <a:latin typeface="Courier New" panose="02070309020205020404" pitchFamily="49" charset="0"/>
+                <a:cs typeface="Courier New" panose="02070309020205020404" pitchFamily="49" charset="0"/>
+              </a:rPr>
+              <a:t>-&gt;</a:t>
+            </a:r>
+            <a:r>
+              <a:rPr lang="it-IT" sz="1400" b="1" dirty="0" err="1">
+                <a:latin typeface="Courier New" panose="02070309020205020404" pitchFamily="49" charset="0"/>
+                <a:cs typeface="Courier New" panose="02070309020205020404" pitchFamily="49" charset="0"/>
+              </a:rPr>
+              <a:t>giornoSett</a:t>
+            </a:r>
+            <a:r>
+              <a:rPr lang="it-IT" sz="1400" b="1" dirty="0">
+                <a:latin typeface="Courier New" panose="02070309020205020404" pitchFamily="49" charset="0"/>
+                <a:cs typeface="Courier New" panose="02070309020205020404" pitchFamily="49" charset="0"/>
+              </a:rPr>
+              <a:t> = "domenica";</a:t>
+            </a:r>
+          </a:p>
+          <a:p>
+            <a:pPr marL="0" indent="0">
+              <a:buNone/>
+            </a:pPr>
+            <a:r>
+              <a:rPr lang="it-IT" sz="1400" b="1" dirty="0">
+                <a:latin typeface="Courier New" panose="02070309020205020404" pitchFamily="49" charset="0"/>
+                <a:cs typeface="Courier New" panose="02070309020205020404" pitchFamily="49" charset="0"/>
+              </a:rPr>
+              <a:t>}</a:t>
+            </a:r>
+          </a:p>
+          <a:p>
+            <a:pPr marL="0" indent="0">
+              <a:buNone/>
+            </a:pPr>
+            <a:endParaRPr lang="it-IT" sz="1400" b="1" dirty="0">
+              <a:latin typeface="Courier New" panose="02070309020205020404" pitchFamily="49" charset="0"/>
+              <a:cs typeface="Courier New" panose="02070309020205020404" pitchFamily="49" charset="0"/>
+            </a:endParaRPr>
+          </a:p>
+          <a:p>
+            <a:pPr marL="0" indent="0">
+              <a:buNone/>
+            </a:pPr>
+            <a:r>
+              <a:rPr lang="it-IT" sz="1400" b="1" dirty="0" err="1">
+                <a:latin typeface="Courier New" panose="02070309020205020404" pitchFamily="49" charset="0"/>
+                <a:cs typeface="Courier New" panose="02070309020205020404" pitchFamily="49" charset="0"/>
+              </a:rPr>
+              <a:t>MiaDataOra</a:t>
+            </a:r>
+            <a:r>
+              <a:rPr lang="it-IT" sz="1400" b="1" dirty="0">
+                <a:latin typeface="Courier New" panose="02070309020205020404" pitchFamily="49" charset="0"/>
+                <a:cs typeface="Courier New" panose="02070309020205020404" pitchFamily="49" charset="0"/>
+              </a:rPr>
+              <a:t>::</a:t>
+            </a:r>
+            <a:r>
+              <a:rPr lang="it-IT" sz="1400" b="1" dirty="0" err="1">
+                <a:latin typeface="Courier New" panose="02070309020205020404" pitchFamily="49" charset="0"/>
+                <a:cs typeface="Courier New" panose="02070309020205020404" pitchFamily="49" charset="0"/>
+              </a:rPr>
+              <a:t>MiaDataOra</a:t>
+            </a:r>
+            <a:r>
+              <a:rPr lang="it-IT" sz="1400" b="1" dirty="0">
+                <a:latin typeface="Courier New" panose="02070309020205020404" pitchFamily="49" charset="0"/>
+                <a:cs typeface="Courier New" panose="02070309020205020404" pitchFamily="49" charset="0"/>
+              </a:rPr>
+              <a:t>(</a:t>
+            </a:r>
+            <a:r>
+              <a:rPr lang="it-IT" sz="1400" b="1" dirty="0" err="1">
+                <a:latin typeface="Courier New" panose="02070309020205020404" pitchFamily="49" charset="0"/>
+                <a:cs typeface="Courier New" panose="02070309020205020404" pitchFamily="49" charset="0"/>
+              </a:rPr>
+              <a:t>int</a:t>
+            </a:r>
+            <a:r>
+              <a:rPr lang="it-IT" sz="1400" b="1" dirty="0">
+                <a:latin typeface="Courier New" panose="02070309020205020404" pitchFamily="49" charset="0"/>
+                <a:cs typeface="Courier New" panose="02070309020205020404" pitchFamily="49" charset="0"/>
+              </a:rPr>
+              <a:t> anno, </a:t>
+            </a:r>
+            <a:r>
+              <a:rPr lang="it-IT" sz="1400" b="1" dirty="0" err="1">
+                <a:latin typeface="Courier New" panose="02070309020205020404" pitchFamily="49" charset="0"/>
+                <a:cs typeface="Courier New" panose="02070309020205020404" pitchFamily="49" charset="0"/>
+              </a:rPr>
+              <a:t>int</a:t>
+            </a:r>
+            <a:r>
+              <a:rPr lang="it-IT" sz="1400" b="1" dirty="0">
+                <a:latin typeface="Courier New" panose="02070309020205020404" pitchFamily="49" charset="0"/>
+                <a:cs typeface="Courier New" panose="02070309020205020404" pitchFamily="49" charset="0"/>
+              </a:rPr>
+              <a:t> mese, </a:t>
+            </a:r>
+          </a:p>
+          <a:p>
+            <a:pPr marL="0" indent="0">
+              <a:buNone/>
+            </a:pPr>
+            <a:r>
+              <a:rPr lang="it-IT" sz="1400" b="1" dirty="0">
+                <a:latin typeface="Courier New" panose="02070309020205020404" pitchFamily="49" charset="0"/>
+                <a:cs typeface="Courier New" panose="02070309020205020404" pitchFamily="49" charset="0"/>
+              </a:rPr>
+              <a:t>            </a:t>
+            </a:r>
+            <a:r>
+              <a:rPr lang="it-IT" sz="1400" b="1" dirty="0" err="1">
+                <a:latin typeface="Courier New" panose="02070309020205020404" pitchFamily="49" charset="0"/>
+                <a:cs typeface="Courier New" panose="02070309020205020404" pitchFamily="49" charset="0"/>
+              </a:rPr>
+              <a:t>int</a:t>
+            </a:r>
+            <a:r>
+              <a:rPr lang="it-IT" sz="1400" b="1" dirty="0">
+                <a:latin typeface="Courier New" panose="02070309020205020404" pitchFamily="49" charset="0"/>
+                <a:cs typeface="Courier New" panose="02070309020205020404" pitchFamily="49" charset="0"/>
+              </a:rPr>
+              <a:t> giorno, </a:t>
+            </a:r>
+            <a:r>
+              <a:rPr lang="it-IT" sz="1400" b="1" dirty="0" err="1">
+                <a:latin typeface="Courier New" panose="02070309020205020404" pitchFamily="49" charset="0"/>
+                <a:cs typeface="Courier New" panose="02070309020205020404" pitchFamily="49" charset="0"/>
+              </a:rPr>
+              <a:t>int</a:t>
+            </a:r>
+            <a:r>
+              <a:rPr lang="it-IT" sz="1400" b="1" dirty="0">
+                <a:latin typeface="Courier New" panose="02070309020205020404" pitchFamily="49" charset="0"/>
+                <a:cs typeface="Courier New" panose="02070309020205020404" pitchFamily="49" charset="0"/>
+              </a:rPr>
+              <a:t> ora, </a:t>
+            </a:r>
+            <a:r>
+              <a:rPr lang="it-IT" sz="1400" b="1" dirty="0" err="1">
+                <a:latin typeface="Courier New" panose="02070309020205020404" pitchFamily="49" charset="0"/>
+                <a:cs typeface="Courier New" panose="02070309020205020404" pitchFamily="49" charset="0"/>
+              </a:rPr>
+              <a:t>int</a:t>
+            </a:r>
+            <a:r>
+              <a:rPr lang="it-IT" sz="1400" b="1" dirty="0">
+                <a:latin typeface="Courier New" panose="02070309020205020404" pitchFamily="49" charset="0"/>
+                <a:cs typeface="Courier New" panose="02070309020205020404" pitchFamily="49" charset="0"/>
+              </a:rPr>
+              <a:t> minuto, </a:t>
+            </a:r>
+          </a:p>
+          <a:p>
+            <a:pPr marL="0" indent="0">
+              <a:buNone/>
+            </a:pPr>
+            <a:r>
+              <a:rPr lang="it-IT" sz="1400" b="1" dirty="0">
+                <a:latin typeface="Courier New" panose="02070309020205020404" pitchFamily="49" charset="0"/>
+                <a:cs typeface="Courier New" panose="02070309020205020404" pitchFamily="49" charset="0"/>
+              </a:rPr>
+              <a:t>            </a:t>
+            </a:r>
+            <a:r>
+              <a:rPr lang="it-IT" sz="1400" b="1" dirty="0" err="1">
+                <a:latin typeface="Courier New" panose="02070309020205020404" pitchFamily="49" charset="0"/>
+                <a:cs typeface="Courier New" panose="02070309020205020404" pitchFamily="49" charset="0"/>
+              </a:rPr>
+              <a:t>std</a:t>
+            </a:r>
+            <a:r>
+              <a:rPr lang="it-IT" sz="1400" b="1" dirty="0">
+                <a:latin typeface="Courier New" panose="02070309020205020404" pitchFamily="49" charset="0"/>
+                <a:cs typeface="Courier New" panose="02070309020205020404" pitchFamily="49" charset="0"/>
+              </a:rPr>
+              <a:t>::</a:t>
+            </a:r>
+            <a:r>
+              <a:rPr lang="it-IT" sz="1400" b="1" dirty="0" err="1">
+                <a:latin typeface="Courier New" panose="02070309020205020404" pitchFamily="49" charset="0"/>
+                <a:cs typeface="Courier New" panose="02070309020205020404" pitchFamily="49" charset="0"/>
+              </a:rPr>
+              <a:t>string</a:t>
+            </a:r>
+            <a:r>
+              <a:rPr lang="it-IT" sz="1400" b="1" dirty="0">
+                <a:latin typeface="Courier New" panose="02070309020205020404" pitchFamily="49" charset="0"/>
+                <a:cs typeface="Courier New" panose="02070309020205020404" pitchFamily="49" charset="0"/>
+              </a:rPr>
+              <a:t> </a:t>
+            </a:r>
+            <a:r>
+              <a:rPr lang="it-IT" sz="1400" b="1" dirty="0" err="1">
+                <a:latin typeface="Courier New" panose="02070309020205020404" pitchFamily="49" charset="0"/>
+                <a:cs typeface="Courier New" panose="02070309020205020404" pitchFamily="49" charset="0"/>
+              </a:rPr>
+              <a:t>giornoSett</a:t>
+            </a:r>
+            <a:r>
+              <a:rPr lang="it-IT" sz="1400" b="1" dirty="0">
+                <a:latin typeface="Courier New" panose="02070309020205020404" pitchFamily="49" charset="0"/>
+                <a:cs typeface="Courier New" panose="02070309020205020404" pitchFamily="49" charset="0"/>
+              </a:rPr>
+              <a:t>) {</a:t>
+            </a:r>
+          </a:p>
+          <a:p>
+            <a:pPr marL="0" indent="0">
+              <a:buNone/>
+            </a:pPr>
+            <a:r>
+              <a:rPr lang="it-IT" sz="1400" b="1" dirty="0">
+                <a:latin typeface="Courier New" panose="02070309020205020404" pitchFamily="49" charset="0"/>
+                <a:cs typeface="Courier New" panose="02070309020205020404" pitchFamily="49" charset="0"/>
+              </a:rPr>
+              <a:t>    </a:t>
+            </a:r>
+            <a:r>
+              <a:rPr lang="it-IT" sz="1400" b="1" dirty="0" err="1">
+                <a:latin typeface="Courier New" panose="02070309020205020404" pitchFamily="49" charset="0"/>
+                <a:cs typeface="Courier New" panose="02070309020205020404" pitchFamily="49" charset="0"/>
+              </a:rPr>
+              <a:t>MiaData</a:t>
+            </a:r>
+            <a:r>
+              <a:rPr lang="it-IT" sz="1400" b="1" dirty="0">
+                <a:latin typeface="Courier New" panose="02070309020205020404" pitchFamily="49" charset="0"/>
+                <a:cs typeface="Courier New" panose="02070309020205020404" pitchFamily="49" charset="0"/>
+              </a:rPr>
+              <a:t>(</a:t>
+            </a:r>
+            <a:r>
+              <a:rPr lang="it-IT" sz="1400" b="1" dirty="0" err="1">
+                <a:latin typeface="Courier New" panose="02070309020205020404" pitchFamily="49" charset="0"/>
+                <a:cs typeface="Courier New" panose="02070309020205020404" pitchFamily="49" charset="0"/>
+              </a:rPr>
+              <a:t>anno,mese,giorno</a:t>
+            </a:r>
+            <a:r>
+              <a:rPr lang="it-IT" sz="1400" b="1" dirty="0">
+                <a:latin typeface="Courier New" panose="02070309020205020404" pitchFamily="49" charset="0"/>
+                <a:cs typeface="Courier New" panose="02070309020205020404" pitchFamily="49" charset="0"/>
+              </a:rPr>
+              <a:t>);</a:t>
+            </a:r>
+          </a:p>
+          <a:p>
+            <a:pPr marL="0" indent="0">
+              <a:buNone/>
+            </a:pPr>
+            <a:r>
+              <a:rPr lang="it-IT" sz="1400" b="1" dirty="0">
+                <a:latin typeface="Courier New" panose="02070309020205020404" pitchFamily="49" charset="0"/>
+                <a:cs typeface="Courier New" panose="02070309020205020404" pitchFamily="49" charset="0"/>
+              </a:rPr>
+              <a:t>    </a:t>
+            </a:r>
+            <a:r>
+              <a:rPr lang="it-IT" sz="1400" b="1" dirty="0" err="1">
+                <a:latin typeface="Courier New" panose="02070309020205020404" pitchFamily="49" charset="0"/>
+                <a:cs typeface="Courier New" panose="02070309020205020404" pitchFamily="49" charset="0"/>
+              </a:rPr>
+              <a:t>MiaOra</a:t>
+            </a:r>
+            <a:r>
+              <a:rPr lang="it-IT" sz="1400" b="1" dirty="0">
+                <a:latin typeface="Courier New" panose="02070309020205020404" pitchFamily="49" charset="0"/>
+                <a:cs typeface="Courier New" panose="02070309020205020404" pitchFamily="49" charset="0"/>
+              </a:rPr>
+              <a:t>(</a:t>
+            </a:r>
+            <a:r>
+              <a:rPr lang="it-IT" sz="1400" b="1" dirty="0" err="1">
+                <a:latin typeface="Courier New" panose="02070309020205020404" pitchFamily="49" charset="0"/>
+                <a:cs typeface="Courier New" panose="02070309020205020404" pitchFamily="49" charset="0"/>
+              </a:rPr>
+              <a:t>ora,minuto</a:t>
+            </a:r>
+            <a:r>
+              <a:rPr lang="it-IT" sz="1400" b="1" dirty="0">
+                <a:latin typeface="Courier New" panose="02070309020205020404" pitchFamily="49" charset="0"/>
+                <a:cs typeface="Courier New" panose="02070309020205020404" pitchFamily="49" charset="0"/>
+              </a:rPr>
+              <a:t>);</a:t>
+            </a:r>
+          </a:p>
+          <a:p>
+            <a:pPr marL="0" indent="0">
+              <a:buNone/>
+            </a:pPr>
+            <a:r>
+              <a:rPr lang="it-IT" sz="1400" b="1" dirty="0">
+                <a:latin typeface="Courier New" panose="02070309020205020404" pitchFamily="49" charset="0"/>
+                <a:cs typeface="Courier New" panose="02070309020205020404" pitchFamily="49" charset="0"/>
+              </a:rPr>
+              <a:t>    </a:t>
+            </a:r>
+            <a:r>
+              <a:rPr lang="it-IT" sz="1400" b="1" dirty="0" err="1">
+                <a:latin typeface="Courier New" panose="02070309020205020404" pitchFamily="49" charset="0"/>
+                <a:cs typeface="Courier New" panose="02070309020205020404" pitchFamily="49" charset="0"/>
+              </a:rPr>
+              <a:t>this</a:t>
+            </a:r>
+            <a:r>
+              <a:rPr lang="it-IT" sz="1400" b="1" dirty="0">
+                <a:latin typeface="Courier New" panose="02070309020205020404" pitchFamily="49" charset="0"/>
+                <a:cs typeface="Courier New" panose="02070309020205020404" pitchFamily="49" charset="0"/>
+              </a:rPr>
+              <a:t>-&gt;</a:t>
+            </a:r>
+            <a:r>
+              <a:rPr lang="it-IT" sz="1400" b="1" dirty="0" err="1">
+                <a:latin typeface="Courier New" panose="02070309020205020404" pitchFamily="49" charset="0"/>
+                <a:cs typeface="Courier New" panose="02070309020205020404" pitchFamily="49" charset="0"/>
+              </a:rPr>
+              <a:t>giornoSett</a:t>
+            </a:r>
+            <a:r>
+              <a:rPr lang="it-IT" sz="1400" b="1" dirty="0">
+                <a:latin typeface="Courier New" panose="02070309020205020404" pitchFamily="49" charset="0"/>
+                <a:cs typeface="Courier New" panose="02070309020205020404" pitchFamily="49" charset="0"/>
+              </a:rPr>
+              <a:t> = </a:t>
+            </a:r>
+            <a:r>
+              <a:rPr lang="it-IT" sz="1400" b="1" dirty="0" err="1">
+                <a:latin typeface="Courier New" panose="02070309020205020404" pitchFamily="49" charset="0"/>
+                <a:cs typeface="Courier New" panose="02070309020205020404" pitchFamily="49" charset="0"/>
+              </a:rPr>
+              <a:t>giornoSett</a:t>
+            </a:r>
+            <a:r>
+              <a:rPr lang="it-IT" sz="1400" b="1" dirty="0">
+                <a:latin typeface="Courier New" panose="02070309020205020404" pitchFamily="49" charset="0"/>
+                <a:cs typeface="Courier New" panose="02070309020205020404" pitchFamily="49" charset="0"/>
+              </a:rPr>
+              <a:t>;</a:t>
+            </a:r>
+          </a:p>
+          <a:p>
+            <a:pPr marL="0" indent="0">
+              <a:buNone/>
+            </a:pPr>
+            <a:r>
+              <a:rPr lang="it-IT" sz="1400" b="1" dirty="0">
+                <a:latin typeface="Courier New" panose="02070309020205020404" pitchFamily="49" charset="0"/>
+                <a:cs typeface="Courier New" panose="02070309020205020404" pitchFamily="49" charset="0"/>
+              </a:rPr>
+              <a:t>}</a:t>
+            </a:r>
+          </a:p>
+          <a:p>
+            <a:pPr marL="0" indent="0">
+              <a:buNone/>
+            </a:pPr>
+            <a:endParaRPr lang="it-IT" sz="1400" b="1" dirty="0">
+              <a:latin typeface="Courier New" panose="02070309020205020404" pitchFamily="49" charset="0"/>
+              <a:cs typeface="Courier New" panose="02070309020205020404" pitchFamily="49" charset="0"/>
+            </a:endParaRPr>
+          </a:p>
+          <a:p>
+            <a:pPr marL="0" indent="0">
+              <a:buNone/>
+            </a:pPr>
+            <a:r>
+              <a:rPr lang="it-IT" sz="1400" b="1" dirty="0" err="1">
+                <a:latin typeface="Courier New" panose="02070309020205020404" pitchFamily="49" charset="0"/>
+                <a:cs typeface="Courier New" panose="02070309020205020404" pitchFamily="49" charset="0"/>
+              </a:rPr>
+              <a:t>void</a:t>
+            </a:r>
+            <a:r>
+              <a:rPr lang="it-IT" sz="1400" b="1" dirty="0">
+                <a:latin typeface="Courier New" panose="02070309020205020404" pitchFamily="49" charset="0"/>
+                <a:cs typeface="Courier New" panose="02070309020205020404" pitchFamily="49" charset="0"/>
+              </a:rPr>
+              <a:t> </a:t>
+            </a:r>
+            <a:r>
+              <a:rPr lang="it-IT" sz="1400" b="1" dirty="0" err="1">
+                <a:latin typeface="Courier New" panose="02070309020205020404" pitchFamily="49" charset="0"/>
+                <a:cs typeface="Courier New" panose="02070309020205020404" pitchFamily="49" charset="0"/>
+              </a:rPr>
+              <a:t>MiaDataOra</a:t>
+            </a:r>
+            <a:r>
+              <a:rPr lang="it-IT" sz="1400" b="1" dirty="0">
+                <a:latin typeface="Courier New" panose="02070309020205020404" pitchFamily="49" charset="0"/>
+                <a:cs typeface="Courier New" panose="02070309020205020404" pitchFamily="49" charset="0"/>
+              </a:rPr>
+              <a:t>::stampa() </a:t>
+            </a:r>
+            <a:r>
+              <a:rPr lang="it-IT" sz="1400" b="1" dirty="0" err="1">
+                <a:latin typeface="Courier New" panose="02070309020205020404" pitchFamily="49" charset="0"/>
+                <a:cs typeface="Courier New" panose="02070309020205020404" pitchFamily="49" charset="0"/>
+              </a:rPr>
+              <a:t>const</a:t>
+            </a:r>
+            <a:r>
+              <a:rPr lang="it-IT" sz="1400" b="1" dirty="0">
+                <a:latin typeface="Courier New" panose="02070309020205020404" pitchFamily="49" charset="0"/>
+                <a:cs typeface="Courier New" panose="02070309020205020404" pitchFamily="49" charset="0"/>
+              </a:rPr>
+              <a:t> {</a:t>
+            </a:r>
+          </a:p>
+          <a:p>
+            <a:pPr marL="0" indent="0">
+              <a:buNone/>
+            </a:pPr>
+            <a:r>
+              <a:rPr lang="it-IT" sz="1400" b="1" dirty="0">
+                <a:latin typeface="Courier New" panose="02070309020205020404" pitchFamily="49" charset="0"/>
+                <a:cs typeface="Courier New" panose="02070309020205020404" pitchFamily="49" charset="0"/>
+              </a:rPr>
+              <a:t>    </a:t>
+            </a:r>
+            <a:r>
+              <a:rPr lang="it-IT" sz="1400" b="1" dirty="0" err="1">
+                <a:latin typeface="Courier New" panose="02070309020205020404" pitchFamily="49" charset="0"/>
+                <a:cs typeface="Courier New" panose="02070309020205020404" pitchFamily="49" charset="0"/>
+              </a:rPr>
+              <a:t>MiaData</a:t>
+            </a:r>
+            <a:r>
+              <a:rPr lang="it-IT" sz="1400" b="1" dirty="0">
+                <a:latin typeface="Courier New" panose="02070309020205020404" pitchFamily="49" charset="0"/>
+                <a:cs typeface="Courier New" panose="02070309020205020404" pitchFamily="49" charset="0"/>
+              </a:rPr>
+              <a:t>::stampa();</a:t>
+            </a:r>
+          </a:p>
+          <a:p>
+            <a:pPr marL="0" indent="0">
+              <a:buNone/>
+            </a:pPr>
+            <a:r>
+              <a:rPr lang="it-IT" sz="1400" b="1" dirty="0">
+                <a:latin typeface="Courier New" panose="02070309020205020404" pitchFamily="49" charset="0"/>
+                <a:cs typeface="Courier New" panose="02070309020205020404" pitchFamily="49" charset="0"/>
+              </a:rPr>
+              <a:t>    </a:t>
+            </a:r>
+            <a:r>
+              <a:rPr lang="it-IT" sz="1400" b="1" dirty="0" err="1">
+                <a:latin typeface="Courier New" panose="02070309020205020404" pitchFamily="49" charset="0"/>
+                <a:cs typeface="Courier New" panose="02070309020205020404" pitchFamily="49" charset="0"/>
+              </a:rPr>
+              <a:t>MiaOra</a:t>
+            </a:r>
+            <a:r>
+              <a:rPr lang="it-IT" sz="1400" b="1" dirty="0">
+                <a:latin typeface="Courier New" panose="02070309020205020404" pitchFamily="49" charset="0"/>
+                <a:cs typeface="Courier New" panose="02070309020205020404" pitchFamily="49" charset="0"/>
+              </a:rPr>
+              <a:t>::stampa();</a:t>
+            </a:r>
+          </a:p>
+          <a:p>
+            <a:pPr marL="0" indent="0">
+              <a:buNone/>
+            </a:pPr>
+            <a:r>
+              <a:rPr lang="it-IT" sz="1400" b="1" dirty="0">
+                <a:latin typeface="Courier New" panose="02070309020205020404" pitchFamily="49" charset="0"/>
+                <a:cs typeface="Courier New" panose="02070309020205020404" pitchFamily="49" charset="0"/>
+              </a:rPr>
+              <a:t>    </a:t>
+            </a:r>
+            <a:r>
+              <a:rPr lang="it-IT" sz="1400" b="1" dirty="0" err="1">
+                <a:latin typeface="Courier New" panose="02070309020205020404" pitchFamily="49" charset="0"/>
+                <a:cs typeface="Courier New" panose="02070309020205020404" pitchFamily="49" charset="0"/>
+              </a:rPr>
+              <a:t>std</a:t>
+            </a:r>
+            <a:r>
+              <a:rPr lang="it-IT" sz="1400" b="1" dirty="0">
+                <a:latin typeface="Courier New" panose="02070309020205020404" pitchFamily="49" charset="0"/>
+                <a:cs typeface="Courier New" panose="02070309020205020404" pitchFamily="49" charset="0"/>
+              </a:rPr>
+              <a:t>::</a:t>
+            </a:r>
+            <a:r>
+              <a:rPr lang="it-IT" sz="1400" b="1" dirty="0" err="1">
+                <a:latin typeface="Courier New" panose="02070309020205020404" pitchFamily="49" charset="0"/>
+                <a:cs typeface="Courier New" panose="02070309020205020404" pitchFamily="49" charset="0"/>
+              </a:rPr>
+              <a:t>cout</a:t>
+            </a:r>
+            <a:r>
+              <a:rPr lang="it-IT" sz="1400" b="1" dirty="0">
+                <a:latin typeface="Courier New" panose="02070309020205020404" pitchFamily="49" charset="0"/>
+                <a:cs typeface="Courier New" panose="02070309020205020404" pitchFamily="49" charset="0"/>
+              </a:rPr>
+              <a:t> &lt;&lt; "giorno settimana = " </a:t>
+            </a:r>
+          </a:p>
+          <a:p>
+            <a:pPr marL="0" indent="0">
+              <a:buNone/>
+            </a:pPr>
+            <a:r>
+              <a:rPr lang="it-IT" sz="1400" b="1" dirty="0">
+                <a:latin typeface="Courier New" panose="02070309020205020404" pitchFamily="49" charset="0"/>
+                <a:cs typeface="Courier New" panose="02070309020205020404" pitchFamily="49" charset="0"/>
+              </a:rPr>
+              <a:t>              &lt;&lt; </a:t>
+            </a:r>
+            <a:r>
+              <a:rPr lang="it-IT" sz="1400" b="1" dirty="0" err="1">
+                <a:latin typeface="Courier New" panose="02070309020205020404" pitchFamily="49" charset="0"/>
+                <a:cs typeface="Courier New" panose="02070309020205020404" pitchFamily="49" charset="0"/>
+              </a:rPr>
+              <a:t>giornoSett</a:t>
+            </a:r>
+            <a:r>
+              <a:rPr lang="it-IT" sz="1400" b="1" dirty="0">
+                <a:latin typeface="Courier New" panose="02070309020205020404" pitchFamily="49" charset="0"/>
+                <a:cs typeface="Courier New" panose="02070309020205020404" pitchFamily="49" charset="0"/>
+              </a:rPr>
+              <a:t>;</a:t>
+            </a:r>
+          </a:p>
+          <a:p>
+            <a:pPr marL="0" indent="0">
+              <a:buNone/>
+            </a:pPr>
+            <a:r>
+              <a:rPr lang="it-IT" sz="1400" b="1" dirty="0">
+                <a:latin typeface="Courier New" panose="02070309020205020404" pitchFamily="49" charset="0"/>
+                <a:cs typeface="Courier New" panose="02070309020205020404" pitchFamily="49" charset="0"/>
+              </a:rPr>
+              <a:t>}</a:t>
+            </a:r>
+          </a:p>
+        </p:txBody>
+      </p:sp>
+      <p:sp>
+        <p:nvSpPr>
+          <p:cNvPr id="5" name="Segnaposto piè di pagina 4">
+            <a:extLst>
+              <a:ext uri="{FF2B5EF4-FFF2-40B4-BE49-F238E27FC236}">
+                <a16:creationId xmlns:a16="http://schemas.microsoft.com/office/drawing/2014/main" id="{2B8F0DB9-FA45-4D34-9A5D-F6498312443B}"/>
+              </a:ext>
+            </a:extLst>
+          </p:cNvPr>
+          <p:cNvSpPr>
+            <a:spLocks noGrp="1"/>
+          </p:cNvSpPr>
+          <p:nvPr>
+            <p:ph type="ftr" sz="quarter" idx="11"/>
+          </p:nvPr>
+        </p:nvSpPr>
+        <p:spPr/>
+        <p:txBody>
+          <a:bodyPr/>
+          <a:lstStyle/>
+          <a:p>
+            <a:pPr>
+              <a:defRPr/>
+            </a:pPr>
+            <a:r>
+              <a:rPr lang="it-IT"/>
+              <a:t>Alberto Ferrari – Programmazione di applicazioni SW</a:t>
+            </a:r>
+            <a:endParaRPr lang="it-IT" dirty="0"/>
+          </a:p>
+        </p:txBody>
+      </p:sp>
+    </p:spTree>
+    <p:extLst>
+      <p:ext uri="{BB962C8B-B14F-4D97-AF65-F5344CB8AC3E}">
+        <p14:creationId xmlns:p14="http://schemas.microsoft.com/office/powerpoint/2010/main" val="2930680267"/>
+      </p:ext>
+    </p:extLst>
+  </p:cSld>
+  <p:clrMapOvr>
+    <a:masterClrMapping/>
+  </p:clrMapOvr>
+</p:sld>
+</file>
+
+<file path=ppt/slides/slide25.xml><?xml version="1.0" encoding="utf-8"?>
+<p:sld xmlns:a="http://schemas.openxmlformats.org/drawingml/2006/main" xmlns:r="http://schemas.openxmlformats.org/officeDocument/2006/relationships" xmlns:p="http://schemas.openxmlformats.org/presentationml/2006/main">
+  <p:cSld>
+    <p:spTree>
+      <p:nvGrpSpPr>
+        <p:cNvPr id="1" name=""/>
+        <p:cNvGrpSpPr/>
+        <p:nvPr/>
+      </p:nvGrpSpPr>
+      <p:grpSpPr>
+        <a:xfrm>
+          <a:off x="0" y="0"/>
+          <a:ext cx="0" cy="0"/>
+          <a:chOff x="0" y="0"/>
+          <a:chExt cx="0" cy="0"/>
+        </a:xfrm>
+      </p:grpSpPr>
+      <p:sp>
+        <p:nvSpPr>
           <p:cNvPr id="6" name="Titolo 5">
             <a:extLst>
               <a:ext uri="{FF2B5EF4-FFF2-40B4-BE49-F238E27FC236}">
@@ -9357,7 +11229,7 @@
 </p:sld>
 </file>
 
-<file path=ppt/slides/slide24.xml><?xml version="1.0" encoding="utf-8"?>
+<file path=ppt/slides/slide26.xml><?xml version="1.0" encoding="utf-8"?>
 <p:sld xmlns:a="http://schemas.openxmlformats.org/drawingml/2006/main" xmlns:r="http://schemas.openxmlformats.org/officeDocument/2006/relationships" xmlns:p="http://schemas.openxmlformats.org/presentationml/2006/main">
   <p:cSld>
     <p:spTree>
@@ -9631,7 +11503,7 @@
 </p:sld>
 </file>
 
-<file path=ppt/slides/slide25.xml><?xml version="1.0" encoding="utf-8"?>
+<file path=ppt/slides/slide27.xml><?xml version="1.0" encoding="utf-8"?>
 <p:sld xmlns:a="http://schemas.openxmlformats.org/drawingml/2006/main" xmlns:r="http://schemas.openxmlformats.org/officeDocument/2006/relationships" xmlns:p="http://schemas.openxmlformats.org/presentationml/2006/main">
   <p:cSld>
     <p:spTree>
@@ -9898,7 +11770,7 @@
 </p:sld>
 </file>
 
-<file path=ppt/slides/slide26.xml><?xml version="1.0" encoding="utf-8"?>
+<file path=ppt/slides/slide28.xml><?xml version="1.0" encoding="utf-8"?>
 <p:sld xmlns:a="http://schemas.openxmlformats.org/drawingml/2006/main" xmlns:r="http://schemas.openxmlformats.org/officeDocument/2006/relationships" xmlns:p="http://schemas.openxmlformats.org/presentationml/2006/main">
   <p:cSld>
     <p:spTree>
@@ -10021,7 +11893,7 @@
 </p:sld>
 </file>
 
-<file path=ppt/slides/slide27.xml><?xml version="1.0" encoding="utf-8"?>
+<file path=ppt/slides/slide29.xml><?xml version="1.0" encoding="utf-8"?>
 <p:sld xmlns:a="http://schemas.openxmlformats.org/drawingml/2006/main" xmlns:r="http://schemas.openxmlformats.org/officeDocument/2006/relationships" xmlns:p="http://schemas.openxmlformats.org/presentationml/2006/main">
   <p:cSld>
     <p:spTree>
@@ -10187,1419 +12059,6 @@
     <p:extLst>
       <p:ext uri="{BB962C8B-B14F-4D97-AF65-F5344CB8AC3E}">
         <p14:creationId xmlns:p14="http://schemas.microsoft.com/office/powerpoint/2010/main" val="259523479"/>
-      </p:ext>
-    </p:extLst>
-  </p:cSld>
-  <p:clrMapOvr>
-    <a:masterClrMapping/>
-  </p:clrMapOvr>
-</p:sld>
-</file>
-
-<file path=ppt/slides/slide28.xml><?xml version="1.0" encoding="utf-8"?>
-<p:sld xmlns:a="http://schemas.openxmlformats.org/drawingml/2006/main" xmlns:r="http://schemas.openxmlformats.org/officeDocument/2006/relationships" xmlns:p="http://schemas.openxmlformats.org/presentationml/2006/main">
-  <p:cSld>
-    <p:spTree>
-      <p:nvGrpSpPr>
-        <p:cNvPr id="1" name=""/>
-        <p:cNvGrpSpPr/>
-        <p:nvPr/>
-      </p:nvGrpSpPr>
-      <p:grpSpPr>
-        <a:xfrm>
-          <a:off x="0" y="0"/>
-          <a:ext cx="0" cy="0"/>
-          <a:chOff x="0" y="0"/>
-          <a:chExt cx="0" cy="0"/>
-        </a:xfrm>
-      </p:grpSpPr>
-      <p:sp>
-        <p:nvSpPr>
-          <p:cNvPr id="2" name="Titolo 1">
-            <a:extLst>
-              <a:ext uri="{FF2B5EF4-FFF2-40B4-BE49-F238E27FC236}">
-                <a16:creationId xmlns:a16="http://schemas.microsoft.com/office/drawing/2014/main" id="{008C5AD0-E2EB-44CB-A2B7-B87D029EBAF7}"/>
-              </a:ext>
-            </a:extLst>
-          </p:cNvPr>
-          <p:cNvSpPr>
-            <a:spLocks noGrp="1"/>
-          </p:cNvSpPr>
-          <p:nvPr>
-            <p:ph type="title"/>
-          </p:nvPr>
-        </p:nvSpPr>
-        <p:spPr/>
-        <p:txBody>
-          <a:bodyPr/>
-          <a:lstStyle/>
-          <a:p>
-            <a:r>
-              <a:rPr lang="it-IT" dirty="0"/>
-              <a:t>funzioni virtuali</a:t>
-            </a:r>
-          </a:p>
-        </p:txBody>
-      </p:sp>
-      <p:sp>
-        <p:nvSpPr>
-          <p:cNvPr id="3" name="Segnaposto contenuto 2">
-            <a:extLst>
-              <a:ext uri="{FF2B5EF4-FFF2-40B4-BE49-F238E27FC236}">
-                <a16:creationId xmlns:a16="http://schemas.microsoft.com/office/drawing/2014/main" id="{461CD786-44E4-4DC5-8BE3-B9A4BF8AE2F4}"/>
-              </a:ext>
-            </a:extLst>
-          </p:cNvPr>
-          <p:cNvSpPr>
-            <a:spLocks noGrp="1"/>
-          </p:cNvSpPr>
-          <p:nvPr>
-            <p:ph idx="1"/>
-          </p:nvPr>
-        </p:nvSpPr>
-        <p:spPr/>
-        <p:txBody>
-          <a:bodyPr/>
-          <a:lstStyle/>
-          <a:p>
-            <a:r>
-              <a:rPr lang="it-IT" dirty="0"/>
-              <a:t>quando una </a:t>
-            </a:r>
-            <a:r>
-              <a:rPr lang="it-IT" b="1" i="1" dirty="0"/>
-              <a:t>funzione</a:t>
-            </a:r>
-            <a:r>
-              <a:rPr lang="it-IT" dirty="0"/>
-              <a:t> membro di una </a:t>
-            </a:r>
-            <a:r>
-              <a:rPr lang="it-IT" b="1" i="1" dirty="0"/>
-              <a:t>classe base </a:t>
-            </a:r>
-            <a:r>
-              <a:rPr lang="it-IT" dirty="0"/>
-              <a:t>è dichiarata </a:t>
-            </a:r>
-            <a:r>
-              <a:rPr lang="it-IT" b="1" i="1" dirty="0" err="1"/>
-              <a:t>virtual</a:t>
-            </a:r>
-            <a:endParaRPr lang="it-IT" b="1" i="1" dirty="0"/>
-          </a:p>
-          <a:p>
-            <a:r>
-              <a:rPr lang="it-IT" dirty="0"/>
-              <a:t>se la funzione è </a:t>
-            </a:r>
-            <a:r>
-              <a:rPr lang="it-IT" b="1" i="1" dirty="0"/>
-              <a:t>chiamata</a:t>
-            </a:r>
-            <a:r>
-              <a:rPr lang="it-IT" dirty="0"/>
-              <a:t> tramite un </a:t>
-            </a:r>
-            <a:r>
-              <a:rPr lang="it-IT" b="1" i="1" dirty="0"/>
-              <a:t>oggetto</a:t>
-            </a:r>
-            <a:r>
-              <a:rPr lang="it-IT" dirty="0"/>
-              <a:t>, la risoluzione del riferimento avviene a </a:t>
-            </a:r>
-            <a:r>
-              <a:rPr lang="it-IT" b="1" i="1" dirty="0"/>
-              <a:t>tempo di compilazione </a:t>
-            </a:r>
-            <a:r>
-              <a:rPr lang="it-IT" dirty="0"/>
-              <a:t>(</a:t>
-            </a:r>
-            <a:r>
-              <a:rPr lang="it-IT" b="1" i="1" dirty="0" err="1"/>
-              <a:t>static</a:t>
-            </a:r>
-            <a:r>
-              <a:rPr lang="it-IT" b="1" i="1" dirty="0"/>
-              <a:t> </a:t>
-            </a:r>
-            <a:r>
-              <a:rPr lang="it-IT" b="1" i="1" dirty="0" err="1"/>
-              <a:t>binding</a:t>
-            </a:r>
-            <a:r>
-              <a:rPr lang="it-IT" dirty="0"/>
-              <a:t>) e la funzione chiamata è quella della classe dell’oggetto</a:t>
-            </a:r>
-          </a:p>
-          <a:p>
-            <a:r>
-              <a:rPr lang="it-IT" dirty="0"/>
-              <a:t>se la funzione è </a:t>
-            </a:r>
-            <a:r>
-              <a:rPr lang="it-IT" b="1" i="1" dirty="0"/>
-              <a:t>chiamata</a:t>
-            </a:r>
-            <a:r>
-              <a:rPr lang="it-IT" dirty="0"/>
-              <a:t> tramite un </a:t>
-            </a:r>
-            <a:r>
-              <a:rPr lang="it-IT" b="1" i="1" dirty="0"/>
-              <a:t>puntatore </a:t>
-            </a:r>
-            <a:r>
-              <a:rPr lang="it-IT" dirty="0"/>
-              <a:t>il programma sceglie a </a:t>
-            </a:r>
-            <a:r>
-              <a:rPr lang="it-IT" b="1" i="1" dirty="0"/>
-              <a:t>tempo di esecuzione </a:t>
-            </a:r>
-            <a:r>
-              <a:rPr lang="it-IT" dirty="0"/>
-              <a:t>la funzione della classe appropriata (</a:t>
-            </a:r>
-            <a:r>
-              <a:rPr lang="it-IT" b="1" i="1" dirty="0"/>
-              <a:t>late </a:t>
-            </a:r>
-            <a:r>
-              <a:rPr lang="it-IT" b="1" i="1" dirty="0" err="1"/>
-              <a:t>binding</a:t>
-            </a:r>
-            <a:r>
-              <a:rPr lang="it-IT" b="1" i="1" dirty="0"/>
-              <a:t> </a:t>
-            </a:r>
-            <a:r>
-              <a:rPr lang="it-IT" dirty="0"/>
-              <a:t>o</a:t>
-            </a:r>
-            <a:r>
-              <a:rPr lang="it-IT" b="1" i="1" dirty="0"/>
-              <a:t> </a:t>
-            </a:r>
-            <a:r>
-              <a:rPr lang="it-IT" b="1" i="1" dirty="0" err="1"/>
-              <a:t>dynamic</a:t>
-            </a:r>
-            <a:r>
-              <a:rPr lang="it-IT" b="1" i="1" dirty="0"/>
-              <a:t> </a:t>
-            </a:r>
-            <a:r>
-              <a:rPr lang="it-IT" b="1" i="1" dirty="0" err="1"/>
-              <a:t>binding</a:t>
-            </a:r>
-            <a:r>
-              <a:rPr lang="it-IT" dirty="0"/>
-              <a:t>)</a:t>
-            </a:r>
-          </a:p>
-        </p:txBody>
-      </p:sp>
-      <p:sp>
-        <p:nvSpPr>
-          <p:cNvPr id="4" name="Segnaposto piè di pagina 3">
-            <a:extLst>
-              <a:ext uri="{FF2B5EF4-FFF2-40B4-BE49-F238E27FC236}">
-                <a16:creationId xmlns:a16="http://schemas.microsoft.com/office/drawing/2014/main" id="{EF2E5713-75F6-42B8-8D4E-2AFA4EE25C4A}"/>
-              </a:ext>
-            </a:extLst>
-          </p:cNvPr>
-          <p:cNvSpPr>
-            <a:spLocks noGrp="1"/>
-          </p:cNvSpPr>
-          <p:nvPr>
-            <p:ph type="ftr" sz="quarter" idx="11"/>
-          </p:nvPr>
-        </p:nvSpPr>
-        <p:spPr/>
-        <p:txBody>
-          <a:bodyPr/>
-          <a:lstStyle/>
-          <a:p>
-            <a:pPr>
-              <a:defRPr/>
-            </a:pPr>
-            <a:r>
-              <a:rPr lang="it-IT"/>
-              <a:t>Alberto Ferrari – Programmazione di applicazioni SW</a:t>
-            </a:r>
-            <a:endParaRPr lang="it-IT" dirty="0"/>
-          </a:p>
-        </p:txBody>
-      </p:sp>
-    </p:spTree>
-    <p:extLst>
-      <p:ext uri="{BB962C8B-B14F-4D97-AF65-F5344CB8AC3E}">
-        <p14:creationId xmlns:p14="http://schemas.microsoft.com/office/powerpoint/2010/main" val="4210151184"/>
-      </p:ext>
-    </p:extLst>
-  </p:cSld>
-  <p:clrMapOvr>
-    <a:masterClrMapping/>
-  </p:clrMapOvr>
-</p:sld>
-</file>
-
-<file path=ppt/slides/slide29.xml><?xml version="1.0" encoding="utf-8"?>
-<p:sld xmlns:a="http://schemas.openxmlformats.org/drawingml/2006/main" xmlns:r="http://schemas.openxmlformats.org/officeDocument/2006/relationships" xmlns:p="http://schemas.openxmlformats.org/presentationml/2006/main">
-  <p:cSld>
-    <p:spTree>
-      <p:nvGrpSpPr>
-        <p:cNvPr id="1" name=""/>
-        <p:cNvGrpSpPr/>
-        <p:nvPr/>
-      </p:nvGrpSpPr>
-      <p:grpSpPr>
-        <a:xfrm>
-          <a:off x="0" y="0"/>
-          <a:ext cx="0" cy="0"/>
-          <a:chOff x="0" y="0"/>
-          <a:chExt cx="0" cy="0"/>
-        </a:xfrm>
-      </p:grpSpPr>
-      <p:sp>
-        <p:nvSpPr>
-          <p:cNvPr id="2" name="Titolo 1">
-            <a:extLst>
-              <a:ext uri="{FF2B5EF4-FFF2-40B4-BE49-F238E27FC236}">
-                <a16:creationId xmlns:a16="http://schemas.microsoft.com/office/drawing/2014/main" id="{DEB06F08-5EB4-4E3F-9CB8-9556F0A7D92F}"/>
-              </a:ext>
-            </a:extLst>
-          </p:cNvPr>
-          <p:cNvSpPr>
-            <a:spLocks noGrp="1"/>
-          </p:cNvSpPr>
-          <p:nvPr>
-            <p:ph type="title"/>
-          </p:nvPr>
-        </p:nvSpPr>
-        <p:spPr/>
-        <p:txBody>
-          <a:bodyPr/>
-          <a:lstStyle/>
-          <a:p>
-            <a:r>
-              <a:rPr lang="it-IT" dirty="0"/>
-              <a:t>esempio</a:t>
-            </a:r>
-          </a:p>
-        </p:txBody>
-      </p:sp>
-      <p:sp>
-        <p:nvSpPr>
-          <p:cNvPr id="5" name="Segnaposto contenuto 4">
-            <a:extLst>
-              <a:ext uri="{FF2B5EF4-FFF2-40B4-BE49-F238E27FC236}">
-                <a16:creationId xmlns:a16="http://schemas.microsoft.com/office/drawing/2014/main" id="{48CB421D-8DD2-4C63-A3FB-7F797A6B8094}"/>
-              </a:ext>
-            </a:extLst>
-          </p:cNvPr>
-          <p:cNvSpPr>
-            <a:spLocks noGrp="1"/>
-          </p:cNvSpPr>
-          <p:nvPr>
-            <p:ph sz="half" idx="1"/>
-          </p:nvPr>
-        </p:nvSpPr>
-        <p:spPr/>
-        <p:txBody>
-          <a:bodyPr/>
-          <a:lstStyle/>
-          <a:p>
-            <a:pPr marL="0" indent="0">
-              <a:buNone/>
-            </a:pPr>
-            <a:r>
-              <a:rPr lang="it-IT" sz="1600" b="1" dirty="0">
-                <a:latin typeface="Courier New" panose="02070309020205020404" pitchFamily="49" charset="0"/>
-                <a:cs typeface="Courier New" panose="02070309020205020404" pitchFamily="49" charset="0"/>
-              </a:rPr>
-              <a:t>class </a:t>
-            </a:r>
-            <a:r>
-              <a:rPr lang="it-IT" sz="1600" b="1" dirty="0" err="1">
-                <a:solidFill>
-                  <a:srgbClr val="FF0000"/>
-                </a:solidFill>
-                <a:latin typeface="Courier New" panose="02070309020205020404" pitchFamily="49" charset="0"/>
-                <a:cs typeface="Courier New" panose="02070309020205020404" pitchFamily="49" charset="0"/>
-              </a:rPr>
-              <a:t>ChessPiece</a:t>
-            </a:r>
-            <a:r>
-              <a:rPr lang="it-IT" sz="1600" b="1" dirty="0">
-                <a:solidFill>
-                  <a:srgbClr val="FF0000"/>
-                </a:solidFill>
-                <a:latin typeface="Courier New" panose="02070309020205020404" pitchFamily="49" charset="0"/>
-                <a:cs typeface="Courier New" panose="02070309020205020404" pitchFamily="49" charset="0"/>
-              </a:rPr>
-              <a:t> </a:t>
-            </a:r>
-            <a:r>
-              <a:rPr lang="it-IT" sz="1600" b="1" dirty="0">
-                <a:latin typeface="Courier New" panose="02070309020205020404" pitchFamily="49" charset="0"/>
-                <a:cs typeface="Courier New" panose="02070309020205020404" pitchFamily="49" charset="0"/>
-              </a:rPr>
-              <a:t>{</a:t>
-            </a:r>
-          </a:p>
-          <a:p>
-            <a:pPr marL="0" indent="0">
-              <a:buNone/>
-            </a:pPr>
-            <a:r>
-              <a:rPr lang="it-IT" sz="1600" b="1" dirty="0">
-                <a:latin typeface="Courier New" panose="02070309020205020404" pitchFamily="49" charset="0"/>
-                <a:cs typeface="Courier New" panose="02070309020205020404" pitchFamily="49" charset="0"/>
-              </a:rPr>
-              <a:t>  public:</a:t>
-            </a:r>
-          </a:p>
-          <a:p>
-            <a:pPr marL="0" indent="0">
-              <a:buNone/>
-            </a:pPr>
-            <a:r>
-              <a:rPr lang="it-IT" sz="1600" b="1" dirty="0">
-                <a:latin typeface="Courier New" panose="02070309020205020404" pitchFamily="49" charset="0"/>
-                <a:cs typeface="Courier New" panose="02070309020205020404" pitchFamily="49" charset="0"/>
-              </a:rPr>
-              <a:t>    </a:t>
-            </a:r>
-            <a:r>
-              <a:rPr lang="it-IT" sz="1600" b="1" dirty="0" err="1">
-                <a:latin typeface="Courier New" panose="02070309020205020404" pitchFamily="49" charset="0"/>
-                <a:cs typeface="Courier New" panose="02070309020205020404" pitchFamily="49" charset="0"/>
-              </a:rPr>
-              <a:t>ChessPiece</a:t>
-            </a:r>
-            <a:r>
-              <a:rPr lang="it-IT" sz="1600" b="1" dirty="0">
-                <a:latin typeface="Courier New" panose="02070309020205020404" pitchFamily="49" charset="0"/>
-                <a:cs typeface="Courier New" panose="02070309020205020404" pitchFamily="49" charset="0"/>
-              </a:rPr>
-              <a:t>();</a:t>
-            </a:r>
-          </a:p>
-          <a:p>
-            <a:pPr marL="0" indent="0">
-              <a:buNone/>
-            </a:pPr>
-            <a:r>
-              <a:rPr lang="it-IT" sz="1600" b="1" dirty="0">
-                <a:latin typeface="Courier New" panose="02070309020205020404" pitchFamily="49" charset="0"/>
-                <a:cs typeface="Courier New" panose="02070309020205020404" pitchFamily="49" charset="0"/>
-              </a:rPr>
-              <a:t>    </a:t>
-            </a:r>
-            <a:r>
-              <a:rPr lang="it-IT" sz="1600" b="1" dirty="0" err="1">
-                <a:latin typeface="Courier New" panose="02070309020205020404" pitchFamily="49" charset="0"/>
-                <a:cs typeface="Courier New" panose="02070309020205020404" pitchFamily="49" charset="0"/>
-              </a:rPr>
-              <a:t>virtual</a:t>
-            </a:r>
-            <a:r>
-              <a:rPr lang="it-IT" sz="1600" b="1" dirty="0">
-                <a:latin typeface="Courier New" panose="02070309020205020404" pitchFamily="49" charset="0"/>
-                <a:cs typeface="Courier New" panose="02070309020205020404" pitchFamily="49" charset="0"/>
-              </a:rPr>
-              <a:t> ~</a:t>
-            </a:r>
-            <a:r>
-              <a:rPr lang="it-IT" sz="1600" b="1" dirty="0" err="1">
-                <a:latin typeface="Courier New" panose="02070309020205020404" pitchFamily="49" charset="0"/>
-                <a:cs typeface="Courier New" panose="02070309020205020404" pitchFamily="49" charset="0"/>
-              </a:rPr>
-              <a:t>ChessPiece</a:t>
-            </a:r>
-            <a:r>
-              <a:rPr lang="it-IT" sz="1600" b="1" dirty="0">
-                <a:latin typeface="Courier New" panose="02070309020205020404" pitchFamily="49" charset="0"/>
-                <a:cs typeface="Courier New" panose="02070309020205020404" pitchFamily="49" charset="0"/>
-              </a:rPr>
-              <a:t>();</a:t>
-            </a:r>
-          </a:p>
-          <a:p>
-            <a:pPr marL="0" indent="0">
-              <a:buNone/>
-            </a:pPr>
-            <a:r>
-              <a:rPr lang="it-IT" sz="1600" b="1" dirty="0">
-                <a:latin typeface="Courier New" panose="02070309020205020404" pitchFamily="49" charset="0"/>
-                <a:cs typeface="Courier New" panose="02070309020205020404" pitchFamily="49" charset="0"/>
-              </a:rPr>
-              <a:t>    </a:t>
-            </a:r>
-            <a:r>
-              <a:rPr lang="it-IT" sz="1600" b="1" dirty="0" err="1">
-                <a:solidFill>
-                  <a:srgbClr val="FF0000"/>
-                </a:solidFill>
-                <a:latin typeface="Courier New" panose="02070309020205020404" pitchFamily="49" charset="0"/>
-                <a:cs typeface="Courier New" panose="02070309020205020404" pitchFamily="49" charset="0"/>
-              </a:rPr>
-              <a:t>virtual</a:t>
-            </a:r>
-            <a:r>
-              <a:rPr lang="it-IT" sz="1600" b="1" dirty="0">
-                <a:solidFill>
-                  <a:srgbClr val="FF0000"/>
-                </a:solidFill>
-                <a:latin typeface="Courier New" panose="02070309020205020404" pitchFamily="49" charset="0"/>
-                <a:cs typeface="Courier New" panose="02070309020205020404" pitchFamily="49" charset="0"/>
-              </a:rPr>
-              <a:t> </a:t>
-            </a:r>
-            <a:r>
-              <a:rPr lang="it-IT" sz="1600" b="1" dirty="0" err="1">
-                <a:solidFill>
-                  <a:srgbClr val="FF0000"/>
-                </a:solidFill>
-                <a:latin typeface="Courier New" panose="02070309020205020404" pitchFamily="49" charset="0"/>
-                <a:cs typeface="Courier New" panose="02070309020205020404" pitchFamily="49" charset="0"/>
-              </a:rPr>
-              <a:t>void</a:t>
-            </a:r>
-            <a:r>
-              <a:rPr lang="it-IT" sz="1600" b="1" dirty="0">
-                <a:solidFill>
-                  <a:srgbClr val="FF0000"/>
-                </a:solidFill>
-                <a:latin typeface="Courier New" panose="02070309020205020404" pitchFamily="49" charset="0"/>
-                <a:cs typeface="Courier New" panose="02070309020205020404" pitchFamily="49" charset="0"/>
-              </a:rPr>
-              <a:t> </a:t>
-            </a:r>
-            <a:r>
-              <a:rPr lang="it-IT" sz="1600" b="1" dirty="0" err="1">
-                <a:solidFill>
-                  <a:srgbClr val="FF0000"/>
-                </a:solidFill>
-                <a:latin typeface="Courier New" panose="02070309020205020404" pitchFamily="49" charset="0"/>
-                <a:cs typeface="Courier New" panose="02070309020205020404" pitchFamily="49" charset="0"/>
-              </a:rPr>
-              <a:t>move</a:t>
-            </a:r>
-            <a:r>
-              <a:rPr lang="it-IT" sz="1600" b="1" dirty="0">
-                <a:solidFill>
-                  <a:srgbClr val="FF0000"/>
-                </a:solidFill>
-                <a:latin typeface="Courier New" panose="02070309020205020404" pitchFamily="49" charset="0"/>
-                <a:cs typeface="Courier New" panose="02070309020205020404" pitchFamily="49" charset="0"/>
-              </a:rPr>
-              <a:t>();</a:t>
-            </a:r>
-          </a:p>
-          <a:p>
-            <a:pPr marL="0" indent="0">
-              <a:buNone/>
-            </a:pPr>
-            <a:r>
-              <a:rPr lang="it-IT" sz="1600" b="1" dirty="0">
-                <a:latin typeface="Courier New" panose="02070309020205020404" pitchFamily="49" charset="0"/>
-                <a:cs typeface="Courier New" panose="02070309020205020404" pitchFamily="49" charset="0"/>
-              </a:rPr>
-              <a:t>  private:</a:t>
-            </a:r>
-          </a:p>
-          <a:p>
-            <a:pPr marL="0" indent="0">
-              <a:buNone/>
-            </a:pPr>
-            <a:r>
-              <a:rPr lang="it-IT" sz="1600" b="1" dirty="0">
-                <a:latin typeface="Courier New" panose="02070309020205020404" pitchFamily="49" charset="0"/>
-                <a:cs typeface="Courier New" panose="02070309020205020404" pitchFamily="49" charset="0"/>
-              </a:rPr>
-              <a:t>    </a:t>
-            </a:r>
-            <a:r>
-              <a:rPr lang="it-IT" sz="1600" b="1" dirty="0" err="1">
-                <a:latin typeface="Courier New" panose="02070309020205020404" pitchFamily="49" charset="0"/>
-                <a:cs typeface="Courier New" panose="02070309020205020404" pitchFamily="49" charset="0"/>
-              </a:rPr>
-              <a:t>char</a:t>
-            </a:r>
-            <a:r>
-              <a:rPr lang="it-IT" sz="1600" b="1" dirty="0">
-                <a:latin typeface="Courier New" panose="02070309020205020404" pitchFamily="49" charset="0"/>
-                <a:cs typeface="Courier New" panose="02070309020205020404" pitchFamily="49" charset="0"/>
-              </a:rPr>
-              <a:t> </a:t>
-            </a:r>
-            <a:r>
-              <a:rPr lang="it-IT" sz="1600" b="1" dirty="0" err="1">
-                <a:latin typeface="Courier New" panose="02070309020205020404" pitchFamily="49" charset="0"/>
-                <a:cs typeface="Courier New" panose="02070309020205020404" pitchFamily="49" charset="0"/>
-              </a:rPr>
-              <a:t>column</a:t>
-            </a:r>
-            <a:r>
-              <a:rPr lang="it-IT" sz="1600" b="1" dirty="0">
-                <a:latin typeface="Courier New" panose="02070309020205020404" pitchFamily="49" charset="0"/>
-                <a:cs typeface="Courier New" panose="02070309020205020404" pitchFamily="49" charset="0"/>
-              </a:rPr>
-              <a:t>;</a:t>
-            </a:r>
-          </a:p>
-          <a:p>
-            <a:pPr marL="0" indent="0">
-              <a:buNone/>
-            </a:pPr>
-            <a:r>
-              <a:rPr lang="it-IT" sz="1600" b="1" dirty="0">
-                <a:latin typeface="Courier New" panose="02070309020205020404" pitchFamily="49" charset="0"/>
-                <a:cs typeface="Courier New" panose="02070309020205020404" pitchFamily="49" charset="0"/>
-              </a:rPr>
-              <a:t>    </a:t>
-            </a:r>
-            <a:r>
-              <a:rPr lang="it-IT" sz="1600" b="1" dirty="0" err="1">
-                <a:latin typeface="Courier New" panose="02070309020205020404" pitchFamily="49" charset="0"/>
-                <a:cs typeface="Courier New" panose="02070309020205020404" pitchFamily="49" charset="0"/>
-              </a:rPr>
-              <a:t>int</a:t>
-            </a:r>
-            <a:r>
-              <a:rPr lang="it-IT" sz="1600" b="1" dirty="0">
-                <a:latin typeface="Courier New" panose="02070309020205020404" pitchFamily="49" charset="0"/>
-                <a:cs typeface="Courier New" panose="02070309020205020404" pitchFamily="49" charset="0"/>
-              </a:rPr>
-              <a:t> </a:t>
-            </a:r>
-            <a:r>
-              <a:rPr lang="it-IT" sz="1600" b="1" dirty="0" err="1">
-                <a:latin typeface="Courier New" panose="02070309020205020404" pitchFamily="49" charset="0"/>
-                <a:cs typeface="Courier New" panose="02070309020205020404" pitchFamily="49" charset="0"/>
-              </a:rPr>
-              <a:t>row</a:t>
-            </a:r>
-            <a:r>
-              <a:rPr lang="it-IT" sz="1600" b="1" dirty="0">
-                <a:latin typeface="Courier New" panose="02070309020205020404" pitchFamily="49" charset="0"/>
-                <a:cs typeface="Courier New" panose="02070309020205020404" pitchFamily="49" charset="0"/>
-              </a:rPr>
-              <a:t>;</a:t>
-            </a:r>
-          </a:p>
-          <a:p>
-            <a:pPr marL="0" indent="0">
-              <a:buNone/>
-            </a:pPr>
-            <a:r>
-              <a:rPr lang="it-IT" sz="1600" b="1" dirty="0">
-                <a:latin typeface="Courier New" panose="02070309020205020404" pitchFamily="49" charset="0"/>
-                <a:cs typeface="Courier New" panose="02070309020205020404" pitchFamily="49" charset="0"/>
-              </a:rPr>
-              <a:t>    </a:t>
-            </a:r>
-            <a:r>
-              <a:rPr lang="it-IT" sz="1600" b="1" dirty="0" err="1">
-                <a:latin typeface="Courier New" panose="02070309020205020404" pitchFamily="49" charset="0"/>
-                <a:cs typeface="Courier New" panose="02070309020205020404" pitchFamily="49" charset="0"/>
-              </a:rPr>
-              <a:t>char</a:t>
-            </a:r>
-            <a:r>
-              <a:rPr lang="it-IT" sz="1600" b="1" dirty="0">
-                <a:latin typeface="Courier New" panose="02070309020205020404" pitchFamily="49" charset="0"/>
-                <a:cs typeface="Courier New" panose="02070309020205020404" pitchFamily="49" charset="0"/>
-              </a:rPr>
-              <a:t> color;</a:t>
-            </a:r>
-          </a:p>
-          <a:p>
-            <a:pPr marL="0" indent="0">
-              <a:buNone/>
-            </a:pPr>
-            <a:r>
-              <a:rPr lang="it-IT" sz="1600" b="1" dirty="0">
-                <a:latin typeface="Courier New" panose="02070309020205020404" pitchFamily="49" charset="0"/>
-                <a:cs typeface="Courier New" panose="02070309020205020404" pitchFamily="49" charset="0"/>
-              </a:rPr>
-              <a:t>    </a:t>
-            </a:r>
-            <a:r>
-              <a:rPr lang="it-IT" sz="1600" b="1" dirty="0" err="1">
-                <a:latin typeface="Courier New" panose="02070309020205020404" pitchFamily="49" charset="0"/>
-                <a:cs typeface="Courier New" panose="02070309020205020404" pitchFamily="49" charset="0"/>
-              </a:rPr>
-              <a:t>std</a:t>
-            </a:r>
-            <a:r>
-              <a:rPr lang="it-IT" sz="1600" b="1" dirty="0">
-                <a:latin typeface="Courier New" panose="02070309020205020404" pitchFamily="49" charset="0"/>
-                <a:cs typeface="Courier New" panose="02070309020205020404" pitchFamily="49" charset="0"/>
-              </a:rPr>
-              <a:t>::</a:t>
-            </a:r>
-            <a:r>
-              <a:rPr lang="it-IT" sz="1600" b="1" dirty="0" err="1">
-                <a:latin typeface="Courier New" panose="02070309020205020404" pitchFamily="49" charset="0"/>
-                <a:cs typeface="Courier New" panose="02070309020205020404" pitchFamily="49" charset="0"/>
-              </a:rPr>
-              <a:t>string</a:t>
-            </a:r>
-            <a:r>
-              <a:rPr lang="it-IT" sz="1600" b="1" dirty="0">
-                <a:latin typeface="Courier New" panose="02070309020205020404" pitchFamily="49" charset="0"/>
-                <a:cs typeface="Courier New" panose="02070309020205020404" pitchFamily="49" charset="0"/>
-              </a:rPr>
-              <a:t> </a:t>
-            </a:r>
-            <a:r>
-              <a:rPr lang="it-IT" sz="1600" b="1" dirty="0" err="1">
-                <a:latin typeface="Courier New" panose="02070309020205020404" pitchFamily="49" charset="0"/>
-                <a:cs typeface="Courier New" panose="02070309020205020404" pitchFamily="49" charset="0"/>
-              </a:rPr>
-              <a:t>name</a:t>
-            </a:r>
-            <a:r>
-              <a:rPr lang="it-IT" sz="1600" b="1" dirty="0">
-                <a:latin typeface="Courier New" panose="02070309020205020404" pitchFamily="49" charset="0"/>
-                <a:cs typeface="Courier New" panose="02070309020205020404" pitchFamily="49" charset="0"/>
-              </a:rPr>
-              <a:t>;</a:t>
-            </a:r>
-          </a:p>
-          <a:p>
-            <a:pPr marL="0" indent="0">
-              <a:buNone/>
-            </a:pPr>
-            <a:r>
-              <a:rPr lang="it-IT" sz="1600" b="1" dirty="0">
-                <a:latin typeface="Courier New" panose="02070309020205020404" pitchFamily="49" charset="0"/>
-                <a:cs typeface="Courier New" panose="02070309020205020404" pitchFamily="49" charset="0"/>
-              </a:rPr>
-              <a:t>};</a:t>
-            </a:r>
-          </a:p>
-          <a:p>
-            <a:pPr marL="0" indent="0">
-              <a:buNone/>
-            </a:pPr>
-            <a:r>
-              <a:rPr lang="it-IT" sz="1600" b="1" dirty="0">
-                <a:latin typeface="Courier New" panose="02070309020205020404" pitchFamily="49" charset="0"/>
-                <a:cs typeface="Courier New" panose="02070309020205020404" pitchFamily="49" charset="0"/>
-              </a:rPr>
-              <a:t>…</a:t>
-            </a:r>
-          </a:p>
-          <a:p>
-            <a:pPr marL="0" indent="0">
-              <a:buNone/>
-            </a:pPr>
-            <a:r>
-              <a:rPr lang="en-US" sz="1600" b="1" dirty="0">
-                <a:solidFill>
-                  <a:srgbClr val="FF0000"/>
-                </a:solidFill>
-                <a:latin typeface="Courier New" panose="02070309020205020404" pitchFamily="49" charset="0"/>
-                <a:cs typeface="Courier New" panose="02070309020205020404" pitchFamily="49" charset="0"/>
-              </a:rPr>
-              <a:t>void </a:t>
-            </a:r>
-            <a:r>
-              <a:rPr lang="en-US" sz="1600" b="1" dirty="0" err="1">
-                <a:solidFill>
-                  <a:srgbClr val="FF0000"/>
-                </a:solidFill>
-                <a:latin typeface="Courier New" panose="02070309020205020404" pitchFamily="49" charset="0"/>
-                <a:cs typeface="Courier New" panose="02070309020205020404" pitchFamily="49" charset="0"/>
-              </a:rPr>
-              <a:t>ChessPiece</a:t>
-            </a:r>
-            <a:r>
-              <a:rPr lang="en-US" sz="1600" b="1" dirty="0">
-                <a:solidFill>
-                  <a:srgbClr val="FF0000"/>
-                </a:solidFill>
-                <a:latin typeface="Courier New" panose="02070309020205020404" pitchFamily="49" charset="0"/>
-                <a:cs typeface="Courier New" panose="02070309020205020404" pitchFamily="49" charset="0"/>
-              </a:rPr>
-              <a:t>::move() {</a:t>
-            </a:r>
-          </a:p>
-          <a:p>
-            <a:pPr marL="0" indent="0">
-              <a:buNone/>
-            </a:pPr>
-            <a:r>
-              <a:rPr lang="en-US" sz="1600" b="1" dirty="0">
-                <a:solidFill>
-                  <a:srgbClr val="FF0000"/>
-                </a:solidFill>
-                <a:latin typeface="Courier New" panose="02070309020205020404" pitchFamily="49" charset="0"/>
-                <a:cs typeface="Courier New" panose="02070309020205020404" pitchFamily="49" charset="0"/>
-              </a:rPr>
-              <a:t>    </a:t>
-            </a:r>
-            <a:r>
-              <a:rPr lang="en-US" sz="1600" b="1" dirty="0" err="1">
-                <a:solidFill>
-                  <a:srgbClr val="FF0000"/>
-                </a:solidFill>
-                <a:latin typeface="Courier New" panose="02070309020205020404" pitchFamily="49" charset="0"/>
-                <a:cs typeface="Courier New" panose="02070309020205020404" pitchFamily="49" charset="0"/>
-              </a:rPr>
-              <a:t>std</a:t>
-            </a:r>
-            <a:r>
-              <a:rPr lang="en-US" sz="1600" b="1" dirty="0">
-                <a:solidFill>
-                  <a:srgbClr val="FF0000"/>
-                </a:solidFill>
-                <a:latin typeface="Courier New" panose="02070309020205020404" pitchFamily="49" charset="0"/>
-                <a:cs typeface="Courier New" panose="02070309020205020404" pitchFamily="49" charset="0"/>
-              </a:rPr>
-              <a:t>::</a:t>
-            </a:r>
-            <a:r>
-              <a:rPr lang="en-US" sz="1600" b="1" dirty="0" err="1">
-                <a:solidFill>
-                  <a:srgbClr val="FF0000"/>
-                </a:solidFill>
-                <a:latin typeface="Courier New" panose="02070309020205020404" pitchFamily="49" charset="0"/>
-                <a:cs typeface="Courier New" panose="02070309020205020404" pitchFamily="49" charset="0"/>
-              </a:rPr>
-              <a:t>cout</a:t>
-            </a:r>
-            <a:r>
-              <a:rPr lang="en-US" sz="1600" b="1" dirty="0">
-                <a:solidFill>
-                  <a:srgbClr val="FF0000"/>
-                </a:solidFill>
-                <a:latin typeface="Courier New" panose="02070309020205020404" pitchFamily="49" charset="0"/>
-                <a:cs typeface="Courier New" panose="02070309020205020404" pitchFamily="49" charset="0"/>
-              </a:rPr>
-              <a:t> &lt;&lt; "No piece" &lt;&lt; </a:t>
-            </a:r>
-            <a:r>
-              <a:rPr lang="en-US" sz="1600" b="1" dirty="0" err="1">
-                <a:solidFill>
-                  <a:srgbClr val="FF0000"/>
-                </a:solidFill>
-                <a:latin typeface="Courier New" panose="02070309020205020404" pitchFamily="49" charset="0"/>
-                <a:cs typeface="Courier New" panose="02070309020205020404" pitchFamily="49" charset="0"/>
-              </a:rPr>
-              <a:t>std</a:t>
-            </a:r>
-            <a:r>
-              <a:rPr lang="en-US" sz="1600" b="1" dirty="0">
-                <a:solidFill>
-                  <a:srgbClr val="FF0000"/>
-                </a:solidFill>
-                <a:latin typeface="Courier New" panose="02070309020205020404" pitchFamily="49" charset="0"/>
-                <a:cs typeface="Courier New" panose="02070309020205020404" pitchFamily="49" charset="0"/>
-              </a:rPr>
-              <a:t>::</a:t>
-            </a:r>
-            <a:r>
-              <a:rPr lang="en-US" sz="1600" b="1" dirty="0" err="1">
-                <a:solidFill>
-                  <a:srgbClr val="FF0000"/>
-                </a:solidFill>
-                <a:latin typeface="Courier New" panose="02070309020205020404" pitchFamily="49" charset="0"/>
-                <a:cs typeface="Courier New" panose="02070309020205020404" pitchFamily="49" charset="0"/>
-              </a:rPr>
-              <a:t>endl</a:t>
-            </a:r>
-            <a:r>
-              <a:rPr lang="en-US" sz="1600" b="1" dirty="0">
-                <a:solidFill>
-                  <a:srgbClr val="FF0000"/>
-                </a:solidFill>
-                <a:latin typeface="Courier New" panose="02070309020205020404" pitchFamily="49" charset="0"/>
-                <a:cs typeface="Courier New" panose="02070309020205020404" pitchFamily="49" charset="0"/>
-              </a:rPr>
-              <a:t>;</a:t>
-            </a:r>
-          </a:p>
-          <a:p>
-            <a:pPr marL="0" indent="0">
-              <a:buNone/>
-            </a:pPr>
-            <a:r>
-              <a:rPr lang="en-US" sz="1600" b="1" dirty="0">
-                <a:solidFill>
-                  <a:srgbClr val="FF0000"/>
-                </a:solidFill>
-                <a:latin typeface="Courier New" panose="02070309020205020404" pitchFamily="49" charset="0"/>
-                <a:cs typeface="Courier New" panose="02070309020205020404" pitchFamily="49" charset="0"/>
-              </a:rPr>
-              <a:t>}</a:t>
-            </a:r>
-            <a:endParaRPr lang="it-IT" sz="1600" b="1" dirty="0">
-              <a:solidFill>
-                <a:srgbClr val="FF0000"/>
-              </a:solidFill>
-              <a:latin typeface="Courier New" panose="02070309020205020404" pitchFamily="49" charset="0"/>
-              <a:cs typeface="Courier New" panose="02070309020205020404" pitchFamily="49" charset="0"/>
-            </a:endParaRPr>
-          </a:p>
-        </p:txBody>
-      </p:sp>
-      <p:sp>
-        <p:nvSpPr>
-          <p:cNvPr id="6" name="Segnaposto contenuto 5">
-            <a:extLst>
-              <a:ext uri="{FF2B5EF4-FFF2-40B4-BE49-F238E27FC236}">
-                <a16:creationId xmlns:a16="http://schemas.microsoft.com/office/drawing/2014/main" id="{4F2A620B-9C4E-4773-8FFD-35B0BBCC0A67}"/>
-              </a:ext>
-            </a:extLst>
-          </p:cNvPr>
-          <p:cNvSpPr>
-            <a:spLocks noGrp="1"/>
-          </p:cNvSpPr>
-          <p:nvPr>
-            <p:ph sz="half" idx="2"/>
-          </p:nvPr>
-        </p:nvSpPr>
-        <p:spPr/>
-        <p:txBody>
-          <a:bodyPr/>
-          <a:lstStyle/>
-          <a:p>
-            <a:pPr marL="0" indent="0">
-              <a:buNone/>
-            </a:pPr>
-            <a:r>
-              <a:rPr lang="it-IT" sz="1600" b="1" dirty="0">
-                <a:latin typeface="Courier New" panose="02070309020205020404" pitchFamily="49" charset="0"/>
-                <a:cs typeface="Courier New" panose="02070309020205020404" pitchFamily="49" charset="0"/>
-              </a:rPr>
-              <a:t>class </a:t>
-            </a:r>
-            <a:r>
-              <a:rPr lang="it-IT" sz="1600" b="1" dirty="0">
-                <a:solidFill>
-                  <a:srgbClr val="FF0000"/>
-                </a:solidFill>
-                <a:latin typeface="Courier New" panose="02070309020205020404" pitchFamily="49" charset="0"/>
-                <a:cs typeface="Courier New" panose="02070309020205020404" pitchFamily="49" charset="0"/>
-              </a:rPr>
-              <a:t>Bishop</a:t>
-            </a:r>
-            <a:r>
-              <a:rPr lang="it-IT" sz="1600" b="1" dirty="0">
-                <a:latin typeface="Courier New" panose="02070309020205020404" pitchFamily="49" charset="0"/>
-                <a:cs typeface="Courier New" panose="02070309020205020404" pitchFamily="49" charset="0"/>
-              </a:rPr>
-              <a:t> : </a:t>
-            </a:r>
-            <a:r>
-              <a:rPr lang="it-IT" sz="1600" b="1" dirty="0">
-                <a:solidFill>
-                  <a:srgbClr val="FF0000"/>
-                </a:solidFill>
-                <a:latin typeface="Courier New" panose="02070309020205020404" pitchFamily="49" charset="0"/>
-                <a:cs typeface="Courier New" panose="02070309020205020404" pitchFamily="49" charset="0"/>
-              </a:rPr>
-              <a:t>public </a:t>
-            </a:r>
-            <a:r>
-              <a:rPr lang="it-IT" sz="1600" b="1" dirty="0" err="1">
-                <a:solidFill>
-                  <a:srgbClr val="FF0000"/>
-                </a:solidFill>
-                <a:latin typeface="Courier New" panose="02070309020205020404" pitchFamily="49" charset="0"/>
-                <a:cs typeface="Courier New" panose="02070309020205020404" pitchFamily="49" charset="0"/>
-              </a:rPr>
-              <a:t>ChessPiece</a:t>
-            </a:r>
-            <a:r>
-              <a:rPr lang="it-IT" sz="1600" b="1" dirty="0">
-                <a:solidFill>
-                  <a:srgbClr val="FF0000"/>
-                </a:solidFill>
-                <a:latin typeface="Courier New" panose="02070309020205020404" pitchFamily="49" charset="0"/>
-                <a:cs typeface="Courier New" panose="02070309020205020404" pitchFamily="49" charset="0"/>
-              </a:rPr>
-              <a:t> </a:t>
-            </a:r>
-            <a:r>
-              <a:rPr lang="it-IT" sz="1600" b="1" dirty="0">
-                <a:latin typeface="Courier New" panose="02070309020205020404" pitchFamily="49" charset="0"/>
-                <a:cs typeface="Courier New" panose="02070309020205020404" pitchFamily="49" charset="0"/>
-              </a:rPr>
-              <a:t>{</a:t>
-            </a:r>
-          </a:p>
-          <a:p>
-            <a:pPr marL="0" indent="0">
-              <a:buNone/>
-            </a:pPr>
-            <a:r>
-              <a:rPr lang="it-IT" sz="1600" b="1" dirty="0">
-                <a:latin typeface="Courier New" panose="02070309020205020404" pitchFamily="49" charset="0"/>
-                <a:cs typeface="Courier New" panose="02070309020205020404" pitchFamily="49" charset="0"/>
-              </a:rPr>
-              <a:t>    public:</a:t>
-            </a:r>
-          </a:p>
-          <a:p>
-            <a:pPr marL="0" indent="0">
-              <a:buNone/>
-            </a:pPr>
-            <a:r>
-              <a:rPr lang="it-IT" sz="1600" b="1" dirty="0">
-                <a:latin typeface="Courier New" panose="02070309020205020404" pitchFamily="49" charset="0"/>
-                <a:cs typeface="Courier New" panose="02070309020205020404" pitchFamily="49" charset="0"/>
-              </a:rPr>
-              <a:t>        Bishop();</a:t>
-            </a:r>
-          </a:p>
-          <a:p>
-            <a:pPr marL="0" indent="0">
-              <a:buNone/>
-            </a:pPr>
-            <a:r>
-              <a:rPr lang="it-IT" sz="1600" b="1" dirty="0">
-                <a:latin typeface="Courier New" panose="02070309020205020404" pitchFamily="49" charset="0"/>
-                <a:cs typeface="Courier New" panose="02070309020205020404" pitchFamily="49" charset="0"/>
-              </a:rPr>
-              <a:t>        </a:t>
-            </a:r>
-            <a:r>
-              <a:rPr lang="it-IT" sz="1600" b="1" dirty="0" err="1">
-                <a:latin typeface="Courier New" panose="02070309020205020404" pitchFamily="49" charset="0"/>
-                <a:cs typeface="Courier New" panose="02070309020205020404" pitchFamily="49" charset="0"/>
-              </a:rPr>
-              <a:t>virtual</a:t>
-            </a:r>
-            <a:r>
-              <a:rPr lang="it-IT" sz="1600" b="1" dirty="0">
-                <a:latin typeface="Courier New" panose="02070309020205020404" pitchFamily="49" charset="0"/>
-                <a:cs typeface="Courier New" panose="02070309020205020404" pitchFamily="49" charset="0"/>
-              </a:rPr>
-              <a:t> ~Bishop();</a:t>
-            </a:r>
-          </a:p>
-          <a:p>
-            <a:pPr marL="0" indent="0">
-              <a:buNone/>
-            </a:pPr>
-            <a:r>
-              <a:rPr lang="it-IT" sz="1600" b="1" dirty="0">
-                <a:latin typeface="Courier New" panose="02070309020205020404" pitchFamily="49" charset="0"/>
-                <a:cs typeface="Courier New" panose="02070309020205020404" pitchFamily="49" charset="0"/>
-              </a:rPr>
-              <a:t>        </a:t>
-            </a:r>
-            <a:r>
-              <a:rPr lang="it-IT" sz="1600" b="1" dirty="0" err="1">
-                <a:solidFill>
-                  <a:srgbClr val="FF0000"/>
-                </a:solidFill>
-                <a:latin typeface="Courier New" panose="02070309020205020404" pitchFamily="49" charset="0"/>
-                <a:cs typeface="Courier New" panose="02070309020205020404" pitchFamily="49" charset="0"/>
-              </a:rPr>
-              <a:t>void</a:t>
-            </a:r>
-            <a:r>
-              <a:rPr lang="it-IT" sz="1600" b="1" dirty="0">
-                <a:solidFill>
-                  <a:srgbClr val="FF0000"/>
-                </a:solidFill>
-                <a:latin typeface="Courier New" panose="02070309020205020404" pitchFamily="49" charset="0"/>
-                <a:cs typeface="Courier New" panose="02070309020205020404" pitchFamily="49" charset="0"/>
-              </a:rPr>
-              <a:t> </a:t>
-            </a:r>
-            <a:r>
-              <a:rPr lang="it-IT" sz="1600" b="1" dirty="0" err="1">
-                <a:solidFill>
-                  <a:srgbClr val="FF0000"/>
-                </a:solidFill>
-                <a:latin typeface="Courier New" panose="02070309020205020404" pitchFamily="49" charset="0"/>
-                <a:cs typeface="Courier New" panose="02070309020205020404" pitchFamily="49" charset="0"/>
-              </a:rPr>
-              <a:t>move</a:t>
-            </a:r>
-            <a:r>
-              <a:rPr lang="it-IT" sz="1600" b="1" dirty="0">
-                <a:solidFill>
-                  <a:srgbClr val="FF0000"/>
-                </a:solidFill>
-                <a:latin typeface="Courier New" panose="02070309020205020404" pitchFamily="49" charset="0"/>
-                <a:cs typeface="Courier New" panose="02070309020205020404" pitchFamily="49" charset="0"/>
-              </a:rPr>
-              <a:t>();</a:t>
-            </a:r>
-          </a:p>
-          <a:p>
-            <a:pPr marL="0" indent="0">
-              <a:buNone/>
-            </a:pPr>
-            <a:r>
-              <a:rPr lang="it-IT" sz="1600" b="1" dirty="0">
-                <a:latin typeface="Courier New" panose="02070309020205020404" pitchFamily="49" charset="0"/>
-                <a:cs typeface="Courier New" panose="02070309020205020404" pitchFamily="49" charset="0"/>
-              </a:rPr>
-              <a:t>    private:</a:t>
-            </a:r>
-          </a:p>
-          <a:p>
-            <a:pPr marL="0" indent="0">
-              <a:buNone/>
-            </a:pPr>
-            <a:r>
-              <a:rPr lang="it-IT" sz="1600" b="1" dirty="0">
-                <a:latin typeface="Courier New" panose="02070309020205020404" pitchFamily="49" charset="0"/>
-                <a:cs typeface="Courier New" panose="02070309020205020404" pitchFamily="49" charset="0"/>
-              </a:rPr>
-              <a:t>};</a:t>
-            </a:r>
-          </a:p>
-          <a:p>
-            <a:pPr marL="0" indent="0">
-              <a:buNone/>
-            </a:pPr>
-            <a:r>
-              <a:rPr lang="it-IT" sz="1600" b="1" dirty="0">
-                <a:latin typeface="Courier New" panose="02070309020205020404" pitchFamily="49" charset="0"/>
-                <a:cs typeface="Courier New" panose="02070309020205020404" pitchFamily="49" charset="0"/>
-              </a:rPr>
-              <a:t>…</a:t>
-            </a:r>
-          </a:p>
-          <a:p>
-            <a:pPr marL="0" indent="0">
-              <a:buNone/>
-            </a:pPr>
-            <a:r>
-              <a:rPr lang="it-IT" sz="1600" b="1" dirty="0">
-                <a:latin typeface="Courier New" panose="02070309020205020404" pitchFamily="49" charset="0"/>
-                <a:cs typeface="Courier New" panose="02070309020205020404" pitchFamily="49" charset="0"/>
-              </a:rPr>
-              <a:t>Bishop::Bishop(){</a:t>
-            </a:r>
-          </a:p>
-          <a:p>
-            <a:pPr marL="0" indent="0">
-              <a:buNone/>
-            </a:pPr>
-            <a:r>
-              <a:rPr lang="it-IT" sz="1600" b="1" dirty="0">
-                <a:latin typeface="Courier New" panose="02070309020205020404" pitchFamily="49" charset="0"/>
-                <a:cs typeface="Courier New" panose="02070309020205020404" pitchFamily="49" charset="0"/>
-              </a:rPr>
-              <a:t>    </a:t>
-            </a:r>
-            <a:r>
-              <a:rPr lang="it-IT" sz="1600" b="1" dirty="0" err="1">
-                <a:solidFill>
-                  <a:srgbClr val="FF0000"/>
-                </a:solidFill>
-                <a:latin typeface="Courier New" panose="02070309020205020404" pitchFamily="49" charset="0"/>
-                <a:cs typeface="Courier New" panose="02070309020205020404" pitchFamily="49" charset="0"/>
-              </a:rPr>
-              <a:t>setName</a:t>
-            </a:r>
-            <a:r>
-              <a:rPr lang="it-IT" sz="1600" b="1" dirty="0">
-                <a:solidFill>
-                  <a:srgbClr val="FF0000"/>
-                </a:solidFill>
-                <a:latin typeface="Courier New" panose="02070309020205020404" pitchFamily="49" charset="0"/>
-                <a:cs typeface="Courier New" panose="02070309020205020404" pitchFamily="49" charset="0"/>
-              </a:rPr>
-              <a:t>("Bishop");</a:t>
-            </a:r>
-          </a:p>
-          <a:p>
-            <a:pPr marL="0" indent="0">
-              <a:buNone/>
-            </a:pPr>
-            <a:r>
-              <a:rPr lang="it-IT" sz="1600" b="1" dirty="0">
-                <a:latin typeface="Courier New" panose="02070309020205020404" pitchFamily="49" charset="0"/>
-                <a:cs typeface="Courier New" panose="02070309020205020404" pitchFamily="49" charset="0"/>
-              </a:rPr>
-              <a:t>}</a:t>
-            </a:r>
-          </a:p>
-          <a:p>
-            <a:pPr marL="0" indent="0">
-              <a:buNone/>
-            </a:pPr>
-            <a:r>
-              <a:rPr lang="it-IT" sz="1600" b="1" dirty="0">
-                <a:latin typeface="Courier New" panose="02070309020205020404" pitchFamily="49" charset="0"/>
-                <a:cs typeface="Courier New" panose="02070309020205020404" pitchFamily="49" charset="0"/>
-              </a:rPr>
-              <a:t>…</a:t>
-            </a:r>
-          </a:p>
-          <a:p>
-            <a:pPr marL="0" indent="0">
-              <a:buNone/>
-            </a:pPr>
-            <a:r>
-              <a:rPr lang="it-IT" sz="1600" b="1" dirty="0" err="1">
-                <a:solidFill>
-                  <a:srgbClr val="FF0000"/>
-                </a:solidFill>
-                <a:latin typeface="Courier New" panose="02070309020205020404" pitchFamily="49" charset="0"/>
-                <a:cs typeface="Courier New" panose="02070309020205020404" pitchFamily="49" charset="0"/>
-              </a:rPr>
-              <a:t>void</a:t>
-            </a:r>
-            <a:r>
-              <a:rPr lang="it-IT" sz="1600" b="1" dirty="0">
-                <a:solidFill>
-                  <a:srgbClr val="FF0000"/>
-                </a:solidFill>
-                <a:latin typeface="Courier New" panose="02070309020205020404" pitchFamily="49" charset="0"/>
-                <a:cs typeface="Courier New" panose="02070309020205020404" pitchFamily="49" charset="0"/>
-              </a:rPr>
-              <a:t> Bishop::</a:t>
-            </a:r>
-            <a:r>
-              <a:rPr lang="it-IT" sz="1600" b="1" dirty="0" err="1">
-                <a:solidFill>
-                  <a:srgbClr val="FF0000"/>
-                </a:solidFill>
-                <a:latin typeface="Courier New" panose="02070309020205020404" pitchFamily="49" charset="0"/>
-                <a:cs typeface="Courier New" panose="02070309020205020404" pitchFamily="49" charset="0"/>
-              </a:rPr>
-              <a:t>move</a:t>
-            </a:r>
-            <a:r>
-              <a:rPr lang="it-IT" sz="1600" b="1" dirty="0">
-                <a:solidFill>
-                  <a:srgbClr val="FF0000"/>
-                </a:solidFill>
-                <a:latin typeface="Courier New" panose="02070309020205020404" pitchFamily="49" charset="0"/>
-                <a:cs typeface="Courier New" panose="02070309020205020404" pitchFamily="49" charset="0"/>
-              </a:rPr>
-              <a:t>() {</a:t>
-            </a:r>
-          </a:p>
-          <a:p>
-            <a:pPr marL="0" indent="0">
-              <a:buNone/>
-            </a:pPr>
-            <a:r>
-              <a:rPr lang="it-IT" sz="1600" b="1" dirty="0">
-                <a:solidFill>
-                  <a:srgbClr val="FF0000"/>
-                </a:solidFill>
-                <a:latin typeface="Courier New" panose="02070309020205020404" pitchFamily="49" charset="0"/>
-                <a:cs typeface="Courier New" panose="02070309020205020404" pitchFamily="49" charset="0"/>
-              </a:rPr>
-              <a:t>    </a:t>
-            </a:r>
-            <a:r>
-              <a:rPr lang="it-IT" sz="1600" b="1" dirty="0" err="1">
-                <a:solidFill>
-                  <a:srgbClr val="FF0000"/>
-                </a:solidFill>
-                <a:latin typeface="Courier New" panose="02070309020205020404" pitchFamily="49" charset="0"/>
-                <a:cs typeface="Courier New" panose="02070309020205020404" pitchFamily="49" charset="0"/>
-              </a:rPr>
-              <a:t>std</a:t>
-            </a:r>
-            <a:r>
-              <a:rPr lang="it-IT" sz="1600" b="1" dirty="0">
-                <a:solidFill>
-                  <a:srgbClr val="FF0000"/>
-                </a:solidFill>
-                <a:latin typeface="Courier New" panose="02070309020205020404" pitchFamily="49" charset="0"/>
-                <a:cs typeface="Courier New" panose="02070309020205020404" pitchFamily="49" charset="0"/>
-              </a:rPr>
-              <a:t>::</a:t>
-            </a:r>
-            <a:r>
-              <a:rPr lang="it-IT" sz="1600" b="1" dirty="0" err="1">
-                <a:solidFill>
-                  <a:srgbClr val="FF0000"/>
-                </a:solidFill>
-                <a:latin typeface="Courier New" panose="02070309020205020404" pitchFamily="49" charset="0"/>
-                <a:cs typeface="Courier New" panose="02070309020205020404" pitchFamily="49" charset="0"/>
-              </a:rPr>
-              <a:t>cout</a:t>
-            </a:r>
-            <a:r>
-              <a:rPr lang="it-IT" sz="1600" b="1" dirty="0">
-                <a:solidFill>
-                  <a:srgbClr val="FF0000"/>
-                </a:solidFill>
-                <a:latin typeface="Courier New" panose="02070309020205020404" pitchFamily="49" charset="0"/>
-                <a:cs typeface="Courier New" panose="02070309020205020404" pitchFamily="49" charset="0"/>
-              </a:rPr>
-              <a:t> &lt;&lt; "Bishop @ " &lt;&lt; </a:t>
-            </a:r>
-            <a:r>
-              <a:rPr lang="it-IT" sz="1600" b="1" dirty="0" err="1">
-                <a:solidFill>
-                  <a:srgbClr val="FF0000"/>
-                </a:solidFill>
-                <a:latin typeface="Courier New" panose="02070309020205020404" pitchFamily="49" charset="0"/>
-                <a:cs typeface="Courier New" panose="02070309020205020404" pitchFamily="49" charset="0"/>
-              </a:rPr>
-              <a:t>getColor</a:t>
-            </a:r>
-            <a:r>
-              <a:rPr lang="it-IT" sz="1600" b="1" dirty="0">
-                <a:solidFill>
-                  <a:srgbClr val="FF0000"/>
-                </a:solidFill>
-                <a:latin typeface="Courier New" panose="02070309020205020404" pitchFamily="49" charset="0"/>
-                <a:cs typeface="Courier New" panose="02070309020205020404" pitchFamily="49" charset="0"/>
-              </a:rPr>
-              <a:t>() </a:t>
-            </a:r>
-          </a:p>
-          <a:p>
-            <a:pPr marL="0" indent="0">
-              <a:buNone/>
-            </a:pPr>
-            <a:r>
-              <a:rPr lang="it-IT" sz="1600" b="1" dirty="0">
-                <a:solidFill>
-                  <a:srgbClr val="FF0000"/>
-                </a:solidFill>
-                <a:latin typeface="Courier New" panose="02070309020205020404" pitchFamily="49" charset="0"/>
-                <a:cs typeface="Courier New" panose="02070309020205020404" pitchFamily="49" charset="0"/>
-              </a:rPr>
-              <a:t>          &lt;&lt; "," &lt;&lt; </a:t>
-            </a:r>
-            <a:r>
-              <a:rPr lang="it-IT" sz="1600" b="1" dirty="0" err="1">
-                <a:solidFill>
-                  <a:srgbClr val="FF0000"/>
-                </a:solidFill>
-                <a:latin typeface="Courier New" panose="02070309020205020404" pitchFamily="49" charset="0"/>
-                <a:cs typeface="Courier New" panose="02070309020205020404" pitchFamily="49" charset="0"/>
-              </a:rPr>
-              <a:t>getRow</a:t>
-            </a:r>
-            <a:r>
-              <a:rPr lang="it-IT" sz="1600" b="1" dirty="0">
-                <a:solidFill>
-                  <a:srgbClr val="FF0000"/>
-                </a:solidFill>
-                <a:latin typeface="Courier New" panose="02070309020205020404" pitchFamily="49" charset="0"/>
-                <a:cs typeface="Courier New" panose="02070309020205020404" pitchFamily="49" charset="0"/>
-              </a:rPr>
-              <a:t>() &lt;&lt; </a:t>
-            </a:r>
-            <a:r>
-              <a:rPr lang="it-IT" sz="1600" b="1" dirty="0" err="1">
-                <a:solidFill>
-                  <a:srgbClr val="FF0000"/>
-                </a:solidFill>
-                <a:latin typeface="Courier New" panose="02070309020205020404" pitchFamily="49" charset="0"/>
-                <a:cs typeface="Courier New" panose="02070309020205020404" pitchFamily="49" charset="0"/>
-              </a:rPr>
-              <a:t>std</a:t>
-            </a:r>
-            <a:r>
-              <a:rPr lang="it-IT" sz="1600" b="1" dirty="0">
-                <a:solidFill>
-                  <a:srgbClr val="FF0000"/>
-                </a:solidFill>
-                <a:latin typeface="Courier New" panose="02070309020205020404" pitchFamily="49" charset="0"/>
-                <a:cs typeface="Courier New" panose="02070309020205020404" pitchFamily="49" charset="0"/>
-              </a:rPr>
-              <a:t>::</a:t>
-            </a:r>
-            <a:r>
-              <a:rPr lang="it-IT" sz="1600" b="1" dirty="0" err="1">
-                <a:solidFill>
-                  <a:srgbClr val="FF0000"/>
-                </a:solidFill>
-                <a:latin typeface="Courier New" panose="02070309020205020404" pitchFamily="49" charset="0"/>
-                <a:cs typeface="Courier New" panose="02070309020205020404" pitchFamily="49" charset="0"/>
-              </a:rPr>
-              <a:t>endl</a:t>
-            </a:r>
-            <a:r>
-              <a:rPr lang="it-IT" sz="1600" b="1" dirty="0">
-                <a:solidFill>
-                  <a:srgbClr val="FF0000"/>
-                </a:solidFill>
-                <a:latin typeface="Courier New" panose="02070309020205020404" pitchFamily="49" charset="0"/>
-                <a:cs typeface="Courier New" panose="02070309020205020404" pitchFamily="49" charset="0"/>
-              </a:rPr>
-              <a:t>;</a:t>
-            </a:r>
-          </a:p>
-          <a:p>
-            <a:pPr marL="0" indent="0">
-              <a:buNone/>
-            </a:pPr>
-            <a:r>
-              <a:rPr lang="it-IT" sz="1600" b="1" dirty="0">
-                <a:solidFill>
-                  <a:srgbClr val="FF0000"/>
-                </a:solidFill>
-                <a:latin typeface="Courier New" panose="02070309020205020404" pitchFamily="49" charset="0"/>
-                <a:cs typeface="Courier New" panose="02070309020205020404" pitchFamily="49" charset="0"/>
-              </a:rPr>
-              <a:t>}</a:t>
-            </a:r>
-          </a:p>
-          <a:p>
-            <a:pPr marL="0" indent="0">
-              <a:buNone/>
-            </a:pPr>
-            <a:endParaRPr lang="it-IT" sz="1600" b="1" dirty="0">
-              <a:latin typeface="Courier New" panose="02070309020205020404" pitchFamily="49" charset="0"/>
-              <a:cs typeface="Courier New" panose="02070309020205020404" pitchFamily="49" charset="0"/>
-            </a:endParaRPr>
-          </a:p>
-        </p:txBody>
-      </p:sp>
-      <p:sp>
-        <p:nvSpPr>
-          <p:cNvPr id="4" name="Segnaposto piè di pagina 3">
-            <a:extLst>
-              <a:ext uri="{FF2B5EF4-FFF2-40B4-BE49-F238E27FC236}">
-                <a16:creationId xmlns:a16="http://schemas.microsoft.com/office/drawing/2014/main" id="{F65DA81A-52B8-48D0-B8C3-A68D4E4A7E2C}"/>
-              </a:ext>
-            </a:extLst>
-          </p:cNvPr>
-          <p:cNvSpPr>
-            <a:spLocks noGrp="1"/>
-          </p:cNvSpPr>
-          <p:nvPr>
-            <p:ph type="ftr" sz="quarter" idx="11"/>
-          </p:nvPr>
-        </p:nvSpPr>
-        <p:spPr/>
-        <p:txBody>
-          <a:bodyPr/>
-          <a:lstStyle/>
-          <a:p>
-            <a:pPr>
-              <a:defRPr/>
-            </a:pPr>
-            <a:r>
-              <a:rPr lang="it-IT"/>
-              <a:t>Alberto Ferrari – Programmazione di applicazioni SW</a:t>
-            </a:r>
-            <a:endParaRPr lang="it-IT" dirty="0"/>
-          </a:p>
-        </p:txBody>
-      </p:sp>
-    </p:spTree>
-    <p:extLst>
-      <p:ext uri="{BB962C8B-B14F-4D97-AF65-F5344CB8AC3E}">
-        <p14:creationId xmlns:p14="http://schemas.microsoft.com/office/powerpoint/2010/main" val="919488308"/>
       </p:ext>
     </p:extLst>
   </p:cSld>
@@ -11845,6 +12304,1419 @@
           <p:cNvPr id="2" name="Titolo 1">
             <a:extLst>
               <a:ext uri="{FF2B5EF4-FFF2-40B4-BE49-F238E27FC236}">
+                <a16:creationId xmlns:a16="http://schemas.microsoft.com/office/drawing/2014/main" id="{008C5AD0-E2EB-44CB-A2B7-B87D029EBAF7}"/>
+              </a:ext>
+            </a:extLst>
+          </p:cNvPr>
+          <p:cNvSpPr>
+            <a:spLocks noGrp="1"/>
+          </p:cNvSpPr>
+          <p:nvPr>
+            <p:ph type="title"/>
+          </p:nvPr>
+        </p:nvSpPr>
+        <p:spPr/>
+        <p:txBody>
+          <a:bodyPr/>
+          <a:lstStyle/>
+          <a:p>
+            <a:r>
+              <a:rPr lang="it-IT" dirty="0"/>
+              <a:t>funzioni virtuali</a:t>
+            </a:r>
+          </a:p>
+        </p:txBody>
+      </p:sp>
+      <p:sp>
+        <p:nvSpPr>
+          <p:cNvPr id="3" name="Segnaposto contenuto 2">
+            <a:extLst>
+              <a:ext uri="{FF2B5EF4-FFF2-40B4-BE49-F238E27FC236}">
+                <a16:creationId xmlns:a16="http://schemas.microsoft.com/office/drawing/2014/main" id="{461CD786-44E4-4DC5-8BE3-B9A4BF8AE2F4}"/>
+              </a:ext>
+            </a:extLst>
+          </p:cNvPr>
+          <p:cNvSpPr>
+            <a:spLocks noGrp="1"/>
+          </p:cNvSpPr>
+          <p:nvPr>
+            <p:ph idx="1"/>
+          </p:nvPr>
+        </p:nvSpPr>
+        <p:spPr/>
+        <p:txBody>
+          <a:bodyPr/>
+          <a:lstStyle/>
+          <a:p>
+            <a:r>
+              <a:rPr lang="it-IT" dirty="0"/>
+              <a:t>quando una </a:t>
+            </a:r>
+            <a:r>
+              <a:rPr lang="it-IT" b="1" i="1" dirty="0"/>
+              <a:t>funzione</a:t>
+            </a:r>
+            <a:r>
+              <a:rPr lang="it-IT" dirty="0"/>
+              <a:t> membro di una </a:t>
+            </a:r>
+            <a:r>
+              <a:rPr lang="it-IT" b="1" i="1" dirty="0"/>
+              <a:t>classe base </a:t>
+            </a:r>
+            <a:r>
+              <a:rPr lang="it-IT" dirty="0"/>
+              <a:t>è dichiarata </a:t>
+            </a:r>
+            <a:r>
+              <a:rPr lang="it-IT" b="1" i="1" dirty="0" err="1"/>
+              <a:t>virtual</a:t>
+            </a:r>
+            <a:endParaRPr lang="it-IT" b="1" i="1" dirty="0"/>
+          </a:p>
+          <a:p>
+            <a:r>
+              <a:rPr lang="it-IT" dirty="0"/>
+              <a:t>se la funzione è </a:t>
+            </a:r>
+            <a:r>
+              <a:rPr lang="it-IT" b="1" i="1" dirty="0"/>
+              <a:t>chiamata</a:t>
+            </a:r>
+            <a:r>
+              <a:rPr lang="it-IT" dirty="0"/>
+              <a:t> tramite un </a:t>
+            </a:r>
+            <a:r>
+              <a:rPr lang="it-IT" b="1" i="1" dirty="0"/>
+              <a:t>oggetto</a:t>
+            </a:r>
+            <a:r>
+              <a:rPr lang="it-IT" dirty="0"/>
+              <a:t>, la risoluzione del riferimento avviene a </a:t>
+            </a:r>
+            <a:r>
+              <a:rPr lang="it-IT" b="1" i="1" dirty="0"/>
+              <a:t>tempo di compilazione </a:t>
+            </a:r>
+            <a:r>
+              <a:rPr lang="it-IT" dirty="0"/>
+              <a:t>(</a:t>
+            </a:r>
+            <a:r>
+              <a:rPr lang="it-IT" b="1" i="1" dirty="0" err="1"/>
+              <a:t>static</a:t>
+            </a:r>
+            <a:r>
+              <a:rPr lang="it-IT" b="1" i="1" dirty="0"/>
+              <a:t> </a:t>
+            </a:r>
+            <a:r>
+              <a:rPr lang="it-IT" b="1" i="1" dirty="0" err="1"/>
+              <a:t>binding</a:t>
+            </a:r>
+            <a:r>
+              <a:rPr lang="it-IT" dirty="0"/>
+              <a:t>) e la funzione chiamata è quella della classe dell’oggetto</a:t>
+            </a:r>
+          </a:p>
+          <a:p>
+            <a:r>
+              <a:rPr lang="it-IT" dirty="0"/>
+              <a:t>se la funzione è </a:t>
+            </a:r>
+            <a:r>
+              <a:rPr lang="it-IT" b="1" i="1" dirty="0"/>
+              <a:t>chiamata</a:t>
+            </a:r>
+            <a:r>
+              <a:rPr lang="it-IT" dirty="0"/>
+              <a:t> tramite un </a:t>
+            </a:r>
+            <a:r>
+              <a:rPr lang="it-IT" b="1" i="1" dirty="0"/>
+              <a:t>puntatore </a:t>
+            </a:r>
+            <a:r>
+              <a:rPr lang="it-IT" dirty="0"/>
+              <a:t>il programma sceglie a </a:t>
+            </a:r>
+            <a:r>
+              <a:rPr lang="it-IT" b="1" i="1" dirty="0"/>
+              <a:t>tempo di esecuzione </a:t>
+            </a:r>
+            <a:r>
+              <a:rPr lang="it-IT" dirty="0"/>
+              <a:t>la funzione della classe appropriata (</a:t>
+            </a:r>
+            <a:r>
+              <a:rPr lang="it-IT" b="1" i="1" dirty="0"/>
+              <a:t>late </a:t>
+            </a:r>
+            <a:r>
+              <a:rPr lang="it-IT" b="1" i="1" dirty="0" err="1"/>
+              <a:t>binding</a:t>
+            </a:r>
+            <a:r>
+              <a:rPr lang="it-IT" b="1" i="1" dirty="0"/>
+              <a:t> </a:t>
+            </a:r>
+            <a:r>
+              <a:rPr lang="it-IT" dirty="0"/>
+              <a:t>o</a:t>
+            </a:r>
+            <a:r>
+              <a:rPr lang="it-IT" b="1" i="1" dirty="0"/>
+              <a:t> </a:t>
+            </a:r>
+            <a:r>
+              <a:rPr lang="it-IT" b="1" i="1" dirty="0" err="1"/>
+              <a:t>dynamic</a:t>
+            </a:r>
+            <a:r>
+              <a:rPr lang="it-IT" b="1" i="1" dirty="0"/>
+              <a:t> </a:t>
+            </a:r>
+            <a:r>
+              <a:rPr lang="it-IT" b="1" i="1" dirty="0" err="1"/>
+              <a:t>binding</a:t>
+            </a:r>
+            <a:r>
+              <a:rPr lang="it-IT" dirty="0"/>
+              <a:t>)</a:t>
+            </a:r>
+          </a:p>
+        </p:txBody>
+      </p:sp>
+      <p:sp>
+        <p:nvSpPr>
+          <p:cNvPr id="4" name="Segnaposto piè di pagina 3">
+            <a:extLst>
+              <a:ext uri="{FF2B5EF4-FFF2-40B4-BE49-F238E27FC236}">
+                <a16:creationId xmlns:a16="http://schemas.microsoft.com/office/drawing/2014/main" id="{EF2E5713-75F6-42B8-8D4E-2AFA4EE25C4A}"/>
+              </a:ext>
+            </a:extLst>
+          </p:cNvPr>
+          <p:cNvSpPr>
+            <a:spLocks noGrp="1"/>
+          </p:cNvSpPr>
+          <p:nvPr>
+            <p:ph type="ftr" sz="quarter" idx="11"/>
+          </p:nvPr>
+        </p:nvSpPr>
+        <p:spPr/>
+        <p:txBody>
+          <a:bodyPr/>
+          <a:lstStyle/>
+          <a:p>
+            <a:pPr>
+              <a:defRPr/>
+            </a:pPr>
+            <a:r>
+              <a:rPr lang="it-IT"/>
+              <a:t>Alberto Ferrari – Programmazione di applicazioni SW</a:t>
+            </a:r>
+            <a:endParaRPr lang="it-IT" dirty="0"/>
+          </a:p>
+        </p:txBody>
+      </p:sp>
+    </p:spTree>
+    <p:extLst>
+      <p:ext uri="{BB962C8B-B14F-4D97-AF65-F5344CB8AC3E}">
+        <p14:creationId xmlns:p14="http://schemas.microsoft.com/office/powerpoint/2010/main" val="4210151184"/>
+      </p:ext>
+    </p:extLst>
+  </p:cSld>
+  <p:clrMapOvr>
+    <a:masterClrMapping/>
+  </p:clrMapOvr>
+</p:sld>
+</file>
+
+<file path=ppt/slides/slide31.xml><?xml version="1.0" encoding="utf-8"?>
+<p:sld xmlns:a="http://schemas.openxmlformats.org/drawingml/2006/main" xmlns:r="http://schemas.openxmlformats.org/officeDocument/2006/relationships" xmlns:p="http://schemas.openxmlformats.org/presentationml/2006/main">
+  <p:cSld>
+    <p:spTree>
+      <p:nvGrpSpPr>
+        <p:cNvPr id="1" name=""/>
+        <p:cNvGrpSpPr/>
+        <p:nvPr/>
+      </p:nvGrpSpPr>
+      <p:grpSpPr>
+        <a:xfrm>
+          <a:off x="0" y="0"/>
+          <a:ext cx="0" cy="0"/>
+          <a:chOff x="0" y="0"/>
+          <a:chExt cx="0" cy="0"/>
+        </a:xfrm>
+      </p:grpSpPr>
+      <p:sp>
+        <p:nvSpPr>
+          <p:cNvPr id="2" name="Titolo 1">
+            <a:extLst>
+              <a:ext uri="{FF2B5EF4-FFF2-40B4-BE49-F238E27FC236}">
+                <a16:creationId xmlns:a16="http://schemas.microsoft.com/office/drawing/2014/main" id="{DEB06F08-5EB4-4E3F-9CB8-9556F0A7D92F}"/>
+              </a:ext>
+            </a:extLst>
+          </p:cNvPr>
+          <p:cNvSpPr>
+            <a:spLocks noGrp="1"/>
+          </p:cNvSpPr>
+          <p:nvPr>
+            <p:ph type="title"/>
+          </p:nvPr>
+        </p:nvSpPr>
+        <p:spPr/>
+        <p:txBody>
+          <a:bodyPr/>
+          <a:lstStyle/>
+          <a:p>
+            <a:r>
+              <a:rPr lang="it-IT" dirty="0"/>
+              <a:t>esempio</a:t>
+            </a:r>
+          </a:p>
+        </p:txBody>
+      </p:sp>
+      <p:sp>
+        <p:nvSpPr>
+          <p:cNvPr id="5" name="Segnaposto contenuto 4">
+            <a:extLst>
+              <a:ext uri="{FF2B5EF4-FFF2-40B4-BE49-F238E27FC236}">
+                <a16:creationId xmlns:a16="http://schemas.microsoft.com/office/drawing/2014/main" id="{48CB421D-8DD2-4C63-A3FB-7F797A6B8094}"/>
+              </a:ext>
+            </a:extLst>
+          </p:cNvPr>
+          <p:cNvSpPr>
+            <a:spLocks noGrp="1"/>
+          </p:cNvSpPr>
+          <p:nvPr>
+            <p:ph sz="half" idx="1"/>
+          </p:nvPr>
+        </p:nvSpPr>
+        <p:spPr/>
+        <p:txBody>
+          <a:bodyPr/>
+          <a:lstStyle/>
+          <a:p>
+            <a:pPr marL="0" indent="0">
+              <a:buNone/>
+            </a:pPr>
+            <a:r>
+              <a:rPr lang="it-IT" sz="1600" b="1" dirty="0">
+                <a:latin typeface="Courier New" panose="02070309020205020404" pitchFamily="49" charset="0"/>
+                <a:cs typeface="Courier New" panose="02070309020205020404" pitchFamily="49" charset="0"/>
+              </a:rPr>
+              <a:t>class </a:t>
+            </a:r>
+            <a:r>
+              <a:rPr lang="it-IT" sz="1600" b="1" dirty="0" err="1">
+                <a:solidFill>
+                  <a:srgbClr val="FF0000"/>
+                </a:solidFill>
+                <a:latin typeface="Courier New" panose="02070309020205020404" pitchFamily="49" charset="0"/>
+                <a:cs typeface="Courier New" panose="02070309020205020404" pitchFamily="49" charset="0"/>
+              </a:rPr>
+              <a:t>ChessPiece</a:t>
+            </a:r>
+            <a:r>
+              <a:rPr lang="it-IT" sz="1600" b="1" dirty="0">
+                <a:solidFill>
+                  <a:srgbClr val="FF0000"/>
+                </a:solidFill>
+                <a:latin typeface="Courier New" panose="02070309020205020404" pitchFamily="49" charset="0"/>
+                <a:cs typeface="Courier New" panose="02070309020205020404" pitchFamily="49" charset="0"/>
+              </a:rPr>
+              <a:t> </a:t>
+            </a:r>
+            <a:r>
+              <a:rPr lang="it-IT" sz="1600" b="1" dirty="0">
+                <a:latin typeface="Courier New" panose="02070309020205020404" pitchFamily="49" charset="0"/>
+                <a:cs typeface="Courier New" panose="02070309020205020404" pitchFamily="49" charset="0"/>
+              </a:rPr>
+              <a:t>{</a:t>
+            </a:r>
+          </a:p>
+          <a:p>
+            <a:pPr marL="0" indent="0">
+              <a:buNone/>
+            </a:pPr>
+            <a:r>
+              <a:rPr lang="it-IT" sz="1600" b="1" dirty="0">
+                <a:latin typeface="Courier New" panose="02070309020205020404" pitchFamily="49" charset="0"/>
+                <a:cs typeface="Courier New" panose="02070309020205020404" pitchFamily="49" charset="0"/>
+              </a:rPr>
+              <a:t>  public:</a:t>
+            </a:r>
+          </a:p>
+          <a:p>
+            <a:pPr marL="0" indent="0">
+              <a:buNone/>
+            </a:pPr>
+            <a:r>
+              <a:rPr lang="it-IT" sz="1600" b="1" dirty="0">
+                <a:latin typeface="Courier New" panose="02070309020205020404" pitchFamily="49" charset="0"/>
+                <a:cs typeface="Courier New" panose="02070309020205020404" pitchFamily="49" charset="0"/>
+              </a:rPr>
+              <a:t>    </a:t>
+            </a:r>
+            <a:r>
+              <a:rPr lang="it-IT" sz="1600" b="1" dirty="0" err="1">
+                <a:latin typeface="Courier New" panose="02070309020205020404" pitchFamily="49" charset="0"/>
+                <a:cs typeface="Courier New" panose="02070309020205020404" pitchFamily="49" charset="0"/>
+              </a:rPr>
+              <a:t>ChessPiece</a:t>
+            </a:r>
+            <a:r>
+              <a:rPr lang="it-IT" sz="1600" b="1" dirty="0">
+                <a:latin typeface="Courier New" panose="02070309020205020404" pitchFamily="49" charset="0"/>
+                <a:cs typeface="Courier New" panose="02070309020205020404" pitchFamily="49" charset="0"/>
+              </a:rPr>
+              <a:t>();</a:t>
+            </a:r>
+          </a:p>
+          <a:p>
+            <a:pPr marL="0" indent="0">
+              <a:buNone/>
+            </a:pPr>
+            <a:r>
+              <a:rPr lang="it-IT" sz="1600" b="1" dirty="0">
+                <a:latin typeface="Courier New" panose="02070309020205020404" pitchFamily="49" charset="0"/>
+                <a:cs typeface="Courier New" panose="02070309020205020404" pitchFamily="49" charset="0"/>
+              </a:rPr>
+              <a:t>    </a:t>
+            </a:r>
+            <a:r>
+              <a:rPr lang="it-IT" sz="1600" b="1" dirty="0" err="1">
+                <a:latin typeface="Courier New" panose="02070309020205020404" pitchFamily="49" charset="0"/>
+                <a:cs typeface="Courier New" panose="02070309020205020404" pitchFamily="49" charset="0"/>
+              </a:rPr>
+              <a:t>virtual</a:t>
+            </a:r>
+            <a:r>
+              <a:rPr lang="it-IT" sz="1600" b="1" dirty="0">
+                <a:latin typeface="Courier New" panose="02070309020205020404" pitchFamily="49" charset="0"/>
+                <a:cs typeface="Courier New" panose="02070309020205020404" pitchFamily="49" charset="0"/>
+              </a:rPr>
+              <a:t> ~</a:t>
+            </a:r>
+            <a:r>
+              <a:rPr lang="it-IT" sz="1600" b="1" dirty="0" err="1">
+                <a:latin typeface="Courier New" panose="02070309020205020404" pitchFamily="49" charset="0"/>
+                <a:cs typeface="Courier New" panose="02070309020205020404" pitchFamily="49" charset="0"/>
+              </a:rPr>
+              <a:t>ChessPiece</a:t>
+            </a:r>
+            <a:r>
+              <a:rPr lang="it-IT" sz="1600" b="1" dirty="0">
+                <a:latin typeface="Courier New" panose="02070309020205020404" pitchFamily="49" charset="0"/>
+                <a:cs typeface="Courier New" panose="02070309020205020404" pitchFamily="49" charset="0"/>
+              </a:rPr>
+              <a:t>();</a:t>
+            </a:r>
+          </a:p>
+          <a:p>
+            <a:pPr marL="0" indent="0">
+              <a:buNone/>
+            </a:pPr>
+            <a:r>
+              <a:rPr lang="it-IT" sz="1600" b="1" dirty="0">
+                <a:latin typeface="Courier New" panose="02070309020205020404" pitchFamily="49" charset="0"/>
+                <a:cs typeface="Courier New" panose="02070309020205020404" pitchFamily="49" charset="0"/>
+              </a:rPr>
+              <a:t>    </a:t>
+            </a:r>
+            <a:r>
+              <a:rPr lang="it-IT" sz="1600" b="1" dirty="0" err="1">
+                <a:solidFill>
+                  <a:srgbClr val="FF0000"/>
+                </a:solidFill>
+                <a:latin typeface="Courier New" panose="02070309020205020404" pitchFamily="49" charset="0"/>
+                <a:cs typeface="Courier New" panose="02070309020205020404" pitchFamily="49" charset="0"/>
+              </a:rPr>
+              <a:t>virtual</a:t>
+            </a:r>
+            <a:r>
+              <a:rPr lang="it-IT" sz="1600" b="1" dirty="0">
+                <a:solidFill>
+                  <a:srgbClr val="FF0000"/>
+                </a:solidFill>
+                <a:latin typeface="Courier New" panose="02070309020205020404" pitchFamily="49" charset="0"/>
+                <a:cs typeface="Courier New" panose="02070309020205020404" pitchFamily="49" charset="0"/>
+              </a:rPr>
+              <a:t> </a:t>
+            </a:r>
+            <a:r>
+              <a:rPr lang="it-IT" sz="1600" b="1" dirty="0" err="1">
+                <a:solidFill>
+                  <a:srgbClr val="FF0000"/>
+                </a:solidFill>
+                <a:latin typeface="Courier New" panose="02070309020205020404" pitchFamily="49" charset="0"/>
+                <a:cs typeface="Courier New" panose="02070309020205020404" pitchFamily="49" charset="0"/>
+              </a:rPr>
+              <a:t>void</a:t>
+            </a:r>
+            <a:r>
+              <a:rPr lang="it-IT" sz="1600" b="1" dirty="0">
+                <a:solidFill>
+                  <a:srgbClr val="FF0000"/>
+                </a:solidFill>
+                <a:latin typeface="Courier New" panose="02070309020205020404" pitchFamily="49" charset="0"/>
+                <a:cs typeface="Courier New" panose="02070309020205020404" pitchFamily="49" charset="0"/>
+              </a:rPr>
+              <a:t> </a:t>
+            </a:r>
+            <a:r>
+              <a:rPr lang="it-IT" sz="1600" b="1" dirty="0" err="1">
+                <a:solidFill>
+                  <a:srgbClr val="FF0000"/>
+                </a:solidFill>
+                <a:latin typeface="Courier New" panose="02070309020205020404" pitchFamily="49" charset="0"/>
+                <a:cs typeface="Courier New" panose="02070309020205020404" pitchFamily="49" charset="0"/>
+              </a:rPr>
+              <a:t>move</a:t>
+            </a:r>
+            <a:r>
+              <a:rPr lang="it-IT" sz="1600" b="1" dirty="0">
+                <a:solidFill>
+                  <a:srgbClr val="FF0000"/>
+                </a:solidFill>
+                <a:latin typeface="Courier New" panose="02070309020205020404" pitchFamily="49" charset="0"/>
+                <a:cs typeface="Courier New" panose="02070309020205020404" pitchFamily="49" charset="0"/>
+              </a:rPr>
+              <a:t>();</a:t>
+            </a:r>
+          </a:p>
+          <a:p>
+            <a:pPr marL="0" indent="0">
+              <a:buNone/>
+            </a:pPr>
+            <a:r>
+              <a:rPr lang="it-IT" sz="1600" b="1" dirty="0">
+                <a:latin typeface="Courier New" panose="02070309020205020404" pitchFamily="49" charset="0"/>
+                <a:cs typeface="Courier New" panose="02070309020205020404" pitchFamily="49" charset="0"/>
+              </a:rPr>
+              <a:t>  private:</a:t>
+            </a:r>
+          </a:p>
+          <a:p>
+            <a:pPr marL="0" indent="0">
+              <a:buNone/>
+            </a:pPr>
+            <a:r>
+              <a:rPr lang="it-IT" sz="1600" b="1" dirty="0">
+                <a:latin typeface="Courier New" panose="02070309020205020404" pitchFamily="49" charset="0"/>
+                <a:cs typeface="Courier New" panose="02070309020205020404" pitchFamily="49" charset="0"/>
+              </a:rPr>
+              <a:t>    </a:t>
+            </a:r>
+            <a:r>
+              <a:rPr lang="it-IT" sz="1600" b="1" dirty="0" err="1">
+                <a:latin typeface="Courier New" panose="02070309020205020404" pitchFamily="49" charset="0"/>
+                <a:cs typeface="Courier New" panose="02070309020205020404" pitchFamily="49" charset="0"/>
+              </a:rPr>
+              <a:t>char</a:t>
+            </a:r>
+            <a:r>
+              <a:rPr lang="it-IT" sz="1600" b="1" dirty="0">
+                <a:latin typeface="Courier New" panose="02070309020205020404" pitchFamily="49" charset="0"/>
+                <a:cs typeface="Courier New" panose="02070309020205020404" pitchFamily="49" charset="0"/>
+              </a:rPr>
+              <a:t> </a:t>
+            </a:r>
+            <a:r>
+              <a:rPr lang="it-IT" sz="1600" b="1" dirty="0" err="1">
+                <a:latin typeface="Courier New" panose="02070309020205020404" pitchFamily="49" charset="0"/>
+                <a:cs typeface="Courier New" panose="02070309020205020404" pitchFamily="49" charset="0"/>
+              </a:rPr>
+              <a:t>column</a:t>
+            </a:r>
+            <a:r>
+              <a:rPr lang="it-IT" sz="1600" b="1" dirty="0">
+                <a:latin typeface="Courier New" panose="02070309020205020404" pitchFamily="49" charset="0"/>
+                <a:cs typeface="Courier New" panose="02070309020205020404" pitchFamily="49" charset="0"/>
+              </a:rPr>
+              <a:t>;</a:t>
+            </a:r>
+          </a:p>
+          <a:p>
+            <a:pPr marL="0" indent="0">
+              <a:buNone/>
+            </a:pPr>
+            <a:r>
+              <a:rPr lang="it-IT" sz="1600" b="1" dirty="0">
+                <a:latin typeface="Courier New" panose="02070309020205020404" pitchFamily="49" charset="0"/>
+                <a:cs typeface="Courier New" panose="02070309020205020404" pitchFamily="49" charset="0"/>
+              </a:rPr>
+              <a:t>    </a:t>
+            </a:r>
+            <a:r>
+              <a:rPr lang="it-IT" sz="1600" b="1" dirty="0" err="1">
+                <a:latin typeface="Courier New" panose="02070309020205020404" pitchFamily="49" charset="0"/>
+                <a:cs typeface="Courier New" panose="02070309020205020404" pitchFamily="49" charset="0"/>
+              </a:rPr>
+              <a:t>int</a:t>
+            </a:r>
+            <a:r>
+              <a:rPr lang="it-IT" sz="1600" b="1" dirty="0">
+                <a:latin typeface="Courier New" panose="02070309020205020404" pitchFamily="49" charset="0"/>
+                <a:cs typeface="Courier New" panose="02070309020205020404" pitchFamily="49" charset="0"/>
+              </a:rPr>
+              <a:t> </a:t>
+            </a:r>
+            <a:r>
+              <a:rPr lang="it-IT" sz="1600" b="1" dirty="0" err="1">
+                <a:latin typeface="Courier New" panose="02070309020205020404" pitchFamily="49" charset="0"/>
+                <a:cs typeface="Courier New" panose="02070309020205020404" pitchFamily="49" charset="0"/>
+              </a:rPr>
+              <a:t>row</a:t>
+            </a:r>
+            <a:r>
+              <a:rPr lang="it-IT" sz="1600" b="1" dirty="0">
+                <a:latin typeface="Courier New" panose="02070309020205020404" pitchFamily="49" charset="0"/>
+                <a:cs typeface="Courier New" panose="02070309020205020404" pitchFamily="49" charset="0"/>
+              </a:rPr>
+              <a:t>;</a:t>
+            </a:r>
+          </a:p>
+          <a:p>
+            <a:pPr marL="0" indent="0">
+              <a:buNone/>
+            </a:pPr>
+            <a:r>
+              <a:rPr lang="it-IT" sz="1600" b="1" dirty="0">
+                <a:latin typeface="Courier New" panose="02070309020205020404" pitchFamily="49" charset="0"/>
+                <a:cs typeface="Courier New" panose="02070309020205020404" pitchFamily="49" charset="0"/>
+              </a:rPr>
+              <a:t>    </a:t>
+            </a:r>
+            <a:r>
+              <a:rPr lang="it-IT" sz="1600" b="1" dirty="0" err="1">
+                <a:latin typeface="Courier New" panose="02070309020205020404" pitchFamily="49" charset="0"/>
+                <a:cs typeface="Courier New" panose="02070309020205020404" pitchFamily="49" charset="0"/>
+              </a:rPr>
+              <a:t>char</a:t>
+            </a:r>
+            <a:r>
+              <a:rPr lang="it-IT" sz="1600" b="1" dirty="0">
+                <a:latin typeface="Courier New" panose="02070309020205020404" pitchFamily="49" charset="0"/>
+                <a:cs typeface="Courier New" panose="02070309020205020404" pitchFamily="49" charset="0"/>
+              </a:rPr>
+              <a:t> color;</a:t>
+            </a:r>
+          </a:p>
+          <a:p>
+            <a:pPr marL="0" indent="0">
+              <a:buNone/>
+            </a:pPr>
+            <a:r>
+              <a:rPr lang="it-IT" sz="1600" b="1" dirty="0">
+                <a:latin typeface="Courier New" panose="02070309020205020404" pitchFamily="49" charset="0"/>
+                <a:cs typeface="Courier New" panose="02070309020205020404" pitchFamily="49" charset="0"/>
+              </a:rPr>
+              <a:t>    </a:t>
+            </a:r>
+            <a:r>
+              <a:rPr lang="it-IT" sz="1600" b="1" dirty="0" err="1">
+                <a:latin typeface="Courier New" panose="02070309020205020404" pitchFamily="49" charset="0"/>
+                <a:cs typeface="Courier New" panose="02070309020205020404" pitchFamily="49" charset="0"/>
+              </a:rPr>
+              <a:t>std</a:t>
+            </a:r>
+            <a:r>
+              <a:rPr lang="it-IT" sz="1600" b="1" dirty="0">
+                <a:latin typeface="Courier New" panose="02070309020205020404" pitchFamily="49" charset="0"/>
+                <a:cs typeface="Courier New" panose="02070309020205020404" pitchFamily="49" charset="0"/>
+              </a:rPr>
+              <a:t>::</a:t>
+            </a:r>
+            <a:r>
+              <a:rPr lang="it-IT" sz="1600" b="1" dirty="0" err="1">
+                <a:latin typeface="Courier New" panose="02070309020205020404" pitchFamily="49" charset="0"/>
+                <a:cs typeface="Courier New" panose="02070309020205020404" pitchFamily="49" charset="0"/>
+              </a:rPr>
+              <a:t>string</a:t>
+            </a:r>
+            <a:r>
+              <a:rPr lang="it-IT" sz="1600" b="1" dirty="0">
+                <a:latin typeface="Courier New" panose="02070309020205020404" pitchFamily="49" charset="0"/>
+                <a:cs typeface="Courier New" panose="02070309020205020404" pitchFamily="49" charset="0"/>
+              </a:rPr>
+              <a:t> </a:t>
+            </a:r>
+            <a:r>
+              <a:rPr lang="it-IT" sz="1600" b="1" dirty="0" err="1">
+                <a:latin typeface="Courier New" panose="02070309020205020404" pitchFamily="49" charset="0"/>
+                <a:cs typeface="Courier New" panose="02070309020205020404" pitchFamily="49" charset="0"/>
+              </a:rPr>
+              <a:t>name</a:t>
+            </a:r>
+            <a:r>
+              <a:rPr lang="it-IT" sz="1600" b="1" dirty="0">
+                <a:latin typeface="Courier New" panose="02070309020205020404" pitchFamily="49" charset="0"/>
+                <a:cs typeface="Courier New" panose="02070309020205020404" pitchFamily="49" charset="0"/>
+              </a:rPr>
+              <a:t>;</a:t>
+            </a:r>
+          </a:p>
+          <a:p>
+            <a:pPr marL="0" indent="0">
+              <a:buNone/>
+            </a:pPr>
+            <a:r>
+              <a:rPr lang="it-IT" sz="1600" b="1" dirty="0">
+                <a:latin typeface="Courier New" panose="02070309020205020404" pitchFamily="49" charset="0"/>
+                <a:cs typeface="Courier New" panose="02070309020205020404" pitchFamily="49" charset="0"/>
+              </a:rPr>
+              <a:t>};</a:t>
+            </a:r>
+          </a:p>
+          <a:p>
+            <a:pPr marL="0" indent="0">
+              <a:buNone/>
+            </a:pPr>
+            <a:r>
+              <a:rPr lang="it-IT" sz="1600" b="1" dirty="0">
+                <a:latin typeface="Courier New" panose="02070309020205020404" pitchFamily="49" charset="0"/>
+                <a:cs typeface="Courier New" panose="02070309020205020404" pitchFamily="49" charset="0"/>
+              </a:rPr>
+              <a:t>…</a:t>
+            </a:r>
+          </a:p>
+          <a:p>
+            <a:pPr marL="0" indent="0">
+              <a:buNone/>
+            </a:pPr>
+            <a:r>
+              <a:rPr lang="en-US" sz="1600" b="1" dirty="0">
+                <a:solidFill>
+                  <a:srgbClr val="FF0000"/>
+                </a:solidFill>
+                <a:latin typeface="Courier New" panose="02070309020205020404" pitchFamily="49" charset="0"/>
+                <a:cs typeface="Courier New" panose="02070309020205020404" pitchFamily="49" charset="0"/>
+              </a:rPr>
+              <a:t>void </a:t>
+            </a:r>
+            <a:r>
+              <a:rPr lang="en-US" sz="1600" b="1" dirty="0" err="1">
+                <a:solidFill>
+                  <a:srgbClr val="FF0000"/>
+                </a:solidFill>
+                <a:latin typeface="Courier New" panose="02070309020205020404" pitchFamily="49" charset="0"/>
+                <a:cs typeface="Courier New" panose="02070309020205020404" pitchFamily="49" charset="0"/>
+              </a:rPr>
+              <a:t>ChessPiece</a:t>
+            </a:r>
+            <a:r>
+              <a:rPr lang="en-US" sz="1600" b="1" dirty="0">
+                <a:solidFill>
+                  <a:srgbClr val="FF0000"/>
+                </a:solidFill>
+                <a:latin typeface="Courier New" panose="02070309020205020404" pitchFamily="49" charset="0"/>
+                <a:cs typeface="Courier New" panose="02070309020205020404" pitchFamily="49" charset="0"/>
+              </a:rPr>
+              <a:t>::move() {</a:t>
+            </a:r>
+          </a:p>
+          <a:p>
+            <a:pPr marL="0" indent="0">
+              <a:buNone/>
+            </a:pPr>
+            <a:r>
+              <a:rPr lang="en-US" sz="1600" b="1" dirty="0">
+                <a:solidFill>
+                  <a:srgbClr val="FF0000"/>
+                </a:solidFill>
+                <a:latin typeface="Courier New" panose="02070309020205020404" pitchFamily="49" charset="0"/>
+                <a:cs typeface="Courier New" panose="02070309020205020404" pitchFamily="49" charset="0"/>
+              </a:rPr>
+              <a:t>    </a:t>
+            </a:r>
+            <a:r>
+              <a:rPr lang="en-US" sz="1600" b="1" dirty="0" err="1">
+                <a:solidFill>
+                  <a:srgbClr val="FF0000"/>
+                </a:solidFill>
+                <a:latin typeface="Courier New" panose="02070309020205020404" pitchFamily="49" charset="0"/>
+                <a:cs typeface="Courier New" panose="02070309020205020404" pitchFamily="49" charset="0"/>
+              </a:rPr>
+              <a:t>std</a:t>
+            </a:r>
+            <a:r>
+              <a:rPr lang="en-US" sz="1600" b="1" dirty="0">
+                <a:solidFill>
+                  <a:srgbClr val="FF0000"/>
+                </a:solidFill>
+                <a:latin typeface="Courier New" panose="02070309020205020404" pitchFamily="49" charset="0"/>
+                <a:cs typeface="Courier New" panose="02070309020205020404" pitchFamily="49" charset="0"/>
+              </a:rPr>
+              <a:t>::</a:t>
+            </a:r>
+            <a:r>
+              <a:rPr lang="en-US" sz="1600" b="1" dirty="0" err="1">
+                <a:solidFill>
+                  <a:srgbClr val="FF0000"/>
+                </a:solidFill>
+                <a:latin typeface="Courier New" panose="02070309020205020404" pitchFamily="49" charset="0"/>
+                <a:cs typeface="Courier New" panose="02070309020205020404" pitchFamily="49" charset="0"/>
+              </a:rPr>
+              <a:t>cout</a:t>
+            </a:r>
+            <a:r>
+              <a:rPr lang="en-US" sz="1600" b="1" dirty="0">
+                <a:solidFill>
+                  <a:srgbClr val="FF0000"/>
+                </a:solidFill>
+                <a:latin typeface="Courier New" panose="02070309020205020404" pitchFamily="49" charset="0"/>
+                <a:cs typeface="Courier New" panose="02070309020205020404" pitchFamily="49" charset="0"/>
+              </a:rPr>
+              <a:t> &lt;&lt; "No piece" &lt;&lt; </a:t>
+            </a:r>
+            <a:r>
+              <a:rPr lang="en-US" sz="1600" b="1" dirty="0" err="1">
+                <a:solidFill>
+                  <a:srgbClr val="FF0000"/>
+                </a:solidFill>
+                <a:latin typeface="Courier New" panose="02070309020205020404" pitchFamily="49" charset="0"/>
+                <a:cs typeface="Courier New" panose="02070309020205020404" pitchFamily="49" charset="0"/>
+              </a:rPr>
+              <a:t>std</a:t>
+            </a:r>
+            <a:r>
+              <a:rPr lang="en-US" sz="1600" b="1" dirty="0">
+                <a:solidFill>
+                  <a:srgbClr val="FF0000"/>
+                </a:solidFill>
+                <a:latin typeface="Courier New" panose="02070309020205020404" pitchFamily="49" charset="0"/>
+                <a:cs typeface="Courier New" panose="02070309020205020404" pitchFamily="49" charset="0"/>
+              </a:rPr>
+              <a:t>::</a:t>
+            </a:r>
+            <a:r>
+              <a:rPr lang="en-US" sz="1600" b="1" dirty="0" err="1">
+                <a:solidFill>
+                  <a:srgbClr val="FF0000"/>
+                </a:solidFill>
+                <a:latin typeface="Courier New" panose="02070309020205020404" pitchFamily="49" charset="0"/>
+                <a:cs typeface="Courier New" panose="02070309020205020404" pitchFamily="49" charset="0"/>
+              </a:rPr>
+              <a:t>endl</a:t>
+            </a:r>
+            <a:r>
+              <a:rPr lang="en-US" sz="1600" b="1" dirty="0">
+                <a:solidFill>
+                  <a:srgbClr val="FF0000"/>
+                </a:solidFill>
+                <a:latin typeface="Courier New" panose="02070309020205020404" pitchFamily="49" charset="0"/>
+                <a:cs typeface="Courier New" panose="02070309020205020404" pitchFamily="49" charset="0"/>
+              </a:rPr>
+              <a:t>;</a:t>
+            </a:r>
+          </a:p>
+          <a:p>
+            <a:pPr marL="0" indent="0">
+              <a:buNone/>
+            </a:pPr>
+            <a:r>
+              <a:rPr lang="en-US" sz="1600" b="1" dirty="0">
+                <a:solidFill>
+                  <a:srgbClr val="FF0000"/>
+                </a:solidFill>
+                <a:latin typeface="Courier New" panose="02070309020205020404" pitchFamily="49" charset="0"/>
+                <a:cs typeface="Courier New" panose="02070309020205020404" pitchFamily="49" charset="0"/>
+              </a:rPr>
+              <a:t>}</a:t>
+            </a:r>
+            <a:endParaRPr lang="it-IT" sz="1600" b="1" dirty="0">
+              <a:solidFill>
+                <a:srgbClr val="FF0000"/>
+              </a:solidFill>
+              <a:latin typeface="Courier New" panose="02070309020205020404" pitchFamily="49" charset="0"/>
+              <a:cs typeface="Courier New" panose="02070309020205020404" pitchFamily="49" charset="0"/>
+            </a:endParaRPr>
+          </a:p>
+        </p:txBody>
+      </p:sp>
+      <p:sp>
+        <p:nvSpPr>
+          <p:cNvPr id="6" name="Segnaposto contenuto 5">
+            <a:extLst>
+              <a:ext uri="{FF2B5EF4-FFF2-40B4-BE49-F238E27FC236}">
+                <a16:creationId xmlns:a16="http://schemas.microsoft.com/office/drawing/2014/main" id="{4F2A620B-9C4E-4773-8FFD-35B0BBCC0A67}"/>
+              </a:ext>
+            </a:extLst>
+          </p:cNvPr>
+          <p:cNvSpPr>
+            <a:spLocks noGrp="1"/>
+          </p:cNvSpPr>
+          <p:nvPr>
+            <p:ph sz="half" idx="2"/>
+          </p:nvPr>
+        </p:nvSpPr>
+        <p:spPr/>
+        <p:txBody>
+          <a:bodyPr/>
+          <a:lstStyle/>
+          <a:p>
+            <a:pPr marL="0" indent="0">
+              <a:buNone/>
+            </a:pPr>
+            <a:r>
+              <a:rPr lang="it-IT" sz="1600" b="1" dirty="0">
+                <a:latin typeface="Courier New" panose="02070309020205020404" pitchFamily="49" charset="0"/>
+                <a:cs typeface="Courier New" panose="02070309020205020404" pitchFamily="49" charset="0"/>
+              </a:rPr>
+              <a:t>class </a:t>
+            </a:r>
+            <a:r>
+              <a:rPr lang="it-IT" sz="1600" b="1" dirty="0">
+                <a:solidFill>
+                  <a:srgbClr val="FF0000"/>
+                </a:solidFill>
+                <a:latin typeface="Courier New" panose="02070309020205020404" pitchFamily="49" charset="0"/>
+                <a:cs typeface="Courier New" panose="02070309020205020404" pitchFamily="49" charset="0"/>
+              </a:rPr>
+              <a:t>Bishop</a:t>
+            </a:r>
+            <a:r>
+              <a:rPr lang="it-IT" sz="1600" b="1" dirty="0">
+                <a:latin typeface="Courier New" panose="02070309020205020404" pitchFamily="49" charset="0"/>
+                <a:cs typeface="Courier New" panose="02070309020205020404" pitchFamily="49" charset="0"/>
+              </a:rPr>
+              <a:t> : </a:t>
+            </a:r>
+            <a:r>
+              <a:rPr lang="it-IT" sz="1600" b="1" dirty="0">
+                <a:solidFill>
+                  <a:srgbClr val="FF0000"/>
+                </a:solidFill>
+                <a:latin typeface="Courier New" panose="02070309020205020404" pitchFamily="49" charset="0"/>
+                <a:cs typeface="Courier New" panose="02070309020205020404" pitchFamily="49" charset="0"/>
+              </a:rPr>
+              <a:t>public </a:t>
+            </a:r>
+            <a:r>
+              <a:rPr lang="it-IT" sz="1600" b="1" dirty="0" err="1">
+                <a:solidFill>
+                  <a:srgbClr val="FF0000"/>
+                </a:solidFill>
+                <a:latin typeface="Courier New" panose="02070309020205020404" pitchFamily="49" charset="0"/>
+                <a:cs typeface="Courier New" panose="02070309020205020404" pitchFamily="49" charset="0"/>
+              </a:rPr>
+              <a:t>ChessPiece</a:t>
+            </a:r>
+            <a:r>
+              <a:rPr lang="it-IT" sz="1600" b="1" dirty="0">
+                <a:solidFill>
+                  <a:srgbClr val="FF0000"/>
+                </a:solidFill>
+                <a:latin typeface="Courier New" panose="02070309020205020404" pitchFamily="49" charset="0"/>
+                <a:cs typeface="Courier New" panose="02070309020205020404" pitchFamily="49" charset="0"/>
+              </a:rPr>
+              <a:t> </a:t>
+            </a:r>
+            <a:r>
+              <a:rPr lang="it-IT" sz="1600" b="1" dirty="0">
+                <a:latin typeface="Courier New" panose="02070309020205020404" pitchFamily="49" charset="0"/>
+                <a:cs typeface="Courier New" panose="02070309020205020404" pitchFamily="49" charset="0"/>
+              </a:rPr>
+              <a:t>{</a:t>
+            </a:r>
+          </a:p>
+          <a:p>
+            <a:pPr marL="0" indent="0">
+              <a:buNone/>
+            </a:pPr>
+            <a:r>
+              <a:rPr lang="it-IT" sz="1600" b="1" dirty="0">
+                <a:latin typeface="Courier New" panose="02070309020205020404" pitchFamily="49" charset="0"/>
+                <a:cs typeface="Courier New" panose="02070309020205020404" pitchFamily="49" charset="0"/>
+              </a:rPr>
+              <a:t>    public:</a:t>
+            </a:r>
+          </a:p>
+          <a:p>
+            <a:pPr marL="0" indent="0">
+              <a:buNone/>
+            </a:pPr>
+            <a:r>
+              <a:rPr lang="it-IT" sz="1600" b="1" dirty="0">
+                <a:latin typeface="Courier New" panose="02070309020205020404" pitchFamily="49" charset="0"/>
+                <a:cs typeface="Courier New" panose="02070309020205020404" pitchFamily="49" charset="0"/>
+              </a:rPr>
+              <a:t>        Bishop();</a:t>
+            </a:r>
+          </a:p>
+          <a:p>
+            <a:pPr marL="0" indent="0">
+              <a:buNone/>
+            </a:pPr>
+            <a:r>
+              <a:rPr lang="it-IT" sz="1600" b="1" dirty="0">
+                <a:latin typeface="Courier New" panose="02070309020205020404" pitchFamily="49" charset="0"/>
+                <a:cs typeface="Courier New" panose="02070309020205020404" pitchFamily="49" charset="0"/>
+              </a:rPr>
+              <a:t>        </a:t>
+            </a:r>
+            <a:r>
+              <a:rPr lang="it-IT" sz="1600" b="1" dirty="0" err="1">
+                <a:latin typeface="Courier New" panose="02070309020205020404" pitchFamily="49" charset="0"/>
+                <a:cs typeface="Courier New" panose="02070309020205020404" pitchFamily="49" charset="0"/>
+              </a:rPr>
+              <a:t>virtual</a:t>
+            </a:r>
+            <a:r>
+              <a:rPr lang="it-IT" sz="1600" b="1" dirty="0">
+                <a:latin typeface="Courier New" panose="02070309020205020404" pitchFamily="49" charset="0"/>
+                <a:cs typeface="Courier New" panose="02070309020205020404" pitchFamily="49" charset="0"/>
+              </a:rPr>
+              <a:t> ~Bishop();</a:t>
+            </a:r>
+          </a:p>
+          <a:p>
+            <a:pPr marL="0" indent="0">
+              <a:buNone/>
+            </a:pPr>
+            <a:r>
+              <a:rPr lang="it-IT" sz="1600" b="1" dirty="0">
+                <a:latin typeface="Courier New" panose="02070309020205020404" pitchFamily="49" charset="0"/>
+                <a:cs typeface="Courier New" panose="02070309020205020404" pitchFamily="49" charset="0"/>
+              </a:rPr>
+              <a:t>        </a:t>
+            </a:r>
+            <a:r>
+              <a:rPr lang="it-IT" sz="1600" b="1" dirty="0" err="1">
+                <a:solidFill>
+                  <a:srgbClr val="FF0000"/>
+                </a:solidFill>
+                <a:latin typeface="Courier New" panose="02070309020205020404" pitchFamily="49" charset="0"/>
+                <a:cs typeface="Courier New" panose="02070309020205020404" pitchFamily="49" charset="0"/>
+              </a:rPr>
+              <a:t>void</a:t>
+            </a:r>
+            <a:r>
+              <a:rPr lang="it-IT" sz="1600" b="1" dirty="0">
+                <a:solidFill>
+                  <a:srgbClr val="FF0000"/>
+                </a:solidFill>
+                <a:latin typeface="Courier New" panose="02070309020205020404" pitchFamily="49" charset="0"/>
+                <a:cs typeface="Courier New" panose="02070309020205020404" pitchFamily="49" charset="0"/>
+              </a:rPr>
+              <a:t> </a:t>
+            </a:r>
+            <a:r>
+              <a:rPr lang="it-IT" sz="1600" b="1" dirty="0" err="1">
+                <a:solidFill>
+                  <a:srgbClr val="FF0000"/>
+                </a:solidFill>
+                <a:latin typeface="Courier New" panose="02070309020205020404" pitchFamily="49" charset="0"/>
+                <a:cs typeface="Courier New" panose="02070309020205020404" pitchFamily="49" charset="0"/>
+              </a:rPr>
+              <a:t>move</a:t>
+            </a:r>
+            <a:r>
+              <a:rPr lang="it-IT" sz="1600" b="1" dirty="0">
+                <a:solidFill>
+                  <a:srgbClr val="FF0000"/>
+                </a:solidFill>
+                <a:latin typeface="Courier New" panose="02070309020205020404" pitchFamily="49" charset="0"/>
+                <a:cs typeface="Courier New" panose="02070309020205020404" pitchFamily="49" charset="0"/>
+              </a:rPr>
+              <a:t>();</a:t>
+            </a:r>
+          </a:p>
+          <a:p>
+            <a:pPr marL="0" indent="0">
+              <a:buNone/>
+            </a:pPr>
+            <a:r>
+              <a:rPr lang="it-IT" sz="1600" b="1" dirty="0">
+                <a:latin typeface="Courier New" panose="02070309020205020404" pitchFamily="49" charset="0"/>
+                <a:cs typeface="Courier New" panose="02070309020205020404" pitchFamily="49" charset="0"/>
+              </a:rPr>
+              <a:t>    private:</a:t>
+            </a:r>
+          </a:p>
+          <a:p>
+            <a:pPr marL="0" indent="0">
+              <a:buNone/>
+            </a:pPr>
+            <a:r>
+              <a:rPr lang="it-IT" sz="1600" b="1" dirty="0">
+                <a:latin typeface="Courier New" panose="02070309020205020404" pitchFamily="49" charset="0"/>
+                <a:cs typeface="Courier New" panose="02070309020205020404" pitchFamily="49" charset="0"/>
+              </a:rPr>
+              <a:t>};</a:t>
+            </a:r>
+          </a:p>
+          <a:p>
+            <a:pPr marL="0" indent="0">
+              <a:buNone/>
+            </a:pPr>
+            <a:r>
+              <a:rPr lang="it-IT" sz="1600" b="1" dirty="0">
+                <a:latin typeface="Courier New" panose="02070309020205020404" pitchFamily="49" charset="0"/>
+                <a:cs typeface="Courier New" panose="02070309020205020404" pitchFamily="49" charset="0"/>
+              </a:rPr>
+              <a:t>…</a:t>
+            </a:r>
+          </a:p>
+          <a:p>
+            <a:pPr marL="0" indent="0">
+              <a:buNone/>
+            </a:pPr>
+            <a:r>
+              <a:rPr lang="it-IT" sz="1600" b="1" dirty="0">
+                <a:latin typeface="Courier New" panose="02070309020205020404" pitchFamily="49" charset="0"/>
+                <a:cs typeface="Courier New" panose="02070309020205020404" pitchFamily="49" charset="0"/>
+              </a:rPr>
+              <a:t>Bishop::Bishop(){</a:t>
+            </a:r>
+          </a:p>
+          <a:p>
+            <a:pPr marL="0" indent="0">
+              <a:buNone/>
+            </a:pPr>
+            <a:r>
+              <a:rPr lang="it-IT" sz="1600" b="1" dirty="0">
+                <a:latin typeface="Courier New" panose="02070309020205020404" pitchFamily="49" charset="0"/>
+                <a:cs typeface="Courier New" panose="02070309020205020404" pitchFamily="49" charset="0"/>
+              </a:rPr>
+              <a:t>    </a:t>
+            </a:r>
+            <a:r>
+              <a:rPr lang="it-IT" sz="1600" b="1" dirty="0" err="1">
+                <a:solidFill>
+                  <a:srgbClr val="FF0000"/>
+                </a:solidFill>
+                <a:latin typeface="Courier New" panose="02070309020205020404" pitchFamily="49" charset="0"/>
+                <a:cs typeface="Courier New" panose="02070309020205020404" pitchFamily="49" charset="0"/>
+              </a:rPr>
+              <a:t>setName</a:t>
+            </a:r>
+            <a:r>
+              <a:rPr lang="it-IT" sz="1600" b="1" dirty="0">
+                <a:solidFill>
+                  <a:srgbClr val="FF0000"/>
+                </a:solidFill>
+                <a:latin typeface="Courier New" panose="02070309020205020404" pitchFamily="49" charset="0"/>
+                <a:cs typeface="Courier New" panose="02070309020205020404" pitchFamily="49" charset="0"/>
+              </a:rPr>
+              <a:t>("Bishop");</a:t>
+            </a:r>
+          </a:p>
+          <a:p>
+            <a:pPr marL="0" indent="0">
+              <a:buNone/>
+            </a:pPr>
+            <a:r>
+              <a:rPr lang="it-IT" sz="1600" b="1" dirty="0">
+                <a:latin typeface="Courier New" panose="02070309020205020404" pitchFamily="49" charset="0"/>
+                <a:cs typeface="Courier New" panose="02070309020205020404" pitchFamily="49" charset="0"/>
+              </a:rPr>
+              <a:t>}</a:t>
+            </a:r>
+          </a:p>
+          <a:p>
+            <a:pPr marL="0" indent="0">
+              <a:buNone/>
+            </a:pPr>
+            <a:r>
+              <a:rPr lang="it-IT" sz="1600" b="1" dirty="0">
+                <a:latin typeface="Courier New" panose="02070309020205020404" pitchFamily="49" charset="0"/>
+                <a:cs typeface="Courier New" panose="02070309020205020404" pitchFamily="49" charset="0"/>
+              </a:rPr>
+              <a:t>…</a:t>
+            </a:r>
+          </a:p>
+          <a:p>
+            <a:pPr marL="0" indent="0">
+              <a:buNone/>
+            </a:pPr>
+            <a:r>
+              <a:rPr lang="it-IT" sz="1600" b="1" dirty="0" err="1">
+                <a:solidFill>
+                  <a:srgbClr val="FF0000"/>
+                </a:solidFill>
+                <a:latin typeface="Courier New" panose="02070309020205020404" pitchFamily="49" charset="0"/>
+                <a:cs typeface="Courier New" panose="02070309020205020404" pitchFamily="49" charset="0"/>
+              </a:rPr>
+              <a:t>void</a:t>
+            </a:r>
+            <a:r>
+              <a:rPr lang="it-IT" sz="1600" b="1" dirty="0">
+                <a:solidFill>
+                  <a:srgbClr val="FF0000"/>
+                </a:solidFill>
+                <a:latin typeface="Courier New" panose="02070309020205020404" pitchFamily="49" charset="0"/>
+                <a:cs typeface="Courier New" panose="02070309020205020404" pitchFamily="49" charset="0"/>
+              </a:rPr>
+              <a:t> Bishop::</a:t>
+            </a:r>
+            <a:r>
+              <a:rPr lang="it-IT" sz="1600" b="1" dirty="0" err="1">
+                <a:solidFill>
+                  <a:srgbClr val="FF0000"/>
+                </a:solidFill>
+                <a:latin typeface="Courier New" panose="02070309020205020404" pitchFamily="49" charset="0"/>
+                <a:cs typeface="Courier New" panose="02070309020205020404" pitchFamily="49" charset="0"/>
+              </a:rPr>
+              <a:t>move</a:t>
+            </a:r>
+            <a:r>
+              <a:rPr lang="it-IT" sz="1600" b="1" dirty="0">
+                <a:solidFill>
+                  <a:srgbClr val="FF0000"/>
+                </a:solidFill>
+                <a:latin typeface="Courier New" panose="02070309020205020404" pitchFamily="49" charset="0"/>
+                <a:cs typeface="Courier New" panose="02070309020205020404" pitchFamily="49" charset="0"/>
+              </a:rPr>
+              <a:t>() {</a:t>
+            </a:r>
+          </a:p>
+          <a:p>
+            <a:pPr marL="0" indent="0">
+              <a:buNone/>
+            </a:pPr>
+            <a:r>
+              <a:rPr lang="it-IT" sz="1600" b="1" dirty="0">
+                <a:solidFill>
+                  <a:srgbClr val="FF0000"/>
+                </a:solidFill>
+                <a:latin typeface="Courier New" panose="02070309020205020404" pitchFamily="49" charset="0"/>
+                <a:cs typeface="Courier New" panose="02070309020205020404" pitchFamily="49" charset="0"/>
+              </a:rPr>
+              <a:t>    </a:t>
+            </a:r>
+            <a:r>
+              <a:rPr lang="it-IT" sz="1600" b="1" dirty="0" err="1">
+                <a:solidFill>
+                  <a:srgbClr val="FF0000"/>
+                </a:solidFill>
+                <a:latin typeface="Courier New" panose="02070309020205020404" pitchFamily="49" charset="0"/>
+                <a:cs typeface="Courier New" panose="02070309020205020404" pitchFamily="49" charset="0"/>
+              </a:rPr>
+              <a:t>std</a:t>
+            </a:r>
+            <a:r>
+              <a:rPr lang="it-IT" sz="1600" b="1" dirty="0">
+                <a:solidFill>
+                  <a:srgbClr val="FF0000"/>
+                </a:solidFill>
+                <a:latin typeface="Courier New" panose="02070309020205020404" pitchFamily="49" charset="0"/>
+                <a:cs typeface="Courier New" panose="02070309020205020404" pitchFamily="49" charset="0"/>
+              </a:rPr>
+              <a:t>::</a:t>
+            </a:r>
+            <a:r>
+              <a:rPr lang="it-IT" sz="1600" b="1" dirty="0" err="1">
+                <a:solidFill>
+                  <a:srgbClr val="FF0000"/>
+                </a:solidFill>
+                <a:latin typeface="Courier New" panose="02070309020205020404" pitchFamily="49" charset="0"/>
+                <a:cs typeface="Courier New" panose="02070309020205020404" pitchFamily="49" charset="0"/>
+              </a:rPr>
+              <a:t>cout</a:t>
+            </a:r>
+            <a:r>
+              <a:rPr lang="it-IT" sz="1600" b="1" dirty="0">
+                <a:solidFill>
+                  <a:srgbClr val="FF0000"/>
+                </a:solidFill>
+                <a:latin typeface="Courier New" panose="02070309020205020404" pitchFamily="49" charset="0"/>
+                <a:cs typeface="Courier New" panose="02070309020205020404" pitchFamily="49" charset="0"/>
+              </a:rPr>
+              <a:t> &lt;&lt; "Bishop @ " &lt;&lt; </a:t>
+            </a:r>
+            <a:r>
+              <a:rPr lang="it-IT" sz="1600" b="1" dirty="0" err="1">
+                <a:solidFill>
+                  <a:srgbClr val="FF0000"/>
+                </a:solidFill>
+                <a:latin typeface="Courier New" panose="02070309020205020404" pitchFamily="49" charset="0"/>
+                <a:cs typeface="Courier New" panose="02070309020205020404" pitchFamily="49" charset="0"/>
+              </a:rPr>
+              <a:t>getColor</a:t>
+            </a:r>
+            <a:r>
+              <a:rPr lang="it-IT" sz="1600" b="1" dirty="0">
+                <a:solidFill>
+                  <a:srgbClr val="FF0000"/>
+                </a:solidFill>
+                <a:latin typeface="Courier New" panose="02070309020205020404" pitchFamily="49" charset="0"/>
+                <a:cs typeface="Courier New" panose="02070309020205020404" pitchFamily="49" charset="0"/>
+              </a:rPr>
+              <a:t>() </a:t>
+            </a:r>
+          </a:p>
+          <a:p>
+            <a:pPr marL="0" indent="0">
+              <a:buNone/>
+            </a:pPr>
+            <a:r>
+              <a:rPr lang="it-IT" sz="1600" b="1" dirty="0">
+                <a:solidFill>
+                  <a:srgbClr val="FF0000"/>
+                </a:solidFill>
+                <a:latin typeface="Courier New" panose="02070309020205020404" pitchFamily="49" charset="0"/>
+                <a:cs typeface="Courier New" panose="02070309020205020404" pitchFamily="49" charset="0"/>
+              </a:rPr>
+              <a:t>          &lt;&lt; "," &lt;&lt; </a:t>
+            </a:r>
+            <a:r>
+              <a:rPr lang="it-IT" sz="1600" b="1" dirty="0" err="1">
+                <a:solidFill>
+                  <a:srgbClr val="FF0000"/>
+                </a:solidFill>
+                <a:latin typeface="Courier New" panose="02070309020205020404" pitchFamily="49" charset="0"/>
+                <a:cs typeface="Courier New" panose="02070309020205020404" pitchFamily="49" charset="0"/>
+              </a:rPr>
+              <a:t>getRow</a:t>
+            </a:r>
+            <a:r>
+              <a:rPr lang="it-IT" sz="1600" b="1" dirty="0">
+                <a:solidFill>
+                  <a:srgbClr val="FF0000"/>
+                </a:solidFill>
+                <a:latin typeface="Courier New" panose="02070309020205020404" pitchFamily="49" charset="0"/>
+                <a:cs typeface="Courier New" panose="02070309020205020404" pitchFamily="49" charset="0"/>
+              </a:rPr>
+              <a:t>() &lt;&lt; </a:t>
+            </a:r>
+            <a:r>
+              <a:rPr lang="it-IT" sz="1600" b="1" dirty="0" err="1">
+                <a:solidFill>
+                  <a:srgbClr val="FF0000"/>
+                </a:solidFill>
+                <a:latin typeface="Courier New" panose="02070309020205020404" pitchFamily="49" charset="0"/>
+                <a:cs typeface="Courier New" panose="02070309020205020404" pitchFamily="49" charset="0"/>
+              </a:rPr>
+              <a:t>std</a:t>
+            </a:r>
+            <a:r>
+              <a:rPr lang="it-IT" sz="1600" b="1" dirty="0">
+                <a:solidFill>
+                  <a:srgbClr val="FF0000"/>
+                </a:solidFill>
+                <a:latin typeface="Courier New" panose="02070309020205020404" pitchFamily="49" charset="0"/>
+                <a:cs typeface="Courier New" panose="02070309020205020404" pitchFamily="49" charset="0"/>
+              </a:rPr>
+              <a:t>::</a:t>
+            </a:r>
+            <a:r>
+              <a:rPr lang="it-IT" sz="1600" b="1" dirty="0" err="1">
+                <a:solidFill>
+                  <a:srgbClr val="FF0000"/>
+                </a:solidFill>
+                <a:latin typeface="Courier New" panose="02070309020205020404" pitchFamily="49" charset="0"/>
+                <a:cs typeface="Courier New" panose="02070309020205020404" pitchFamily="49" charset="0"/>
+              </a:rPr>
+              <a:t>endl</a:t>
+            </a:r>
+            <a:r>
+              <a:rPr lang="it-IT" sz="1600" b="1" dirty="0">
+                <a:solidFill>
+                  <a:srgbClr val="FF0000"/>
+                </a:solidFill>
+                <a:latin typeface="Courier New" panose="02070309020205020404" pitchFamily="49" charset="0"/>
+                <a:cs typeface="Courier New" panose="02070309020205020404" pitchFamily="49" charset="0"/>
+              </a:rPr>
+              <a:t>;</a:t>
+            </a:r>
+          </a:p>
+          <a:p>
+            <a:pPr marL="0" indent="0">
+              <a:buNone/>
+            </a:pPr>
+            <a:r>
+              <a:rPr lang="it-IT" sz="1600" b="1" dirty="0">
+                <a:solidFill>
+                  <a:srgbClr val="FF0000"/>
+                </a:solidFill>
+                <a:latin typeface="Courier New" panose="02070309020205020404" pitchFamily="49" charset="0"/>
+                <a:cs typeface="Courier New" panose="02070309020205020404" pitchFamily="49" charset="0"/>
+              </a:rPr>
+              <a:t>}</a:t>
+            </a:r>
+          </a:p>
+          <a:p>
+            <a:pPr marL="0" indent="0">
+              <a:buNone/>
+            </a:pPr>
+            <a:endParaRPr lang="it-IT" sz="1600" b="1" dirty="0">
+              <a:latin typeface="Courier New" panose="02070309020205020404" pitchFamily="49" charset="0"/>
+              <a:cs typeface="Courier New" panose="02070309020205020404" pitchFamily="49" charset="0"/>
+            </a:endParaRPr>
+          </a:p>
+        </p:txBody>
+      </p:sp>
+      <p:sp>
+        <p:nvSpPr>
+          <p:cNvPr id="4" name="Segnaposto piè di pagina 3">
+            <a:extLst>
+              <a:ext uri="{FF2B5EF4-FFF2-40B4-BE49-F238E27FC236}">
+                <a16:creationId xmlns:a16="http://schemas.microsoft.com/office/drawing/2014/main" id="{F65DA81A-52B8-48D0-B8C3-A68D4E4A7E2C}"/>
+              </a:ext>
+            </a:extLst>
+          </p:cNvPr>
+          <p:cNvSpPr>
+            <a:spLocks noGrp="1"/>
+          </p:cNvSpPr>
+          <p:nvPr>
+            <p:ph type="ftr" sz="quarter" idx="11"/>
+          </p:nvPr>
+        </p:nvSpPr>
+        <p:spPr/>
+        <p:txBody>
+          <a:bodyPr/>
+          <a:lstStyle/>
+          <a:p>
+            <a:pPr>
+              <a:defRPr/>
+            </a:pPr>
+            <a:r>
+              <a:rPr lang="it-IT"/>
+              <a:t>Alberto Ferrari – Programmazione di applicazioni SW</a:t>
+            </a:r>
+            <a:endParaRPr lang="it-IT" dirty="0"/>
+          </a:p>
+        </p:txBody>
+      </p:sp>
+    </p:spTree>
+    <p:extLst>
+      <p:ext uri="{BB962C8B-B14F-4D97-AF65-F5344CB8AC3E}">
+        <p14:creationId xmlns:p14="http://schemas.microsoft.com/office/powerpoint/2010/main" val="919488308"/>
+      </p:ext>
+    </p:extLst>
+  </p:cSld>
+  <p:clrMapOvr>
+    <a:masterClrMapping/>
+  </p:clrMapOvr>
+</p:sld>
+</file>
+
+<file path=ppt/slides/slide32.xml><?xml version="1.0" encoding="utf-8"?>
+<p:sld xmlns:a="http://schemas.openxmlformats.org/drawingml/2006/main" xmlns:r="http://schemas.openxmlformats.org/officeDocument/2006/relationships" xmlns:p="http://schemas.openxmlformats.org/presentationml/2006/main">
+  <p:cSld>
+    <p:spTree>
+      <p:nvGrpSpPr>
+        <p:cNvPr id="1" name=""/>
+        <p:cNvGrpSpPr/>
+        <p:nvPr/>
+      </p:nvGrpSpPr>
+      <p:grpSpPr>
+        <a:xfrm>
+          <a:off x="0" y="0"/>
+          <a:ext cx="0" cy="0"/>
+          <a:chOff x="0" y="0"/>
+          <a:chExt cx="0" cy="0"/>
+        </a:xfrm>
+      </p:grpSpPr>
+      <p:sp>
+        <p:nvSpPr>
+          <p:cNvPr id="2" name="Titolo 1">
+            <a:extLst>
+              <a:ext uri="{FF2B5EF4-FFF2-40B4-BE49-F238E27FC236}">
                 <a16:creationId xmlns:a16="http://schemas.microsoft.com/office/drawing/2014/main" id="{C826B65E-BB20-4DB5-914A-97418C7BBCB8}"/>
               </a:ext>
             </a:extLst>
@@ -12459,7 +14331,7 @@
 </p:sld>
 </file>
 
-<file path=ppt/slides/slide31.xml><?xml version="1.0" encoding="utf-8"?>
+<file path=ppt/slides/slide33.xml><?xml version="1.0" encoding="utf-8"?>
 <p:sld xmlns:a="http://schemas.openxmlformats.org/drawingml/2006/main" xmlns:r="http://schemas.openxmlformats.org/officeDocument/2006/relationships" xmlns:p="http://schemas.openxmlformats.org/presentationml/2006/main">
   <p:cSld>
     <p:spTree>
@@ -12650,7 +14522,7 @@
 </p:sld>
 </file>
 
-<file path=ppt/slides/slide32.xml><?xml version="1.0" encoding="utf-8"?>
+<file path=ppt/slides/slide34.xml><?xml version="1.0" encoding="utf-8"?>
 <p:sld xmlns:a="http://schemas.openxmlformats.org/drawingml/2006/main" xmlns:r="http://schemas.openxmlformats.org/officeDocument/2006/relationships" xmlns:p="http://schemas.openxmlformats.org/presentationml/2006/main">
   <p:cSld>
     <p:spTree>
@@ -12879,7 +14751,7 @@
 </p:sld>
 </file>
 
-<file path=ppt/slides/slide33.xml><?xml version="1.0" encoding="utf-8"?>
+<file path=ppt/slides/slide35.xml><?xml version="1.0" encoding="utf-8"?>
 <p:sld xmlns:a="http://schemas.openxmlformats.org/drawingml/2006/main" xmlns:r="http://schemas.openxmlformats.org/officeDocument/2006/relationships" xmlns:p="http://schemas.openxmlformats.org/presentationml/2006/main">
   <p:cSld>
     <p:spTree>
